--- a/132_AI_in_space.pptx
+++ b/132_AI_in_space.pptx
@@ -5,19 +5,21 @@
     <p:sldMasterId id="2147483726" r:id="rId1"/>
   </p:sldMasterIdLst>
   <p:notesMasterIdLst>
-    <p:notesMasterId r:id="rId12"/>
+    <p:notesMasterId r:id="rId14"/>
   </p:notesMasterIdLst>
   <p:sldIdLst>
     <p:sldId id="256" r:id="rId2"/>
     <p:sldId id="267" r:id="rId3"/>
     <p:sldId id="257" r:id="rId4"/>
-    <p:sldId id="268" r:id="rId5"/>
-    <p:sldId id="258" r:id="rId6"/>
-    <p:sldId id="259" r:id="rId7"/>
-    <p:sldId id="260" r:id="rId8"/>
-    <p:sldId id="269" r:id="rId9"/>
-    <p:sldId id="265" r:id="rId10"/>
-    <p:sldId id="266" r:id="rId11"/>
+    <p:sldId id="270" r:id="rId5"/>
+    <p:sldId id="271" r:id="rId6"/>
+    <p:sldId id="268" r:id="rId7"/>
+    <p:sldId id="258" r:id="rId8"/>
+    <p:sldId id="259" r:id="rId9"/>
+    <p:sldId id="260" r:id="rId10"/>
+    <p:sldId id="269" r:id="rId11"/>
+    <p:sldId id="265" r:id="rId12"/>
+    <p:sldId id="266" r:id="rId13"/>
   </p:sldIdLst>
   <p:sldSz cx="9144000" cy="6858000" type="screen4x3"/>
   <p:notesSz cx="6858000" cy="9144000"/>
@@ -4864,1900 +4866,6 @@
           <a:chExt cx="0" cy="0"/>
         </a:xfrm>
       </p:grpSpPr>
-      <p:sp>
-        <p:nvSpPr>
-          <p:cNvPr id="2" name="Title 1"/>
-          <p:cNvSpPr>
-            <a:spLocks noGrp="1"/>
-          </p:cNvSpPr>
-          <p:nvPr>
-            <p:ph type="title"/>
-          </p:nvPr>
-        </p:nvSpPr>
-        <p:spPr/>
-        <p:txBody>
-          <a:bodyPr/>
-          <a:lstStyle/>
-          <a:p>
-            <a:r>
-              <a:t>References</a:t>
-            </a:r>
-          </a:p>
-        </p:txBody>
-      </p:sp>
-      <p:sp>
-        <p:nvSpPr>
-          <p:cNvPr id="3" name="Content Placeholder 2"/>
-          <p:cNvSpPr>
-            <a:spLocks noGrp="1"/>
-          </p:cNvSpPr>
-          <p:nvPr>
-            <p:ph idx="1"/>
-          </p:nvPr>
-        </p:nvSpPr>
-        <p:spPr/>
-        <p:txBody>
-          <a:bodyPr>
-            <a:normAutofit lnSpcReduction="10000"/>
-          </a:bodyPr>
-          <a:lstStyle/>
-          <a:p>
-            <a:pPr algn="just">
-              <a:buSzPct val="121000"/>
-              <a:buFont typeface="Arial" panose="020B0604020202020204" pitchFamily="34" charset="0"/>
-              <a:buChar char="•"/>
-            </a:pPr>
-            <a:r>
-              <a:rPr lang="en-US" b="1" dirty="0"/>
-              <a:t>Books</a:t>
-            </a:r>
-            <a:endParaRPr lang="en-US" dirty="0"/>
-          </a:p>
-          <a:p>
-            <a:pPr lvl="1" algn="just">
-              <a:buSzPct val="100000"/>
-              <a:buFont typeface="Courier New" panose="02070309020205020404" pitchFamily="49" charset="0"/>
-              <a:buChar char="o"/>
-            </a:pPr>
-            <a:r>
-              <a:rPr lang="en-US" dirty="0"/>
-              <a:t>George Anthony Gal et al., </a:t>
-            </a:r>
-            <a:r>
-              <a:rPr lang="en-US" i="1" dirty="0"/>
-              <a:t>Artificial Intelligence in Space</a:t>
-            </a:r>
-            <a:r>
-              <a:rPr lang="en-US" dirty="0"/>
-              <a:t>, 2025.</a:t>
-            </a:r>
-          </a:p>
-          <a:p>
-            <a:pPr algn="just">
-              <a:buSzPct val="121000"/>
-              <a:buFont typeface="Arial" panose="020B0604020202020204" pitchFamily="34" charset="0"/>
-              <a:buChar char="•"/>
-            </a:pPr>
-            <a:r>
-              <a:rPr lang="en-US" b="1" dirty="0"/>
-              <a:t>Research Papers / Journal Articles</a:t>
-            </a:r>
-            <a:endParaRPr lang="en-US" dirty="0"/>
-          </a:p>
-          <a:p>
-            <a:pPr marL="544068" lvl="1" indent="-342900" algn="just">
-              <a:buSzPct val="100000"/>
-              <a:buFont typeface="+mj-lt"/>
-              <a:buAutoNum type="arabicPeriod"/>
-            </a:pPr>
-            <a:r>
-              <a:rPr lang="en-US" dirty="0"/>
-              <a:t>Downer, B. (2018). </a:t>
-            </a:r>
-            <a:r>
-              <a:rPr lang="en-US" i="1" dirty="0"/>
-              <a:t>The Role of AI in Space Exploration</a:t>
-            </a:r>
-            <a:r>
-              <a:rPr lang="en-US" dirty="0"/>
-              <a:t>.</a:t>
-            </a:r>
-          </a:p>
-          <a:p>
-            <a:pPr marL="544068" lvl="1" indent="-342900" algn="just">
-              <a:buSzPct val="100000"/>
-              <a:buFont typeface="+mj-lt"/>
-              <a:buAutoNum type="arabicPeriod"/>
-            </a:pPr>
-            <a:r>
-              <a:rPr lang="en-US" dirty="0" err="1"/>
-              <a:t>Soille</a:t>
-            </a:r>
-            <a:r>
-              <a:rPr lang="en-US" dirty="0"/>
-              <a:t>, P</a:t>
-            </a:r>
-            <a:r>
-              <a:rPr lang="en-US" dirty="0" smtClean="0"/>
-              <a:t>. </a:t>
-            </a:r>
-            <a:r>
-              <a:rPr lang="en-US" dirty="0"/>
-              <a:t>(2019). </a:t>
-            </a:r>
-            <a:r>
-              <a:rPr lang="en-US" i="1" dirty="0"/>
-              <a:t>Big Data from Space (BiDS’2019)</a:t>
-            </a:r>
-            <a:r>
-              <a:rPr lang="en-US" dirty="0"/>
-              <a:t>.</a:t>
-            </a:r>
-          </a:p>
-          <a:p>
-            <a:pPr marL="544068" lvl="1" indent="-342900" algn="just">
-              <a:buSzPct val="100000"/>
-              <a:buFont typeface="+mj-lt"/>
-              <a:buAutoNum type="arabicPeriod"/>
-            </a:pPr>
-            <a:r>
-              <a:rPr lang="en-US" dirty="0"/>
-              <a:t>DeepMind (2021). </a:t>
-            </a:r>
-            <a:r>
-              <a:rPr lang="en-US" i="1" dirty="0"/>
-              <a:t>AI in Astronomy Research</a:t>
-            </a:r>
-            <a:r>
-              <a:rPr lang="en-US" dirty="0"/>
-              <a:t>.</a:t>
-            </a:r>
-          </a:p>
-          <a:p>
-            <a:pPr marL="544068" lvl="1" indent="-342900" algn="just">
-              <a:buSzPct val="100000"/>
-              <a:buFont typeface="+mj-lt"/>
-              <a:buAutoNum type="arabicPeriod"/>
-            </a:pPr>
-            <a:r>
-              <a:rPr lang="en-US" dirty="0"/>
-              <a:t>JAXA (2022). </a:t>
-            </a:r>
-            <a:r>
-              <a:rPr lang="en-US" i="1" dirty="0"/>
-              <a:t>Astronaut Health and Safety AI Applications</a:t>
-            </a:r>
-            <a:r>
-              <a:rPr lang="en-US" dirty="0"/>
-              <a:t>.</a:t>
-            </a:r>
-          </a:p>
-          <a:p>
-            <a:pPr algn="just">
-              <a:buSzPct val="121000"/>
-              <a:buFont typeface="Arial" panose="020B0604020202020204" pitchFamily="34" charset="0"/>
-              <a:buChar char="•"/>
-            </a:pPr>
-            <a:r>
-              <a:rPr lang="en-US" b="1" dirty="0"/>
-              <a:t>Websites / Online Reports</a:t>
-            </a:r>
-            <a:endParaRPr lang="en-US" dirty="0"/>
-          </a:p>
-          <a:p>
-            <a:pPr lvl="1" algn="just">
-              <a:buSzPct val="100000"/>
-              <a:buFont typeface="Courier New" panose="02070309020205020404" pitchFamily="49" charset="0"/>
-              <a:buChar char="o"/>
-            </a:pPr>
-            <a:r>
-              <a:rPr lang="en-US" dirty="0"/>
-              <a:t>European Space Agency (2019). </a:t>
-            </a:r>
-            <a:r>
-              <a:rPr lang="en-US" i="1" dirty="0"/>
-              <a:t>What is Space 4.0</a:t>
-            </a:r>
-            <a:r>
-              <a:rPr lang="en-US" i="1" dirty="0" smtClean="0"/>
-              <a:t>?</a:t>
-            </a:r>
-            <a:r>
-              <a:rPr lang="en-US" dirty="0" smtClean="0"/>
-              <a:t> </a:t>
-            </a:r>
-            <a:r>
-              <a:rPr lang="en-US" dirty="0"/>
-              <a:t>Available at: </a:t>
-            </a:r>
-            <a:r>
-              <a:rPr lang="en-US" dirty="0">
-                <a:hlinkClick r:id="rId2"/>
-              </a:rPr>
-              <a:t>https://</a:t>
-            </a:r>
-            <a:r>
-              <a:rPr lang="en-US" dirty="0" smtClean="0">
-                <a:hlinkClick r:id="rId2"/>
-              </a:rPr>
-              <a:t>www.esa.int/Enabling_Support/Preparing_for_the_Future/Discovery_and_Preparation/Artificial_intelligence_in_space</a:t>
-            </a:r>
-            <a:endParaRPr lang="en-US" dirty="0" smtClean="0"/>
-          </a:p>
-          <a:p>
-            <a:pPr lvl="1" algn="just">
-              <a:buSzPct val="100000"/>
-              <a:buFont typeface="Courier New" panose="02070309020205020404" pitchFamily="49" charset="0"/>
-              <a:buChar char="o"/>
-            </a:pPr>
-            <a:r>
-              <a:rPr lang="en-US" dirty="0" smtClean="0"/>
-              <a:t>NASA </a:t>
-            </a:r>
-            <a:r>
-              <a:rPr lang="en-US" dirty="0"/>
-              <a:t>(2020). </a:t>
-            </a:r>
-            <a:r>
-              <a:rPr lang="en-US" i="1" dirty="0"/>
-              <a:t>AI Applications in Space Exploration</a:t>
-            </a:r>
-            <a:r>
-              <a:rPr lang="en-US" dirty="0" smtClean="0"/>
-              <a:t>. </a:t>
-            </a:r>
-            <a:r>
-              <a:rPr lang="en-US" dirty="0"/>
-              <a:t>Available at: </a:t>
-            </a:r>
-            <a:r>
-              <a:rPr lang="en-US" dirty="0">
-                <a:hlinkClick r:id="rId3"/>
-              </a:rPr>
-              <a:t>https://</a:t>
-            </a:r>
-            <a:r>
-              <a:rPr lang="en-US" dirty="0" smtClean="0">
-                <a:hlinkClick r:id="rId3"/>
-              </a:rPr>
-              <a:t>www.nasa.gov/artificial-intelligence</a:t>
-            </a:r>
-            <a:endParaRPr lang="en-US" dirty="0"/>
-          </a:p>
-        </p:txBody>
-      </p:sp>
-      <p:sp>
-        <p:nvSpPr>
-          <p:cNvPr id="4" name="Footer Placeholder 3">
-            <a:extLst>
-              <a:ext uri="{FF2B5EF4-FFF2-40B4-BE49-F238E27FC236}">
-                <a16:creationId xmlns:a16="http://schemas.microsoft.com/office/drawing/2014/main" xmlns="" id="{A846E28C-DA76-492B-87F4-6EB0290B0671}"/>
-              </a:ext>
-            </a:extLst>
-          </p:cNvPr>
-          <p:cNvSpPr>
-            <a:spLocks noGrp="1"/>
-          </p:cNvSpPr>
-          <p:nvPr>
-            <p:ph type="ftr" sz="quarter" idx="11"/>
-          </p:nvPr>
-        </p:nvSpPr>
-        <p:spPr/>
-        <p:txBody>
-          <a:bodyPr/>
-          <a:lstStyle/>
-          <a:p>
-            <a:r>
-              <a:rPr lang="en-US"/>
-              <a:t>Department of Computer Engineering</a:t>
-            </a:r>
-          </a:p>
-        </p:txBody>
-      </p:sp>
-      <p:sp>
-        <p:nvSpPr>
-          <p:cNvPr id="5" name="Slide Number Placeholder 4">
-            <a:extLst>
-              <a:ext uri="{FF2B5EF4-FFF2-40B4-BE49-F238E27FC236}">
-                <a16:creationId xmlns:a16="http://schemas.microsoft.com/office/drawing/2014/main" xmlns="" id="{668ECB82-C8E0-4B8B-9809-20453A603447}"/>
-              </a:ext>
-            </a:extLst>
-          </p:cNvPr>
-          <p:cNvSpPr>
-            <a:spLocks noGrp="1"/>
-          </p:cNvSpPr>
-          <p:nvPr>
-            <p:ph type="sldNum" sz="quarter" idx="12"/>
-          </p:nvPr>
-        </p:nvSpPr>
-        <p:spPr/>
-        <p:txBody>
-          <a:bodyPr/>
-          <a:lstStyle/>
-          <a:p>
-            <a:fld id="{C1FF6DA9-008F-8B48-92A6-B652298478BF}" type="slidenum">
-              <a:rPr lang="en-US" smtClean="0"/>
-              <a:t>10</a:t>
-            </a:fld>
-            <a:endParaRPr lang="en-US"/>
-          </a:p>
-        </p:txBody>
-      </p:sp>
-    </p:spTree>
-  </p:cSld>
-  <p:clrMapOvr>
-    <a:masterClrMapping/>
-  </p:clrMapOvr>
-  <p:timing>
-    <p:tnLst>
-      <p:par>
-        <p:cTn id="1" dur="indefinite" restart="never" nodeType="tmRoot"/>
-      </p:par>
-    </p:tnLst>
-  </p:timing>
-</p:sld>
-</file>
-
-<file path=ppt/slides/slide2.xml><?xml version="1.0" encoding="utf-8"?>
-<p:sld xmlns:a="http://schemas.openxmlformats.org/drawingml/2006/main" xmlns:r="http://schemas.openxmlformats.org/officeDocument/2006/relationships" xmlns:p="http://schemas.openxmlformats.org/presentationml/2006/main">
-  <p:cSld>
-    <p:spTree>
-      <p:nvGrpSpPr>
-        <p:cNvPr id="1" name=""/>
-        <p:cNvGrpSpPr/>
-        <p:nvPr/>
-      </p:nvGrpSpPr>
-      <p:grpSpPr>
-        <a:xfrm>
-          <a:off x="0" y="0"/>
-          <a:ext cx="0" cy="0"/>
-          <a:chOff x="0" y="0"/>
-          <a:chExt cx="0" cy="0"/>
-        </a:xfrm>
-      </p:grpSpPr>
-      <p:sp>
-        <p:nvSpPr>
-          <p:cNvPr id="2" name="Title 1">
-            <a:extLst>
-              <a:ext uri="{FF2B5EF4-FFF2-40B4-BE49-F238E27FC236}">
-                <a16:creationId xmlns:a16="http://schemas.microsoft.com/office/drawing/2014/main" xmlns="" id="{23EC7F7E-2A77-430B-AFE6-DE135E673518}"/>
-              </a:ext>
-            </a:extLst>
-          </p:cNvPr>
-          <p:cNvSpPr>
-            <a:spLocks noGrp="1"/>
-          </p:cNvSpPr>
-          <p:nvPr>
-            <p:ph type="title"/>
-          </p:nvPr>
-        </p:nvSpPr>
-        <p:spPr/>
-        <p:txBody>
-          <a:bodyPr/>
-          <a:lstStyle/>
-          <a:p>
-            <a:r>
-              <a:rPr lang="en-IN" dirty="0"/>
-              <a:t>Content</a:t>
-            </a:r>
-          </a:p>
-        </p:txBody>
-      </p:sp>
-      <p:sp>
-        <p:nvSpPr>
-          <p:cNvPr id="3" name="Content Placeholder 2">
-            <a:extLst>
-              <a:ext uri="{FF2B5EF4-FFF2-40B4-BE49-F238E27FC236}">
-                <a16:creationId xmlns:a16="http://schemas.microsoft.com/office/drawing/2014/main" xmlns="" id="{A41DB071-F4FD-4842-AD86-70E75FCD029A}"/>
-              </a:ext>
-            </a:extLst>
-          </p:cNvPr>
-          <p:cNvSpPr>
-            <a:spLocks noGrp="1"/>
-          </p:cNvSpPr>
-          <p:nvPr>
-            <p:ph idx="1"/>
-          </p:nvPr>
-        </p:nvSpPr>
-        <p:spPr/>
-        <p:txBody>
-          <a:bodyPr/>
-          <a:lstStyle/>
-          <a:p>
-            <a:pPr marL="514350" indent="-514350">
-              <a:buFont typeface="+mj-lt"/>
-              <a:buAutoNum type="arabicPeriod"/>
-            </a:pPr>
-            <a:r>
-              <a:rPr lang="en-GB" dirty="0">
-                <a:latin typeface="Inter" charset="0"/>
-                <a:ea typeface="Inter" charset="0"/>
-              </a:rPr>
-              <a:t>Introduction of topic</a:t>
-            </a:r>
-          </a:p>
-          <a:p>
-            <a:pPr marL="514350" indent="-514350">
-              <a:buFont typeface="+mj-lt"/>
-              <a:buAutoNum type="arabicPeriod"/>
-            </a:pPr>
-            <a:r>
-              <a:rPr lang="en-GB" dirty="0">
-                <a:latin typeface="Inter" charset="0"/>
-                <a:ea typeface="Inter" charset="0"/>
-              </a:rPr>
-              <a:t>Motivation</a:t>
-            </a:r>
-          </a:p>
-          <a:p>
-            <a:pPr marL="514350" indent="-514350">
-              <a:buFont typeface="+mj-lt"/>
-              <a:buAutoNum type="arabicPeriod"/>
-            </a:pPr>
-            <a:r>
-              <a:rPr lang="en-GB" dirty="0">
-                <a:latin typeface="Inter" charset="0"/>
-                <a:ea typeface="Inter" charset="0"/>
-              </a:rPr>
-              <a:t>Problem Statement</a:t>
-            </a:r>
-          </a:p>
-          <a:p>
-            <a:pPr marL="514350" indent="-514350">
-              <a:buFont typeface="+mj-lt"/>
-              <a:buAutoNum type="arabicPeriod"/>
-            </a:pPr>
-            <a:r>
-              <a:rPr lang="en-GB" dirty="0">
-                <a:latin typeface="Inter" charset="0"/>
-                <a:ea typeface="Inter" charset="0"/>
-              </a:rPr>
-              <a:t>Literature Review</a:t>
-            </a:r>
-          </a:p>
-          <a:p>
-            <a:pPr marL="514350" indent="-514350">
-              <a:buFont typeface="+mj-lt"/>
-              <a:buAutoNum type="arabicPeriod"/>
-            </a:pPr>
-            <a:r>
-              <a:rPr lang="en-US" kern="0" spc="-89" dirty="0">
-                <a:solidFill>
-                  <a:schemeClr val="tx1">
-                    <a:lumMod val="85000"/>
-                    <a:lumOff val="15000"/>
-                  </a:schemeClr>
-                </a:solidFill>
-                <a:latin typeface="Inter" charset="0"/>
-                <a:ea typeface="Inter" charset="0"/>
-                <a:cs typeface="Source Serif Pro" pitchFamily="34" charset="-120"/>
-              </a:rPr>
-              <a:t>Conclusion</a:t>
-            </a:r>
-          </a:p>
-          <a:p>
-            <a:pPr marL="514350" indent="-514350">
-              <a:buFont typeface="+mj-lt"/>
-              <a:buAutoNum type="arabicPeriod"/>
-            </a:pPr>
-            <a:r>
-              <a:rPr lang="en-US" kern="0" spc="-89" dirty="0">
-                <a:solidFill>
-                  <a:schemeClr val="tx1">
-                    <a:lumMod val="85000"/>
-                    <a:lumOff val="15000"/>
-                  </a:schemeClr>
-                </a:solidFill>
-                <a:latin typeface="Inter" charset="0"/>
-                <a:ea typeface="Inter" charset="0"/>
-                <a:cs typeface="Source Serif Pro" pitchFamily="34" charset="-120"/>
-              </a:rPr>
-              <a:t>References</a:t>
-            </a:r>
-            <a:endParaRPr lang="en-IN" dirty="0">
-              <a:solidFill>
-                <a:schemeClr val="tx1">
-                  <a:lumMod val="85000"/>
-                  <a:lumOff val="15000"/>
-                </a:schemeClr>
-              </a:solidFill>
-            </a:endParaRPr>
-          </a:p>
-        </p:txBody>
-      </p:sp>
-      <p:sp>
-        <p:nvSpPr>
-          <p:cNvPr id="4" name="Footer Placeholder 3">
-            <a:extLst>
-              <a:ext uri="{FF2B5EF4-FFF2-40B4-BE49-F238E27FC236}">
-                <a16:creationId xmlns:a16="http://schemas.microsoft.com/office/drawing/2014/main" xmlns="" id="{55CBE9B0-E6AB-4067-839E-CF9F0F6DF990}"/>
-              </a:ext>
-            </a:extLst>
-          </p:cNvPr>
-          <p:cNvSpPr>
-            <a:spLocks noGrp="1"/>
-          </p:cNvSpPr>
-          <p:nvPr>
-            <p:ph type="ftr" sz="quarter" idx="11"/>
-          </p:nvPr>
-        </p:nvSpPr>
-        <p:spPr/>
-        <p:txBody>
-          <a:bodyPr/>
-          <a:lstStyle/>
-          <a:p>
-            <a:r>
-              <a:rPr lang="en-US"/>
-              <a:t>Department of Computer Engineering</a:t>
-            </a:r>
-          </a:p>
-        </p:txBody>
-      </p:sp>
-      <p:sp>
-        <p:nvSpPr>
-          <p:cNvPr id="5" name="Slide Number Placeholder 4">
-            <a:extLst>
-              <a:ext uri="{FF2B5EF4-FFF2-40B4-BE49-F238E27FC236}">
-                <a16:creationId xmlns:a16="http://schemas.microsoft.com/office/drawing/2014/main" xmlns="" id="{2AECD6E5-5538-40B8-9CD8-75CBD5C846F1}"/>
-              </a:ext>
-            </a:extLst>
-          </p:cNvPr>
-          <p:cNvSpPr>
-            <a:spLocks noGrp="1"/>
-          </p:cNvSpPr>
-          <p:nvPr>
-            <p:ph type="sldNum" sz="quarter" idx="12"/>
-          </p:nvPr>
-        </p:nvSpPr>
-        <p:spPr/>
-        <p:txBody>
-          <a:bodyPr/>
-          <a:lstStyle/>
-          <a:p>
-            <a:fld id="{C1FF6DA9-008F-8B48-92A6-B652298478BF}" type="slidenum">
-              <a:rPr lang="en-US" smtClean="0"/>
-              <a:t>2</a:t>
-            </a:fld>
-            <a:endParaRPr lang="en-US"/>
-          </a:p>
-        </p:txBody>
-      </p:sp>
-    </p:spTree>
-    <p:extLst>
-      <p:ext uri="{BB962C8B-B14F-4D97-AF65-F5344CB8AC3E}">
-        <p14:creationId xmlns:p14="http://schemas.microsoft.com/office/powerpoint/2010/main" val="3991666224"/>
-      </p:ext>
-    </p:extLst>
-  </p:cSld>
-  <p:clrMapOvr>
-    <a:masterClrMapping/>
-  </p:clrMapOvr>
-  <p:timing>
-    <p:tnLst>
-      <p:par>
-        <p:cTn id="1" dur="indefinite" restart="never" nodeType="tmRoot"/>
-      </p:par>
-    </p:tnLst>
-  </p:timing>
-</p:sld>
-</file>
-
-<file path=ppt/slides/slide3.xml><?xml version="1.0" encoding="utf-8"?>
-<p:sld xmlns:a="http://schemas.openxmlformats.org/drawingml/2006/main" xmlns:r="http://schemas.openxmlformats.org/officeDocument/2006/relationships" xmlns:p="http://schemas.openxmlformats.org/presentationml/2006/main">
-  <p:cSld>
-    <p:spTree>
-      <p:nvGrpSpPr>
-        <p:cNvPr id="1" name=""/>
-        <p:cNvGrpSpPr/>
-        <p:nvPr/>
-      </p:nvGrpSpPr>
-      <p:grpSpPr>
-        <a:xfrm>
-          <a:off x="0" y="0"/>
-          <a:ext cx="0" cy="0"/>
-          <a:chOff x="0" y="0"/>
-          <a:chExt cx="0" cy="0"/>
-        </a:xfrm>
-      </p:grpSpPr>
-      <p:sp>
-        <p:nvSpPr>
-          <p:cNvPr id="2" name="Title 1"/>
-          <p:cNvSpPr>
-            <a:spLocks noGrp="1"/>
-          </p:cNvSpPr>
-          <p:nvPr>
-            <p:ph type="title"/>
-          </p:nvPr>
-        </p:nvSpPr>
-        <p:spPr/>
-        <p:txBody>
-          <a:bodyPr/>
-          <a:lstStyle/>
-          <a:p>
-            <a:r>
-              <a:t>Introduction</a:t>
-            </a:r>
-          </a:p>
-        </p:txBody>
-      </p:sp>
-      <p:sp>
-        <p:nvSpPr>
-          <p:cNvPr id="3" name="Content Placeholder 2"/>
-          <p:cNvSpPr>
-            <a:spLocks noGrp="1"/>
-          </p:cNvSpPr>
-          <p:nvPr>
-            <p:ph idx="1"/>
-          </p:nvPr>
-        </p:nvSpPr>
-        <p:spPr/>
-        <p:txBody>
-          <a:bodyPr/>
-          <a:lstStyle/>
-          <a:p>
-            <a:pPr algn="just">
-              <a:buSzPct val="121000"/>
-              <a:buFont typeface="Arial" panose="020B0604020202020204" pitchFamily="34" charset="0"/>
-              <a:buChar char="•"/>
-            </a:pPr>
-            <a:r>
-              <a:rPr lang="en-US" b="1" dirty="0" smtClean="0"/>
-              <a:t>Background </a:t>
-            </a:r>
-            <a:r>
-              <a:rPr lang="en-US" b="1" dirty="0"/>
-              <a:t>of the topic</a:t>
-            </a:r>
-            <a:r>
-              <a:rPr lang="en-US" dirty="0"/>
-              <a:t>: The governance of space activities is progressively transforming with the integration of AI and machine learning (ML). This seminar will examine the fundamental legal challenges associated with using AI in the space domain.</a:t>
-            </a:r>
-          </a:p>
-          <a:p>
-            <a:pPr algn="just">
-              <a:buSzPct val="121000"/>
-              <a:buFont typeface="Arial" panose="020B0604020202020204" pitchFamily="34" charset="0"/>
-              <a:buChar char="•"/>
-            </a:pPr>
-            <a:r>
-              <a:rPr lang="en-US" b="1" dirty="0"/>
-              <a:t>Why this seminar is chosen?</a:t>
-            </a:r>
-            <a:r>
-              <a:rPr lang="en-US" dirty="0"/>
-              <a:t>: The nature of the space and satellite industry is a quintessential use-case for AI, with applications in virtually all space activities.</a:t>
-            </a:r>
-          </a:p>
-          <a:p>
-            <a:pPr algn="just">
-              <a:buSzPct val="121000"/>
-              <a:buFont typeface="Arial" panose="020B0604020202020204" pitchFamily="34" charset="0"/>
-              <a:buChar char="•"/>
-            </a:pPr>
-            <a:r>
-              <a:rPr lang="en-US" b="1" dirty="0"/>
-              <a:t>Relevance to computer engineering / industry</a:t>
-            </a:r>
-            <a:r>
-              <a:rPr lang="en-US" dirty="0"/>
-              <a:t>: AI applications include autonomous robots like spacecraft and satellite constellations, and the analysis of big data for tasks such as debris monitoring and predictive analytics.</a:t>
-            </a:r>
-          </a:p>
-        </p:txBody>
-      </p:sp>
-      <p:sp>
-        <p:nvSpPr>
-          <p:cNvPr id="4" name="Footer Placeholder 3">
-            <a:extLst>
-              <a:ext uri="{FF2B5EF4-FFF2-40B4-BE49-F238E27FC236}">
-                <a16:creationId xmlns:a16="http://schemas.microsoft.com/office/drawing/2014/main" xmlns="" id="{41D0C085-C70E-4641-8058-B1705398892E}"/>
-              </a:ext>
-            </a:extLst>
-          </p:cNvPr>
-          <p:cNvSpPr>
-            <a:spLocks noGrp="1"/>
-          </p:cNvSpPr>
-          <p:nvPr>
-            <p:ph type="ftr" sz="quarter" idx="11"/>
-          </p:nvPr>
-        </p:nvSpPr>
-        <p:spPr/>
-        <p:txBody>
-          <a:bodyPr/>
-          <a:lstStyle/>
-          <a:p>
-            <a:r>
-              <a:rPr lang="en-US"/>
-              <a:t>Department of Computer Engineering</a:t>
-            </a:r>
-          </a:p>
-        </p:txBody>
-      </p:sp>
-      <p:sp>
-        <p:nvSpPr>
-          <p:cNvPr id="5" name="Slide Number Placeholder 4">
-            <a:extLst>
-              <a:ext uri="{FF2B5EF4-FFF2-40B4-BE49-F238E27FC236}">
-                <a16:creationId xmlns:a16="http://schemas.microsoft.com/office/drawing/2014/main" xmlns="" id="{C440A4A9-8CC3-4718-8CD5-255A125AF33B}"/>
-              </a:ext>
-            </a:extLst>
-          </p:cNvPr>
-          <p:cNvSpPr>
-            <a:spLocks noGrp="1"/>
-          </p:cNvSpPr>
-          <p:nvPr>
-            <p:ph type="sldNum" sz="quarter" idx="12"/>
-          </p:nvPr>
-        </p:nvSpPr>
-        <p:spPr/>
-        <p:txBody>
-          <a:bodyPr/>
-          <a:lstStyle/>
-          <a:p>
-            <a:fld id="{C1FF6DA9-008F-8B48-92A6-B652298478BF}" type="slidenum">
-              <a:rPr lang="en-US" smtClean="0"/>
-              <a:t>3</a:t>
-            </a:fld>
-            <a:endParaRPr lang="en-US"/>
-          </a:p>
-        </p:txBody>
-      </p:sp>
-    </p:spTree>
-  </p:cSld>
-  <p:clrMapOvr>
-    <a:masterClrMapping/>
-  </p:clrMapOvr>
-  <p:timing>
-    <p:tnLst>
-      <p:par>
-        <p:cTn id="1" dur="indefinite" restart="never" nodeType="tmRoot"/>
-      </p:par>
-    </p:tnLst>
-  </p:timing>
-</p:sld>
-</file>
-
-<file path=ppt/slides/slide4.xml><?xml version="1.0" encoding="utf-8"?>
-<p:sld xmlns:a="http://schemas.openxmlformats.org/drawingml/2006/main" xmlns:r="http://schemas.openxmlformats.org/officeDocument/2006/relationships" xmlns:p="http://schemas.openxmlformats.org/presentationml/2006/main">
-  <p:cSld>
-    <p:spTree>
-      <p:nvGrpSpPr>
-        <p:cNvPr id="1" name=""/>
-        <p:cNvGrpSpPr/>
-        <p:nvPr/>
-      </p:nvGrpSpPr>
-      <p:grpSpPr>
-        <a:xfrm>
-          <a:off x="0" y="0"/>
-          <a:ext cx="0" cy="0"/>
-          <a:chOff x="0" y="0"/>
-          <a:chExt cx="0" cy="0"/>
-        </a:xfrm>
-      </p:grpSpPr>
-      <p:sp>
-        <p:nvSpPr>
-          <p:cNvPr id="2" name="Title 1">
-            <a:extLst>
-              <a:ext uri="{FF2B5EF4-FFF2-40B4-BE49-F238E27FC236}">
-                <a16:creationId xmlns:a16="http://schemas.microsoft.com/office/drawing/2014/main" xmlns="" id="{F5950B7F-DF0D-49BA-8760-764F88F5082A}"/>
-              </a:ext>
-            </a:extLst>
-          </p:cNvPr>
-          <p:cNvSpPr>
-            <a:spLocks noGrp="1"/>
-          </p:cNvSpPr>
-          <p:nvPr>
-            <p:ph type="title"/>
-          </p:nvPr>
-        </p:nvSpPr>
-        <p:spPr>
-          <a:xfrm>
-            <a:off x="822960" y="286605"/>
-            <a:ext cx="7543800" cy="702302"/>
-          </a:xfrm>
-        </p:spPr>
-        <p:txBody>
-          <a:bodyPr>
-            <a:normAutofit fontScale="90000"/>
-          </a:bodyPr>
-          <a:lstStyle/>
-          <a:p>
-            <a:r>
-              <a:rPr lang="en-IN" dirty="0"/>
-              <a:t>Motivation</a:t>
-            </a:r>
-          </a:p>
-        </p:txBody>
-      </p:sp>
-      <p:sp>
-        <p:nvSpPr>
-          <p:cNvPr id="3" name="Content Placeholder 2">
-            <a:extLst>
-              <a:ext uri="{FF2B5EF4-FFF2-40B4-BE49-F238E27FC236}">
-                <a16:creationId xmlns:a16="http://schemas.microsoft.com/office/drawing/2014/main" xmlns="" id="{730D9C7B-D775-4A51-AB23-4DE6B4E75396}"/>
-              </a:ext>
-            </a:extLst>
-          </p:cNvPr>
-          <p:cNvSpPr>
-            <a:spLocks noGrp="1"/>
-          </p:cNvSpPr>
-          <p:nvPr>
-            <p:ph idx="1"/>
-          </p:nvPr>
-        </p:nvSpPr>
-        <p:spPr/>
-        <p:txBody>
-          <a:bodyPr>
-            <a:normAutofit fontScale="92500" lnSpcReduction="20000"/>
-          </a:bodyPr>
-          <a:lstStyle/>
-          <a:p>
-            <a:pPr algn="just">
-              <a:buSzPct val="121000"/>
-              <a:buFont typeface="Arial" panose="020B0604020202020204" pitchFamily="34" charset="0"/>
-              <a:buChar char="•"/>
-            </a:pPr>
-            <a:r>
-              <a:rPr lang="en-US" b="1" dirty="0"/>
-              <a:t>Growing complexity</a:t>
-            </a:r>
-            <a:r>
-              <a:rPr lang="en-US" dirty="0"/>
-              <a:t> of space missions → traditional ground-based control is insufficient.</a:t>
-            </a:r>
-          </a:p>
-          <a:p>
-            <a:pPr algn="just">
-              <a:buSzPct val="121000"/>
-              <a:buFont typeface="Arial" panose="020B0604020202020204" pitchFamily="34" charset="0"/>
-              <a:buChar char="•"/>
-            </a:pPr>
-            <a:r>
-              <a:rPr lang="en-US" b="1" dirty="0"/>
-              <a:t>Communication delays</a:t>
-            </a:r>
-            <a:r>
-              <a:rPr lang="en-US" dirty="0"/>
-              <a:t> with deep space (e.g., Mars-Earth: up to 24 minutes one way).</a:t>
-            </a:r>
-          </a:p>
-          <a:p>
-            <a:pPr algn="just">
-              <a:buSzPct val="121000"/>
-              <a:buFont typeface="Arial" panose="020B0604020202020204" pitchFamily="34" charset="0"/>
-              <a:buChar char="•"/>
-            </a:pPr>
-            <a:r>
-              <a:rPr lang="en-US" b="1" dirty="0"/>
-              <a:t>Massive data</a:t>
-            </a:r>
-            <a:r>
-              <a:rPr lang="en-US" dirty="0"/>
-              <a:t> from satellites, telescopes, and sensors require intelligent processing.</a:t>
-            </a:r>
-          </a:p>
-          <a:p>
-            <a:pPr algn="just">
-              <a:buSzPct val="121000"/>
-              <a:buFont typeface="Arial" panose="020B0604020202020204" pitchFamily="34" charset="0"/>
-              <a:buChar char="•"/>
-            </a:pPr>
-            <a:r>
-              <a:rPr lang="en-US" b="1" dirty="0"/>
-              <a:t>Emergence of New Space Economy</a:t>
-            </a:r>
-            <a:r>
-              <a:rPr lang="en-US" dirty="0"/>
-              <a:t>: privatization, small satellites, mega-constellations.</a:t>
-            </a:r>
-          </a:p>
-          <a:p>
-            <a:pPr algn="just">
-              <a:buSzPct val="121000"/>
-              <a:buFont typeface="Arial" panose="020B0604020202020204" pitchFamily="34" charset="0"/>
-              <a:buChar char="•"/>
-            </a:pPr>
-            <a:r>
-              <a:rPr lang="en-US" b="1" dirty="0"/>
-              <a:t>AI promises</a:t>
-            </a:r>
-            <a:r>
-              <a:rPr lang="en-US" dirty="0"/>
-              <a:t>:</a:t>
-            </a:r>
-          </a:p>
-          <a:p>
-            <a:pPr marL="749808" lvl="1" indent="-457200" algn="just">
-              <a:buFont typeface="+mj-lt"/>
-              <a:buAutoNum type="arabicPeriod"/>
-            </a:pPr>
-            <a:r>
-              <a:rPr lang="en-US" dirty="0"/>
-              <a:t>Cost reduction.</a:t>
-            </a:r>
-          </a:p>
-          <a:p>
-            <a:pPr marL="749808" lvl="1" indent="-457200" algn="just">
-              <a:buFont typeface="+mj-lt"/>
-              <a:buAutoNum type="arabicPeriod"/>
-            </a:pPr>
-            <a:r>
-              <a:rPr lang="en-US" dirty="0"/>
-              <a:t>Safer autonomous operations.</a:t>
-            </a:r>
-          </a:p>
-          <a:p>
-            <a:pPr marL="749808" lvl="1" indent="-457200" algn="just">
-              <a:buFont typeface="+mj-lt"/>
-              <a:buAutoNum type="arabicPeriod"/>
-            </a:pPr>
-            <a:r>
-              <a:rPr lang="en-US" dirty="0"/>
-              <a:t>Faster scientific discoveries.</a:t>
-            </a:r>
-          </a:p>
-          <a:p>
-            <a:pPr marL="749808" lvl="1" indent="-457200" algn="just">
-              <a:buFont typeface="+mj-lt"/>
-              <a:buAutoNum type="arabicPeriod"/>
-            </a:pPr>
-            <a:r>
-              <a:rPr lang="en-US" dirty="0"/>
-              <a:t>Strengthening space-based services for Earth (climate monitoring, smart cities, disaster management).</a:t>
-            </a:r>
-          </a:p>
-        </p:txBody>
-      </p:sp>
-      <p:sp>
-        <p:nvSpPr>
-          <p:cNvPr id="4" name="Footer Placeholder 3">
-            <a:extLst>
-              <a:ext uri="{FF2B5EF4-FFF2-40B4-BE49-F238E27FC236}">
-                <a16:creationId xmlns:a16="http://schemas.microsoft.com/office/drawing/2014/main" xmlns="" id="{FFC7056C-06A4-40A9-A864-0BA0471C00A9}"/>
-              </a:ext>
-            </a:extLst>
-          </p:cNvPr>
-          <p:cNvSpPr>
-            <a:spLocks noGrp="1"/>
-          </p:cNvSpPr>
-          <p:nvPr>
-            <p:ph type="ftr" sz="quarter" idx="11"/>
-          </p:nvPr>
-        </p:nvSpPr>
-        <p:spPr/>
-        <p:txBody>
-          <a:bodyPr/>
-          <a:lstStyle/>
-          <a:p>
-            <a:r>
-              <a:rPr lang="en-US"/>
-              <a:t>Department of Computer Engineering</a:t>
-            </a:r>
-          </a:p>
-        </p:txBody>
-      </p:sp>
-      <p:sp>
-        <p:nvSpPr>
-          <p:cNvPr id="5" name="Slide Number Placeholder 4">
-            <a:extLst>
-              <a:ext uri="{FF2B5EF4-FFF2-40B4-BE49-F238E27FC236}">
-                <a16:creationId xmlns:a16="http://schemas.microsoft.com/office/drawing/2014/main" xmlns="" id="{6E6F169A-EC18-4592-BFB6-F16C62F99296}"/>
-              </a:ext>
-            </a:extLst>
-          </p:cNvPr>
-          <p:cNvSpPr>
-            <a:spLocks noGrp="1"/>
-          </p:cNvSpPr>
-          <p:nvPr>
-            <p:ph type="sldNum" sz="quarter" idx="12"/>
-          </p:nvPr>
-        </p:nvSpPr>
-        <p:spPr/>
-        <p:txBody>
-          <a:bodyPr/>
-          <a:lstStyle/>
-          <a:p>
-            <a:fld id="{C1FF6DA9-008F-8B48-92A6-B652298478BF}" type="slidenum">
-              <a:rPr lang="en-US" smtClean="0"/>
-              <a:t>4</a:t>
-            </a:fld>
-            <a:endParaRPr lang="en-US"/>
-          </a:p>
-        </p:txBody>
-      </p:sp>
-    </p:spTree>
-    <p:extLst>
-      <p:ext uri="{BB962C8B-B14F-4D97-AF65-F5344CB8AC3E}">
-        <p14:creationId xmlns:p14="http://schemas.microsoft.com/office/powerpoint/2010/main" val="2408718184"/>
-      </p:ext>
-    </p:extLst>
-  </p:cSld>
-  <p:clrMapOvr>
-    <a:masterClrMapping/>
-  </p:clrMapOvr>
-  <p:timing>
-    <p:tnLst>
-      <p:par>
-        <p:cTn id="1" dur="indefinite" restart="never" nodeType="tmRoot"/>
-      </p:par>
-    </p:tnLst>
-  </p:timing>
-</p:sld>
-</file>
-
-<file path=ppt/slides/slide5.xml><?xml version="1.0" encoding="utf-8"?>
-<p:sld xmlns:a="http://schemas.openxmlformats.org/drawingml/2006/main" xmlns:r="http://schemas.openxmlformats.org/officeDocument/2006/relationships" xmlns:p="http://schemas.openxmlformats.org/presentationml/2006/main">
-  <p:cSld>
-    <p:spTree>
-      <p:nvGrpSpPr>
-        <p:cNvPr id="1" name=""/>
-        <p:cNvGrpSpPr/>
-        <p:nvPr/>
-      </p:nvGrpSpPr>
-      <p:grpSpPr>
-        <a:xfrm>
-          <a:off x="0" y="0"/>
-          <a:ext cx="0" cy="0"/>
-          <a:chOff x="0" y="0"/>
-          <a:chExt cx="0" cy="0"/>
-        </a:xfrm>
-      </p:grpSpPr>
-      <p:sp>
-        <p:nvSpPr>
-          <p:cNvPr id="2" name="Title 1"/>
-          <p:cNvSpPr>
-            <a:spLocks noGrp="1"/>
-          </p:cNvSpPr>
-          <p:nvPr>
-            <p:ph type="title"/>
-          </p:nvPr>
-        </p:nvSpPr>
-        <p:spPr/>
-        <p:txBody>
-          <a:bodyPr/>
-          <a:lstStyle/>
-          <a:p>
-            <a:r>
-              <a:t>Problem Statement</a:t>
-            </a:r>
-          </a:p>
-        </p:txBody>
-      </p:sp>
-      <p:sp>
-        <p:nvSpPr>
-          <p:cNvPr id="3" name="Content Placeholder 2"/>
-          <p:cNvSpPr>
-            <a:spLocks noGrp="1"/>
-          </p:cNvSpPr>
-          <p:nvPr>
-            <p:ph idx="1"/>
-          </p:nvPr>
-        </p:nvSpPr>
-        <p:spPr/>
-        <p:txBody>
-          <a:bodyPr>
-            <a:normAutofit/>
-          </a:bodyPr>
-          <a:lstStyle/>
-          <a:p>
-            <a:pPr algn="just">
-              <a:buSzPct val="121000"/>
-              <a:buFont typeface="Arial" panose="020B0604020202020204" pitchFamily="34" charset="0"/>
-              <a:buChar char="•"/>
-            </a:pPr>
-            <a:r>
-              <a:rPr lang="en-US" dirty="0"/>
-              <a:t>Human-led decision making is </a:t>
-            </a:r>
-            <a:r>
-              <a:rPr lang="en-US" b="1" dirty="0"/>
-              <a:t>slow, error-prone, and resource-heavy</a:t>
-            </a:r>
-            <a:r>
-              <a:rPr lang="en-US" dirty="0"/>
-              <a:t> for space operations.</a:t>
-            </a:r>
-          </a:p>
-          <a:p>
-            <a:pPr algn="just">
-              <a:buSzPct val="121000"/>
-              <a:buFont typeface="Arial" panose="020B0604020202020204" pitchFamily="34" charset="0"/>
-              <a:buChar char="•"/>
-            </a:pPr>
-            <a:r>
-              <a:rPr lang="en-US" dirty="0"/>
-              <a:t>Challenges:</a:t>
-            </a:r>
-          </a:p>
-          <a:p>
-            <a:pPr marL="544068" lvl="1" indent="-342900" algn="just">
-              <a:buFont typeface="+mj-lt"/>
-              <a:buAutoNum type="arabicPeriod"/>
-            </a:pPr>
-            <a:r>
-              <a:rPr lang="en-US" b="1" dirty="0"/>
-              <a:t>Real-time anomaly detection</a:t>
-            </a:r>
-            <a:r>
-              <a:rPr lang="en-US" dirty="0"/>
-              <a:t> in spacecraft systems.</a:t>
-            </a:r>
-          </a:p>
-          <a:p>
-            <a:pPr marL="544068" lvl="1" indent="-342900" algn="just">
-              <a:buFont typeface="+mj-lt"/>
-              <a:buAutoNum type="arabicPeriod"/>
-            </a:pPr>
-            <a:r>
-              <a:rPr lang="en-US" b="1" dirty="0"/>
-              <a:t>Autonomous navigation</a:t>
-            </a:r>
-            <a:r>
-              <a:rPr lang="en-US" dirty="0"/>
-              <a:t> in harsh and unknown planetary terrains.</a:t>
-            </a:r>
-          </a:p>
-          <a:p>
-            <a:pPr marL="544068" lvl="1" indent="-342900" algn="just">
-              <a:buFont typeface="+mj-lt"/>
-              <a:buAutoNum type="arabicPeriod"/>
-            </a:pPr>
-            <a:r>
-              <a:rPr lang="en-US" b="1" dirty="0"/>
-              <a:t>Collision avoidance</a:t>
-            </a:r>
-            <a:r>
-              <a:rPr lang="en-US" dirty="0"/>
-              <a:t> with space debris and natural threats (asteroids, dust).</a:t>
-            </a:r>
-          </a:p>
-          <a:p>
-            <a:pPr marL="544068" lvl="1" indent="-342900" algn="just">
-              <a:buFont typeface="+mj-lt"/>
-              <a:buAutoNum type="arabicPeriod"/>
-            </a:pPr>
-            <a:r>
-              <a:rPr lang="en-US" b="1" dirty="0"/>
-              <a:t>Data overload</a:t>
-            </a:r>
-            <a:r>
-              <a:rPr lang="en-US" dirty="0"/>
-              <a:t> from high-resolution satellites and </a:t>
-            </a:r>
-            <a:r>
-              <a:rPr lang="en-US" dirty="0" err="1"/>
-              <a:t>IoT</a:t>
-            </a:r>
-            <a:r>
-              <a:rPr lang="en-US" dirty="0"/>
-              <a:t> in space.</a:t>
-            </a:r>
-          </a:p>
-          <a:p>
-            <a:pPr marL="544068" lvl="1" indent="-342900" algn="just">
-              <a:buFont typeface="+mj-lt"/>
-              <a:buAutoNum type="arabicPeriod"/>
-            </a:pPr>
-            <a:r>
-              <a:rPr lang="en-US" b="1" dirty="0"/>
-              <a:t>Legal and ethical challenges</a:t>
-            </a:r>
-            <a:r>
-              <a:rPr lang="en-US" dirty="0"/>
-              <a:t>: privacy issues in Earth Observation, liability for AI-driven satellites.</a:t>
-            </a:r>
-          </a:p>
-          <a:p>
-            <a:pPr algn="just">
-              <a:buSzPct val="121000"/>
-              <a:buFont typeface="Arial" panose="020B0604020202020204" pitchFamily="34" charset="0"/>
-              <a:buChar char="•"/>
-            </a:pPr>
-            <a:r>
-              <a:rPr lang="en-US" dirty="0"/>
-              <a:t>Core problem: Need for </a:t>
-            </a:r>
-            <a:r>
-              <a:rPr lang="en-US" b="1" dirty="0"/>
-              <a:t>trustworthy AI systems</a:t>
-            </a:r>
-            <a:r>
-              <a:rPr lang="en-US" dirty="0"/>
-              <a:t> that can operate </a:t>
-            </a:r>
-            <a:r>
-              <a:rPr lang="en-US" b="1" dirty="0"/>
-              <a:t>autonomously and reliably in outer space</a:t>
-            </a:r>
-            <a:r>
-              <a:rPr lang="en-US" dirty="0"/>
-              <a:t>.</a:t>
-            </a:r>
-          </a:p>
-        </p:txBody>
-      </p:sp>
-      <p:sp>
-        <p:nvSpPr>
-          <p:cNvPr id="4" name="Footer Placeholder 3">
-            <a:extLst>
-              <a:ext uri="{FF2B5EF4-FFF2-40B4-BE49-F238E27FC236}">
-                <a16:creationId xmlns:a16="http://schemas.microsoft.com/office/drawing/2014/main" xmlns="" id="{35A508A9-CEB7-469E-AA8B-05D9E0B4F901}"/>
-              </a:ext>
-            </a:extLst>
-          </p:cNvPr>
-          <p:cNvSpPr>
-            <a:spLocks noGrp="1"/>
-          </p:cNvSpPr>
-          <p:nvPr>
-            <p:ph type="ftr" sz="quarter" idx="11"/>
-          </p:nvPr>
-        </p:nvSpPr>
-        <p:spPr/>
-        <p:txBody>
-          <a:bodyPr/>
-          <a:lstStyle/>
-          <a:p>
-            <a:r>
-              <a:rPr lang="en-US"/>
-              <a:t>Department of Computer Engineering</a:t>
-            </a:r>
-          </a:p>
-        </p:txBody>
-      </p:sp>
-      <p:sp>
-        <p:nvSpPr>
-          <p:cNvPr id="5" name="Slide Number Placeholder 4">
-            <a:extLst>
-              <a:ext uri="{FF2B5EF4-FFF2-40B4-BE49-F238E27FC236}">
-                <a16:creationId xmlns:a16="http://schemas.microsoft.com/office/drawing/2014/main" xmlns="" id="{70378883-98A1-4B98-819E-E557DE42CADE}"/>
-              </a:ext>
-            </a:extLst>
-          </p:cNvPr>
-          <p:cNvSpPr>
-            <a:spLocks noGrp="1"/>
-          </p:cNvSpPr>
-          <p:nvPr>
-            <p:ph type="sldNum" sz="quarter" idx="12"/>
-          </p:nvPr>
-        </p:nvSpPr>
-        <p:spPr/>
-        <p:txBody>
-          <a:bodyPr/>
-          <a:lstStyle/>
-          <a:p>
-            <a:fld id="{C1FF6DA9-008F-8B48-92A6-B652298478BF}" type="slidenum">
-              <a:rPr lang="en-US" smtClean="0"/>
-              <a:t>5</a:t>
-            </a:fld>
-            <a:endParaRPr lang="en-US"/>
-          </a:p>
-        </p:txBody>
-      </p:sp>
-    </p:spTree>
-  </p:cSld>
-  <p:clrMapOvr>
-    <a:masterClrMapping/>
-  </p:clrMapOvr>
-  <p:timing>
-    <p:tnLst>
-      <p:par>
-        <p:cTn id="1" dur="indefinite" restart="never" nodeType="tmRoot"/>
-      </p:par>
-    </p:tnLst>
-  </p:timing>
-</p:sld>
-</file>
-
-<file path=ppt/slides/slide6.xml><?xml version="1.0" encoding="utf-8"?>
-<p:sld xmlns:a="http://schemas.openxmlformats.org/drawingml/2006/main" xmlns:r="http://schemas.openxmlformats.org/officeDocument/2006/relationships" xmlns:p="http://schemas.openxmlformats.org/presentationml/2006/main">
-  <p:cSld>
-    <p:spTree>
-      <p:nvGrpSpPr>
-        <p:cNvPr id="1" name=""/>
-        <p:cNvGrpSpPr/>
-        <p:nvPr/>
-      </p:nvGrpSpPr>
-      <p:grpSpPr>
-        <a:xfrm>
-          <a:off x="0" y="0"/>
-          <a:ext cx="0" cy="0"/>
-          <a:chOff x="0" y="0"/>
-          <a:chExt cx="0" cy="0"/>
-        </a:xfrm>
-      </p:grpSpPr>
-      <p:sp>
-        <p:nvSpPr>
-          <p:cNvPr id="2" name="Title 1"/>
-          <p:cNvSpPr>
-            <a:spLocks noGrp="1"/>
-          </p:cNvSpPr>
-          <p:nvPr>
-            <p:ph type="title"/>
-          </p:nvPr>
-        </p:nvSpPr>
-        <p:spPr/>
-        <p:txBody>
-          <a:bodyPr/>
-          <a:lstStyle/>
-          <a:p>
-            <a:r>
-              <a:rPr dirty="0"/>
-              <a:t>Objectives</a:t>
-            </a:r>
-          </a:p>
-        </p:txBody>
-      </p:sp>
-      <p:sp>
-        <p:nvSpPr>
-          <p:cNvPr id="3" name="Content Placeholder 2"/>
-          <p:cNvSpPr>
-            <a:spLocks noGrp="1"/>
-          </p:cNvSpPr>
-          <p:nvPr>
-            <p:ph idx="1"/>
-          </p:nvPr>
-        </p:nvSpPr>
-        <p:spPr/>
-        <p:txBody>
-          <a:bodyPr/>
-          <a:lstStyle/>
-          <a:p>
-            <a:pPr algn="just">
-              <a:buSzPct val="121000"/>
-              <a:buFont typeface="Arial" panose="020B0604020202020204" pitchFamily="34" charset="0"/>
-              <a:buChar char="•"/>
-            </a:pPr>
-            <a:r>
-              <a:rPr lang="en-US" dirty="0" smtClean="0"/>
-              <a:t> Develop </a:t>
-            </a:r>
-            <a:r>
-              <a:rPr lang="en-US" dirty="0"/>
-              <a:t>AI systems for:</a:t>
-            </a:r>
-          </a:p>
-          <a:p>
-            <a:pPr marL="544068" lvl="1" indent="-342900" algn="just">
-              <a:buSzPct val="100000"/>
-              <a:buFont typeface="+mj-lt"/>
-              <a:buAutoNum type="arabicPeriod"/>
-            </a:pPr>
-            <a:r>
-              <a:rPr lang="en-US" b="1" dirty="0"/>
-              <a:t>Autonomous navigation &amp; control</a:t>
-            </a:r>
-            <a:r>
-              <a:rPr lang="en-US" dirty="0"/>
-              <a:t> of spacecraft.</a:t>
-            </a:r>
-          </a:p>
-          <a:p>
-            <a:pPr marL="544068" lvl="1" indent="-342900" algn="just">
-              <a:buSzPct val="100000"/>
-              <a:buFont typeface="+mj-lt"/>
-              <a:buAutoNum type="arabicPeriod"/>
-            </a:pPr>
-            <a:r>
-              <a:rPr lang="en-US" b="1" dirty="0"/>
-              <a:t>Real-time satellite data analysis</a:t>
-            </a:r>
-            <a:r>
-              <a:rPr lang="en-US" dirty="0"/>
-              <a:t> for weather, Earth monitoring, and astronomy.</a:t>
-            </a:r>
-          </a:p>
-          <a:p>
-            <a:pPr marL="544068" lvl="1" indent="-342900" algn="just">
-              <a:buSzPct val="100000"/>
-              <a:buFont typeface="+mj-lt"/>
-              <a:buAutoNum type="arabicPeriod"/>
-            </a:pPr>
-            <a:r>
-              <a:rPr lang="en-US" b="1" dirty="0"/>
-              <a:t>Health monitoring of astronauts</a:t>
-            </a:r>
-            <a:r>
-              <a:rPr lang="en-US" dirty="0"/>
-              <a:t> during long missions.</a:t>
-            </a:r>
-          </a:p>
-          <a:p>
-            <a:pPr marL="544068" lvl="1" indent="-342900" algn="just">
-              <a:buSzPct val="100000"/>
-              <a:buFont typeface="+mj-lt"/>
-              <a:buAutoNum type="arabicPeriod"/>
-            </a:pPr>
-            <a:r>
-              <a:rPr lang="en-US" b="1" dirty="0"/>
-              <a:t>Predictive maintenance</a:t>
-            </a:r>
-            <a:r>
-              <a:rPr lang="en-US" dirty="0"/>
-              <a:t> of spacecraft systems.</a:t>
-            </a:r>
-          </a:p>
-          <a:p>
-            <a:pPr algn="just">
-              <a:buSzPct val="121000"/>
-              <a:buFont typeface="Arial" panose="020B0604020202020204" pitchFamily="34" charset="0"/>
-              <a:buChar char="•"/>
-            </a:pPr>
-            <a:r>
-              <a:rPr lang="en-US" dirty="0" smtClean="0"/>
-              <a:t> Integrate </a:t>
-            </a:r>
-            <a:r>
-              <a:rPr lang="en-US" dirty="0"/>
-              <a:t>AI with existing space mission pipelines to increase efficiency and safety.</a:t>
-            </a:r>
-          </a:p>
-        </p:txBody>
-      </p:sp>
-      <p:sp>
-        <p:nvSpPr>
-          <p:cNvPr id="4" name="Footer Placeholder 3">
-            <a:extLst>
-              <a:ext uri="{FF2B5EF4-FFF2-40B4-BE49-F238E27FC236}">
-                <a16:creationId xmlns:a16="http://schemas.microsoft.com/office/drawing/2014/main" xmlns="" id="{0067439F-E61C-4CE5-8399-F0783D936F57}"/>
-              </a:ext>
-            </a:extLst>
-          </p:cNvPr>
-          <p:cNvSpPr>
-            <a:spLocks noGrp="1"/>
-          </p:cNvSpPr>
-          <p:nvPr>
-            <p:ph type="ftr" sz="quarter" idx="11"/>
-          </p:nvPr>
-        </p:nvSpPr>
-        <p:spPr/>
-        <p:txBody>
-          <a:bodyPr/>
-          <a:lstStyle/>
-          <a:p>
-            <a:r>
-              <a:rPr lang="en-US"/>
-              <a:t>Department of Computer Engineering</a:t>
-            </a:r>
-          </a:p>
-        </p:txBody>
-      </p:sp>
-      <p:sp>
-        <p:nvSpPr>
-          <p:cNvPr id="5" name="Slide Number Placeholder 4">
-            <a:extLst>
-              <a:ext uri="{FF2B5EF4-FFF2-40B4-BE49-F238E27FC236}">
-                <a16:creationId xmlns:a16="http://schemas.microsoft.com/office/drawing/2014/main" xmlns="" id="{4BE0C96B-F9EE-42A1-A197-ABE1611E8818}"/>
-              </a:ext>
-            </a:extLst>
-          </p:cNvPr>
-          <p:cNvSpPr>
-            <a:spLocks noGrp="1"/>
-          </p:cNvSpPr>
-          <p:nvPr>
-            <p:ph type="sldNum" sz="quarter" idx="12"/>
-          </p:nvPr>
-        </p:nvSpPr>
-        <p:spPr/>
-        <p:txBody>
-          <a:bodyPr/>
-          <a:lstStyle/>
-          <a:p>
-            <a:fld id="{C1FF6DA9-008F-8B48-92A6-B652298478BF}" type="slidenum">
-              <a:rPr lang="en-US" smtClean="0"/>
-              <a:t>6</a:t>
-            </a:fld>
-            <a:endParaRPr lang="en-US"/>
-          </a:p>
-        </p:txBody>
-      </p:sp>
-    </p:spTree>
-  </p:cSld>
-  <p:clrMapOvr>
-    <a:masterClrMapping/>
-  </p:clrMapOvr>
-  <p:timing>
-    <p:tnLst>
-      <p:par>
-        <p:cTn id="1" dur="indefinite" restart="never" nodeType="tmRoot"/>
-      </p:par>
-    </p:tnLst>
-  </p:timing>
-</p:sld>
-</file>
-
-<file path=ppt/slides/slide7.xml><?xml version="1.0" encoding="utf-8"?>
-<p:sld xmlns:a="http://schemas.openxmlformats.org/drawingml/2006/main" xmlns:r="http://schemas.openxmlformats.org/officeDocument/2006/relationships" xmlns:p="http://schemas.openxmlformats.org/presentationml/2006/main">
-  <p:cSld>
-    <p:spTree>
-      <p:nvGrpSpPr>
-        <p:cNvPr id="1" name=""/>
-        <p:cNvGrpSpPr/>
-        <p:nvPr/>
-      </p:nvGrpSpPr>
-      <p:grpSpPr>
-        <a:xfrm>
-          <a:off x="0" y="0"/>
-          <a:ext cx="0" cy="0"/>
-          <a:chOff x="0" y="0"/>
-          <a:chExt cx="0" cy="0"/>
-        </a:xfrm>
-      </p:grpSpPr>
-      <p:sp>
-        <p:nvSpPr>
-          <p:cNvPr id="2" name="Title 1"/>
-          <p:cNvSpPr>
-            <a:spLocks noGrp="1"/>
-          </p:cNvSpPr>
-          <p:nvPr>
-            <p:ph type="title"/>
-          </p:nvPr>
-        </p:nvSpPr>
-        <p:spPr>
-          <a:xfrm>
-            <a:off x="822960" y="1020920"/>
-            <a:ext cx="8071658" cy="702302"/>
-          </a:xfrm>
-        </p:spPr>
-        <p:txBody>
-          <a:bodyPr>
-            <a:normAutofit fontScale="90000"/>
-          </a:bodyPr>
-          <a:lstStyle/>
-          <a:p>
-            <a:r>
-              <a:rPr dirty="0"/>
-              <a:t>Literature </a:t>
-            </a:r>
-            <a:r>
-              <a:rPr dirty="0" smtClean="0"/>
-              <a:t>Review</a:t>
-            </a:r>
-            <a:r>
-              <a:rPr lang="en-US" dirty="0" smtClean="0"/>
-              <a:t/>
-            </a:r>
-            <a:br>
-              <a:rPr lang="en-US" dirty="0" smtClean="0"/>
-            </a:br>
-            <a:r>
-              <a:rPr lang="en-US" dirty="0" smtClean="0"/>
-              <a:t>_____________________________</a:t>
-            </a:r>
-            <a:endParaRPr dirty="0"/>
-          </a:p>
-        </p:txBody>
-      </p:sp>
-      <p:graphicFrame>
-        <p:nvGraphicFramePr>
-          <p:cNvPr id="6" name="Content Placeholder 5"/>
-          <p:cNvGraphicFramePr>
-            <a:graphicFrameLocks noGrp="1"/>
-          </p:cNvGraphicFramePr>
-          <p:nvPr>
-            <p:ph idx="1"/>
-            <p:extLst>
-              <p:ext uri="{D42A27DB-BD31-4B8C-83A1-F6EECF244321}">
-                <p14:modId xmlns:p14="http://schemas.microsoft.com/office/powerpoint/2010/main" val="415921500"/>
-              </p:ext>
-            </p:extLst>
-          </p:nvPr>
-        </p:nvGraphicFramePr>
-        <p:xfrm>
-          <a:off x="822959" y="1730953"/>
-          <a:ext cx="7794567" cy="4206240"/>
-        </p:xfrm>
-        <a:graphic>
-          <a:graphicData uri="http://schemas.openxmlformats.org/drawingml/2006/table">
-            <a:tbl>
-              <a:tblPr firstRow="1" bandRow="1">
-                <a:tableStyleId>{5C22544A-7EE6-4342-B048-85BDC9FD1C3A}</a:tableStyleId>
-              </a:tblPr>
-              <a:tblGrid>
-                <a:gridCol w="2598189"/>
-                <a:gridCol w="2598189"/>
-                <a:gridCol w="2598189"/>
-              </a:tblGrid>
-              <a:tr h="512889">
-                <a:tc>
-                  <a:txBody>
-                    <a:bodyPr/>
-                    <a:lstStyle/>
-                    <a:p>
-                      <a:r>
-                        <a:rPr lang="en-US" b="1" dirty="0"/>
-                        <a:t>Author/Year</a:t>
-                      </a:r>
-                      <a:endParaRPr lang="en-US" dirty="0"/>
-                    </a:p>
-                  </a:txBody>
-                  <a:tcPr anchor="ctr"/>
-                </a:tc>
-                <a:tc>
-                  <a:txBody>
-                    <a:bodyPr/>
-                    <a:lstStyle/>
-                    <a:p>
-                      <a:r>
-                        <a:rPr lang="en-US" dirty="0" smtClean="0"/>
-                        <a:t>Approach / Technology</a:t>
-                      </a:r>
-                      <a:endParaRPr lang="en-US" dirty="0"/>
-                    </a:p>
-                  </a:txBody>
-                  <a:tcPr/>
-                </a:tc>
-                <a:tc>
-                  <a:txBody>
-                    <a:bodyPr/>
-                    <a:lstStyle/>
-                    <a:p>
-                      <a:r>
-                        <a:rPr lang="en-US" dirty="0" smtClean="0"/>
-                        <a:t>Limitations of Current Systems</a:t>
-                      </a:r>
-                      <a:endParaRPr lang="en-US" dirty="0"/>
-                    </a:p>
-                  </a:txBody>
-                  <a:tcPr/>
-                </a:tc>
-              </a:tr>
-              <a:tr h="1188720">
-                <a:tc>
-                  <a:txBody>
-                    <a:bodyPr/>
-                    <a:lstStyle/>
-                    <a:p>
-                      <a:r>
-                        <a:rPr lang="en-US" dirty="0" smtClean="0"/>
-                        <a:t>Downer, B. (2018)</a:t>
-                      </a:r>
-                      <a:endParaRPr lang="en-US" dirty="0"/>
-                    </a:p>
-                  </a:txBody>
-                  <a:tcPr/>
-                </a:tc>
-                <a:tc>
-                  <a:txBody>
-                    <a:bodyPr/>
-                    <a:lstStyle/>
-                    <a:p>
-                      <a:r>
-                        <a:rPr lang="fr-FR" dirty="0" smtClean="0"/>
-                        <a:t>AI in Mars </a:t>
-                      </a:r>
-                      <a:r>
-                        <a:rPr lang="fr-FR" dirty="0" err="1" smtClean="0"/>
-                        <a:t>Rovers</a:t>
-                      </a:r>
-                      <a:r>
-                        <a:rPr lang="fr-FR" dirty="0" smtClean="0"/>
-                        <a:t> for </a:t>
-                      </a:r>
-                      <a:r>
-                        <a:rPr lang="fr-FR" dirty="0" err="1" smtClean="0"/>
-                        <a:t>autonomous</a:t>
-                      </a:r>
-                      <a:r>
-                        <a:rPr lang="fr-FR" dirty="0" smtClean="0"/>
-                        <a:t> navigation &amp; obstacle </a:t>
-                      </a:r>
-                      <a:r>
-                        <a:rPr lang="fr-FR" dirty="0" err="1" smtClean="0"/>
-                        <a:t>avoidance</a:t>
-                      </a:r>
-                      <a:r>
-                        <a:rPr lang="fr-FR" dirty="0" smtClean="0"/>
-                        <a:t>.</a:t>
-                      </a:r>
-                      <a:endParaRPr lang="en-US" dirty="0"/>
-                    </a:p>
-                  </a:txBody>
-                  <a:tcPr/>
-                </a:tc>
-                <a:tc>
-                  <a:txBody>
-                    <a:bodyPr/>
-                    <a:lstStyle/>
-                    <a:p>
-                      <a:r>
-                        <a:rPr lang="en-US" dirty="0" smtClean="0"/>
-                        <a:t>Still dependent on Earth-based control for complex decisions; not fully autonomous.</a:t>
-                      </a:r>
-                      <a:endParaRPr lang="en-US" dirty="0"/>
-                    </a:p>
-                  </a:txBody>
-                  <a:tcPr/>
-                </a:tc>
-              </a:tr>
-              <a:tr h="1188720">
-                <a:tc>
-                  <a:txBody>
-                    <a:bodyPr/>
-                    <a:lstStyle/>
-                    <a:p>
-                      <a:r>
-                        <a:rPr lang="en-US" dirty="0" smtClean="0"/>
-                        <a:t>ESA (2019)</a:t>
-                      </a:r>
-                      <a:endParaRPr lang="en-US" dirty="0"/>
-                    </a:p>
-                  </a:txBody>
-                  <a:tcPr/>
-                </a:tc>
-                <a:tc>
-                  <a:txBody>
-                    <a:bodyPr/>
-                    <a:lstStyle/>
-                    <a:p>
-                      <a:r>
-                        <a:rPr lang="en-US" dirty="0" smtClean="0"/>
-                        <a:t>Space 4.0 → AI integrated with </a:t>
-                      </a:r>
-                      <a:r>
-                        <a:rPr lang="en-US" dirty="0" err="1" smtClean="0"/>
-                        <a:t>IoT</a:t>
-                      </a:r>
-                      <a:r>
-                        <a:rPr lang="en-US" dirty="0" smtClean="0"/>
-                        <a:t> &amp; Big Data for satellite data processing.</a:t>
-                      </a:r>
-                      <a:endParaRPr lang="en-US" dirty="0"/>
-                    </a:p>
-                  </a:txBody>
-                  <a:tcPr/>
-                </a:tc>
-                <a:tc>
-                  <a:txBody>
-                    <a:bodyPr/>
-                    <a:lstStyle/>
-                    <a:p>
-                      <a:r>
-                        <a:rPr lang="en-US" dirty="0" smtClean="0"/>
-                        <a:t>Limited on-board processing power; relies heavily on ground stations.</a:t>
-                      </a:r>
-                      <a:endParaRPr lang="en-US" dirty="0"/>
-                    </a:p>
-                  </a:txBody>
-                  <a:tcPr/>
-                </a:tc>
-              </a:tr>
-              <a:tr h="1188720">
-                <a:tc>
-                  <a:txBody>
-                    <a:bodyPr/>
-                    <a:lstStyle/>
-                    <a:p>
-                      <a:r>
-                        <a:rPr lang="en-US" dirty="0" smtClean="0"/>
-                        <a:t>Long, G.A. (2018)</a:t>
-                      </a:r>
-                      <a:endParaRPr lang="en-US" dirty="0"/>
-                    </a:p>
-                  </a:txBody>
-                  <a:tcPr/>
-                </a:tc>
-                <a:tc>
-                  <a:txBody>
-                    <a:bodyPr/>
-                    <a:lstStyle/>
-                    <a:p>
-                      <a:r>
-                        <a:rPr lang="en-US" dirty="0" smtClean="0"/>
-                        <a:t>Legal studies on AI-controlled spacecraft and autonomy in space law.</a:t>
-                      </a:r>
-                      <a:endParaRPr lang="en-US" dirty="0"/>
-                    </a:p>
-                  </a:txBody>
-                  <a:tcPr/>
-                </a:tc>
-                <a:tc>
-                  <a:txBody>
-                    <a:bodyPr/>
-                    <a:lstStyle/>
-                    <a:p>
-                      <a:r>
-                        <a:rPr lang="en-US" dirty="0" smtClean="0"/>
-                        <a:t>No global legal framework; accountability in AI failures unresolved.</a:t>
-                      </a:r>
-                      <a:endParaRPr lang="en-US" dirty="0"/>
-                    </a:p>
-                  </a:txBody>
-                  <a:tcPr/>
-                </a:tc>
-              </a:tr>
-            </a:tbl>
-          </a:graphicData>
-        </a:graphic>
-      </p:graphicFrame>
-      <p:sp>
-        <p:nvSpPr>
-          <p:cNvPr id="4" name="Footer Placeholder 3">
-            <a:extLst>
-              <a:ext uri="{FF2B5EF4-FFF2-40B4-BE49-F238E27FC236}">
-                <a16:creationId xmlns:a16="http://schemas.microsoft.com/office/drawing/2014/main" xmlns="" id="{3C73188A-E3D9-422E-B490-A9C179B7DB5C}"/>
-              </a:ext>
-            </a:extLst>
-          </p:cNvPr>
-          <p:cNvSpPr>
-            <a:spLocks noGrp="1"/>
-          </p:cNvSpPr>
-          <p:nvPr>
-            <p:ph type="ftr" sz="quarter" idx="11"/>
-          </p:nvPr>
-        </p:nvSpPr>
-        <p:spPr/>
-        <p:txBody>
-          <a:bodyPr/>
-          <a:lstStyle/>
-          <a:p>
-            <a:r>
-              <a:rPr lang="en-US"/>
-              <a:t>Department of Computer Engineering</a:t>
-            </a:r>
-          </a:p>
-        </p:txBody>
-      </p:sp>
-      <p:sp>
-        <p:nvSpPr>
-          <p:cNvPr id="5" name="Slide Number Placeholder 4">
-            <a:extLst>
-              <a:ext uri="{FF2B5EF4-FFF2-40B4-BE49-F238E27FC236}">
-                <a16:creationId xmlns:a16="http://schemas.microsoft.com/office/drawing/2014/main" xmlns="" id="{65E5C1B2-D8B5-4C89-BD26-2B9B66B646D2}"/>
-              </a:ext>
-            </a:extLst>
-          </p:cNvPr>
-          <p:cNvSpPr>
-            <a:spLocks noGrp="1"/>
-          </p:cNvSpPr>
-          <p:nvPr>
-            <p:ph type="sldNum" sz="quarter" idx="12"/>
-          </p:nvPr>
-        </p:nvSpPr>
-        <p:spPr/>
-        <p:txBody>
-          <a:bodyPr/>
-          <a:lstStyle/>
-          <a:p>
-            <a:fld id="{C1FF6DA9-008F-8B48-92A6-B652298478BF}" type="slidenum">
-              <a:rPr lang="en-US" smtClean="0"/>
-              <a:t>7</a:t>
-            </a:fld>
-            <a:endParaRPr lang="en-US"/>
-          </a:p>
-        </p:txBody>
-      </p:sp>
-    </p:spTree>
-  </p:cSld>
-  <p:clrMapOvr>
-    <a:masterClrMapping/>
-  </p:clrMapOvr>
-  <p:timing>
-    <p:tnLst>
-      <p:par>
-        <p:cTn id="1" dur="indefinite" restart="never" nodeType="tmRoot"/>
-      </p:par>
-    </p:tnLst>
-  </p:timing>
-</p:sld>
-</file>
-
-<file path=ppt/slides/slide8.xml><?xml version="1.0" encoding="utf-8"?>
-<p:sld xmlns:a="http://schemas.openxmlformats.org/drawingml/2006/main" xmlns:r="http://schemas.openxmlformats.org/officeDocument/2006/relationships" xmlns:p="http://schemas.openxmlformats.org/presentationml/2006/main">
-  <p:cSld>
-    <p:spTree>
-      <p:nvGrpSpPr>
-        <p:cNvPr id="1" name=""/>
-        <p:cNvGrpSpPr/>
-        <p:nvPr/>
-      </p:nvGrpSpPr>
-      <p:grpSpPr>
-        <a:xfrm>
-          <a:off x="0" y="0"/>
-          <a:ext cx="0" cy="0"/>
-          <a:chOff x="0" y="0"/>
-          <a:chExt cx="0" cy="0"/>
-        </a:xfrm>
-      </p:grpSpPr>
       <p:graphicFrame>
         <p:nvGraphicFramePr>
           <p:cNvPr id="6" name="Content Placeholder 5"/>
@@ -7071,7 +5179,7 @@
           <a:p>
             <a:fld id="{C1FF6DA9-008F-8B48-92A6-B652298478BF}" type="slidenum">
               <a:rPr lang="en-US" smtClean="0"/>
-              <a:t>8</a:t>
+              <a:t>10</a:t>
             </a:fld>
             <a:endParaRPr lang="en-US"/>
           </a:p>
@@ -7083,6 +5191,2574 @@
         <p14:creationId xmlns:p14="http://schemas.microsoft.com/office/powerpoint/2010/main" val="2244328625"/>
       </p:ext>
     </p:extLst>
+  </p:cSld>
+  <p:clrMapOvr>
+    <a:masterClrMapping/>
+  </p:clrMapOvr>
+  <p:timing>
+    <p:tnLst>
+      <p:par>
+        <p:cTn id="1" dur="indefinite" restart="never" nodeType="tmRoot"/>
+      </p:par>
+    </p:tnLst>
+  </p:timing>
+</p:sld>
+</file>
+
+<file path=ppt/slides/slide11.xml><?xml version="1.0" encoding="utf-8"?>
+<p:sld xmlns:a="http://schemas.openxmlformats.org/drawingml/2006/main" xmlns:r="http://schemas.openxmlformats.org/officeDocument/2006/relationships" xmlns:p="http://schemas.openxmlformats.org/presentationml/2006/main">
+  <p:cSld>
+    <p:spTree>
+      <p:nvGrpSpPr>
+        <p:cNvPr id="1" name=""/>
+        <p:cNvGrpSpPr/>
+        <p:nvPr/>
+      </p:nvGrpSpPr>
+      <p:grpSpPr>
+        <a:xfrm>
+          <a:off x="0" y="0"/>
+          <a:ext cx="0" cy="0"/>
+          <a:chOff x="0" y="0"/>
+          <a:chExt cx="0" cy="0"/>
+        </a:xfrm>
+      </p:grpSpPr>
+      <p:sp>
+        <p:nvSpPr>
+          <p:cNvPr id="2" name="Title 1"/>
+          <p:cNvSpPr>
+            <a:spLocks noGrp="1"/>
+          </p:cNvSpPr>
+          <p:nvPr>
+            <p:ph type="title"/>
+          </p:nvPr>
+        </p:nvSpPr>
+        <p:spPr/>
+        <p:txBody>
+          <a:bodyPr/>
+          <a:lstStyle/>
+          <a:p>
+            <a:r>
+              <a:t>Conclusion</a:t>
+            </a:r>
+          </a:p>
+        </p:txBody>
+      </p:sp>
+      <p:sp>
+        <p:nvSpPr>
+          <p:cNvPr id="3" name="Content Placeholder 2"/>
+          <p:cNvSpPr>
+            <a:spLocks noGrp="1"/>
+          </p:cNvSpPr>
+          <p:nvPr>
+            <p:ph idx="1"/>
+          </p:nvPr>
+        </p:nvSpPr>
+        <p:spPr/>
+        <p:txBody>
+          <a:bodyPr>
+            <a:normAutofit fontScale="92500" lnSpcReduction="10000"/>
+          </a:bodyPr>
+          <a:lstStyle/>
+          <a:p>
+            <a:pPr algn="just">
+              <a:buSzPct val="121000"/>
+              <a:buFont typeface="Arial" panose="020B0604020202020204" pitchFamily="34" charset="0"/>
+              <a:buChar char="•"/>
+            </a:pPr>
+            <a:r>
+              <a:rPr lang="en-US" b="1" dirty="0" smtClean="0"/>
+              <a:t>AI </a:t>
+            </a:r>
+            <a:r>
+              <a:rPr lang="en-US" b="1" dirty="0"/>
+              <a:t>has become a crucial technology for space exploration.</a:t>
+            </a:r>
+          </a:p>
+          <a:p>
+            <a:pPr algn="just">
+              <a:buSzPct val="121000"/>
+              <a:buFont typeface="Arial" panose="020B0604020202020204" pitchFamily="34" charset="0"/>
+              <a:buChar char="•"/>
+            </a:pPr>
+            <a:r>
+              <a:rPr lang="en-US" b="1" dirty="0"/>
+              <a:t>Major Benefits</a:t>
+            </a:r>
+            <a:r>
+              <a:rPr lang="en-US" dirty="0"/>
+              <a:t>:</a:t>
+            </a:r>
+          </a:p>
+          <a:p>
+            <a:pPr marL="544068" lvl="1" indent="-342900" algn="just">
+              <a:buSzPct val="100000"/>
+              <a:buFont typeface="+mj-lt"/>
+              <a:buAutoNum type="arabicPeriod"/>
+            </a:pPr>
+            <a:r>
+              <a:rPr lang="en-US" dirty="0"/>
+              <a:t>Manages large amounts of data well.</a:t>
+            </a:r>
+          </a:p>
+          <a:p>
+            <a:pPr marL="544068" lvl="1" indent="-342900" algn="just">
+              <a:buSzPct val="100000"/>
+              <a:buFont typeface="+mj-lt"/>
+              <a:buAutoNum type="arabicPeriod"/>
+            </a:pPr>
+            <a:r>
+              <a:rPr lang="en-US" dirty="0"/>
+              <a:t>Helps spacecraft navigate on their own in new places.</a:t>
+            </a:r>
+          </a:p>
+          <a:p>
+            <a:pPr marL="544068" lvl="1" indent="-342900" algn="just">
+              <a:buSzPct val="100000"/>
+              <a:buFont typeface="+mj-lt"/>
+              <a:buAutoNum type="arabicPeriod"/>
+            </a:pPr>
+            <a:r>
+              <a:rPr lang="en-US" dirty="0"/>
+              <a:t>Predicts when equipment might fail and finds problems early.</a:t>
+            </a:r>
+          </a:p>
+          <a:p>
+            <a:pPr marL="544068" lvl="1" indent="-342900" algn="just">
+              <a:buSzPct val="100000"/>
+              <a:buFont typeface="+mj-lt"/>
+              <a:buAutoNum type="arabicPeriod"/>
+            </a:pPr>
+            <a:r>
+              <a:rPr lang="en-US" dirty="0"/>
+              <a:t>Helps keep astronauts healthy and safe.</a:t>
+            </a:r>
+          </a:p>
+          <a:p>
+            <a:pPr algn="just">
+              <a:buSzPct val="121000"/>
+              <a:buFont typeface="Arial" panose="020B0604020202020204" pitchFamily="34" charset="0"/>
+              <a:buChar char="•"/>
+            </a:pPr>
+            <a:r>
+              <a:rPr lang="en-US" b="1" dirty="0"/>
+              <a:t>Future Directions</a:t>
+            </a:r>
+            <a:r>
+              <a:rPr lang="en-US" dirty="0"/>
+              <a:t>:</a:t>
+            </a:r>
+          </a:p>
+          <a:p>
+            <a:pPr marL="544068" lvl="1" indent="-342900" algn="just">
+              <a:buSzPct val="100000"/>
+              <a:buFont typeface="+mj-lt"/>
+              <a:buAutoNum type="arabicPeriod"/>
+            </a:pPr>
+            <a:r>
+              <a:rPr lang="en-US" dirty="0"/>
+              <a:t>Spacecraft that can fix themselves with AI.</a:t>
+            </a:r>
+          </a:p>
+          <a:p>
+            <a:pPr marL="544068" lvl="1" indent="-342900" algn="just">
+              <a:buSzPct val="100000"/>
+              <a:buFont typeface="+mj-lt"/>
+              <a:buAutoNum type="arabicPeriod"/>
+            </a:pPr>
+            <a:r>
+              <a:rPr lang="en-US" dirty="0"/>
+              <a:t>AI to help with building colonies on the Moon, Mars, and beyond.</a:t>
+            </a:r>
+          </a:p>
+          <a:p>
+            <a:pPr marL="544068" lvl="1" indent="-342900" algn="just">
+              <a:buSzPct val="100000"/>
+              <a:buFont typeface="+mj-lt"/>
+              <a:buAutoNum type="arabicPeriod"/>
+            </a:pPr>
+            <a:r>
+              <a:rPr lang="en-US" dirty="0"/>
+              <a:t>Using large groups of small AI satellites to monitor the entire planet.</a:t>
+            </a:r>
+          </a:p>
+          <a:p>
+            <a:pPr marL="544068" lvl="1" indent="-342900" algn="just">
+              <a:buSzPct val="100000"/>
+              <a:buFont typeface="+mj-lt"/>
+              <a:buAutoNum type="arabicPeriod"/>
+            </a:pPr>
+            <a:r>
+              <a:rPr lang="en-US" dirty="0"/>
+              <a:t>AI to help protect against asteroids and with mining operations.</a:t>
+            </a:r>
+          </a:p>
+          <a:p>
+            <a:pPr algn="just">
+              <a:buSzPct val="121000"/>
+              <a:buFont typeface="Arial" panose="020B0604020202020204" pitchFamily="34" charset="0"/>
+              <a:buChar char="•"/>
+            </a:pPr>
+            <a:r>
+              <a:rPr lang="en-US" b="1" dirty="0" smtClean="0"/>
+              <a:t>AI </a:t>
+            </a:r>
+            <a:r>
+              <a:rPr lang="en-US" b="1" dirty="0"/>
+              <a:t>will be a partner for humanity as we journey into space.</a:t>
+            </a:r>
+          </a:p>
+        </p:txBody>
+      </p:sp>
+      <p:sp>
+        <p:nvSpPr>
+          <p:cNvPr id="4" name="Footer Placeholder 3">
+            <a:extLst>
+              <a:ext uri="{FF2B5EF4-FFF2-40B4-BE49-F238E27FC236}">
+                <a16:creationId xmlns:a16="http://schemas.microsoft.com/office/drawing/2014/main" xmlns="" id="{253B3AED-7F96-4884-885F-01F51DF49B50}"/>
+              </a:ext>
+            </a:extLst>
+          </p:cNvPr>
+          <p:cNvSpPr>
+            <a:spLocks noGrp="1"/>
+          </p:cNvSpPr>
+          <p:nvPr>
+            <p:ph type="ftr" sz="quarter" idx="11"/>
+          </p:nvPr>
+        </p:nvSpPr>
+        <p:spPr/>
+        <p:txBody>
+          <a:bodyPr/>
+          <a:lstStyle/>
+          <a:p>
+            <a:r>
+              <a:rPr lang="en-US"/>
+              <a:t>Department of Computer Engineering</a:t>
+            </a:r>
+          </a:p>
+        </p:txBody>
+      </p:sp>
+      <p:sp>
+        <p:nvSpPr>
+          <p:cNvPr id="5" name="Slide Number Placeholder 4">
+            <a:extLst>
+              <a:ext uri="{FF2B5EF4-FFF2-40B4-BE49-F238E27FC236}">
+                <a16:creationId xmlns:a16="http://schemas.microsoft.com/office/drawing/2014/main" xmlns="" id="{18DE5E2B-6559-45E9-89FC-D11DF8F6FF82}"/>
+              </a:ext>
+            </a:extLst>
+          </p:cNvPr>
+          <p:cNvSpPr>
+            <a:spLocks noGrp="1"/>
+          </p:cNvSpPr>
+          <p:nvPr>
+            <p:ph type="sldNum" sz="quarter" idx="12"/>
+          </p:nvPr>
+        </p:nvSpPr>
+        <p:spPr/>
+        <p:txBody>
+          <a:bodyPr/>
+          <a:lstStyle/>
+          <a:p>
+            <a:fld id="{C1FF6DA9-008F-8B48-92A6-B652298478BF}" type="slidenum">
+              <a:rPr lang="en-US" smtClean="0"/>
+              <a:t>11</a:t>
+            </a:fld>
+            <a:endParaRPr lang="en-US"/>
+          </a:p>
+        </p:txBody>
+      </p:sp>
+    </p:spTree>
+  </p:cSld>
+  <p:clrMapOvr>
+    <a:masterClrMapping/>
+  </p:clrMapOvr>
+  <p:timing>
+    <p:tnLst>
+      <p:par>
+        <p:cTn id="1" dur="indefinite" restart="never" nodeType="tmRoot"/>
+      </p:par>
+    </p:tnLst>
+  </p:timing>
+</p:sld>
+</file>
+
+<file path=ppt/slides/slide12.xml><?xml version="1.0" encoding="utf-8"?>
+<p:sld xmlns:a="http://schemas.openxmlformats.org/drawingml/2006/main" xmlns:r="http://schemas.openxmlformats.org/officeDocument/2006/relationships" xmlns:p="http://schemas.openxmlformats.org/presentationml/2006/main">
+  <p:cSld>
+    <p:spTree>
+      <p:nvGrpSpPr>
+        <p:cNvPr id="1" name=""/>
+        <p:cNvGrpSpPr/>
+        <p:nvPr/>
+      </p:nvGrpSpPr>
+      <p:grpSpPr>
+        <a:xfrm>
+          <a:off x="0" y="0"/>
+          <a:ext cx="0" cy="0"/>
+          <a:chOff x="0" y="0"/>
+          <a:chExt cx="0" cy="0"/>
+        </a:xfrm>
+      </p:grpSpPr>
+      <p:sp>
+        <p:nvSpPr>
+          <p:cNvPr id="2" name="Title 1"/>
+          <p:cNvSpPr>
+            <a:spLocks noGrp="1"/>
+          </p:cNvSpPr>
+          <p:nvPr>
+            <p:ph type="title"/>
+          </p:nvPr>
+        </p:nvSpPr>
+        <p:spPr/>
+        <p:txBody>
+          <a:bodyPr/>
+          <a:lstStyle/>
+          <a:p>
+            <a:r>
+              <a:t>References</a:t>
+            </a:r>
+          </a:p>
+        </p:txBody>
+      </p:sp>
+      <p:sp>
+        <p:nvSpPr>
+          <p:cNvPr id="3" name="Content Placeholder 2"/>
+          <p:cNvSpPr>
+            <a:spLocks noGrp="1"/>
+          </p:cNvSpPr>
+          <p:nvPr>
+            <p:ph idx="1"/>
+          </p:nvPr>
+        </p:nvSpPr>
+        <p:spPr/>
+        <p:txBody>
+          <a:bodyPr>
+            <a:normAutofit lnSpcReduction="10000"/>
+          </a:bodyPr>
+          <a:lstStyle/>
+          <a:p>
+            <a:pPr algn="just">
+              <a:buSzPct val="121000"/>
+              <a:buFont typeface="Arial" panose="020B0604020202020204" pitchFamily="34" charset="0"/>
+              <a:buChar char="•"/>
+            </a:pPr>
+            <a:r>
+              <a:rPr lang="en-US" b="1" dirty="0"/>
+              <a:t>Books</a:t>
+            </a:r>
+            <a:endParaRPr lang="en-US" dirty="0"/>
+          </a:p>
+          <a:p>
+            <a:pPr lvl="1" algn="just">
+              <a:buSzPct val="100000"/>
+              <a:buFont typeface="Courier New" panose="02070309020205020404" pitchFamily="49" charset="0"/>
+              <a:buChar char="o"/>
+            </a:pPr>
+            <a:r>
+              <a:rPr lang="en-US" dirty="0"/>
+              <a:t>George Anthony Gal et al., </a:t>
+            </a:r>
+            <a:r>
+              <a:rPr lang="en-US" i="1" dirty="0"/>
+              <a:t>Artificial Intelligence in Space</a:t>
+            </a:r>
+            <a:r>
+              <a:rPr lang="en-US" dirty="0"/>
+              <a:t>, 2025.</a:t>
+            </a:r>
+          </a:p>
+          <a:p>
+            <a:pPr algn="just">
+              <a:buSzPct val="121000"/>
+              <a:buFont typeface="Arial" panose="020B0604020202020204" pitchFamily="34" charset="0"/>
+              <a:buChar char="•"/>
+            </a:pPr>
+            <a:r>
+              <a:rPr lang="en-US" b="1" dirty="0"/>
+              <a:t>Research Papers / Journal Articles</a:t>
+            </a:r>
+            <a:endParaRPr lang="en-US" dirty="0"/>
+          </a:p>
+          <a:p>
+            <a:pPr marL="544068" lvl="1" indent="-342900" algn="just">
+              <a:buSzPct val="100000"/>
+              <a:buFont typeface="+mj-lt"/>
+              <a:buAutoNum type="arabicPeriod"/>
+            </a:pPr>
+            <a:r>
+              <a:rPr lang="en-US" dirty="0"/>
+              <a:t>Downer, B. (2018). </a:t>
+            </a:r>
+            <a:r>
+              <a:rPr lang="en-US" i="1" dirty="0"/>
+              <a:t>The Role of AI in Space Exploration</a:t>
+            </a:r>
+            <a:r>
+              <a:rPr lang="en-US" dirty="0"/>
+              <a:t>.</a:t>
+            </a:r>
+          </a:p>
+          <a:p>
+            <a:pPr marL="544068" lvl="1" indent="-342900" algn="just">
+              <a:buSzPct val="100000"/>
+              <a:buFont typeface="+mj-lt"/>
+              <a:buAutoNum type="arabicPeriod"/>
+            </a:pPr>
+            <a:r>
+              <a:rPr lang="en-US" dirty="0" err="1"/>
+              <a:t>Soille</a:t>
+            </a:r>
+            <a:r>
+              <a:rPr lang="en-US" dirty="0"/>
+              <a:t>, P</a:t>
+            </a:r>
+            <a:r>
+              <a:rPr lang="en-US" dirty="0" smtClean="0"/>
+              <a:t>. </a:t>
+            </a:r>
+            <a:r>
+              <a:rPr lang="en-US" dirty="0"/>
+              <a:t>(2019). </a:t>
+            </a:r>
+            <a:r>
+              <a:rPr lang="en-US" i="1" dirty="0"/>
+              <a:t>Big Data from Space (BiDS’2019)</a:t>
+            </a:r>
+            <a:r>
+              <a:rPr lang="en-US" dirty="0"/>
+              <a:t>.</a:t>
+            </a:r>
+          </a:p>
+          <a:p>
+            <a:pPr marL="544068" lvl="1" indent="-342900" algn="just">
+              <a:buSzPct val="100000"/>
+              <a:buFont typeface="+mj-lt"/>
+              <a:buAutoNum type="arabicPeriod"/>
+            </a:pPr>
+            <a:r>
+              <a:rPr lang="en-US" dirty="0"/>
+              <a:t>DeepMind (2021). </a:t>
+            </a:r>
+            <a:r>
+              <a:rPr lang="en-US" i="1" dirty="0"/>
+              <a:t>AI in Astronomy Research</a:t>
+            </a:r>
+            <a:r>
+              <a:rPr lang="en-US" dirty="0"/>
+              <a:t>.</a:t>
+            </a:r>
+          </a:p>
+          <a:p>
+            <a:pPr marL="544068" lvl="1" indent="-342900" algn="just">
+              <a:buSzPct val="100000"/>
+              <a:buFont typeface="+mj-lt"/>
+              <a:buAutoNum type="arabicPeriod"/>
+            </a:pPr>
+            <a:r>
+              <a:rPr lang="en-US" dirty="0"/>
+              <a:t>JAXA (2022). </a:t>
+            </a:r>
+            <a:r>
+              <a:rPr lang="en-US" i="1" dirty="0"/>
+              <a:t>Astronaut Health and Safety AI Applications</a:t>
+            </a:r>
+            <a:r>
+              <a:rPr lang="en-US" dirty="0"/>
+              <a:t>.</a:t>
+            </a:r>
+          </a:p>
+          <a:p>
+            <a:pPr algn="just">
+              <a:buSzPct val="121000"/>
+              <a:buFont typeface="Arial" panose="020B0604020202020204" pitchFamily="34" charset="0"/>
+              <a:buChar char="•"/>
+            </a:pPr>
+            <a:r>
+              <a:rPr lang="en-US" b="1" dirty="0"/>
+              <a:t>Websites / Online Reports</a:t>
+            </a:r>
+            <a:endParaRPr lang="en-US" dirty="0"/>
+          </a:p>
+          <a:p>
+            <a:pPr lvl="1" algn="just">
+              <a:buSzPct val="100000"/>
+              <a:buFont typeface="Courier New" panose="02070309020205020404" pitchFamily="49" charset="0"/>
+              <a:buChar char="o"/>
+            </a:pPr>
+            <a:r>
+              <a:rPr lang="en-US" dirty="0"/>
+              <a:t>European Space Agency (2019). </a:t>
+            </a:r>
+            <a:r>
+              <a:rPr lang="en-US" i="1" dirty="0"/>
+              <a:t>What is Space 4.0</a:t>
+            </a:r>
+            <a:r>
+              <a:rPr lang="en-US" i="1" dirty="0" smtClean="0"/>
+              <a:t>?</a:t>
+            </a:r>
+            <a:r>
+              <a:rPr lang="en-US" dirty="0" smtClean="0"/>
+              <a:t> </a:t>
+            </a:r>
+            <a:r>
+              <a:rPr lang="en-US" dirty="0"/>
+              <a:t>Available at: </a:t>
+            </a:r>
+            <a:r>
+              <a:rPr lang="en-US" dirty="0">
+                <a:hlinkClick r:id="rId2"/>
+              </a:rPr>
+              <a:t>https://</a:t>
+            </a:r>
+            <a:r>
+              <a:rPr lang="en-US" dirty="0" smtClean="0">
+                <a:hlinkClick r:id="rId2"/>
+              </a:rPr>
+              <a:t>www.esa.int/Enabling_Support/Preparing_for_the_Future/Discovery_and_Preparation/Artificial_intelligence_in_space</a:t>
+            </a:r>
+            <a:endParaRPr lang="en-US" dirty="0" smtClean="0"/>
+          </a:p>
+          <a:p>
+            <a:pPr lvl="1" algn="just">
+              <a:buSzPct val="100000"/>
+              <a:buFont typeface="Courier New" panose="02070309020205020404" pitchFamily="49" charset="0"/>
+              <a:buChar char="o"/>
+            </a:pPr>
+            <a:r>
+              <a:rPr lang="en-US" dirty="0" smtClean="0"/>
+              <a:t>NASA </a:t>
+            </a:r>
+            <a:r>
+              <a:rPr lang="en-US" dirty="0"/>
+              <a:t>(2020). </a:t>
+            </a:r>
+            <a:r>
+              <a:rPr lang="en-US" i="1" dirty="0"/>
+              <a:t>AI Applications in Space Exploration</a:t>
+            </a:r>
+            <a:r>
+              <a:rPr lang="en-US" dirty="0" smtClean="0"/>
+              <a:t>. </a:t>
+            </a:r>
+            <a:r>
+              <a:rPr lang="en-US" dirty="0"/>
+              <a:t>Available at: </a:t>
+            </a:r>
+            <a:r>
+              <a:rPr lang="en-US" dirty="0">
+                <a:hlinkClick r:id="rId3"/>
+              </a:rPr>
+              <a:t>https://</a:t>
+            </a:r>
+            <a:r>
+              <a:rPr lang="en-US" dirty="0" smtClean="0">
+                <a:hlinkClick r:id="rId3"/>
+              </a:rPr>
+              <a:t>www.nasa.gov/artificial-intelligence</a:t>
+            </a:r>
+            <a:endParaRPr lang="en-US" dirty="0"/>
+          </a:p>
+        </p:txBody>
+      </p:sp>
+      <p:sp>
+        <p:nvSpPr>
+          <p:cNvPr id="4" name="Footer Placeholder 3">
+            <a:extLst>
+              <a:ext uri="{FF2B5EF4-FFF2-40B4-BE49-F238E27FC236}">
+                <a16:creationId xmlns:a16="http://schemas.microsoft.com/office/drawing/2014/main" xmlns="" id="{A846E28C-DA76-492B-87F4-6EB0290B0671}"/>
+              </a:ext>
+            </a:extLst>
+          </p:cNvPr>
+          <p:cNvSpPr>
+            <a:spLocks noGrp="1"/>
+          </p:cNvSpPr>
+          <p:nvPr>
+            <p:ph type="ftr" sz="quarter" idx="11"/>
+          </p:nvPr>
+        </p:nvSpPr>
+        <p:spPr/>
+        <p:txBody>
+          <a:bodyPr/>
+          <a:lstStyle/>
+          <a:p>
+            <a:r>
+              <a:rPr lang="en-US"/>
+              <a:t>Department of Computer Engineering</a:t>
+            </a:r>
+          </a:p>
+        </p:txBody>
+      </p:sp>
+      <p:sp>
+        <p:nvSpPr>
+          <p:cNvPr id="5" name="Slide Number Placeholder 4">
+            <a:extLst>
+              <a:ext uri="{FF2B5EF4-FFF2-40B4-BE49-F238E27FC236}">
+                <a16:creationId xmlns:a16="http://schemas.microsoft.com/office/drawing/2014/main" xmlns="" id="{668ECB82-C8E0-4B8B-9809-20453A603447}"/>
+              </a:ext>
+            </a:extLst>
+          </p:cNvPr>
+          <p:cNvSpPr>
+            <a:spLocks noGrp="1"/>
+          </p:cNvSpPr>
+          <p:nvPr>
+            <p:ph type="sldNum" sz="quarter" idx="12"/>
+          </p:nvPr>
+        </p:nvSpPr>
+        <p:spPr/>
+        <p:txBody>
+          <a:bodyPr/>
+          <a:lstStyle/>
+          <a:p>
+            <a:fld id="{C1FF6DA9-008F-8B48-92A6-B652298478BF}" type="slidenum">
+              <a:rPr lang="en-US" smtClean="0"/>
+              <a:t>12</a:t>
+            </a:fld>
+            <a:endParaRPr lang="en-US"/>
+          </a:p>
+        </p:txBody>
+      </p:sp>
+    </p:spTree>
+  </p:cSld>
+  <p:clrMapOvr>
+    <a:masterClrMapping/>
+  </p:clrMapOvr>
+  <mc:AlternateContent xmlns:mc="http://schemas.openxmlformats.org/markup-compatibility/2006">
+    <mc:Choice xmlns:p14="http://schemas.microsoft.com/office/powerpoint/2010/main" Requires="p14">
+      <p:transition p14:dur="0"/>
+    </mc:Choice>
+    <mc:Fallback>
+      <p:transition/>
+    </mc:Fallback>
+  </mc:AlternateContent>
+  <p:timing>
+    <p:tnLst>
+      <p:par>
+        <p:cTn id="1" dur="indefinite" restart="never" nodeType="tmRoot"/>
+      </p:par>
+    </p:tnLst>
+  </p:timing>
+</p:sld>
+</file>
+
+<file path=ppt/slides/slide2.xml><?xml version="1.0" encoding="utf-8"?>
+<p:sld xmlns:a="http://schemas.openxmlformats.org/drawingml/2006/main" xmlns:r="http://schemas.openxmlformats.org/officeDocument/2006/relationships" xmlns:p="http://schemas.openxmlformats.org/presentationml/2006/main">
+  <p:cSld>
+    <p:spTree>
+      <p:nvGrpSpPr>
+        <p:cNvPr id="1" name=""/>
+        <p:cNvGrpSpPr/>
+        <p:nvPr/>
+      </p:nvGrpSpPr>
+      <p:grpSpPr>
+        <a:xfrm>
+          <a:off x="0" y="0"/>
+          <a:ext cx="0" cy="0"/>
+          <a:chOff x="0" y="0"/>
+          <a:chExt cx="0" cy="0"/>
+        </a:xfrm>
+      </p:grpSpPr>
+      <p:sp>
+        <p:nvSpPr>
+          <p:cNvPr id="2" name="Title 1">
+            <a:extLst>
+              <a:ext uri="{FF2B5EF4-FFF2-40B4-BE49-F238E27FC236}">
+                <a16:creationId xmlns:a16="http://schemas.microsoft.com/office/drawing/2014/main" xmlns="" id="{23EC7F7E-2A77-430B-AFE6-DE135E673518}"/>
+              </a:ext>
+            </a:extLst>
+          </p:cNvPr>
+          <p:cNvSpPr>
+            <a:spLocks noGrp="1"/>
+          </p:cNvSpPr>
+          <p:nvPr>
+            <p:ph type="title"/>
+          </p:nvPr>
+        </p:nvSpPr>
+        <p:spPr/>
+        <p:txBody>
+          <a:bodyPr/>
+          <a:lstStyle/>
+          <a:p>
+            <a:r>
+              <a:rPr lang="en-IN" dirty="0"/>
+              <a:t>Content</a:t>
+            </a:r>
+          </a:p>
+        </p:txBody>
+      </p:sp>
+      <p:sp>
+        <p:nvSpPr>
+          <p:cNvPr id="3" name="Content Placeholder 2">
+            <a:extLst>
+              <a:ext uri="{FF2B5EF4-FFF2-40B4-BE49-F238E27FC236}">
+                <a16:creationId xmlns:a16="http://schemas.microsoft.com/office/drawing/2014/main" xmlns="" id="{A41DB071-F4FD-4842-AD86-70E75FCD029A}"/>
+              </a:ext>
+            </a:extLst>
+          </p:cNvPr>
+          <p:cNvSpPr>
+            <a:spLocks noGrp="1"/>
+          </p:cNvSpPr>
+          <p:nvPr>
+            <p:ph idx="1"/>
+          </p:nvPr>
+        </p:nvSpPr>
+        <p:spPr/>
+        <p:txBody>
+          <a:bodyPr/>
+          <a:lstStyle/>
+          <a:p>
+            <a:pPr marL="514350" indent="-514350">
+              <a:buFont typeface="+mj-lt"/>
+              <a:buAutoNum type="arabicPeriod"/>
+            </a:pPr>
+            <a:r>
+              <a:rPr lang="en-GB" dirty="0">
+                <a:latin typeface="Inter" charset="0"/>
+                <a:ea typeface="Inter" charset="0"/>
+              </a:rPr>
+              <a:t>Introduction of topic</a:t>
+            </a:r>
+          </a:p>
+          <a:p>
+            <a:pPr marL="514350" indent="-514350">
+              <a:buFont typeface="+mj-lt"/>
+              <a:buAutoNum type="arabicPeriod"/>
+            </a:pPr>
+            <a:r>
+              <a:rPr lang="en-GB" dirty="0">
+                <a:latin typeface="Inter" charset="0"/>
+                <a:ea typeface="Inter" charset="0"/>
+              </a:rPr>
+              <a:t>Motivation</a:t>
+            </a:r>
+          </a:p>
+          <a:p>
+            <a:pPr marL="514350" indent="-514350">
+              <a:buFont typeface="+mj-lt"/>
+              <a:buAutoNum type="arabicPeriod"/>
+            </a:pPr>
+            <a:r>
+              <a:rPr lang="en-GB" dirty="0">
+                <a:latin typeface="Inter" charset="0"/>
+                <a:ea typeface="Inter" charset="0"/>
+              </a:rPr>
+              <a:t>Problem Statement</a:t>
+            </a:r>
+          </a:p>
+          <a:p>
+            <a:pPr marL="514350" indent="-514350">
+              <a:buFont typeface="+mj-lt"/>
+              <a:buAutoNum type="arabicPeriod"/>
+            </a:pPr>
+            <a:r>
+              <a:rPr lang="en-GB" dirty="0">
+                <a:latin typeface="Inter" charset="0"/>
+                <a:ea typeface="Inter" charset="0"/>
+              </a:rPr>
+              <a:t>Literature Review</a:t>
+            </a:r>
+          </a:p>
+          <a:p>
+            <a:pPr marL="514350" indent="-514350">
+              <a:buFont typeface="+mj-lt"/>
+              <a:buAutoNum type="arabicPeriod"/>
+            </a:pPr>
+            <a:r>
+              <a:rPr lang="en-US" kern="0" spc="-89" dirty="0">
+                <a:solidFill>
+                  <a:schemeClr val="tx1">
+                    <a:lumMod val="85000"/>
+                    <a:lumOff val="15000"/>
+                  </a:schemeClr>
+                </a:solidFill>
+                <a:latin typeface="Inter" charset="0"/>
+                <a:ea typeface="Inter" charset="0"/>
+                <a:cs typeface="Source Serif Pro" pitchFamily="34" charset="-120"/>
+              </a:rPr>
+              <a:t>Conclusion</a:t>
+            </a:r>
+          </a:p>
+          <a:p>
+            <a:pPr marL="514350" indent="-514350">
+              <a:buFont typeface="+mj-lt"/>
+              <a:buAutoNum type="arabicPeriod"/>
+            </a:pPr>
+            <a:r>
+              <a:rPr lang="en-US" kern="0" spc="-89" dirty="0">
+                <a:solidFill>
+                  <a:schemeClr val="tx1">
+                    <a:lumMod val="85000"/>
+                    <a:lumOff val="15000"/>
+                  </a:schemeClr>
+                </a:solidFill>
+                <a:latin typeface="Inter" charset="0"/>
+                <a:ea typeface="Inter" charset="0"/>
+                <a:cs typeface="Source Serif Pro" pitchFamily="34" charset="-120"/>
+              </a:rPr>
+              <a:t>References</a:t>
+            </a:r>
+            <a:endParaRPr lang="en-IN" dirty="0">
+              <a:solidFill>
+                <a:schemeClr val="tx1">
+                  <a:lumMod val="85000"/>
+                  <a:lumOff val="15000"/>
+                </a:schemeClr>
+              </a:solidFill>
+            </a:endParaRPr>
+          </a:p>
+        </p:txBody>
+      </p:sp>
+      <p:sp>
+        <p:nvSpPr>
+          <p:cNvPr id="4" name="Footer Placeholder 3">
+            <a:extLst>
+              <a:ext uri="{FF2B5EF4-FFF2-40B4-BE49-F238E27FC236}">
+                <a16:creationId xmlns:a16="http://schemas.microsoft.com/office/drawing/2014/main" xmlns="" id="{55CBE9B0-E6AB-4067-839E-CF9F0F6DF990}"/>
+              </a:ext>
+            </a:extLst>
+          </p:cNvPr>
+          <p:cNvSpPr>
+            <a:spLocks noGrp="1"/>
+          </p:cNvSpPr>
+          <p:nvPr>
+            <p:ph type="ftr" sz="quarter" idx="11"/>
+          </p:nvPr>
+        </p:nvSpPr>
+        <p:spPr/>
+        <p:txBody>
+          <a:bodyPr/>
+          <a:lstStyle/>
+          <a:p>
+            <a:r>
+              <a:rPr lang="en-US"/>
+              <a:t>Department of Computer Engineering</a:t>
+            </a:r>
+          </a:p>
+        </p:txBody>
+      </p:sp>
+      <p:sp>
+        <p:nvSpPr>
+          <p:cNvPr id="5" name="Slide Number Placeholder 4">
+            <a:extLst>
+              <a:ext uri="{FF2B5EF4-FFF2-40B4-BE49-F238E27FC236}">
+                <a16:creationId xmlns:a16="http://schemas.microsoft.com/office/drawing/2014/main" xmlns="" id="{2AECD6E5-5538-40B8-9CD8-75CBD5C846F1}"/>
+              </a:ext>
+            </a:extLst>
+          </p:cNvPr>
+          <p:cNvSpPr>
+            <a:spLocks noGrp="1"/>
+          </p:cNvSpPr>
+          <p:nvPr>
+            <p:ph type="sldNum" sz="quarter" idx="12"/>
+          </p:nvPr>
+        </p:nvSpPr>
+        <p:spPr/>
+        <p:txBody>
+          <a:bodyPr/>
+          <a:lstStyle/>
+          <a:p>
+            <a:fld id="{C1FF6DA9-008F-8B48-92A6-B652298478BF}" type="slidenum">
+              <a:rPr lang="en-US" smtClean="0"/>
+              <a:t>2</a:t>
+            </a:fld>
+            <a:endParaRPr lang="en-US"/>
+          </a:p>
+        </p:txBody>
+      </p:sp>
+    </p:spTree>
+    <p:extLst>
+      <p:ext uri="{BB962C8B-B14F-4D97-AF65-F5344CB8AC3E}">
+        <p14:creationId xmlns:p14="http://schemas.microsoft.com/office/powerpoint/2010/main" val="3991666224"/>
+      </p:ext>
+    </p:extLst>
+  </p:cSld>
+  <p:clrMapOvr>
+    <a:masterClrMapping/>
+  </p:clrMapOvr>
+  <p:timing>
+    <p:tnLst>
+      <p:par>
+        <p:cTn id="1" dur="indefinite" restart="never" nodeType="tmRoot"/>
+      </p:par>
+    </p:tnLst>
+  </p:timing>
+</p:sld>
+</file>
+
+<file path=ppt/slides/slide3.xml><?xml version="1.0" encoding="utf-8"?>
+<p:sld xmlns:a="http://schemas.openxmlformats.org/drawingml/2006/main" xmlns:r="http://schemas.openxmlformats.org/officeDocument/2006/relationships" xmlns:p="http://schemas.openxmlformats.org/presentationml/2006/main">
+  <p:cSld>
+    <p:spTree>
+      <p:nvGrpSpPr>
+        <p:cNvPr id="1" name=""/>
+        <p:cNvGrpSpPr/>
+        <p:nvPr/>
+      </p:nvGrpSpPr>
+      <p:grpSpPr>
+        <a:xfrm>
+          <a:off x="0" y="0"/>
+          <a:ext cx="0" cy="0"/>
+          <a:chOff x="0" y="0"/>
+          <a:chExt cx="0" cy="0"/>
+        </a:xfrm>
+      </p:grpSpPr>
+      <p:sp>
+        <p:nvSpPr>
+          <p:cNvPr id="2" name="Title 1"/>
+          <p:cNvSpPr>
+            <a:spLocks noGrp="1"/>
+          </p:cNvSpPr>
+          <p:nvPr>
+            <p:ph type="title"/>
+          </p:nvPr>
+        </p:nvSpPr>
+        <p:spPr/>
+        <p:txBody>
+          <a:bodyPr/>
+          <a:lstStyle/>
+          <a:p>
+            <a:r>
+              <a:t>Introduction</a:t>
+            </a:r>
+          </a:p>
+        </p:txBody>
+      </p:sp>
+      <p:sp>
+        <p:nvSpPr>
+          <p:cNvPr id="3" name="Content Placeholder 2"/>
+          <p:cNvSpPr>
+            <a:spLocks noGrp="1"/>
+          </p:cNvSpPr>
+          <p:nvPr>
+            <p:ph idx="1"/>
+          </p:nvPr>
+        </p:nvSpPr>
+        <p:spPr/>
+        <p:txBody>
+          <a:bodyPr/>
+          <a:lstStyle/>
+          <a:p>
+            <a:pPr algn="just">
+              <a:buSzPct val="121000"/>
+              <a:buFont typeface="Arial" panose="020B0604020202020204" pitchFamily="34" charset="0"/>
+              <a:buChar char="•"/>
+            </a:pPr>
+            <a:r>
+              <a:rPr lang="en-US" b="1" dirty="0" smtClean="0"/>
+              <a:t>Background </a:t>
+            </a:r>
+            <a:r>
+              <a:rPr lang="en-US" b="1" dirty="0"/>
+              <a:t>of the topic</a:t>
+            </a:r>
+            <a:r>
+              <a:rPr lang="en-US" dirty="0"/>
+              <a:t>: The governance of space activities is progressively transforming with the integration of AI and machine learning (ML). This seminar will examine the fundamental legal challenges associated with using AI in the space domain.</a:t>
+            </a:r>
+          </a:p>
+          <a:p>
+            <a:pPr algn="just">
+              <a:buSzPct val="121000"/>
+              <a:buFont typeface="Arial" panose="020B0604020202020204" pitchFamily="34" charset="0"/>
+              <a:buChar char="•"/>
+            </a:pPr>
+            <a:r>
+              <a:rPr lang="en-US" b="1" dirty="0"/>
+              <a:t>Why this seminar is chosen?</a:t>
+            </a:r>
+            <a:r>
+              <a:rPr lang="en-US" dirty="0"/>
+              <a:t>: The nature of the space and satellite industry is a quintessential use-case for AI, with applications in virtually all space activities.</a:t>
+            </a:r>
+          </a:p>
+          <a:p>
+            <a:pPr algn="just">
+              <a:buSzPct val="121000"/>
+              <a:buFont typeface="Arial" panose="020B0604020202020204" pitchFamily="34" charset="0"/>
+              <a:buChar char="•"/>
+            </a:pPr>
+            <a:r>
+              <a:rPr lang="en-US" b="1" dirty="0"/>
+              <a:t>Relevance to computer engineering / industry</a:t>
+            </a:r>
+            <a:r>
+              <a:rPr lang="en-US" dirty="0"/>
+              <a:t>: AI applications include autonomous robots like spacecraft and satellite constellations, and the analysis of big data for tasks such as debris monitoring and predictive analytics.</a:t>
+            </a:r>
+          </a:p>
+        </p:txBody>
+      </p:sp>
+      <p:sp>
+        <p:nvSpPr>
+          <p:cNvPr id="4" name="Footer Placeholder 3">
+            <a:extLst>
+              <a:ext uri="{FF2B5EF4-FFF2-40B4-BE49-F238E27FC236}">
+                <a16:creationId xmlns:a16="http://schemas.microsoft.com/office/drawing/2014/main" xmlns="" id="{41D0C085-C70E-4641-8058-B1705398892E}"/>
+              </a:ext>
+            </a:extLst>
+          </p:cNvPr>
+          <p:cNvSpPr>
+            <a:spLocks noGrp="1"/>
+          </p:cNvSpPr>
+          <p:nvPr>
+            <p:ph type="ftr" sz="quarter" idx="11"/>
+          </p:nvPr>
+        </p:nvSpPr>
+        <p:spPr/>
+        <p:txBody>
+          <a:bodyPr/>
+          <a:lstStyle/>
+          <a:p>
+            <a:r>
+              <a:rPr lang="en-US"/>
+              <a:t>Department of Computer Engineering</a:t>
+            </a:r>
+          </a:p>
+        </p:txBody>
+      </p:sp>
+      <p:sp>
+        <p:nvSpPr>
+          <p:cNvPr id="5" name="Slide Number Placeholder 4">
+            <a:extLst>
+              <a:ext uri="{FF2B5EF4-FFF2-40B4-BE49-F238E27FC236}">
+                <a16:creationId xmlns:a16="http://schemas.microsoft.com/office/drawing/2014/main" xmlns="" id="{C440A4A9-8CC3-4718-8CD5-255A125AF33B}"/>
+              </a:ext>
+            </a:extLst>
+          </p:cNvPr>
+          <p:cNvSpPr>
+            <a:spLocks noGrp="1"/>
+          </p:cNvSpPr>
+          <p:nvPr>
+            <p:ph type="sldNum" sz="quarter" idx="12"/>
+          </p:nvPr>
+        </p:nvSpPr>
+        <p:spPr/>
+        <p:txBody>
+          <a:bodyPr/>
+          <a:lstStyle/>
+          <a:p>
+            <a:fld id="{C1FF6DA9-008F-8B48-92A6-B652298478BF}" type="slidenum">
+              <a:rPr lang="en-US" smtClean="0"/>
+              <a:t>3</a:t>
+            </a:fld>
+            <a:endParaRPr lang="en-US"/>
+          </a:p>
+        </p:txBody>
+      </p:sp>
+    </p:spTree>
+  </p:cSld>
+  <p:clrMapOvr>
+    <a:masterClrMapping/>
+  </p:clrMapOvr>
+  <p:timing>
+    <p:tnLst>
+      <p:par>
+        <p:cTn id="1" dur="indefinite" restart="never" nodeType="tmRoot"/>
+      </p:par>
+    </p:tnLst>
+  </p:timing>
+</p:sld>
+</file>
+
+<file path=ppt/slides/slide4.xml><?xml version="1.0" encoding="utf-8"?>
+<p:sld xmlns:a="http://schemas.openxmlformats.org/drawingml/2006/main" xmlns:r="http://schemas.openxmlformats.org/officeDocument/2006/relationships" xmlns:p="http://schemas.openxmlformats.org/presentationml/2006/main">
+  <p:cSld>
+    <p:spTree>
+      <p:nvGrpSpPr>
+        <p:cNvPr id="1" name=""/>
+        <p:cNvGrpSpPr/>
+        <p:nvPr/>
+      </p:nvGrpSpPr>
+      <p:grpSpPr>
+        <a:xfrm>
+          <a:off x="0" y="0"/>
+          <a:ext cx="0" cy="0"/>
+          <a:chOff x="0" y="0"/>
+          <a:chExt cx="0" cy="0"/>
+        </a:xfrm>
+      </p:grpSpPr>
+      <p:sp>
+        <p:nvSpPr>
+          <p:cNvPr id="2" name="Title 1"/>
+          <p:cNvSpPr>
+            <a:spLocks noGrp="1"/>
+          </p:cNvSpPr>
+          <p:nvPr>
+            <p:ph type="title"/>
+          </p:nvPr>
+        </p:nvSpPr>
+        <p:spPr/>
+        <p:txBody>
+          <a:bodyPr/>
+          <a:lstStyle/>
+          <a:p>
+            <a:r>
+              <a:rPr lang="en-US" dirty="0"/>
+              <a:t>NASA's Mars Rover</a:t>
+            </a:r>
+            <a:endParaRPr dirty="0"/>
+          </a:p>
+        </p:txBody>
+      </p:sp>
+      <p:sp>
+        <p:nvSpPr>
+          <p:cNvPr id="3" name="Content Placeholder 2"/>
+          <p:cNvSpPr>
+            <a:spLocks noGrp="1"/>
+          </p:cNvSpPr>
+          <p:nvPr>
+            <p:ph idx="1"/>
+          </p:nvPr>
+        </p:nvSpPr>
+        <p:spPr>
+          <a:xfrm>
+            <a:off x="822960" y="1845734"/>
+            <a:ext cx="4164676" cy="2629284"/>
+          </a:xfrm>
+        </p:spPr>
+        <p:txBody>
+          <a:bodyPr>
+            <a:normAutofit/>
+          </a:bodyPr>
+          <a:lstStyle/>
+          <a:p>
+            <a:pPr algn="just">
+              <a:buFont typeface="Arial" panose="020B0604020202020204" pitchFamily="34" charset="0"/>
+              <a:buChar char="•"/>
+            </a:pPr>
+            <a:r>
+              <a:rPr lang="en-US" b="1" dirty="0" smtClean="0"/>
+              <a:t>Use </a:t>
+            </a:r>
+            <a:r>
+              <a:rPr lang="en-US" b="1" dirty="0"/>
+              <a:t>Case</a:t>
+            </a:r>
+            <a:r>
+              <a:rPr lang="en-US" dirty="0"/>
+              <a:t>: NASA's Mars rovers (like </a:t>
+            </a:r>
+            <a:r>
+              <a:rPr lang="en-US" b="1" dirty="0"/>
+              <a:t>Curiosity</a:t>
+            </a:r>
+            <a:r>
+              <a:rPr lang="en-US" dirty="0"/>
+              <a:t> and </a:t>
+            </a:r>
+            <a:r>
+              <a:rPr lang="en-US" b="1" dirty="0"/>
+              <a:t>Perseverance</a:t>
+            </a:r>
+            <a:r>
+              <a:rPr lang="en-US" dirty="0"/>
+              <a:t>) are prime examples of AI in space.</a:t>
+            </a:r>
+          </a:p>
+          <a:p>
+            <a:pPr algn="just">
+              <a:buFont typeface="Arial" panose="020B0604020202020204" pitchFamily="34" charset="0"/>
+              <a:buChar char="•"/>
+            </a:pPr>
+            <a:r>
+              <a:rPr lang="en-US" b="1" dirty="0" smtClean="0"/>
+              <a:t>AI </a:t>
+            </a:r>
+            <a:r>
+              <a:rPr lang="en-US" b="1" dirty="0"/>
+              <a:t>Functions</a:t>
+            </a:r>
+            <a:r>
+              <a:rPr lang="en-US" dirty="0"/>
+              <a:t>: They use AI for autonomous navigation, allowing them to traverse difficult terrain and plan their own routes without constant human intervention</a:t>
+            </a:r>
+            <a:r>
+              <a:rPr lang="en-US" dirty="0" smtClean="0"/>
+              <a:t>.</a:t>
+            </a:r>
+            <a:endParaRPr lang="en-US" dirty="0"/>
+          </a:p>
+        </p:txBody>
+      </p:sp>
+      <p:sp>
+        <p:nvSpPr>
+          <p:cNvPr id="4" name="Footer Placeholder 3">
+            <a:extLst>
+              <a:ext uri="{FF2B5EF4-FFF2-40B4-BE49-F238E27FC236}">
+                <a16:creationId xmlns:a16="http://schemas.microsoft.com/office/drawing/2014/main" xmlns="" id="{41D0C085-C70E-4641-8058-B1705398892E}"/>
+              </a:ext>
+            </a:extLst>
+          </p:cNvPr>
+          <p:cNvSpPr>
+            <a:spLocks noGrp="1"/>
+          </p:cNvSpPr>
+          <p:nvPr>
+            <p:ph type="ftr" sz="quarter" idx="11"/>
+          </p:nvPr>
+        </p:nvSpPr>
+        <p:spPr/>
+        <p:txBody>
+          <a:bodyPr/>
+          <a:lstStyle/>
+          <a:p>
+            <a:r>
+              <a:rPr lang="en-US"/>
+              <a:t>Department of Computer Engineering</a:t>
+            </a:r>
+          </a:p>
+        </p:txBody>
+      </p:sp>
+      <p:sp>
+        <p:nvSpPr>
+          <p:cNvPr id="5" name="Slide Number Placeholder 4">
+            <a:extLst>
+              <a:ext uri="{FF2B5EF4-FFF2-40B4-BE49-F238E27FC236}">
+                <a16:creationId xmlns:a16="http://schemas.microsoft.com/office/drawing/2014/main" xmlns="" id="{C440A4A9-8CC3-4718-8CD5-255A125AF33B}"/>
+              </a:ext>
+            </a:extLst>
+          </p:cNvPr>
+          <p:cNvSpPr>
+            <a:spLocks noGrp="1"/>
+          </p:cNvSpPr>
+          <p:nvPr>
+            <p:ph type="sldNum" sz="quarter" idx="12"/>
+          </p:nvPr>
+        </p:nvSpPr>
+        <p:spPr/>
+        <p:txBody>
+          <a:bodyPr/>
+          <a:lstStyle/>
+          <a:p>
+            <a:fld id="{C1FF6DA9-008F-8B48-92A6-B652298478BF}" type="slidenum">
+              <a:rPr lang="en-US" smtClean="0"/>
+              <a:t>4</a:t>
+            </a:fld>
+            <a:endParaRPr lang="en-US"/>
+          </a:p>
+        </p:txBody>
+      </p:sp>
+      <p:sp>
+        <p:nvSpPr>
+          <p:cNvPr id="6" name="TextBox 5"/>
+          <p:cNvSpPr txBox="1"/>
+          <p:nvPr/>
+        </p:nvSpPr>
+        <p:spPr>
+          <a:xfrm>
+            <a:off x="822960" y="4338228"/>
+            <a:ext cx="8071657" cy="1200329"/>
+          </a:xfrm>
+          <a:prstGeom prst="rect">
+            <a:avLst/>
+          </a:prstGeom>
+          <a:noFill/>
+        </p:spPr>
+        <p:txBody>
+          <a:bodyPr wrap="square" rtlCol="0">
+            <a:spAutoFit/>
+          </a:bodyPr>
+          <a:lstStyle/>
+          <a:p>
+            <a:pPr marL="285750" indent="-285750" algn="just">
+              <a:buClr>
+                <a:schemeClr val="accent2"/>
+              </a:buClr>
+              <a:buFont typeface="Arial" panose="020B0604020202020204" pitchFamily="34" charset="0"/>
+              <a:buChar char="•"/>
+            </a:pPr>
+            <a:r>
+              <a:rPr lang="en-US" b="1" dirty="0" smtClean="0"/>
+              <a:t>Scientific </a:t>
+            </a:r>
+            <a:r>
+              <a:rPr lang="en-US" b="1" dirty="0"/>
+              <a:t>Application</a:t>
+            </a:r>
+            <a:r>
+              <a:rPr lang="en-US" dirty="0"/>
+              <a:t>: AI helps the rover analyze geological features, identify </a:t>
+            </a:r>
+            <a:r>
+              <a:rPr lang="en-US" dirty="0" smtClean="0"/>
+              <a:t>          potential </a:t>
+            </a:r>
+            <a:r>
+              <a:rPr lang="en-US" dirty="0"/>
+              <a:t>rock samples, and decide which data to prioritize sending back to </a:t>
+            </a:r>
+            <a:r>
+              <a:rPr lang="en-US" dirty="0" smtClean="0"/>
+              <a:t>Earth</a:t>
+            </a:r>
+            <a:r>
+              <a:rPr lang="en-US" dirty="0"/>
+              <a:t>. </a:t>
+            </a:r>
+            <a:r>
+              <a:rPr lang="en-US" dirty="0" smtClean="0"/>
+              <a:t> This </a:t>
+            </a:r>
+            <a:r>
+              <a:rPr lang="en-US" dirty="0"/>
+              <a:t>is a crucial application of AI for analyzing big data in real-time.</a:t>
+            </a:r>
+          </a:p>
+          <a:p>
+            <a:pPr marL="285750" indent="-285750">
+              <a:buFont typeface="Arial" panose="020B0604020202020204" pitchFamily="34" charset="0"/>
+              <a:buChar char="•"/>
+            </a:pPr>
+            <a:endParaRPr lang="en-US" dirty="0"/>
+          </a:p>
+        </p:txBody>
+      </p:sp>
+      <p:sp>
+        <p:nvSpPr>
+          <p:cNvPr id="7" name="AutoShape 2" descr="Video: A look at Mars rover Perseverance vs. Curiosity"/>
+          <p:cNvSpPr>
+            <a:spLocks noChangeAspect="1" noChangeArrowheads="1"/>
+          </p:cNvSpPr>
+          <p:nvPr/>
+        </p:nvSpPr>
+        <p:spPr bwMode="auto">
+          <a:xfrm>
+            <a:off x="155575" y="-144463"/>
+            <a:ext cx="304800" cy="304801"/>
+          </a:xfrm>
+          <a:prstGeom prst="rect">
+            <a:avLst/>
+          </a:prstGeom>
+          <a:noFill/>
+          <a:extLst>
+            <a:ext uri="{909E8E84-426E-40DD-AFC4-6F175D3DCCD1}">
+              <a14:hiddenFill xmlns:a14="http://schemas.microsoft.com/office/drawing/2010/main">
+                <a:solidFill>
+                  <a:srgbClr val="FFFFFF"/>
+                </a:solidFill>
+              </a14:hiddenFill>
+            </a:ext>
+          </a:extLst>
+        </p:spPr>
+        <p:txBody>
+          <a:bodyPr vert="horz" wrap="square" lIns="91440" tIns="45720" rIns="91440" bIns="45720" numCol="1" anchor="t" anchorCtr="0" compatLnSpc="1">
+            <a:prstTxWarp prst="textNoShape">
+              <a:avLst/>
+            </a:prstTxWarp>
+          </a:bodyPr>
+          <a:lstStyle/>
+          <a:p>
+            <a:endParaRPr lang="en-US"/>
+          </a:p>
+        </p:txBody>
+      </p:sp>
+      <p:sp>
+        <p:nvSpPr>
+          <p:cNvPr id="8" name="AutoShape 4" descr="Video: A look at Mars rover Perseverance vs. Curiosity"/>
+          <p:cNvSpPr>
+            <a:spLocks noChangeAspect="1" noChangeArrowheads="1"/>
+          </p:cNvSpPr>
+          <p:nvPr/>
+        </p:nvSpPr>
+        <p:spPr bwMode="auto">
+          <a:xfrm>
+            <a:off x="307975" y="7937"/>
+            <a:ext cx="304800" cy="304801"/>
+          </a:xfrm>
+          <a:prstGeom prst="rect">
+            <a:avLst/>
+          </a:prstGeom>
+          <a:noFill/>
+          <a:extLst>
+            <a:ext uri="{909E8E84-426E-40DD-AFC4-6F175D3DCCD1}">
+              <a14:hiddenFill xmlns:a14="http://schemas.microsoft.com/office/drawing/2010/main">
+                <a:solidFill>
+                  <a:srgbClr val="FFFFFF"/>
+                </a:solidFill>
+              </a14:hiddenFill>
+            </a:ext>
+          </a:extLst>
+        </p:spPr>
+        <p:txBody>
+          <a:bodyPr vert="horz" wrap="square" lIns="91440" tIns="45720" rIns="91440" bIns="45720" numCol="1" anchor="t" anchorCtr="0" compatLnSpc="1">
+            <a:prstTxWarp prst="textNoShape">
+              <a:avLst/>
+            </a:prstTxWarp>
+          </a:bodyPr>
+          <a:lstStyle/>
+          <a:p>
+            <a:endParaRPr lang="en-US"/>
+          </a:p>
+        </p:txBody>
+      </p:sp>
+      <p:sp>
+        <p:nvSpPr>
+          <p:cNvPr id="9" name="AutoShape 6" descr="Video: A look at Mars rover Perseverance vs. Curiosity"/>
+          <p:cNvSpPr>
+            <a:spLocks noChangeAspect="1" noChangeArrowheads="1"/>
+          </p:cNvSpPr>
+          <p:nvPr/>
+        </p:nvSpPr>
+        <p:spPr bwMode="auto">
+          <a:xfrm>
+            <a:off x="460375" y="160337"/>
+            <a:ext cx="304800" cy="304801"/>
+          </a:xfrm>
+          <a:prstGeom prst="rect">
+            <a:avLst/>
+          </a:prstGeom>
+          <a:noFill/>
+          <a:extLst>
+            <a:ext uri="{909E8E84-426E-40DD-AFC4-6F175D3DCCD1}">
+              <a14:hiddenFill xmlns:a14="http://schemas.microsoft.com/office/drawing/2010/main">
+                <a:solidFill>
+                  <a:srgbClr val="FFFFFF"/>
+                </a:solidFill>
+              </a14:hiddenFill>
+            </a:ext>
+          </a:extLst>
+        </p:spPr>
+        <p:txBody>
+          <a:bodyPr vert="horz" wrap="square" lIns="91440" tIns="45720" rIns="91440" bIns="45720" numCol="1" anchor="t" anchorCtr="0" compatLnSpc="1">
+            <a:prstTxWarp prst="textNoShape">
+              <a:avLst/>
+            </a:prstTxWarp>
+          </a:bodyPr>
+          <a:lstStyle/>
+          <a:p>
+            <a:endParaRPr lang="en-US"/>
+          </a:p>
+        </p:txBody>
+      </p:sp>
+      <p:pic>
+        <p:nvPicPr>
+          <p:cNvPr id="3080" name="Picture 8" descr="Curiosity Marks 3rd Anniversary on Mars With Amazing Science Discoveries -  AmericaSpace"/>
+          <p:cNvPicPr>
+            <a:picLocks noChangeAspect="1" noChangeArrowheads="1"/>
+          </p:cNvPicPr>
+          <p:nvPr/>
+        </p:nvPicPr>
+        <p:blipFill>
+          <a:blip r:embed="rId2">
+            <a:extLst>
+              <a:ext uri="{28A0092B-C50C-407E-A947-70E740481C1C}">
+                <a14:useLocalDpi xmlns:a14="http://schemas.microsoft.com/office/drawing/2010/main" val="0"/>
+              </a:ext>
+            </a:extLst>
+          </a:blip>
+          <a:srcRect/>
+          <a:stretch>
+            <a:fillRect/>
+          </a:stretch>
+        </p:blipFill>
+        <p:spPr bwMode="auto">
+          <a:xfrm>
+            <a:off x="5223163" y="2136680"/>
+            <a:ext cx="3477490" cy="1954715"/>
+          </a:xfrm>
+          <a:prstGeom prst="rect">
+            <a:avLst/>
+          </a:prstGeom>
+          <a:noFill/>
+          <a:extLst>
+            <a:ext uri="{909E8E84-426E-40DD-AFC4-6F175D3DCCD1}">
+              <a14:hiddenFill xmlns:a14="http://schemas.microsoft.com/office/drawing/2010/main">
+                <a:solidFill>
+                  <a:srgbClr val="FFFFFF"/>
+                </a:solidFill>
+              </a14:hiddenFill>
+            </a:ext>
+          </a:extLst>
+        </p:spPr>
+      </p:pic>
+    </p:spTree>
+    <p:extLst>
+      <p:ext uri="{BB962C8B-B14F-4D97-AF65-F5344CB8AC3E}">
+        <p14:creationId xmlns:p14="http://schemas.microsoft.com/office/powerpoint/2010/main" val="3329551140"/>
+      </p:ext>
+    </p:extLst>
+  </p:cSld>
+  <p:clrMapOvr>
+    <a:masterClrMapping/>
+  </p:clrMapOvr>
+  <p:timing>
+    <p:tnLst>
+      <p:par>
+        <p:cTn id="1" dur="indefinite" restart="never" nodeType="tmRoot"/>
+      </p:par>
+    </p:tnLst>
+  </p:timing>
+</p:sld>
+</file>
+
+<file path=ppt/slides/slide5.xml><?xml version="1.0" encoding="utf-8"?>
+<p:sld xmlns:a="http://schemas.openxmlformats.org/drawingml/2006/main" xmlns:r="http://schemas.openxmlformats.org/officeDocument/2006/relationships" xmlns:p="http://schemas.openxmlformats.org/presentationml/2006/main">
+  <p:cSld>
+    <p:spTree>
+      <p:nvGrpSpPr>
+        <p:cNvPr id="1" name=""/>
+        <p:cNvGrpSpPr/>
+        <p:nvPr/>
+      </p:nvGrpSpPr>
+      <p:grpSpPr>
+        <a:xfrm>
+          <a:off x="0" y="0"/>
+          <a:ext cx="0" cy="0"/>
+          <a:chOff x="0" y="0"/>
+          <a:chExt cx="0" cy="0"/>
+        </a:xfrm>
+      </p:grpSpPr>
+      <p:sp>
+        <p:nvSpPr>
+          <p:cNvPr id="2" name="Title 1"/>
+          <p:cNvSpPr>
+            <a:spLocks noGrp="1"/>
+          </p:cNvSpPr>
+          <p:nvPr>
+            <p:ph type="title"/>
+          </p:nvPr>
+        </p:nvSpPr>
+        <p:spPr/>
+        <p:txBody>
+          <a:bodyPr/>
+          <a:lstStyle/>
+          <a:p>
+            <a:r>
+              <a:rPr lang="en-US" dirty="0" smtClean="0"/>
+              <a:t>ISRO Chandrayaan-3 </a:t>
+            </a:r>
+            <a:r>
+              <a:rPr lang="en-US" dirty="0"/>
+              <a:t>Rover</a:t>
+            </a:r>
+            <a:endParaRPr dirty="0"/>
+          </a:p>
+        </p:txBody>
+      </p:sp>
+      <p:sp>
+        <p:nvSpPr>
+          <p:cNvPr id="3" name="Content Placeholder 2"/>
+          <p:cNvSpPr>
+            <a:spLocks noGrp="1"/>
+          </p:cNvSpPr>
+          <p:nvPr>
+            <p:ph idx="1"/>
+          </p:nvPr>
+        </p:nvSpPr>
+        <p:spPr>
+          <a:xfrm>
+            <a:off x="4633085" y="1845734"/>
+            <a:ext cx="4164676" cy="2629284"/>
+          </a:xfrm>
+        </p:spPr>
+        <p:txBody>
+          <a:bodyPr>
+            <a:normAutofit lnSpcReduction="10000"/>
+          </a:bodyPr>
+          <a:lstStyle/>
+          <a:p>
+            <a:pPr algn="just">
+              <a:buFont typeface="Arial" panose="020B0604020202020204" pitchFamily="34" charset="0"/>
+              <a:buChar char="•"/>
+            </a:pPr>
+            <a:r>
+              <a:rPr lang="en-US" b="1" dirty="0" smtClean="0"/>
+              <a:t>Use </a:t>
+            </a:r>
+            <a:r>
+              <a:rPr lang="en-US" b="1" dirty="0"/>
+              <a:t>Case</a:t>
+            </a:r>
+            <a:r>
+              <a:rPr lang="en-US" dirty="0"/>
+              <a:t>: The </a:t>
+            </a:r>
+            <a:r>
+              <a:rPr lang="en-US" dirty="0" err="1"/>
+              <a:t>Chandrayaan</a:t>
+            </a:r>
+            <a:r>
+              <a:rPr lang="en-US" dirty="0"/>
+              <a:t> mission, particularly the </a:t>
+            </a:r>
+            <a:r>
+              <a:rPr lang="en-US" b="1" dirty="0" err="1"/>
+              <a:t>Pragyan</a:t>
+            </a:r>
+            <a:r>
+              <a:rPr lang="en-US" dirty="0"/>
+              <a:t> </a:t>
+            </a:r>
+            <a:r>
+              <a:rPr lang="en-US" b="1" dirty="0"/>
+              <a:t>R</a:t>
+            </a:r>
+            <a:r>
+              <a:rPr lang="en-US" b="1" dirty="0" smtClean="0"/>
+              <a:t>over</a:t>
+            </a:r>
+            <a:r>
+              <a:rPr lang="en-US" dirty="0"/>
+              <a:t>, demonstrates India's use of AI in lunar exploration</a:t>
+            </a:r>
+            <a:r>
+              <a:rPr lang="en-US" dirty="0" smtClean="0"/>
+              <a:t>.</a:t>
+            </a:r>
+          </a:p>
+          <a:p>
+            <a:pPr algn="just">
+              <a:buFont typeface="Arial" panose="020B0604020202020204" pitchFamily="34" charset="0"/>
+              <a:buChar char="•"/>
+            </a:pPr>
+            <a:r>
+              <a:rPr lang="en-US" b="1" dirty="0" smtClean="0"/>
+              <a:t>AI </a:t>
+            </a:r>
+            <a:r>
+              <a:rPr lang="en-US" b="1" dirty="0"/>
+              <a:t>Functions</a:t>
+            </a:r>
+            <a:r>
+              <a:rPr lang="en-US" dirty="0"/>
+              <a:t>: The rover's AI assists in navigation and obstacle detection on the lunar surface, ensuring its safety and path-finding capabilities in an unknown environment.</a:t>
+            </a:r>
+          </a:p>
+        </p:txBody>
+      </p:sp>
+      <p:sp>
+        <p:nvSpPr>
+          <p:cNvPr id="4" name="Footer Placeholder 3">
+            <a:extLst>
+              <a:ext uri="{FF2B5EF4-FFF2-40B4-BE49-F238E27FC236}">
+                <a16:creationId xmlns:a16="http://schemas.microsoft.com/office/drawing/2014/main" xmlns="" id="{41D0C085-C70E-4641-8058-B1705398892E}"/>
+              </a:ext>
+            </a:extLst>
+          </p:cNvPr>
+          <p:cNvSpPr>
+            <a:spLocks noGrp="1"/>
+          </p:cNvSpPr>
+          <p:nvPr>
+            <p:ph type="ftr" sz="quarter" idx="11"/>
+          </p:nvPr>
+        </p:nvSpPr>
+        <p:spPr/>
+        <p:txBody>
+          <a:bodyPr/>
+          <a:lstStyle/>
+          <a:p>
+            <a:r>
+              <a:rPr lang="en-US"/>
+              <a:t>Department of Computer Engineering</a:t>
+            </a:r>
+          </a:p>
+        </p:txBody>
+      </p:sp>
+      <p:sp>
+        <p:nvSpPr>
+          <p:cNvPr id="5" name="Slide Number Placeholder 4">
+            <a:extLst>
+              <a:ext uri="{FF2B5EF4-FFF2-40B4-BE49-F238E27FC236}">
+                <a16:creationId xmlns:a16="http://schemas.microsoft.com/office/drawing/2014/main" xmlns="" id="{C440A4A9-8CC3-4718-8CD5-255A125AF33B}"/>
+              </a:ext>
+            </a:extLst>
+          </p:cNvPr>
+          <p:cNvSpPr>
+            <a:spLocks noGrp="1"/>
+          </p:cNvSpPr>
+          <p:nvPr>
+            <p:ph type="sldNum" sz="quarter" idx="12"/>
+          </p:nvPr>
+        </p:nvSpPr>
+        <p:spPr/>
+        <p:txBody>
+          <a:bodyPr/>
+          <a:lstStyle/>
+          <a:p>
+            <a:fld id="{C1FF6DA9-008F-8B48-92A6-B652298478BF}" type="slidenum">
+              <a:rPr lang="en-US" smtClean="0"/>
+              <a:t>5</a:t>
+            </a:fld>
+            <a:endParaRPr lang="en-US"/>
+          </a:p>
+        </p:txBody>
+      </p:sp>
+      <p:sp>
+        <p:nvSpPr>
+          <p:cNvPr id="6" name="TextBox 5"/>
+          <p:cNvSpPr txBox="1"/>
+          <p:nvPr/>
+        </p:nvSpPr>
+        <p:spPr>
+          <a:xfrm>
+            <a:off x="822960" y="4338228"/>
+            <a:ext cx="8071657" cy="923330"/>
+          </a:xfrm>
+          <a:prstGeom prst="rect">
+            <a:avLst/>
+          </a:prstGeom>
+          <a:noFill/>
+        </p:spPr>
+        <p:txBody>
+          <a:bodyPr wrap="square" rtlCol="0">
+            <a:spAutoFit/>
+          </a:bodyPr>
+          <a:lstStyle/>
+          <a:p>
+            <a:pPr marL="285750" indent="-285750" algn="just">
+              <a:buClr>
+                <a:schemeClr val="accent2"/>
+              </a:buClr>
+              <a:buFont typeface="Arial" panose="020B0604020202020204" pitchFamily="34" charset="0"/>
+              <a:buChar char="•"/>
+            </a:pPr>
+            <a:r>
+              <a:rPr lang="en-US" b="1" dirty="0" smtClean="0"/>
+              <a:t>Scientific </a:t>
+            </a:r>
+            <a:r>
+              <a:rPr lang="en-US" b="1" dirty="0"/>
+              <a:t>Application</a:t>
+            </a:r>
+            <a:r>
+              <a:rPr lang="en-US" dirty="0"/>
+              <a:t>: AI helps the rover's instruments collect and transmit scientific data, such as images of the lunar surface, to the lander, which then sends the data to Earth.</a:t>
+            </a:r>
+          </a:p>
+        </p:txBody>
+      </p:sp>
+      <p:sp>
+        <p:nvSpPr>
+          <p:cNvPr id="7" name="AutoShape 2" descr="Chandrayaan 3: Five key facts about the Pragyan&amp;#160;moon&amp;#160;rover"/>
+          <p:cNvSpPr>
+            <a:spLocks noChangeAspect="1" noChangeArrowheads="1"/>
+          </p:cNvSpPr>
+          <p:nvPr/>
+        </p:nvSpPr>
+        <p:spPr bwMode="auto">
+          <a:xfrm>
+            <a:off x="155575" y="-144463"/>
+            <a:ext cx="304800" cy="304801"/>
+          </a:xfrm>
+          <a:prstGeom prst="rect">
+            <a:avLst/>
+          </a:prstGeom>
+          <a:noFill/>
+          <a:extLst>
+            <a:ext uri="{909E8E84-426E-40DD-AFC4-6F175D3DCCD1}">
+              <a14:hiddenFill xmlns:a14="http://schemas.microsoft.com/office/drawing/2010/main">
+                <a:solidFill>
+                  <a:srgbClr val="FFFFFF"/>
+                </a:solidFill>
+              </a14:hiddenFill>
+            </a:ext>
+          </a:extLst>
+        </p:spPr>
+        <p:txBody>
+          <a:bodyPr vert="horz" wrap="square" lIns="91440" tIns="45720" rIns="91440" bIns="45720" numCol="1" anchor="t" anchorCtr="0" compatLnSpc="1">
+            <a:prstTxWarp prst="textNoShape">
+              <a:avLst/>
+            </a:prstTxWarp>
+          </a:bodyPr>
+          <a:lstStyle/>
+          <a:p>
+            <a:endParaRPr lang="en-US"/>
+          </a:p>
+        </p:txBody>
+      </p:sp>
+      <p:pic>
+        <p:nvPicPr>
+          <p:cNvPr id="2052" name="Picture 4" descr="Chandrayaan 3 Moon landing, ISRO Pragyan rover, Vikram lander | Autocar  India"/>
+          <p:cNvPicPr>
+            <a:picLocks noChangeAspect="1" noChangeArrowheads="1"/>
+          </p:cNvPicPr>
+          <p:nvPr/>
+        </p:nvPicPr>
+        <p:blipFill>
+          <a:blip r:embed="rId2">
+            <a:extLst>
+              <a:ext uri="{28A0092B-C50C-407E-A947-70E740481C1C}">
+                <a14:useLocalDpi xmlns:a14="http://schemas.microsoft.com/office/drawing/2010/main" val="0"/>
+              </a:ext>
+            </a:extLst>
+          </a:blip>
+          <a:srcRect/>
+          <a:stretch>
+            <a:fillRect/>
+          </a:stretch>
+        </p:blipFill>
+        <p:spPr bwMode="auto">
+          <a:xfrm>
+            <a:off x="986848" y="1945462"/>
+            <a:ext cx="3280352" cy="2173234"/>
+          </a:xfrm>
+          <a:prstGeom prst="rect">
+            <a:avLst/>
+          </a:prstGeom>
+          <a:noFill/>
+          <a:extLst>
+            <a:ext uri="{909E8E84-426E-40DD-AFC4-6F175D3DCCD1}">
+              <a14:hiddenFill xmlns:a14="http://schemas.microsoft.com/office/drawing/2010/main">
+                <a:solidFill>
+                  <a:srgbClr val="FFFFFF"/>
+                </a:solidFill>
+              </a14:hiddenFill>
+            </a:ext>
+          </a:extLst>
+        </p:spPr>
+      </p:pic>
+    </p:spTree>
+    <p:extLst>
+      <p:ext uri="{BB962C8B-B14F-4D97-AF65-F5344CB8AC3E}">
+        <p14:creationId xmlns:p14="http://schemas.microsoft.com/office/powerpoint/2010/main" val="1711204235"/>
+      </p:ext>
+    </p:extLst>
+  </p:cSld>
+  <p:clrMapOvr>
+    <a:masterClrMapping/>
+  </p:clrMapOvr>
+  <p:timing>
+    <p:tnLst>
+      <p:par>
+        <p:cTn id="1" dur="indefinite" restart="never" nodeType="tmRoot"/>
+      </p:par>
+    </p:tnLst>
+  </p:timing>
+</p:sld>
+</file>
+
+<file path=ppt/slides/slide6.xml><?xml version="1.0" encoding="utf-8"?>
+<p:sld xmlns:a="http://schemas.openxmlformats.org/drawingml/2006/main" xmlns:r="http://schemas.openxmlformats.org/officeDocument/2006/relationships" xmlns:p="http://schemas.openxmlformats.org/presentationml/2006/main">
+  <p:cSld>
+    <p:spTree>
+      <p:nvGrpSpPr>
+        <p:cNvPr id="1" name=""/>
+        <p:cNvGrpSpPr/>
+        <p:nvPr/>
+      </p:nvGrpSpPr>
+      <p:grpSpPr>
+        <a:xfrm>
+          <a:off x="0" y="0"/>
+          <a:ext cx="0" cy="0"/>
+          <a:chOff x="0" y="0"/>
+          <a:chExt cx="0" cy="0"/>
+        </a:xfrm>
+      </p:grpSpPr>
+      <p:sp>
+        <p:nvSpPr>
+          <p:cNvPr id="2" name="Title 1">
+            <a:extLst>
+              <a:ext uri="{FF2B5EF4-FFF2-40B4-BE49-F238E27FC236}">
+                <a16:creationId xmlns:a16="http://schemas.microsoft.com/office/drawing/2014/main" xmlns="" id="{F5950B7F-DF0D-49BA-8760-764F88F5082A}"/>
+              </a:ext>
+            </a:extLst>
+          </p:cNvPr>
+          <p:cNvSpPr>
+            <a:spLocks noGrp="1"/>
+          </p:cNvSpPr>
+          <p:nvPr>
+            <p:ph type="title"/>
+          </p:nvPr>
+        </p:nvSpPr>
+        <p:spPr>
+          <a:xfrm>
+            <a:off x="822960" y="286605"/>
+            <a:ext cx="7543800" cy="702302"/>
+          </a:xfrm>
+        </p:spPr>
+        <p:txBody>
+          <a:bodyPr>
+            <a:normAutofit fontScale="90000"/>
+          </a:bodyPr>
+          <a:lstStyle/>
+          <a:p>
+            <a:r>
+              <a:rPr lang="en-IN" dirty="0"/>
+              <a:t>Motivation</a:t>
+            </a:r>
+          </a:p>
+        </p:txBody>
+      </p:sp>
+      <p:sp>
+        <p:nvSpPr>
+          <p:cNvPr id="3" name="Content Placeholder 2">
+            <a:extLst>
+              <a:ext uri="{FF2B5EF4-FFF2-40B4-BE49-F238E27FC236}">
+                <a16:creationId xmlns:a16="http://schemas.microsoft.com/office/drawing/2014/main" xmlns="" id="{730D9C7B-D775-4A51-AB23-4DE6B4E75396}"/>
+              </a:ext>
+            </a:extLst>
+          </p:cNvPr>
+          <p:cNvSpPr>
+            <a:spLocks noGrp="1"/>
+          </p:cNvSpPr>
+          <p:nvPr>
+            <p:ph idx="1"/>
+          </p:nvPr>
+        </p:nvSpPr>
+        <p:spPr/>
+        <p:txBody>
+          <a:bodyPr>
+            <a:normAutofit fontScale="92500" lnSpcReduction="20000"/>
+          </a:bodyPr>
+          <a:lstStyle/>
+          <a:p>
+            <a:pPr algn="just">
+              <a:buSzPct val="121000"/>
+              <a:buFont typeface="Arial" panose="020B0604020202020204" pitchFamily="34" charset="0"/>
+              <a:buChar char="•"/>
+            </a:pPr>
+            <a:r>
+              <a:rPr lang="en-US" b="1" dirty="0"/>
+              <a:t>Growing complexity</a:t>
+            </a:r>
+            <a:r>
+              <a:rPr lang="en-US" dirty="0"/>
+              <a:t> of space missions → traditional ground-based control is insufficient.</a:t>
+            </a:r>
+          </a:p>
+          <a:p>
+            <a:pPr algn="just">
+              <a:buSzPct val="121000"/>
+              <a:buFont typeface="Arial" panose="020B0604020202020204" pitchFamily="34" charset="0"/>
+              <a:buChar char="•"/>
+            </a:pPr>
+            <a:r>
+              <a:rPr lang="en-US" b="1" dirty="0"/>
+              <a:t>Communication delays</a:t>
+            </a:r>
+            <a:r>
+              <a:rPr lang="en-US" dirty="0"/>
+              <a:t> with deep space (e.g., Mars-Earth: up to 24 minutes one way).</a:t>
+            </a:r>
+          </a:p>
+          <a:p>
+            <a:pPr algn="just">
+              <a:buSzPct val="121000"/>
+              <a:buFont typeface="Arial" panose="020B0604020202020204" pitchFamily="34" charset="0"/>
+              <a:buChar char="•"/>
+            </a:pPr>
+            <a:r>
+              <a:rPr lang="en-US" b="1" dirty="0"/>
+              <a:t>Massive data</a:t>
+            </a:r>
+            <a:r>
+              <a:rPr lang="en-US" dirty="0"/>
+              <a:t> from satellites, telescopes, and sensors require intelligent processing.</a:t>
+            </a:r>
+          </a:p>
+          <a:p>
+            <a:pPr algn="just">
+              <a:buSzPct val="121000"/>
+              <a:buFont typeface="Arial" panose="020B0604020202020204" pitchFamily="34" charset="0"/>
+              <a:buChar char="•"/>
+            </a:pPr>
+            <a:r>
+              <a:rPr lang="en-US" b="1" dirty="0"/>
+              <a:t>Emergence of New Space Economy</a:t>
+            </a:r>
+            <a:r>
+              <a:rPr lang="en-US" dirty="0"/>
+              <a:t>: privatization, small satellites, mega-constellations.</a:t>
+            </a:r>
+          </a:p>
+          <a:p>
+            <a:pPr algn="just">
+              <a:buSzPct val="121000"/>
+              <a:buFont typeface="Arial" panose="020B0604020202020204" pitchFamily="34" charset="0"/>
+              <a:buChar char="•"/>
+            </a:pPr>
+            <a:r>
+              <a:rPr lang="en-US" b="1" dirty="0"/>
+              <a:t>AI promises</a:t>
+            </a:r>
+            <a:r>
+              <a:rPr lang="en-US" dirty="0"/>
+              <a:t>:</a:t>
+            </a:r>
+          </a:p>
+          <a:p>
+            <a:pPr marL="749808" lvl="1" indent="-457200" algn="just">
+              <a:buFont typeface="+mj-lt"/>
+              <a:buAutoNum type="arabicPeriod"/>
+            </a:pPr>
+            <a:r>
+              <a:rPr lang="en-US" dirty="0"/>
+              <a:t>Cost reduction.</a:t>
+            </a:r>
+          </a:p>
+          <a:p>
+            <a:pPr marL="749808" lvl="1" indent="-457200" algn="just">
+              <a:buFont typeface="+mj-lt"/>
+              <a:buAutoNum type="arabicPeriod"/>
+            </a:pPr>
+            <a:r>
+              <a:rPr lang="en-US" dirty="0"/>
+              <a:t>Safer autonomous operations.</a:t>
+            </a:r>
+          </a:p>
+          <a:p>
+            <a:pPr marL="749808" lvl="1" indent="-457200" algn="just">
+              <a:buFont typeface="+mj-lt"/>
+              <a:buAutoNum type="arabicPeriod"/>
+            </a:pPr>
+            <a:r>
+              <a:rPr lang="en-US" dirty="0"/>
+              <a:t>Faster scientific discoveries.</a:t>
+            </a:r>
+          </a:p>
+          <a:p>
+            <a:pPr marL="749808" lvl="1" indent="-457200" algn="just">
+              <a:buFont typeface="+mj-lt"/>
+              <a:buAutoNum type="arabicPeriod"/>
+            </a:pPr>
+            <a:r>
+              <a:rPr lang="en-US" dirty="0"/>
+              <a:t>Strengthening space-based services for Earth (climate monitoring, smart cities, disaster management).</a:t>
+            </a:r>
+          </a:p>
+        </p:txBody>
+      </p:sp>
+      <p:sp>
+        <p:nvSpPr>
+          <p:cNvPr id="4" name="Footer Placeholder 3">
+            <a:extLst>
+              <a:ext uri="{FF2B5EF4-FFF2-40B4-BE49-F238E27FC236}">
+                <a16:creationId xmlns:a16="http://schemas.microsoft.com/office/drawing/2014/main" xmlns="" id="{FFC7056C-06A4-40A9-A864-0BA0471C00A9}"/>
+              </a:ext>
+            </a:extLst>
+          </p:cNvPr>
+          <p:cNvSpPr>
+            <a:spLocks noGrp="1"/>
+          </p:cNvSpPr>
+          <p:nvPr>
+            <p:ph type="ftr" sz="quarter" idx="11"/>
+          </p:nvPr>
+        </p:nvSpPr>
+        <p:spPr/>
+        <p:txBody>
+          <a:bodyPr/>
+          <a:lstStyle/>
+          <a:p>
+            <a:r>
+              <a:rPr lang="en-US"/>
+              <a:t>Department of Computer Engineering</a:t>
+            </a:r>
+          </a:p>
+        </p:txBody>
+      </p:sp>
+      <p:sp>
+        <p:nvSpPr>
+          <p:cNvPr id="5" name="Slide Number Placeholder 4">
+            <a:extLst>
+              <a:ext uri="{FF2B5EF4-FFF2-40B4-BE49-F238E27FC236}">
+                <a16:creationId xmlns:a16="http://schemas.microsoft.com/office/drawing/2014/main" xmlns="" id="{6E6F169A-EC18-4592-BFB6-F16C62F99296}"/>
+              </a:ext>
+            </a:extLst>
+          </p:cNvPr>
+          <p:cNvSpPr>
+            <a:spLocks noGrp="1"/>
+          </p:cNvSpPr>
+          <p:nvPr>
+            <p:ph type="sldNum" sz="quarter" idx="12"/>
+          </p:nvPr>
+        </p:nvSpPr>
+        <p:spPr/>
+        <p:txBody>
+          <a:bodyPr/>
+          <a:lstStyle/>
+          <a:p>
+            <a:fld id="{C1FF6DA9-008F-8B48-92A6-B652298478BF}" type="slidenum">
+              <a:rPr lang="en-US" smtClean="0"/>
+              <a:t>6</a:t>
+            </a:fld>
+            <a:endParaRPr lang="en-US"/>
+          </a:p>
+        </p:txBody>
+      </p:sp>
+    </p:spTree>
+    <p:extLst>
+      <p:ext uri="{BB962C8B-B14F-4D97-AF65-F5344CB8AC3E}">
+        <p14:creationId xmlns:p14="http://schemas.microsoft.com/office/powerpoint/2010/main" val="2408718184"/>
+      </p:ext>
+    </p:extLst>
+  </p:cSld>
+  <p:clrMapOvr>
+    <a:masterClrMapping/>
+  </p:clrMapOvr>
+  <p:timing>
+    <p:tnLst>
+      <p:par>
+        <p:cTn id="1" dur="indefinite" restart="never" nodeType="tmRoot"/>
+      </p:par>
+    </p:tnLst>
+  </p:timing>
+</p:sld>
+</file>
+
+<file path=ppt/slides/slide7.xml><?xml version="1.0" encoding="utf-8"?>
+<p:sld xmlns:a="http://schemas.openxmlformats.org/drawingml/2006/main" xmlns:r="http://schemas.openxmlformats.org/officeDocument/2006/relationships" xmlns:p="http://schemas.openxmlformats.org/presentationml/2006/main">
+  <p:cSld>
+    <p:spTree>
+      <p:nvGrpSpPr>
+        <p:cNvPr id="1" name=""/>
+        <p:cNvGrpSpPr/>
+        <p:nvPr/>
+      </p:nvGrpSpPr>
+      <p:grpSpPr>
+        <a:xfrm>
+          <a:off x="0" y="0"/>
+          <a:ext cx="0" cy="0"/>
+          <a:chOff x="0" y="0"/>
+          <a:chExt cx="0" cy="0"/>
+        </a:xfrm>
+      </p:grpSpPr>
+      <p:sp>
+        <p:nvSpPr>
+          <p:cNvPr id="2" name="Title 1"/>
+          <p:cNvSpPr>
+            <a:spLocks noGrp="1"/>
+          </p:cNvSpPr>
+          <p:nvPr>
+            <p:ph type="title"/>
+          </p:nvPr>
+        </p:nvSpPr>
+        <p:spPr/>
+        <p:txBody>
+          <a:bodyPr/>
+          <a:lstStyle/>
+          <a:p>
+            <a:r>
+              <a:t>Problem Statement</a:t>
+            </a:r>
+          </a:p>
+        </p:txBody>
+      </p:sp>
+      <p:sp>
+        <p:nvSpPr>
+          <p:cNvPr id="3" name="Content Placeholder 2"/>
+          <p:cNvSpPr>
+            <a:spLocks noGrp="1"/>
+          </p:cNvSpPr>
+          <p:nvPr>
+            <p:ph idx="1"/>
+          </p:nvPr>
+        </p:nvSpPr>
+        <p:spPr/>
+        <p:txBody>
+          <a:bodyPr>
+            <a:normAutofit/>
+          </a:bodyPr>
+          <a:lstStyle/>
+          <a:p>
+            <a:pPr algn="just">
+              <a:buSzPct val="121000"/>
+              <a:buFont typeface="Arial" panose="020B0604020202020204" pitchFamily="34" charset="0"/>
+              <a:buChar char="•"/>
+            </a:pPr>
+            <a:r>
+              <a:rPr lang="en-US" dirty="0"/>
+              <a:t>Human-led decision making is </a:t>
+            </a:r>
+            <a:r>
+              <a:rPr lang="en-US" b="1" dirty="0"/>
+              <a:t>slow, error-prone, and resource-heavy</a:t>
+            </a:r>
+            <a:r>
+              <a:rPr lang="en-US" dirty="0"/>
+              <a:t> for space operations.</a:t>
+            </a:r>
+          </a:p>
+          <a:p>
+            <a:pPr algn="just">
+              <a:buSzPct val="121000"/>
+              <a:buFont typeface="Arial" panose="020B0604020202020204" pitchFamily="34" charset="0"/>
+              <a:buChar char="•"/>
+            </a:pPr>
+            <a:r>
+              <a:rPr lang="en-US" dirty="0"/>
+              <a:t>Challenges:</a:t>
+            </a:r>
+          </a:p>
+          <a:p>
+            <a:pPr marL="544068" lvl="1" indent="-342900" algn="just">
+              <a:buFont typeface="+mj-lt"/>
+              <a:buAutoNum type="arabicPeriod"/>
+            </a:pPr>
+            <a:r>
+              <a:rPr lang="en-US" b="1" dirty="0"/>
+              <a:t>Real-time anomaly detection</a:t>
+            </a:r>
+            <a:r>
+              <a:rPr lang="en-US" dirty="0"/>
+              <a:t> in spacecraft systems.</a:t>
+            </a:r>
+          </a:p>
+          <a:p>
+            <a:pPr marL="544068" lvl="1" indent="-342900" algn="just">
+              <a:buFont typeface="+mj-lt"/>
+              <a:buAutoNum type="arabicPeriod"/>
+            </a:pPr>
+            <a:r>
+              <a:rPr lang="en-US" b="1" dirty="0"/>
+              <a:t>Autonomous navigation</a:t>
+            </a:r>
+            <a:r>
+              <a:rPr lang="en-US" dirty="0"/>
+              <a:t> in harsh and unknown planetary terrains.</a:t>
+            </a:r>
+          </a:p>
+          <a:p>
+            <a:pPr marL="544068" lvl="1" indent="-342900" algn="just">
+              <a:buFont typeface="+mj-lt"/>
+              <a:buAutoNum type="arabicPeriod"/>
+            </a:pPr>
+            <a:r>
+              <a:rPr lang="en-US" b="1" dirty="0"/>
+              <a:t>Collision avoidance</a:t>
+            </a:r>
+            <a:r>
+              <a:rPr lang="en-US" dirty="0"/>
+              <a:t> with space debris and natural threats (asteroids, dust).</a:t>
+            </a:r>
+          </a:p>
+          <a:p>
+            <a:pPr marL="544068" lvl="1" indent="-342900" algn="just">
+              <a:buFont typeface="+mj-lt"/>
+              <a:buAutoNum type="arabicPeriod"/>
+            </a:pPr>
+            <a:r>
+              <a:rPr lang="en-US" b="1" dirty="0"/>
+              <a:t>Data overload</a:t>
+            </a:r>
+            <a:r>
+              <a:rPr lang="en-US" dirty="0"/>
+              <a:t> from high-resolution satellites and </a:t>
+            </a:r>
+            <a:r>
+              <a:rPr lang="en-US" dirty="0" err="1"/>
+              <a:t>IoT</a:t>
+            </a:r>
+            <a:r>
+              <a:rPr lang="en-US" dirty="0"/>
+              <a:t> in space.</a:t>
+            </a:r>
+          </a:p>
+          <a:p>
+            <a:pPr marL="544068" lvl="1" indent="-342900" algn="just">
+              <a:buFont typeface="+mj-lt"/>
+              <a:buAutoNum type="arabicPeriod"/>
+            </a:pPr>
+            <a:r>
+              <a:rPr lang="en-US" b="1" dirty="0"/>
+              <a:t>Legal and ethical challenges</a:t>
+            </a:r>
+            <a:r>
+              <a:rPr lang="en-US" dirty="0"/>
+              <a:t>: privacy issues in Earth Observation, liability for AI-driven satellites.</a:t>
+            </a:r>
+          </a:p>
+          <a:p>
+            <a:pPr algn="just">
+              <a:buSzPct val="121000"/>
+              <a:buFont typeface="Arial" panose="020B0604020202020204" pitchFamily="34" charset="0"/>
+              <a:buChar char="•"/>
+            </a:pPr>
+            <a:r>
+              <a:rPr lang="en-US" dirty="0"/>
+              <a:t>Core problem: Need for </a:t>
+            </a:r>
+            <a:r>
+              <a:rPr lang="en-US" b="1" dirty="0"/>
+              <a:t>trustworthy AI systems</a:t>
+            </a:r>
+            <a:r>
+              <a:rPr lang="en-US" dirty="0"/>
+              <a:t> that can operate </a:t>
+            </a:r>
+            <a:r>
+              <a:rPr lang="en-US" b="1" dirty="0"/>
+              <a:t>autonomously and reliably in outer space</a:t>
+            </a:r>
+            <a:r>
+              <a:rPr lang="en-US" dirty="0"/>
+              <a:t>.</a:t>
+            </a:r>
+          </a:p>
+        </p:txBody>
+      </p:sp>
+      <p:sp>
+        <p:nvSpPr>
+          <p:cNvPr id="4" name="Footer Placeholder 3">
+            <a:extLst>
+              <a:ext uri="{FF2B5EF4-FFF2-40B4-BE49-F238E27FC236}">
+                <a16:creationId xmlns:a16="http://schemas.microsoft.com/office/drawing/2014/main" xmlns="" id="{35A508A9-CEB7-469E-AA8B-05D9E0B4F901}"/>
+              </a:ext>
+            </a:extLst>
+          </p:cNvPr>
+          <p:cNvSpPr>
+            <a:spLocks noGrp="1"/>
+          </p:cNvSpPr>
+          <p:nvPr>
+            <p:ph type="ftr" sz="quarter" idx="11"/>
+          </p:nvPr>
+        </p:nvSpPr>
+        <p:spPr/>
+        <p:txBody>
+          <a:bodyPr/>
+          <a:lstStyle/>
+          <a:p>
+            <a:r>
+              <a:rPr lang="en-US"/>
+              <a:t>Department of Computer Engineering</a:t>
+            </a:r>
+          </a:p>
+        </p:txBody>
+      </p:sp>
+      <p:sp>
+        <p:nvSpPr>
+          <p:cNvPr id="5" name="Slide Number Placeholder 4">
+            <a:extLst>
+              <a:ext uri="{FF2B5EF4-FFF2-40B4-BE49-F238E27FC236}">
+                <a16:creationId xmlns:a16="http://schemas.microsoft.com/office/drawing/2014/main" xmlns="" id="{70378883-98A1-4B98-819E-E557DE42CADE}"/>
+              </a:ext>
+            </a:extLst>
+          </p:cNvPr>
+          <p:cNvSpPr>
+            <a:spLocks noGrp="1"/>
+          </p:cNvSpPr>
+          <p:nvPr>
+            <p:ph type="sldNum" sz="quarter" idx="12"/>
+          </p:nvPr>
+        </p:nvSpPr>
+        <p:spPr/>
+        <p:txBody>
+          <a:bodyPr/>
+          <a:lstStyle/>
+          <a:p>
+            <a:fld id="{C1FF6DA9-008F-8B48-92A6-B652298478BF}" type="slidenum">
+              <a:rPr lang="en-US" smtClean="0"/>
+              <a:t>7</a:t>
+            </a:fld>
+            <a:endParaRPr lang="en-US"/>
+          </a:p>
+        </p:txBody>
+      </p:sp>
+    </p:spTree>
+  </p:cSld>
+  <p:clrMapOvr>
+    <a:masterClrMapping/>
+  </p:clrMapOvr>
+  <p:timing>
+    <p:tnLst>
+      <p:par>
+        <p:cTn id="1" dur="indefinite" restart="never" nodeType="tmRoot"/>
+      </p:par>
+    </p:tnLst>
+  </p:timing>
+</p:sld>
+</file>
+
+<file path=ppt/slides/slide8.xml><?xml version="1.0" encoding="utf-8"?>
+<p:sld xmlns:a="http://schemas.openxmlformats.org/drawingml/2006/main" xmlns:r="http://schemas.openxmlformats.org/officeDocument/2006/relationships" xmlns:p="http://schemas.openxmlformats.org/presentationml/2006/main">
+  <p:cSld>
+    <p:spTree>
+      <p:nvGrpSpPr>
+        <p:cNvPr id="1" name=""/>
+        <p:cNvGrpSpPr/>
+        <p:nvPr/>
+      </p:nvGrpSpPr>
+      <p:grpSpPr>
+        <a:xfrm>
+          <a:off x="0" y="0"/>
+          <a:ext cx="0" cy="0"/>
+          <a:chOff x="0" y="0"/>
+          <a:chExt cx="0" cy="0"/>
+        </a:xfrm>
+      </p:grpSpPr>
+      <p:sp>
+        <p:nvSpPr>
+          <p:cNvPr id="2" name="Title 1"/>
+          <p:cNvSpPr>
+            <a:spLocks noGrp="1"/>
+          </p:cNvSpPr>
+          <p:nvPr>
+            <p:ph type="title"/>
+          </p:nvPr>
+        </p:nvSpPr>
+        <p:spPr/>
+        <p:txBody>
+          <a:bodyPr/>
+          <a:lstStyle/>
+          <a:p>
+            <a:r>
+              <a:rPr dirty="0"/>
+              <a:t>Objectives</a:t>
+            </a:r>
+          </a:p>
+        </p:txBody>
+      </p:sp>
+      <p:sp>
+        <p:nvSpPr>
+          <p:cNvPr id="3" name="Content Placeholder 2"/>
+          <p:cNvSpPr>
+            <a:spLocks noGrp="1"/>
+          </p:cNvSpPr>
+          <p:nvPr>
+            <p:ph idx="1"/>
+          </p:nvPr>
+        </p:nvSpPr>
+        <p:spPr/>
+        <p:txBody>
+          <a:bodyPr/>
+          <a:lstStyle/>
+          <a:p>
+            <a:pPr algn="just">
+              <a:buSzPct val="121000"/>
+              <a:buFont typeface="Arial" panose="020B0604020202020204" pitchFamily="34" charset="0"/>
+              <a:buChar char="•"/>
+            </a:pPr>
+            <a:r>
+              <a:rPr lang="en-US" dirty="0" smtClean="0"/>
+              <a:t> Develop </a:t>
+            </a:r>
+            <a:r>
+              <a:rPr lang="en-US" dirty="0"/>
+              <a:t>AI systems for:</a:t>
+            </a:r>
+          </a:p>
+          <a:p>
+            <a:pPr marL="544068" lvl="1" indent="-342900" algn="just">
+              <a:buSzPct val="100000"/>
+              <a:buFont typeface="+mj-lt"/>
+              <a:buAutoNum type="arabicPeriod"/>
+            </a:pPr>
+            <a:r>
+              <a:rPr lang="en-US" b="1" dirty="0"/>
+              <a:t>Autonomous navigation &amp; control</a:t>
+            </a:r>
+            <a:r>
+              <a:rPr lang="en-US" dirty="0"/>
+              <a:t> of spacecraft.</a:t>
+            </a:r>
+          </a:p>
+          <a:p>
+            <a:pPr marL="544068" lvl="1" indent="-342900" algn="just">
+              <a:buSzPct val="100000"/>
+              <a:buFont typeface="+mj-lt"/>
+              <a:buAutoNum type="arabicPeriod"/>
+            </a:pPr>
+            <a:r>
+              <a:rPr lang="en-US" b="1" dirty="0"/>
+              <a:t>Real-time satellite data analysis</a:t>
+            </a:r>
+            <a:r>
+              <a:rPr lang="en-US" dirty="0"/>
+              <a:t> for weather, Earth monitoring, and astronomy.</a:t>
+            </a:r>
+          </a:p>
+          <a:p>
+            <a:pPr marL="544068" lvl="1" indent="-342900" algn="just">
+              <a:buSzPct val="100000"/>
+              <a:buFont typeface="+mj-lt"/>
+              <a:buAutoNum type="arabicPeriod"/>
+            </a:pPr>
+            <a:r>
+              <a:rPr lang="en-US" b="1" dirty="0"/>
+              <a:t>Health monitoring of astronauts</a:t>
+            </a:r>
+            <a:r>
+              <a:rPr lang="en-US" dirty="0"/>
+              <a:t> during long missions.</a:t>
+            </a:r>
+          </a:p>
+          <a:p>
+            <a:pPr marL="544068" lvl="1" indent="-342900" algn="just">
+              <a:buSzPct val="100000"/>
+              <a:buFont typeface="+mj-lt"/>
+              <a:buAutoNum type="arabicPeriod"/>
+            </a:pPr>
+            <a:r>
+              <a:rPr lang="en-US" b="1" dirty="0"/>
+              <a:t>Predictive maintenance</a:t>
+            </a:r>
+            <a:r>
+              <a:rPr lang="en-US" dirty="0"/>
+              <a:t> of spacecraft systems.</a:t>
+            </a:r>
+          </a:p>
+          <a:p>
+            <a:pPr algn="just">
+              <a:buSzPct val="121000"/>
+              <a:buFont typeface="Arial" panose="020B0604020202020204" pitchFamily="34" charset="0"/>
+              <a:buChar char="•"/>
+            </a:pPr>
+            <a:r>
+              <a:rPr lang="en-US" dirty="0" smtClean="0"/>
+              <a:t> Integrate </a:t>
+            </a:r>
+            <a:r>
+              <a:rPr lang="en-US" dirty="0"/>
+              <a:t>AI with existing space mission pipelines to increase efficiency and safety.</a:t>
+            </a:r>
+          </a:p>
+        </p:txBody>
+      </p:sp>
+      <p:sp>
+        <p:nvSpPr>
+          <p:cNvPr id="4" name="Footer Placeholder 3">
+            <a:extLst>
+              <a:ext uri="{FF2B5EF4-FFF2-40B4-BE49-F238E27FC236}">
+                <a16:creationId xmlns:a16="http://schemas.microsoft.com/office/drawing/2014/main" xmlns="" id="{0067439F-E61C-4CE5-8399-F0783D936F57}"/>
+              </a:ext>
+            </a:extLst>
+          </p:cNvPr>
+          <p:cNvSpPr>
+            <a:spLocks noGrp="1"/>
+          </p:cNvSpPr>
+          <p:nvPr>
+            <p:ph type="ftr" sz="quarter" idx="11"/>
+          </p:nvPr>
+        </p:nvSpPr>
+        <p:spPr/>
+        <p:txBody>
+          <a:bodyPr/>
+          <a:lstStyle/>
+          <a:p>
+            <a:r>
+              <a:rPr lang="en-US"/>
+              <a:t>Department of Computer Engineering</a:t>
+            </a:r>
+          </a:p>
+        </p:txBody>
+      </p:sp>
+      <p:sp>
+        <p:nvSpPr>
+          <p:cNvPr id="5" name="Slide Number Placeholder 4">
+            <a:extLst>
+              <a:ext uri="{FF2B5EF4-FFF2-40B4-BE49-F238E27FC236}">
+                <a16:creationId xmlns:a16="http://schemas.microsoft.com/office/drawing/2014/main" xmlns="" id="{4BE0C96B-F9EE-42A1-A197-ABE1611E8818}"/>
+              </a:ext>
+            </a:extLst>
+          </p:cNvPr>
+          <p:cNvSpPr>
+            <a:spLocks noGrp="1"/>
+          </p:cNvSpPr>
+          <p:nvPr>
+            <p:ph type="sldNum" sz="quarter" idx="12"/>
+          </p:nvPr>
+        </p:nvSpPr>
+        <p:spPr/>
+        <p:txBody>
+          <a:bodyPr/>
+          <a:lstStyle/>
+          <a:p>
+            <a:fld id="{C1FF6DA9-008F-8B48-92A6-B652298478BF}" type="slidenum">
+              <a:rPr lang="en-US" smtClean="0"/>
+              <a:t>8</a:t>
+            </a:fld>
+            <a:endParaRPr lang="en-US"/>
+          </a:p>
+        </p:txBody>
+      </p:sp>
+    </p:spTree>
   </p:cSld>
   <p:clrMapOvr>
     <a:masterClrMapping/>
@@ -7124,189 +7800,289 @@
             <p:ph type="title"/>
           </p:nvPr>
         </p:nvSpPr>
-        <p:spPr/>
-        <p:txBody>
-          <a:bodyPr/>
-          <a:lstStyle/>
-          <a:p>
-            <a:r>
-              <a:t>Conclusion</a:t>
-            </a:r>
-          </a:p>
-        </p:txBody>
-      </p:sp>
-      <p:sp>
-        <p:nvSpPr>
-          <p:cNvPr id="3" name="Content Placeholder 2"/>
-          <p:cNvSpPr>
-            <a:spLocks noGrp="1"/>
-          </p:cNvSpPr>
+        <p:spPr>
+          <a:xfrm>
+            <a:off x="822960" y="1020920"/>
+            <a:ext cx="8071658" cy="702302"/>
+          </a:xfrm>
+        </p:spPr>
+        <p:txBody>
+          <a:bodyPr>
+            <a:normAutofit fontScale="90000"/>
+          </a:bodyPr>
+          <a:lstStyle/>
+          <a:p>
+            <a:r>
+              <a:rPr dirty="0"/>
+              <a:t>Literature </a:t>
+            </a:r>
+            <a:r>
+              <a:rPr dirty="0" smtClean="0"/>
+              <a:t>Review</a:t>
+            </a:r>
+            <a:r>
+              <a:rPr lang="en-US" dirty="0" smtClean="0"/>
+              <a:t/>
+            </a:r>
+            <a:br>
+              <a:rPr lang="en-US" dirty="0" smtClean="0"/>
+            </a:br>
+            <a:r>
+              <a:rPr lang="en-US" dirty="0" smtClean="0"/>
+              <a:t>_____________________________</a:t>
+            </a:r>
+            <a:endParaRPr dirty="0"/>
+          </a:p>
+        </p:txBody>
+      </p:sp>
+      <p:graphicFrame>
+        <p:nvGraphicFramePr>
+          <p:cNvPr id="6" name="Content Placeholder 5"/>
+          <p:cNvGraphicFramePr>
+            <a:graphicFrameLocks noGrp="1"/>
+          </p:cNvGraphicFramePr>
           <p:nvPr>
             <p:ph idx="1"/>
-          </p:nvPr>
-        </p:nvSpPr>
-        <p:spPr/>
-        <p:txBody>
-          <a:bodyPr>
-            <a:normAutofit fontScale="92500" lnSpcReduction="10000"/>
-          </a:bodyPr>
-          <a:lstStyle/>
-          <a:p>
-            <a:pPr algn="just">
-              <a:buSzPct val="121000"/>
-              <a:buFont typeface="Arial" panose="020B0604020202020204" pitchFamily="34" charset="0"/>
-              <a:buChar char="•"/>
-            </a:pPr>
-            <a:r>
-              <a:rPr lang="en-US" b="1" dirty="0" smtClean="0"/>
-              <a:t>AI </a:t>
-            </a:r>
-            <a:r>
-              <a:rPr lang="en-US" b="1" dirty="0"/>
-              <a:t>has become a crucial technology for space exploration.</a:t>
-            </a:r>
-          </a:p>
-          <a:p>
-            <a:pPr algn="just">
-              <a:buSzPct val="121000"/>
-              <a:buFont typeface="Arial" panose="020B0604020202020204" pitchFamily="34" charset="0"/>
-              <a:buChar char="•"/>
-            </a:pPr>
-            <a:r>
-              <a:rPr lang="en-US" b="1" dirty="0"/>
-              <a:t>Major Benefits</a:t>
-            </a:r>
-            <a:r>
-              <a:rPr lang="en-US" dirty="0"/>
-              <a:t>:</a:t>
-            </a:r>
-          </a:p>
-          <a:p>
-            <a:pPr marL="544068" lvl="1" indent="-342900" algn="just">
-              <a:buSzPct val="100000"/>
-              <a:buFont typeface="+mj-lt"/>
-              <a:buAutoNum type="arabicPeriod"/>
-            </a:pPr>
-            <a:r>
-              <a:rPr lang="en-US" dirty="0"/>
-              <a:t>Manages large amounts of data well.</a:t>
-            </a:r>
-          </a:p>
-          <a:p>
-            <a:pPr marL="544068" lvl="1" indent="-342900" algn="just">
-              <a:buSzPct val="100000"/>
-              <a:buFont typeface="+mj-lt"/>
-              <a:buAutoNum type="arabicPeriod"/>
-            </a:pPr>
-            <a:r>
-              <a:rPr lang="en-US" dirty="0"/>
-              <a:t>Helps spacecraft navigate on their own in new places.</a:t>
-            </a:r>
-          </a:p>
-          <a:p>
-            <a:pPr marL="544068" lvl="1" indent="-342900" algn="just">
-              <a:buSzPct val="100000"/>
-              <a:buFont typeface="+mj-lt"/>
-              <a:buAutoNum type="arabicPeriod"/>
-            </a:pPr>
-            <a:r>
-              <a:rPr lang="en-US" dirty="0"/>
-              <a:t>Predicts when equipment might fail and finds problems early.</a:t>
-            </a:r>
-          </a:p>
-          <a:p>
-            <a:pPr marL="544068" lvl="1" indent="-342900" algn="just">
-              <a:buSzPct val="100000"/>
-              <a:buFont typeface="+mj-lt"/>
-              <a:buAutoNum type="arabicPeriod"/>
-            </a:pPr>
-            <a:r>
-              <a:rPr lang="en-US" dirty="0"/>
-              <a:t>Helps keep astronauts healthy and safe.</a:t>
-            </a:r>
-          </a:p>
-          <a:p>
-            <a:pPr algn="just">
-              <a:buSzPct val="121000"/>
-              <a:buFont typeface="Arial" panose="020B0604020202020204" pitchFamily="34" charset="0"/>
-              <a:buChar char="•"/>
-            </a:pPr>
-            <a:r>
-              <a:rPr lang="en-US" b="1" dirty="0"/>
-              <a:t>Future Directions</a:t>
-            </a:r>
-            <a:r>
-              <a:rPr lang="en-US" dirty="0"/>
-              <a:t>:</a:t>
-            </a:r>
-          </a:p>
-          <a:p>
-            <a:pPr marL="544068" lvl="1" indent="-342900" algn="just">
-              <a:buSzPct val="100000"/>
-              <a:buFont typeface="+mj-lt"/>
-              <a:buAutoNum type="arabicPeriod"/>
-            </a:pPr>
-            <a:r>
-              <a:rPr lang="en-US" dirty="0"/>
-              <a:t>Spacecraft that can fix themselves with AI.</a:t>
-            </a:r>
-          </a:p>
-          <a:p>
-            <a:pPr marL="544068" lvl="1" indent="-342900" algn="just">
-              <a:buSzPct val="100000"/>
-              <a:buFont typeface="+mj-lt"/>
-              <a:buAutoNum type="arabicPeriod"/>
-            </a:pPr>
-            <a:r>
-              <a:rPr lang="en-US" dirty="0"/>
-              <a:t>AI to help with building colonies on the Moon, Mars, and beyond.</a:t>
-            </a:r>
-          </a:p>
-          <a:p>
-            <a:pPr marL="544068" lvl="1" indent="-342900" algn="just">
-              <a:buSzPct val="100000"/>
-              <a:buFont typeface="+mj-lt"/>
-              <a:buAutoNum type="arabicPeriod"/>
-            </a:pPr>
-            <a:r>
-              <a:rPr lang="en-US" dirty="0"/>
-              <a:t>Using large groups of small AI satellites to monitor the entire planet.</a:t>
-            </a:r>
-          </a:p>
-          <a:p>
-            <a:pPr marL="544068" lvl="1" indent="-342900" algn="just">
-              <a:buSzPct val="100000"/>
-              <a:buFont typeface="+mj-lt"/>
-              <a:buAutoNum type="arabicPeriod"/>
-            </a:pPr>
-            <a:r>
-              <a:rPr lang="en-US" dirty="0"/>
-              <a:t>AI to help protect against asteroids and with mining operations.</a:t>
-            </a:r>
-          </a:p>
-          <a:p>
-            <a:pPr algn="just">
-              <a:buSzPct val="121000"/>
-              <a:buFont typeface="Arial" panose="020B0604020202020204" pitchFamily="34" charset="0"/>
-              <a:buChar char="•"/>
-            </a:pPr>
-            <a:r>
-              <a:rPr lang="en-US" b="1" dirty="0" smtClean="0"/>
-              <a:t>AI </a:t>
-            </a:r>
-            <a:r>
-              <a:rPr lang="en-US" b="1" dirty="0"/>
-              <a:t>will be a partner for humanity as we journey into space.</a:t>
-            </a:r>
-          </a:p>
-        </p:txBody>
-      </p:sp>
+            <p:extLst>
+              <p:ext uri="{D42A27DB-BD31-4B8C-83A1-F6EECF244321}">
+                <p14:modId xmlns:p14="http://schemas.microsoft.com/office/powerpoint/2010/main" val="415921500"/>
+              </p:ext>
+            </p:extLst>
+          </p:nvPr>
+        </p:nvGraphicFramePr>
+        <p:xfrm>
+          <a:off x="822959" y="1730953"/>
+          <a:ext cx="7794567" cy="4206240"/>
+        </p:xfrm>
+        <a:graphic>
+          <a:graphicData uri="http://schemas.openxmlformats.org/drawingml/2006/table">
+            <a:tbl>
+              <a:tblPr firstRow="1" bandRow="1">
+                <a:tableStyleId>{5C22544A-7EE6-4342-B048-85BDC9FD1C3A}</a:tableStyleId>
+              </a:tblPr>
+              <a:tblGrid>
+                <a:gridCol w="2598189"/>
+                <a:gridCol w="2598189"/>
+                <a:gridCol w="2598189"/>
+              </a:tblGrid>
+              <a:tr h="512889">
+                <a:tc>
+                  <a:txBody>
+                    <a:bodyPr/>
+                    <a:lstStyle/>
+                    <a:p>
+                      <a:r>
+                        <a:rPr lang="en-US" b="1" dirty="0"/>
+                        <a:t>Author/Year</a:t>
+                      </a:r>
+                      <a:endParaRPr lang="en-US" dirty="0"/>
+                    </a:p>
+                  </a:txBody>
+                  <a:tcPr anchor="ctr"/>
+                </a:tc>
+                <a:tc>
+                  <a:txBody>
+                    <a:bodyPr/>
+                    <a:lstStyle/>
+                    <a:p>
+                      <a:r>
+                        <a:rPr lang="en-US" dirty="0" smtClean="0"/>
+                        <a:t>Approach / Technology</a:t>
+                      </a:r>
+                      <a:endParaRPr lang="en-US" dirty="0"/>
+                    </a:p>
+                  </a:txBody>
+                  <a:tcPr/>
+                </a:tc>
+                <a:tc>
+                  <a:txBody>
+                    <a:bodyPr/>
+                    <a:lstStyle/>
+                    <a:p>
+                      <a:r>
+                        <a:rPr lang="en-US" dirty="0" smtClean="0"/>
+                        <a:t>Limitations of Current Systems</a:t>
+                      </a:r>
+                      <a:endParaRPr lang="en-US" dirty="0"/>
+                    </a:p>
+                  </a:txBody>
+                  <a:tcPr/>
+                </a:tc>
+              </a:tr>
+              <a:tr h="1188720">
+                <a:tc>
+                  <a:txBody>
+                    <a:bodyPr/>
+                    <a:lstStyle/>
+                    <a:p>
+                      <a:r>
+                        <a:rPr lang="en-US" dirty="0" smtClean="0"/>
+                        <a:t>Downer, B. (2018)</a:t>
+                      </a:r>
+                      <a:endParaRPr lang="en-US" dirty="0"/>
+                    </a:p>
+                  </a:txBody>
+                  <a:tcPr/>
+                </a:tc>
+                <a:tc>
+                  <a:txBody>
+                    <a:bodyPr/>
+                    <a:lstStyle/>
+                    <a:p>
+                      <a:r>
+                        <a:rPr lang="fr-FR" dirty="0" smtClean="0"/>
+                        <a:t>AI in Mars </a:t>
+                      </a:r>
+                      <a:r>
+                        <a:rPr lang="fr-FR" dirty="0" err="1" smtClean="0"/>
+                        <a:t>Rovers</a:t>
+                      </a:r>
+                      <a:r>
+                        <a:rPr lang="fr-FR" dirty="0" smtClean="0"/>
+                        <a:t> for </a:t>
+                      </a:r>
+                      <a:r>
+                        <a:rPr lang="fr-FR" dirty="0" err="1" smtClean="0"/>
+                        <a:t>autonomous</a:t>
+                      </a:r>
+                      <a:r>
+                        <a:rPr lang="fr-FR" dirty="0" smtClean="0"/>
+                        <a:t> navigation &amp; obstacle </a:t>
+                      </a:r>
+                      <a:r>
+                        <a:rPr lang="fr-FR" dirty="0" err="1" smtClean="0"/>
+                        <a:t>avoidance</a:t>
+                      </a:r>
+                      <a:r>
+                        <a:rPr lang="fr-FR" dirty="0" smtClean="0"/>
+                        <a:t>.</a:t>
+                      </a:r>
+                      <a:endParaRPr lang="en-US" dirty="0"/>
+                    </a:p>
+                  </a:txBody>
+                  <a:tcPr/>
+                </a:tc>
+                <a:tc>
+                  <a:txBody>
+                    <a:bodyPr/>
+                    <a:lstStyle/>
+                    <a:p>
+                      <a:r>
+                        <a:rPr lang="en-US" dirty="0" smtClean="0"/>
+                        <a:t>Still dependent on Earth-based control for complex decisions; not fully autonomous.</a:t>
+                      </a:r>
+                      <a:endParaRPr lang="en-US" dirty="0"/>
+                    </a:p>
+                  </a:txBody>
+                  <a:tcPr/>
+                </a:tc>
+              </a:tr>
+              <a:tr h="1188720">
+                <a:tc>
+                  <a:txBody>
+                    <a:bodyPr/>
+                    <a:lstStyle/>
+                    <a:p>
+                      <a:r>
+                        <a:rPr lang="en-US" dirty="0" smtClean="0"/>
+                        <a:t>ESA (2019)</a:t>
+                      </a:r>
+                      <a:endParaRPr lang="en-US" dirty="0"/>
+                    </a:p>
+                  </a:txBody>
+                  <a:tcPr/>
+                </a:tc>
+                <a:tc>
+                  <a:txBody>
+                    <a:bodyPr/>
+                    <a:lstStyle/>
+                    <a:p>
+                      <a:r>
+                        <a:rPr lang="en-US" dirty="0" smtClean="0"/>
+                        <a:t>Space 4.0 → AI integrated with </a:t>
+                      </a:r>
+                      <a:r>
+                        <a:rPr lang="en-US" dirty="0" err="1" smtClean="0"/>
+                        <a:t>IoT</a:t>
+                      </a:r>
+                      <a:r>
+                        <a:rPr lang="en-US" dirty="0" smtClean="0"/>
+                        <a:t> &amp; Big Data for satellite data processing.</a:t>
+                      </a:r>
+                      <a:endParaRPr lang="en-US" dirty="0"/>
+                    </a:p>
+                  </a:txBody>
+                  <a:tcPr/>
+                </a:tc>
+                <a:tc>
+                  <a:txBody>
+                    <a:bodyPr/>
+                    <a:lstStyle/>
+                    <a:p>
+                      <a:r>
+                        <a:rPr lang="en-US" dirty="0" smtClean="0"/>
+                        <a:t>Limited on-board processing power; relies heavily on ground stations.</a:t>
+                      </a:r>
+                      <a:endParaRPr lang="en-US" dirty="0"/>
+                    </a:p>
+                  </a:txBody>
+                  <a:tcPr/>
+                </a:tc>
+              </a:tr>
+              <a:tr h="1188720">
+                <a:tc>
+                  <a:txBody>
+                    <a:bodyPr/>
+                    <a:lstStyle/>
+                    <a:p>
+                      <a:r>
+                        <a:rPr lang="en-US" dirty="0" smtClean="0"/>
+                        <a:t>Long, G.A. (2018)</a:t>
+                      </a:r>
+                      <a:endParaRPr lang="en-US" dirty="0"/>
+                    </a:p>
+                  </a:txBody>
+                  <a:tcPr/>
+                </a:tc>
+                <a:tc>
+                  <a:txBody>
+                    <a:bodyPr/>
+                    <a:lstStyle/>
+                    <a:p>
+                      <a:r>
+                        <a:rPr lang="en-US" dirty="0" smtClean="0"/>
+                        <a:t>Legal studies on AI-controlled spacecraft and autonomy in space law.</a:t>
+                      </a:r>
+                      <a:endParaRPr lang="en-US" dirty="0"/>
+                    </a:p>
+                  </a:txBody>
+                  <a:tcPr/>
+                </a:tc>
+                <a:tc>
+                  <a:txBody>
+                    <a:bodyPr/>
+                    <a:lstStyle/>
+                    <a:p>
+                      <a:r>
+                        <a:rPr lang="en-US" dirty="0" smtClean="0"/>
+                        <a:t>No global legal framework; accountability in AI failures unresolved.</a:t>
+                      </a:r>
+                      <a:endParaRPr lang="en-US" dirty="0"/>
+                    </a:p>
+                  </a:txBody>
+                  <a:tcPr/>
+                </a:tc>
+              </a:tr>
+            </a:tbl>
+          </a:graphicData>
+        </a:graphic>
+      </p:graphicFrame>
       <p:sp>
         <p:nvSpPr>
           <p:cNvPr id="4" name="Footer Placeholder 3">
             <a:extLst>
               <a:ext uri="{FF2B5EF4-FFF2-40B4-BE49-F238E27FC236}">
-                <a16:creationId xmlns:a16="http://schemas.microsoft.com/office/drawing/2014/main" xmlns="" id="{253B3AED-7F96-4884-885F-01F51DF49B50}"/>
+                <a16:creationId xmlns:a16="http://schemas.microsoft.com/office/drawing/2014/main" xmlns="" id="{3C73188A-E3D9-422E-B490-A9C179B7DB5C}"/>
               </a:ext>
             </a:extLst>
           </p:cNvPr>
@@ -7334,7 +8110,7 @@
           <p:cNvPr id="5" name="Slide Number Placeholder 4">
             <a:extLst>
               <a:ext uri="{FF2B5EF4-FFF2-40B4-BE49-F238E27FC236}">
-                <a16:creationId xmlns:a16="http://schemas.microsoft.com/office/drawing/2014/main" xmlns="" id="{18DE5E2B-6559-45E9-89FC-D11DF8F6FF82}"/>
+                <a16:creationId xmlns:a16="http://schemas.microsoft.com/office/drawing/2014/main" xmlns="" id="{65E5C1B2-D8B5-4C89-BD26-2B9B66B646D2}"/>
               </a:ext>
             </a:extLst>
           </p:cNvPr>

--- a/132_AI_in_space.pptx
+++ b/132_AI_in_space.pptx
@@ -4876,7 +4876,7 @@
             <p:ph idx="1"/>
             <p:extLst>
               <p:ext uri="{D42A27DB-BD31-4B8C-83A1-F6EECF244321}">
-                <p14:modId xmlns:p14="http://schemas.microsoft.com/office/powerpoint/2010/main" val="2409536444"/>
+                <p14:modId xmlns:p14="http://schemas.microsoft.com/office/powerpoint/2010/main" val="2262617149"/>
               </p:ext>
             </p:extLst>
           </p:nvPr>
@@ -4920,6 +4920,7 @@
                     <a:bodyPr/>
                     <a:lstStyle/>
                     <a:p>
+                      <a:pPr algn="just"/>
                       <a:r>
                         <a:rPr lang="en-US" dirty="0" smtClean="0"/>
                         <a:t>AI in geospatial analytics for Earth observation &amp; climate monitoring.</a:t>
@@ -4934,6 +4935,7 @@
                     <a:bodyPr/>
                     <a:lstStyle/>
                     <a:p>
+                      <a:pPr algn="just"/>
                       <a:r>
                         <a:rPr lang="en-US" dirty="0" smtClean="0"/>
                         <a:t>Concerns about data privacy, uneven access, and bias in AI models.</a:t>
@@ -4964,6 +4966,7 @@
                     <a:bodyPr/>
                     <a:lstStyle/>
                     <a:p>
+                      <a:pPr algn="just"/>
                       <a:r>
                         <a:rPr lang="en-US" dirty="0" smtClean="0"/>
                         <a:t>AI in spacecraft fault detection, anomaly diagnosis &amp; predictive maintenance.</a:t>
@@ -4978,6 +4981,7 @@
                     <a:bodyPr/>
                     <a:lstStyle/>
                     <a:p>
+                      <a:pPr algn="just"/>
                       <a:r>
                         <a:rPr lang="en-US" dirty="0" smtClean="0"/>
                         <a:t>Requires large high-quality datasets; unexpected failures may still occur.</a:t>
@@ -5008,6 +5012,7 @@
                     <a:bodyPr/>
                     <a:lstStyle/>
                     <a:p>
+                      <a:pPr algn="just"/>
                       <a:r>
                         <a:rPr lang="en-US" dirty="0" smtClean="0"/>
                         <a:t>Governance studies for responsible AI in critical domains including space.</a:t>
@@ -5022,6 +5027,7 @@
                     <a:bodyPr/>
                     <a:lstStyle/>
                     <a:p>
+                      <a:pPr algn="just"/>
                       <a:r>
                         <a:rPr lang="en-US" dirty="0" smtClean="0"/>
                         <a:t>Lack of universal AI policy for outer space; possible misuse by military/private actors.</a:t>
@@ -5052,6 +5058,7 @@
                     <a:bodyPr/>
                     <a:lstStyle/>
                     <a:p>
+                      <a:pPr algn="just"/>
                       <a:r>
                         <a:rPr lang="en-US" dirty="0" smtClean="0"/>
                         <a:t>AI-based astronaut physiological &amp; psychological health </a:t>
@@ -5070,6 +5077,7 @@
                     <a:bodyPr/>
                     <a:lstStyle/>
                     <a:p>
+                      <a:pPr algn="just"/>
                       <a:r>
                         <a:rPr lang="en-US" dirty="0" smtClean="0"/>
                         <a:t>Experimental stage; less accurate under radiation and isolation stress.</a:t>
@@ -5100,6 +5108,7 @@
                     <a:bodyPr/>
                     <a:lstStyle/>
                     <a:p>
+                      <a:pPr algn="just"/>
                       <a:r>
                         <a:rPr lang="en-US" dirty="0" smtClean="0"/>
                         <a:t>On-board AI for satellite autonomy (collision avoidance, orbit adjustment).</a:t>
@@ -5114,6 +5123,7 @@
                     <a:bodyPr/>
                     <a:lstStyle/>
                     <a:p>
+                      <a:pPr algn="just"/>
                       <a:r>
                         <a:rPr lang="en-US" dirty="0" smtClean="0"/>
                         <a:t>Limited energy/resources on satellites; high risk if AI malfunctions.</a:t>
@@ -7845,7 +7855,7 @@
             <p:ph idx="1"/>
             <p:extLst>
               <p:ext uri="{D42A27DB-BD31-4B8C-83A1-F6EECF244321}">
-                <p14:modId xmlns:p14="http://schemas.microsoft.com/office/powerpoint/2010/main" val="415921500"/>
+                <p14:modId xmlns:p14="http://schemas.microsoft.com/office/powerpoint/2010/main" val="670855593"/>
               </p:ext>
             </p:extLst>
           </p:nvPr>
@@ -7929,6 +7939,7 @@
                     <a:bodyPr/>
                     <a:lstStyle/>
                     <a:p>
+                      <a:pPr algn="just"/>
                       <a:r>
                         <a:rPr lang="fr-FR" dirty="0" smtClean="0"/>
                         <a:t>AI in Mars </a:t>
@@ -7967,9 +7978,18 @@
                     <a:bodyPr/>
                     <a:lstStyle/>
                     <a:p>
+                      <a:pPr algn="just"/>
                       <a:r>
                         <a:rPr lang="en-US" dirty="0" smtClean="0"/>
-                        <a:t>Still dependent on Earth-based control for complex decisions; not fully autonomous.</a:t>
+                        <a:t>Still dependent on Earth-based</a:t>
+                      </a:r>
+                      <a:r>
+                        <a:rPr lang="en-US" baseline="0" dirty="0" smtClean="0"/>
+                        <a:t> </a:t>
+                      </a:r>
+                      <a:r>
+                        <a:rPr lang="en-US" dirty="0" smtClean="0"/>
+                        <a:t>control for complex decisions; not fully autonomous.</a:t>
                       </a:r>
                       <a:endParaRPr lang="en-US" dirty="0"/>
                     </a:p>
@@ -7997,6 +8017,7 @@
                     <a:bodyPr/>
                     <a:lstStyle/>
                     <a:p>
+                      <a:pPr algn="just"/>
                       <a:r>
                         <a:rPr lang="en-US" dirty="0" smtClean="0"/>
                         <a:t>Space 4.0 → AI integrated with </a:t>
@@ -8019,6 +8040,7 @@
                     <a:bodyPr/>
                     <a:lstStyle/>
                     <a:p>
+                      <a:pPr algn="just"/>
                       <a:r>
                         <a:rPr lang="en-US" dirty="0" smtClean="0"/>
                         <a:t>Limited on-board processing power; relies heavily on ground stations.</a:t>
@@ -8049,6 +8071,7 @@
                     <a:bodyPr/>
                     <a:lstStyle/>
                     <a:p>
+                      <a:pPr algn="just"/>
                       <a:r>
                         <a:rPr lang="en-US" dirty="0" smtClean="0"/>
                         <a:t>Legal studies on AI-controlled spacecraft and autonomy in space law.</a:t>
@@ -8063,6 +8086,7 @@
                     <a:bodyPr/>
                     <a:lstStyle/>
                     <a:p>
+                      <a:pPr algn="just"/>
                       <a:r>
                         <a:rPr lang="en-US" dirty="0" smtClean="0"/>
                         <a:t>No global legal framework; accountability in AI failures unresolved.</a:t>

--- a/132_AI_in_space.pptx
+++ b/132_AI_in_space.pptx
@@ -5,21 +5,20 @@
     <p:sldMasterId id="2147483726" r:id="rId1"/>
   </p:sldMasterIdLst>
   <p:notesMasterIdLst>
-    <p:notesMasterId r:id="rId14"/>
+    <p:notesMasterId r:id="rId13"/>
   </p:notesMasterIdLst>
   <p:sldIdLst>
     <p:sldId id="256" r:id="rId2"/>
     <p:sldId id="267" r:id="rId3"/>
     <p:sldId id="257" r:id="rId4"/>
     <p:sldId id="270" r:id="rId5"/>
-    <p:sldId id="271" r:id="rId6"/>
-    <p:sldId id="268" r:id="rId7"/>
-    <p:sldId id="258" r:id="rId8"/>
-    <p:sldId id="259" r:id="rId9"/>
-    <p:sldId id="260" r:id="rId10"/>
-    <p:sldId id="269" r:id="rId11"/>
-    <p:sldId id="265" r:id="rId12"/>
-    <p:sldId id="266" r:id="rId13"/>
+    <p:sldId id="268" r:id="rId6"/>
+    <p:sldId id="258" r:id="rId7"/>
+    <p:sldId id="259" r:id="rId8"/>
+    <p:sldId id="260" r:id="rId9"/>
+    <p:sldId id="269" r:id="rId10"/>
+    <p:sldId id="265" r:id="rId11"/>
+    <p:sldId id="266" r:id="rId12"/>
   </p:sldIdLst>
   <p:sldSz cx="9144000" cy="6858000" type="screen4x3"/>
   <p:notesSz cx="6858000" cy="9144000"/>
@@ -120,7 +119,7 @@
   </p:defaultTextStyle>
   <p:extLst>
     <p:ext uri="{EFAFB233-063F-42B5-8137-9DF3F51BA10A}">
-      <p15:sldGuideLst xmlns:p15="http://schemas.microsoft.com/office/powerpoint/2012/main" xmlns="">
+      <p15:sldGuideLst xmlns="" xmlns:p15="http://schemas.microsoft.com/office/powerpoint/2012/main">
         <p15:guide id="1" orient="horz" pos="2160">
           <p15:clr>
             <a:srgbClr val="A4A3A4"/>
@@ -219,7 +218,7 @@
           <a:p>
             <a:fld id="{22FB8635-F805-4F2A-BD95-EAE12970B4A9}" type="datetimeFigureOut">
               <a:rPr lang="en-IN" smtClean="0"/>
-              <a:t>31-08-2025</a:t>
+              <a:t>02-09-2025</a:t>
             </a:fld>
             <a:endParaRPr lang="en-IN"/>
           </a:p>
@@ -713,7 +712,7 @@
           <a:p>
             <a:fld id="{8C29E836-1665-4188-BDF5-06B9DF25D3DC}" type="datetime1">
               <a:rPr lang="en-US" smtClean="0"/>
-              <a:t>31-Aug-25</a:t>
+              <a:t>02-Sep-25</a:t>
             </a:fld>
             <a:endParaRPr lang="en-US"/>
           </a:p>
@@ -924,7 +923,7 @@
           <a:p>
             <a:fld id="{25909387-14E6-4386-9DBA-61A7E09536F7}" type="datetime1">
               <a:rPr lang="en-US" smtClean="0"/>
-              <a:t>31-Aug-25</a:t>
+              <a:t>02-Sep-25</a:t>
             </a:fld>
             <a:endParaRPr lang="en-US"/>
           </a:p>
@@ -1183,7 +1182,7 @@
           <a:p>
             <a:fld id="{FD1C0B67-07F8-45F6-985E-D774FC47F677}" type="datetime1">
               <a:rPr lang="en-US" smtClean="0"/>
-              <a:t>31-Aug-25</a:t>
+              <a:t>02-Sep-25</a:t>
             </a:fld>
             <a:endParaRPr lang="en-US"/>
           </a:p>
@@ -1356,7 +1355,7 @@
           <a:p>
             <a:fld id="{3FACF48D-9F07-43F5-9266-ECCA08651137}" type="datetime1">
               <a:rPr lang="en-US" smtClean="0"/>
-              <a:t>31-Aug-25</a:t>
+              <a:t>02-Sep-25</a:t>
             </a:fld>
             <a:endParaRPr lang="en-US"/>
           </a:p>
@@ -1702,7 +1701,7 @@
           <a:p>
             <a:fld id="{11AC2C34-2CEA-4E3B-AC8D-EAC9C6F47D24}" type="datetime1">
               <a:rPr lang="en-US" smtClean="0"/>
-              <a:t>31-Aug-25</a:t>
+              <a:t>02-Sep-25</a:t>
             </a:fld>
             <a:endParaRPr lang="en-US"/>
           </a:p>
@@ -1980,7 +1979,7 @@
           <a:p>
             <a:fld id="{4F8D7D16-B414-4DB0-97EA-10F39FC38585}" type="datetime1">
               <a:rPr lang="en-US" smtClean="0"/>
-              <a:t>31-Aug-25</a:t>
+              <a:t>02-Sep-25</a:t>
             </a:fld>
             <a:endParaRPr lang="en-US"/>
           </a:p>
@@ -2362,7 +2361,7 @@
           <a:p>
             <a:fld id="{67BB1449-1AF2-4B9D-89EE-B27B3B6D1067}" type="datetime1">
               <a:rPr lang="en-US" smtClean="0"/>
-              <a:t>31-Aug-25</a:t>
+              <a:t>02-Sep-25</a:t>
             </a:fld>
             <a:endParaRPr lang="en-US"/>
           </a:p>
@@ -2483,7 +2482,7 @@
           <a:p>
             <a:fld id="{DEB237BC-F3A6-4FBF-9BC7-AE847592BFB2}" type="datetime1">
               <a:rPr lang="en-US" smtClean="0"/>
-              <a:t>31-Aug-25</a:t>
+              <a:t>02-Sep-25</a:t>
             </a:fld>
             <a:endParaRPr lang="en-US"/>
           </a:p>
@@ -2657,7 +2656,7 @@
           <a:p>
             <a:fld id="{C4A26A0C-7ABF-40CF-85D0-866B3AFB2976}" type="datetime1">
               <a:rPr lang="en-US" smtClean="0"/>
-              <a:t>31-Aug-25</a:t>
+              <a:t>02-Sep-25</a:t>
             </a:fld>
             <a:endParaRPr lang="en-US"/>
           </a:p>
@@ -3014,7 +3013,7 @@
           <a:p>
             <a:fld id="{19760A7B-F8BD-4150-9571-FC5123A69AF1}" type="datetime1">
               <a:rPr lang="en-US" smtClean="0"/>
-              <a:t>31-Aug-25</a:t>
+              <a:t>02-Sep-25</a:t>
             </a:fld>
             <a:endParaRPr lang="en-US"/>
           </a:p>
@@ -3399,7 +3398,7 @@
           <a:p>
             <a:fld id="{8796155C-9409-4AD7-A89A-6EAD09E06C34}" type="datetime1">
               <a:rPr lang="en-US" smtClean="0"/>
-              <a:t>31-Aug-25</a:t>
+              <a:t>02-Sep-25</a:t>
             </a:fld>
             <a:endParaRPr lang="en-US"/>
           </a:p>
@@ -3689,7 +3688,7 @@
           <a:p>
             <a:fld id="{841B161E-51A6-466E-AA39-0D7681768E05}" type="datetime1">
               <a:rPr lang="en-US" smtClean="0"/>
-              <a:t>31-Aug-25</a:t>
+              <a:t>02-Sep-25</a:t>
             </a:fld>
             <a:endParaRPr lang="en-US"/>
           </a:p>
@@ -4222,7 +4221,7 @@
           <p:cNvPr id="4" name="image2.png" title="Image">
             <a:extLst>
               <a:ext uri="{FF2B5EF4-FFF2-40B4-BE49-F238E27FC236}">
-                <a16:creationId xmlns:a16="http://schemas.microsoft.com/office/drawing/2014/main" xmlns="" id="{01983F6D-31C8-4D27-AFE8-833690CFEFED}"/>
+                <a16:creationId xmlns="" xmlns:a16="http://schemas.microsoft.com/office/drawing/2014/main" id="{01983F6D-31C8-4D27-AFE8-833690CFEFED}"/>
               </a:ext>
             </a:extLst>
           </p:cNvPr>
@@ -4251,7 +4250,7 @@
           <p:cNvPr id="5" name="image1.png" title="Image">
             <a:extLst>
               <a:ext uri="{FF2B5EF4-FFF2-40B4-BE49-F238E27FC236}">
-                <a16:creationId xmlns:a16="http://schemas.microsoft.com/office/drawing/2014/main" xmlns="" id="{0608C2C7-B8D9-41BF-8731-446EE324AD32}"/>
+                <a16:creationId xmlns="" xmlns:a16="http://schemas.microsoft.com/office/drawing/2014/main" id="{0608C2C7-B8D9-41BF-8731-446EE324AD32}"/>
               </a:ext>
             </a:extLst>
           </p:cNvPr>
@@ -4280,7 +4279,7 @@
           <p:cNvPr id="10" name="Subtitle 2">
             <a:extLst>
               <a:ext uri="{FF2B5EF4-FFF2-40B4-BE49-F238E27FC236}">
-                <a16:creationId xmlns:a16="http://schemas.microsoft.com/office/drawing/2014/main" xmlns="" id="{48E7FEE0-D263-4DF4-9F15-EB39B5A97667}"/>
+                <a16:creationId xmlns="" xmlns:a16="http://schemas.microsoft.com/office/drawing/2014/main" id="{48E7FEE0-D263-4DF4-9F15-EB39B5A97667}"/>
               </a:ext>
             </a:extLst>
           </p:cNvPr>
@@ -4510,7 +4509,7 @@
           <p:cNvPr id="11" name="Subtitle 2">
             <a:extLst>
               <a:ext uri="{FF2B5EF4-FFF2-40B4-BE49-F238E27FC236}">
-                <a16:creationId xmlns:a16="http://schemas.microsoft.com/office/drawing/2014/main" xmlns="" id="{6E15E5CD-0255-4D03-929A-213DF38C24C9}"/>
+                <a16:creationId xmlns="" xmlns:a16="http://schemas.microsoft.com/office/drawing/2014/main" id="{6E15E5CD-0255-4D03-929A-213DF38C24C9}"/>
               </a:ext>
             </a:extLst>
           </p:cNvPr>
@@ -4567,7 +4566,7 @@
                 <a:latin typeface="+mj-lt"/>
                 <a:ea typeface="Inter" charset="0"/>
               </a:rPr>
-              <a:t>Pradnay</a:t>
+              <a:t>Pradnya</a:t>
             </a:r>
             <a:r>
               <a:rPr lang="en-US" sz="1400" dirty="0" smtClean="0">
@@ -4607,7 +4606,7 @@
           <p:cNvPr id="12" name="Rectangle 11">
             <a:extLst>
               <a:ext uri="{FF2B5EF4-FFF2-40B4-BE49-F238E27FC236}">
-                <a16:creationId xmlns:a16="http://schemas.microsoft.com/office/drawing/2014/main" xmlns="" id="{C31241E5-762F-48C0-BE95-E0BF929BFAB6}"/>
+                <a16:creationId xmlns="" xmlns:a16="http://schemas.microsoft.com/office/drawing/2014/main" id="{C31241E5-762F-48C0-BE95-E0BF929BFAB6}"/>
               </a:ext>
             </a:extLst>
           </p:cNvPr>
@@ -4643,7 +4642,7 @@
           <p:cNvPr id="13" name="Rectangle 12">
             <a:extLst>
               <a:ext uri="{FF2B5EF4-FFF2-40B4-BE49-F238E27FC236}">
-                <a16:creationId xmlns:a16="http://schemas.microsoft.com/office/drawing/2014/main" xmlns="" id="{4E8515B2-2774-435A-BF17-8C4CFC151740}"/>
+                <a16:creationId xmlns="" xmlns:a16="http://schemas.microsoft.com/office/drawing/2014/main" id="{4E8515B2-2774-435A-BF17-8C4CFC151740}"/>
               </a:ext>
             </a:extLst>
           </p:cNvPr>
@@ -4679,7 +4678,7 @@
           <p:cNvPr id="14" name="Rectangle 13">
             <a:extLst>
               <a:ext uri="{FF2B5EF4-FFF2-40B4-BE49-F238E27FC236}">
-                <a16:creationId xmlns:a16="http://schemas.microsoft.com/office/drawing/2014/main" xmlns="" id="{68534A7A-26DA-4E92-BA83-3C3DBC1D0369}"/>
+                <a16:creationId xmlns="" xmlns:a16="http://schemas.microsoft.com/office/drawing/2014/main" id="{68534A7A-26DA-4E92-BA83-3C3DBC1D0369}"/>
               </a:ext>
             </a:extLst>
           </p:cNvPr>
@@ -4715,7 +4714,7 @@
           <p:cNvPr id="15" name="Rectangle 14">
             <a:extLst>
               <a:ext uri="{FF2B5EF4-FFF2-40B4-BE49-F238E27FC236}">
-                <a16:creationId xmlns:a16="http://schemas.microsoft.com/office/drawing/2014/main" xmlns="" id="{A411C99E-E1A2-4E97-9FC8-AEB01E1907BF}"/>
+                <a16:creationId xmlns="" xmlns:a16="http://schemas.microsoft.com/office/drawing/2014/main" id="{A411C99E-E1A2-4E97-9FC8-AEB01E1907BF}"/>
               </a:ext>
             </a:extLst>
           </p:cNvPr>
@@ -4749,20 +4748,7 @@
                 <a:latin typeface="+mj-lt"/>
                 <a:ea typeface="Inter" charset="0"/>
               </a:rPr>
-              <a:t>Monday</a:t>
-            </a:r>
-            <a:r>
-              <a:rPr lang="en-US" dirty="0" smtClean="0">
-                <a:solidFill>
-                  <a:schemeClr val="tx1">
-                    <a:lumMod val="95000"/>
-                    <a:lumOff val="5000"/>
-                  </a:schemeClr>
-                </a:solidFill>
-                <a:latin typeface="+mj-lt"/>
-                <a:ea typeface="Inter" charset="0"/>
-              </a:rPr>
-              <a:t>,01/09/2025</a:t>
+              <a:t>Monday,03/09/2025</a:t>
             </a:r>
             <a:endParaRPr lang="en-US" dirty="0">
               <a:solidFill>
@@ -4782,7 +4768,7 @@
           <p:cNvPr id="16" name="Footer Placeholder 15">
             <a:extLst>
               <a:ext uri="{FF2B5EF4-FFF2-40B4-BE49-F238E27FC236}">
-                <a16:creationId xmlns:a16="http://schemas.microsoft.com/office/drawing/2014/main" xmlns="" id="{D749D637-A84C-411A-B3F8-AB862B26444C}"/>
+                <a16:creationId xmlns="" xmlns:a16="http://schemas.microsoft.com/office/drawing/2014/main" id="{D749D637-A84C-411A-B3F8-AB862B26444C}"/>
               </a:ext>
             </a:extLst>
           </p:cNvPr>
@@ -4810,7 +4796,7 @@
           <p:cNvPr id="17" name="Slide Number Placeholder 16">
             <a:extLst>
               <a:ext uri="{FF2B5EF4-FFF2-40B4-BE49-F238E27FC236}">
-                <a16:creationId xmlns:a16="http://schemas.microsoft.com/office/drawing/2014/main" xmlns="" id="{D8723C2E-3376-4914-BD9D-E19748BD06B4}"/>
+                <a16:creationId xmlns="" xmlns:a16="http://schemas.microsoft.com/office/drawing/2014/main" id="{D8723C2E-3376-4914-BD9D-E19748BD06B4}"/>
               </a:ext>
             </a:extLst>
           </p:cNvPr>
@@ -4850,6 +4836,2784 @@
 </file>
 
 <file path=ppt/slides/slide10.xml><?xml version="1.0" encoding="utf-8"?>
+<p:sld xmlns:a="http://schemas.openxmlformats.org/drawingml/2006/main" xmlns:r="http://schemas.openxmlformats.org/officeDocument/2006/relationships" xmlns:p="http://schemas.openxmlformats.org/presentationml/2006/main">
+  <p:cSld>
+    <p:spTree>
+      <p:nvGrpSpPr>
+        <p:cNvPr id="1" name=""/>
+        <p:cNvGrpSpPr/>
+        <p:nvPr/>
+      </p:nvGrpSpPr>
+      <p:grpSpPr>
+        <a:xfrm>
+          <a:off x="0" y="0"/>
+          <a:ext cx="0" cy="0"/>
+          <a:chOff x="0" y="0"/>
+          <a:chExt cx="0" cy="0"/>
+        </a:xfrm>
+      </p:grpSpPr>
+      <p:sp>
+        <p:nvSpPr>
+          <p:cNvPr id="2" name="Title 1"/>
+          <p:cNvSpPr>
+            <a:spLocks noGrp="1"/>
+          </p:cNvSpPr>
+          <p:nvPr>
+            <p:ph type="title"/>
+          </p:nvPr>
+        </p:nvSpPr>
+        <p:spPr/>
+        <p:txBody>
+          <a:bodyPr/>
+          <a:lstStyle/>
+          <a:p>
+            <a:r>
+              <a:t>Conclusion</a:t>
+            </a:r>
+          </a:p>
+        </p:txBody>
+      </p:sp>
+      <p:sp>
+        <p:nvSpPr>
+          <p:cNvPr id="3" name="Content Placeholder 2"/>
+          <p:cNvSpPr>
+            <a:spLocks noGrp="1"/>
+          </p:cNvSpPr>
+          <p:nvPr>
+            <p:ph idx="1"/>
+          </p:nvPr>
+        </p:nvSpPr>
+        <p:spPr/>
+        <p:txBody>
+          <a:bodyPr>
+            <a:normAutofit fontScale="92500" lnSpcReduction="10000"/>
+          </a:bodyPr>
+          <a:lstStyle/>
+          <a:p>
+            <a:pPr algn="just">
+              <a:buSzPct val="121000"/>
+              <a:buFont typeface="Arial" panose="020B0604020202020204" pitchFamily="34" charset="0"/>
+              <a:buChar char="•"/>
+            </a:pPr>
+            <a:r>
+              <a:rPr lang="en-US" b="1" dirty="0" smtClean="0"/>
+              <a:t>AI </a:t>
+            </a:r>
+            <a:r>
+              <a:rPr lang="en-US" b="1" dirty="0"/>
+              <a:t>has become a crucial technology for space exploration.</a:t>
+            </a:r>
+          </a:p>
+          <a:p>
+            <a:pPr algn="just">
+              <a:buSzPct val="121000"/>
+              <a:buFont typeface="Arial" panose="020B0604020202020204" pitchFamily="34" charset="0"/>
+              <a:buChar char="•"/>
+            </a:pPr>
+            <a:r>
+              <a:rPr lang="en-US" b="1" dirty="0"/>
+              <a:t>Major Benefits</a:t>
+            </a:r>
+            <a:r>
+              <a:rPr lang="en-US" dirty="0"/>
+              <a:t>:</a:t>
+            </a:r>
+          </a:p>
+          <a:p>
+            <a:pPr marL="544068" lvl="1" indent="-342900" algn="just">
+              <a:buSzPct val="100000"/>
+              <a:buFont typeface="+mj-lt"/>
+              <a:buAutoNum type="arabicPeriod"/>
+            </a:pPr>
+            <a:r>
+              <a:rPr lang="en-US" dirty="0"/>
+              <a:t>Manages large amounts of data well.</a:t>
+            </a:r>
+          </a:p>
+          <a:p>
+            <a:pPr marL="544068" lvl="1" indent="-342900" algn="just">
+              <a:buSzPct val="100000"/>
+              <a:buFont typeface="+mj-lt"/>
+              <a:buAutoNum type="arabicPeriod"/>
+            </a:pPr>
+            <a:r>
+              <a:rPr lang="en-US" dirty="0"/>
+              <a:t>Helps spacecraft navigate on their own in new places.</a:t>
+            </a:r>
+          </a:p>
+          <a:p>
+            <a:pPr marL="544068" lvl="1" indent="-342900" algn="just">
+              <a:buSzPct val="100000"/>
+              <a:buFont typeface="+mj-lt"/>
+              <a:buAutoNum type="arabicPeriod"/>
+            </a:pPr>
+            <a:r>
+              <a:rPr lang="en-US" dirty="0"/>
+              <a:t>Predicts when equipment might fail and finds problems early.</a:t>
+            </a:r>
+          </a:p>
+          <a:p>
+            <a:pPr marL="544068" lvl="1" indent="-342900" algn="just">
+              <a:buSzPct val="100000"/>
+              <a:buFont typeface="+mj-lt"/>
+              <a:buAutoNum type="arabicPeriod"/>
+            </a:pPr>
+            <a:r>
+              <a:rPr lang="en-US" dirty="0"/>
+              <a:t>Helps keep astronauts healthy and safe.</a:t>
+            </a:r>
+          </a:p>
+          <a:p>
+            <a:pPr algn="just">
+              <a:buSzPct val="121000"/>
+              <a:buFont typeface="Arial" panose="020B0604020202020204" pitchFamily="34" charset="0"/>
+              <a:buChar char="•"/>
+            </a:pPr>
+            <a:r>
+              <a:rPr lang="en-US" b="1" dirty="0"/>
+              <a:t>Future Directions</a:t>
+            </a:r>
+            <a:r>
+              <a:rPr lang="en-US" dirty="0"/>
+              <a:t>:</a:t>
+            </a:r>
+          </a:p>
+          <a:p>
+            <a:pPr marL="544068" lvl="1" indent="-342900" algn="just">
+              <a:buSzPct val="100000"/>
+              <a:buFont typeface="+mj-lt"/>
+              <a:buAutoNum type="arabicPeriod"/>
+            </a:pPr>
+            <a:r>
+              <a:rPr lang="en-US" dirty="0"/>
+              <a:t>Spacecraft that can fix themselves with AI.</a:t>
+            </a:r>
+          </a:p>
+          <a:p>
+            <a:pPr marL="544068" lvl="1" indent="-342900" algn="just">
+              <a:buSzPct val="100000"/>
+              <a:buFont typeface="+mj-lt"/>
+              <a:buAutoNum type="arabicPeriod"/>
+            </a:pPr>
+            <a:r>
+              <a:rPr lang="en-US" dirty="0"/>
+              <a:t>AI to help with building colonies on the Moon, Mars, and beyond.</a:t>
+            </a:r>
+          </a:p>
+          <a:p>
+            <a:pPr marL="544068" lvl="1" indent="-342900" algn="just">
+              <a:buSzPct val="100000"/>
+              <a:buFont typeface="+mj-lt"/>
+              <a:buAutoNum type="arabicPeriod"/>
+            </a:pPr>
+            <a:r>
+              <a:rPr lang="en-US" dirty="0"/>
+              <a:t>Using large groups of small AI satellites to monitor the entire planet.</a:t>
+            </a:r>
+          </a:p>
+          <a:p>
+            <a:pPr marL="544068" lvl="1" indent="-342900" algn="just">
+              <a:buSzPct val="100000"/>
+              <a:buFont typeface="+mj-lt"/>
+              <a:buAutoNum type="arabicPeriod"/>
+            </a:pPr>
+            <a:r>
+              <a:rPr lang="en-US" dirty="0"/>
+              <a:t>AI to help protect against asteroids and with mining operations.</a:t>
+            </a:r>
+          </a:p>
+          <a:p>
+            <a:pPr algn="just">
+              <a:buSzPct val="121000"/>
+              <a:buFont typeface="Arial" panose="020B0604020202020204" pitchFamily="34" charset="0"/>
+              <a:buChar char="•"/>
+            </a:pPr>
+            <a:r>
+              <a:rPr lang="en-US" b="1" dirty="0" smtClean="0"/>
+              <a:t>AI </a:t>
+            </a:r>
+            <a:r>
+              <a:rPr lang="en-US" b="1" dirty="0"/>
+              <a:t>will be a partner for humanity as we journey into space.</a:t>
+            </a:r>
+          </a:p>
+        </p:txBody>
+      </p:sp>
+      <p:sp>
+        <p:nvSpPr>
+          <p:cNvPr id="4" name="Footer Placeholder 3">
+            <a:extLst>
+              <a:ext uri="{FF2B5EF4-FFF2-40B4-BE49-F238E27FC236}">
+                <a16:creationId xmlns="" xmlns:a16="http://schemas.microsoft.com/office/drawing/2014/main" id="{253B3AED-7F96-4884-885F-01F51DF49B50}"/>
+              </a:ext>
+            </a:extLst>
+          </p:cNvPr>
+          <p:cNvSpPr>
+            <a:spLocks noGrp="1"/>
+          </p:cNvSpPr>
+          <p:nvPr>
+            <p:ph type="ftr" sz="quarter" idx="11"/>
+          </p:nvPr>
+        </p:nvSpPr>
+        <p:spPr/>
+        <p:txBody>
+          <a:bodyPr/>
+          <a:lstStyle/>
+          <a:p>
+            <a:r>
+              <a:rPr lang="en-US"/>
+              <a:t>Department of Computer Engineering</a:t>
+            </a:r>
+          </a:p>
+        </p:txBody>
+      </p:sp>
+      <p:sp>
+        <p:nvSpPr>
+          <p:cNvPr id="5" name="Slide Number Placeholder 4">
+            <a:extLst>
+              <a:ext uri="{FF2B5EF4-FFF2-40B4-BE49-F238E27FC236}">
+                <a16:creationId xmlns="" xmlns:a16="http://schemas.microsoft.com/office/drawing/2014/main" id="{18DE5E2B-6559-45E9-89FC-D11DF8F6FF82}"/>
+              </a:ext>
+            </a:extLst>
+          </p:cNvPr>
+          <p:cNvSpPr>
+            <a:spLocks noGrp="1"/>
+          </p:cNvSpPr>
+          <p:nvPr>
+            <p:ph type="sldNum" sz="quarter" idx="12"/>
+          </p:nvPr>
+        </p:nvSpPr>
+        <p:spPr/>
+        <p:txBody>
+          <a:bodyPr/>
+          <a:lstStyle/>
+          <a:p>
+            <a:fld id="{C1FF6DA9-008F-8B48-92A6-B652298478BF}" type="slidenum">
+              <a:rPr lang="en-US" smtClean="0"/>
+              <a:t>10</a:t>
+            </a:fld>
+            <a:endParaRPr lang="en-US"/>
+          </a:p>
+        </p:txBody>
+      </p:sp>
+    </p:spTree>
+  </p:cSld>
+  <p:clrMapOvr>
+    <a:masterClrMapping/>
+  </p:clrMapOvr>
+  <p:timing>
+    <p:tnLst>
+      <p:par>
+        <p:cTn id="1" dur="indefinite" restart="never" nodeType="tmRoot"/>
+      </p:par>
+    </p:tnLst>
+  </p:timing>
+</p:sld>
+</file>
+
+<file path=ppt/slides/slide11.xml><?xml version="1.0" encoding="utf-8"?>
+<p:sld xmlns:a="http://schemas.openxmlformats.org/drawingml/2006/main" xmlns:r="http://schemas.openxmlformats.org/officeDocument/2006/relationships" xmlns:p="http://schemas.openxmlformats.org/presentationml/2006/main">
+  <p:cSld>
+    <p:spTree>
+      <p:nvGrpSpPr>
+        <p:cNvPr id="1" name=""/>
+        <p:cNvGrpSpPr/>
+        <p:nvPr/>
+      </p:nvGrpSpPr>
+      <p:grpSpPr>
+        <a:xfrm>
+          <a:off x="0" y="0"/>
+          <a:ext cx="0" cy="0"/>
+          <a:chOff x="0" y="0"/>
+          <a:chExt cx="0" cy="0"/>
+        </a:xfrm>
+      </p:grpSpPr>
+      <p:sp>
+        <p:nvSpPr>
+          <p:cNvPr id="2" name="Title 1"/>
+          <p:cNvSpPr>
+            <a:spLocks noGrp="1"/>
+          </p:cNvSpPr>
+          <p:nvPr>
+            <p:ph type="title"/>
+          </p:nvPr>
+        </p:nvSpPr>
+        <p:spPr/>
+        <p:txBody>
+          <a:bodyPr/>
+          <a:lstStyle/>
+          <a:p>
+            <a:r>
+              <a:t>References</a:t>
+            </a:r>
+          </a:p>
+        </p:txBody>
+      </p:sp>
+      <p:sp>
+        <p:nvSpPr>
+          <p:cNvPr id="3" name="Content Placeholder 2"/>
+          <p:cNvSpPr>
+            <a:spLocks noGrp="1"/>
+          </p:cNvSpPr>
+          <p:nvPr>
+            <p:ph idx="1"/>
+          </p:nvPr>
+        </p:nvSpPr>
+        <p:spPr/>
+        <p:txBody>
+          <a:bodyPr>
+            <a:normAutofit/>
+          </a:bodyPr>
+          <a:lstStyle/>
+          <a:p>
+            <a:pPr algn="just">
+              <a:buSzPct val="121000"/>
+              <a:buFont typeface="Arial" panose="020B0604020202020204" pitchFamily="34" charset="0"/>
+              <a:buChar char="•"/>
+            </a:pPr>
+            <a:r>
+              <a:rPr lang="en-US" b="1" dirty="0" smtClean="0"/>
+              <a:t>Research </a:t>
+            </a:r>
+            <a:r>
+              <a:rPr lang="en-US" b="1" dirty="0"/>
+              <a:t>Papers / Journal </a:t>
+            </a:r>
+            <a:r>
+              <a:rPr lang="en-US" b="1" dirty="0" smtClean="0"/>
+              <a:t>Articles</a:t>
+            </a:r>
+            <a:endParaRPr lang="en-US" dirty="0"/>
+          </a:p>
+          <a:p>
+            <a:pPr marL="544068" lvl="1" indent="-342900" algn="just">
+              <a:buSzPct val="100000"/>
+              <a:buFont typeface="+mj-lt"/>
+              <a:buAutoNum type="arabicPeriod"/>
+            </a:pPr>
+            <a:r>
+              <a:rPr lang="en-US" b="1" dirty="0" smtClean="0"/>
+              <a:t>[</a:t>
+            </a:r>
+            <a:r>
+              <a:rPr lang="en-US" b="1" dirty="0"/>
+              <a:t>George Anthony Gal] (2025) “</a:t>
+            </a:r>
+            <a:r>
+              <a:rPr lang="en-US" b="1" i="1" dirty="0"/>
+              <a:t>Artificial Intelligence in Space</a:t>
+            </a:r>
+            <a:r>
+              <a:rPr lang="en-US" b="1" dirty="0"/>
+              <a:t>”</a:t>
+            </a:r>
+          </a:p>
+          <a:p>
+            <a:pPr marL="544068" lvl="1" indent="-342900" algn="just">
+              <a:buSzPct val="100000"/>
+              <a:buFont typeface="+mj-lt"/>
+              <a:buAutoNum type="arabicPeriod"/>
+            </a:pPr>
+            <a:r>
+              <a:rPr lang="en-US" dirty="0" smtClean="0"/>
+              <a:t>[Downer</a:t>
+            </a:r>
+            <a:r>
+              <a:rPr lang="en-US" dirty="0"/>
+              <a:t>, </a:t>
+            </a:r>
+            <a:r>
+              <a:rPr lang="en-US" dirty="0" smtClean="0"/>
+              <a:t>B</a:t>
+            </a:r>
+            <a:r>
+              <a:rPr lang="en-US" dirty="0"/>
+              <a:t>]</a:t>
+            </a:r>
+            <a:r>
+              <a:rPr lang="en-US" dirty="0" smtClean="0"/>
+              <a:t> </a:t>
+            </a:r>
+            <a:r>
+              <a:rPr lang="en-US" dirty="0"/>
+              <a:t>(</a:t>
+            </a:r>
+            <a:r>
+              <a:rPr lang="en-US" dirty="0" smtClean="0"/>
+              <a:t>2018) “</a:t>
+            </a:r>
+            <a:r>
+              <a:rPr lang="en-US" i="1" dirty="0" smtClean="0"/>
+              <a:t>The </a:t>
+            </a:r>
+            <a:r>
+              <a:rPr lang="en-US" i="1" dirty="0"/>
+              <a:t>Role of AI in Space </a:t>
+            </a:r>
+            <a:r>
+              <a:rPr lang="en-US" i="1" dirty="0" smtClean="0"/>
+              <a:t>Exploration</a:t>
+            </a:r>
+            <a:r>
+              <a:rPr lang="en-US" dirty="0" smtClean="0"/>
+              <a:t>”</a:t>
+            </a:r>
+            <a:endParaRPr lang="en-US" dirty="0"/>
+          </a:p>
+          <a:p>
+            <a:pPr marL="544068" lvl="1" indent="-342900" algn="just">
+              <a:buSzPct val="100000"/>
+              <a:buFont typeface="+mj-lt"/>
+              <a:buAutoNum type="arabicPeriod"/>
+            </a:pPr>
+            <a:r>
+              <a:rPr lang="en-US" dirty="0" smtClean="0"/>
+              <a:t>[</a:t>
+            </a:r>
+            <a:r>
+              <a:rPr lang="en-US" dirty="0" err="1" smtClean="0"/>
+              <a:t>Soille</a:t>
+            </a:r>
+            <a:r>
+              <a:rPr lang="en-US" dirty="0"/>
+              <a:t>, </a:t>
+            </a:r>
+            <a:r>
+              <a:rPr lang="en-US" dirty="0" smtClean="0"/>
+              <a:t>P</a:t>
+            </a:r>
+            <a:r>
+              <a:rPr lang="en-US" dirty="0"/>
+              <a:t>]</a:t>
+            </a:r>
+            <a:r>
+              <a:rPr lang="en-US" dirty="0" smtClean="0"/>
+              <a:t> </a:t>
+            </a:r>
+            <a:r>
+              <a:rPr lang="en-US" dirty="0"/>
+              <a:t>(</a:t>
+            </a:r>
+            <a:r>
+              <a:rPr lang="en-US" dirty="0" smtClean="0"/>
+              <a:t>2019)  “</a:t>
+            </a:r>
+            <a:r>
+              <a:rPr lang="en-US" i="1" dirty="0" smtClean="0"/>
+              <a:t>Big </a:t>
+            </a:r>
+            <a:r>
+              <a:rPr lang="en-US" i="1" dirty="0"/>
+              <a:t>Data from Space (BiDS’2019</a:t>
+            </a:r>
+            <a:r>
+              <a:rPr lang="en-US" i="1" dirty="0" smtClean="0"/>
+              <a:t>)</a:t>
+            </a:r>
+            <a:r>
+              <a:rPr lang="en-US" dirty="0" smtClean="0"/>
+              <a:t>”</a:t>
+            </a:r>
+            <a:endParaRPr lang="en-US" dirty="0"/>
+          </a:p>
+          <a:p>
+            <a:pPr marL="544068" lvl="1" indent="-342900" algn="just">
+              <a:buSzPct val="100000"/>
+              <a:buFont typeface="+mj-lt"/>
+              <a:buAutoNum type="arabicPeriod"/>
+            </a:pPr>
+            <a:r>
+              <a:rPr lang="en-US" dirty="0" smtClean="0"/>
+              <a:t>[DeepMind] </a:t>
+            </a:r>
+            <a:r>
+              <a:rPr lang="en-US" dirty="0"/>
+              <a:t>(2021</a:t>
+            </a:r>
+            <a:r>
+              <a:rPr lang="en-US" dirty="0" smtClean="0"/>
+              <a:t>)  “</a:t>
+            </a:r>
+            <a:r>
+              <a:rPr lang="en-US" i="1" dirty="0" smtClean="0"/>
+              <a:t>AI </a:t>
+            </a:r>
+            <a:r>
+              <a:rPr lang="en-US" i="1" dirty="0"/>
+              <a:t>in Astronomy </a:t>
+            </a:r>
+            <a:r>
+              <a:rPr lang="en-US" i="1" dirty="0" smtClean="0"/>
+              <a:t>Research</a:t>
+            </a:r>
+            <a:r>
+              <a:rPr lang="en-US" dirty="0" smtClean="0"/>
+              <a:t>”</a:t>
+            </a:r>
+            <a:endParaRPr lang="en-US" dirty="0"/>
+          </a:p>
+          <a:p>
+            <a:pPr marL="544068" lvl="1" indent="-342900" algn="just">
+              <a:buSzPct val="100000"/>
+              <a:buFont typeface="+mj-lt"/>
+              <a:buAutoNum type="arabicPeriod"/>
+            </a:pPr>
+            <a:r>
+              <a:rPr lang="en-US" dirty="0" smtClean="0"/>
+              <a:t>[JAXA] </a:t>
+            </a:r>
+            <a:r>
+              <a:rPr lang="en-US" dirty="0"/>
+              <a:t>(2022</a:t>
+            </a:r>
+            <a:r>
+              <a:rPr lang="en-US" dirty="0" smtClean="0"/>
+              <a:t>)  “</a:t>
+            </a:r>
+            <a:r>
+              <a:rPr lang="en-US" i="1" dirty="0" smtClean="0"/>
+              <a:t>Astronaut </a:t>
+            </a:r>
+            <a:r>
+              <a:rPr lang="en-US" i="1" dirty="0"/>
+              <a:t>Health and Safety AI </a:t>
+            </a:r>
+            <a:r>
+              <a:rPr lang="en-US" i="1" dirty="0" smtClean="0"/>
+              <a:t>Applications</a:t>
+            </a:r>
+            <a:r>
+              <a:rPr lang="en-US" dirty="0" smtClean="0"/>
+              <a:t>”</a:t>
+            </a:r>
+            <a:endParaRPr lang="en-US" dirty="0"/>
+          </a:p>
+          <a:p>
+            <a:pPr algn="just">
+              <a:buSzPct val="121000"/>
+              <a:buFont typeface="Arial" panose="020B0604020202020204" pitchFamily="34" charset="0"/>
+              <a:buChar char="•"/>
+            </a:pPr>
+            <a:r>
+              <a:rPr lang="en-US" b="1" dirty="0"/>
+              <a:t>Websites / Online Reports</a:t>
+            </a:r>
+            <a:endParaRPr lang="en-US" dirty="0"/>
+          </a:p>
+          <a:p>
+            <a:pPr lvl="1" algn="just">
+              <a:buSzPct val="100000"/>
+              <a:buFont typeface="Courier New" panose="02070309020205020404" pitchFamily="49" charset="0"/>
+              <a:buChar char="o"/>
+            </a:pPr>
+            <a:r>
+              <a:rPr lang="en-US" dirty="0"/>
+              <a:t>European Space Agency (2019). </a:t>
+            </a:r>
+            <a:r>
+              <a:rPr lang="en-US" i="1" dirty="0"/>
+              <a:t>What is Space 4.0</a:t>
+            </a:r>
+            <a:r>
+              <a:rPr lang="en-US" i="1" dirty="0" smtClean="0"/>
+              <a:t>?</a:t>
+            </a:r>
+            <a:r>
+              <a:rPr lang="en-US" dirty="0" smtClean="0"/>
+              <a:t> </a:t>
+            </a:r>
+            <a:r>
+              <a:rPr lang="en-US" dirty="0"/>
+              <a:t>Available at: </a:t>
+            </a:r>
+            <a:r>
+              <a:rPr lang="en-US" dirty="0">
+                <a:hlinkClick r:id="rId2"/>
+              </a:rPr>
+              <a:t>https://</a:t>
+            </a:r>
+            <a:r>
+              <a:rPr lang="en-US" dirty="0" smtClean="0">
+                <a:hlinkClick r:id="rId2"/>
+              </a:rPr>
+              <a:t>www.esa.int/Enabling_Support/Preparing_for_the_Future/Discovery_and_Preparation/Artificial_intelligence_in_space</a:t>
+            </a:r>
+            <a:endParaRPr lang="en-US" dirty="0" smtClean="0"/>
+          </a:p>
+          <a:p>
+            <a:pPr lvl="1" algn="just">
+              <a:buSzPct val="100000"/>
+              <a:buFont typeface="Courier New" panose="02070309020205020404" pitchFamily="49" charset="0"/>
+              <a:buChar char="o"/>
+            </a:pPr>
+            <a:r>
+              <a:rPr lang="en-US" dirty="0" smtClean="0"/>
+              <a:t>NASA </a:t>
+            </a:r>
+            <a:r>
+              <a:rPr lang="en-US" dirty="0"/>
+              <a:t>(2020). </a:t>
+            </a:r>
+            <a:r>
+              <a:rPr lang="en-US" i="1" dirty="0"/>
+              <a:t>AI Applications in Space Exploration</a:t>
+            </a:r>
+            <a:r>
+              <a:rPr lang="en-US" dirty="0" smtClean="0"/>
+              <a:t>. </a:t>
+            </a:r>
+            <a:r>
+              <a:rPr lang="en-US" dirty="0"/>
+              <a:t>Available at: </a:t>
+            </a:r>
+            <a:r>
+              <a:rPr lang="en-US" dirty="0">
+                <a:hlinkClick r:id="rId3"/>
+              </a:rPr>
+              <a:t>https://</a:t>
+            </a:r>
+            <a:r>
+              <a:rPr lang="en-US" dirty="0" smtClean="0">
+                <a:hlinkClick r:id="rId3"/>
+              </a:rPr>
+              <a:t>www.nasa.gov/artificial-intelligence</a:t>
+            </a:r>
+            <a:endParaRPr lang="en-US" dirty="0"/>
+          </a:p>
+        </p:txBody>
+      </p:sp>
+      <p:sp>
+        <p:nvSpPr>
+          <p:cNvPr id="4" name="Footer Placeholder 3">
+            <a:extLst>
+              <a:ext uri="{FF2B5EF4-FFF2-40B4-BE49-F238E27FC236}">
+                <a16:creationId xmlns="" xmlns:a16="http://schemas.microsoft.com/office/drawing/2014/main" id="{A846E28C-DA76-492B-87F4-6EB0290B0671}"/>
+              </a:ext>
+            </a:extLst>
+          </p:cNvPr>
+          <p:cNvSpPr>
+            <a:spLocks noGrp="1"/>
+          </p:cNvSpPr>
+          <p:nvPr>
+            <p:ph type="ftr" sz="quarter" idx="11"/>
+          </p:nvPr>
+        </p:nvSpPr>
+        <p:spPr/>
+        <p:txBody>
+          <a:bodyPr/>
+          <a:lstStyle/>
+          <a:p>
+            <a:r>
+              <a:rPr lang="en-US"/>
+              <a:t>Department of Computer Engineering</a:t>
+            </a:r>
+          </a:p>
+        </p:txBody>
+      </p:sp>
+      <p:sp>
+        <p:nvSpPr>
+          <p:cNvPr id="5" name="Slide Number Placeholder 4">
+            <a:extLst>
+              <a:ext uri="{FF2B5EF4-FFF2-40B4-BE49-F238E27FC236}">
+                <a16:creationId xmlns="" xmlns:a16="http://schemas.microsoft.com/office/drawing/2014/main" id="{668ECB82-C8E0-4B8B-9809-20453A603447}"/>
+              </a:ext>
+            </a:extLst>
+          </p:cNvPr>
+          <p:cNvSpPr>
+            <a:spLocks noGrp="1"/>
+          </p:cNvSpPr>
+          <p:nvPr>
+            <p:ph type="sldNum" sz="quarter" idx="12"/>
+          </p:nvPr>
+        </p:nvSpPr>
+        <p:spPr/>
+        <p:txBody>
+          <a:bodyPr/>
+          <a:lstStyle/>
+          <a:p>
+            <a:fld id="{C1FF6DA9-008F-8B48-92A6-B652298478BF}" type="slidenum">
+              <a:rPr lang="en-US" smtClean="0"/>
+              <a:t>11</a:t>
+            </a:fld>
+            <a:endParaRPr lang="en-US"/>
+          </a:p>
+        </p:txBody>
+      </p:sp>
+    </p:spTree>
+  </p:cSld>
+  <p:clrMapOvr>
+    <a:masterClrMapping/>
+  </p:clrMapOvr>
+  <mc:AlternateContent xmlns:mc="http://schemas.openxmlformats.org/markup-compatibility/2006" xmlns:p14="http://schemas.microsoft.com/office/powerpoint/2010/main">
+    <mc:Choice Requires="p14">
+      <p:transition p14:dur="0"/>
+    </mc:Choice>
+    <mc:Fallback xmlns="">
+      <p:transition/>
+    </mc:Fallback>
+  </mc:AlternateContent>
+  <p:timing>
+    <p:tnLst>
+      <p:par>
+        <p:cTn id="1" dur="indefinite" restart="never" nodeType="tmRoot"/>
+      </p:par>
+    </p:tnLst>
+  </p:timing>
+</p:sld>
+</file>
+
+<file path=ppt/slides/slide2.xml><?xml version="1.0" encoding="utf-8"?>
+<p:sld xmlns:a="http://schemas.openxmlformats.org/drawingml/2006/main" xmlns:r="http://schemas.openxmlformats.org/officeDocument/2006/relationships" xmlns:p="http://schemas.openxmlformats.org/presentationml/2006/main">
+  <p:cSld>
+    <p:spTree>
+      <p:nvGrpSpPr>
+        <p:cNvPr id="1" name=""/>
+        <p:cNvGrpSpPr/>
+        <p:nvPr/>
+      </p:nvGrpSpPr>
+      <p:grpSpPr>
+        <a:xfrm>
+          <a:off x="0" y="0"/>
+          <a:ext cx="0" cy="0"/>
+          <a:chOff x="0" y="0"/>
+          <a:chExt cx="0" cy="0"/>
+        </a:xfrm>
+      </p:grpSpPr>
+      <p:sp>
+        <p:nvSpPr>
+          <p:cNvPr id="2" name="Title 1">
+            <a:extLst>
+              <a:ext uri="{FF2B5EF4-FFF2-40B4-BE49-F238E27FC236}">
+                <a16:creationId xmlns="" xmlns:a16="http://schemas.microsoft.com/office/drawing/2014/main" id="{23EC7F7E-2A77-430B-AFE6-DE135E673518}"/>
+              </a:ext>
+            </a:extLst>
+          </p:cNvPr>
+          <p:cNvSpPr>
+            <a:spLocks noGrp="1"/>
+          </p:cNvSpPr>
+          <p:nvPr>
+            <p:ph type="title"/>
+          </p:nvPr>
+        </p:nvSpPr>
+        <p:spPr/>
+        <p:txBody>
+          <a:bodyPr/>
+          <a:lstStyle/>
+          <a:p>
+            <a:r>
+              <a:rPr lang="en-IN" dirty="0"/>
+              <a:t>Content</a:t>
+            </a:r>
+          </a:p>
+        </p:txBody>
+      </p:sp>
+      <p:sp>
+        <p:nvSpPr>
+          <p:cNvPr id="3" name="Content Placeholder 2">
+            <a:extLst>
+              <a:ext uri="{FF2B5EF4-FFF2-40B4-BE49-F238E27FC236}">
+                <a16:creationId xmlns="" xmlns:a16="http://schemas.microsoft.com/office/drawing/2014/main" id="{A41DB071-F4FD-4842-AD86-70E75FCD029A}"/>
+              </a:ext>
+            </a:extLst>
+          </p:cNvPr>
+          <p:cNvSpPr>
+            <a:spLocks noGrp="1"/>
+          </p:cNvSpPr>
+          <p:nvPr>
+            <p:ph idx="1"/>
+          </p:nvPr>
+        </p:nvSpPr>
+        <p:spPr/>
+        <p:txBody>
+          <a:bodyPr/>
+          <a:lstStyle/>
+          <a:p>
+            <a:pPr marL="514350" indent="-514350">
+              <a:buFont typeface="+mj-lt"/>
+              <a:buAutoNum type="arabicPeriod"/>
+            </a:pPr>
+            <a:r>
+              <a:rPr lang="en-GB" dirty="0">
+                <a:latin typeface="Inter" charset="0"/>
+                <a:ea typeface="Inter" charset="0"/>
+              </a:rPr>
+              <a:t>Introduction of topic</a:t>
+            </a:r>
+          </a:p>
+          <a:p>
+            <a:pPr marL="514350" indent="-514350">
+              <a:buFont typeface="+mj-lt"/>
+              <a:buAutoNum type="arabicPeriod"/>
+            </a:pPr>
+            <a:r>
+              <a:rPr lang="en-GB" dirty="0">
+                <a:latin typeface="Inter" charset="0"/>
+                <a:ea typeface="Inter" charset="0"/>
+              </a:rPr>
+              <a:t>Motivation</a:t>
+            </a:r>
+          </a:p>
+          <a:p>
+            <a:pPr marL="514350" indent="-514350">
+              <a:buFont typeface="+mj-lt"/>
+              <a:buAutoNum type="arabicPeriod"/>
+            </a:pPr>
+            <a:r>
+              <a:rPr lang="en-GB" dirty="0">
+                <a:latin typeface="Inter" charset="0"/>
+                <a:ea typeface="Inter" charset="0"/>
+              </a:rPr>
+              <a:t>Problem Statement</a:t>
+            </a:r>
+          </a:p>
+          <a:p>
+            <a:pPr marL="514350" indent="-514350">
+              <a:buFont typeface="+mj-lt"/>
+              <a:buAutoNum type="arabicPeriod"/>
+            </a:pPr>
+            <a:r>
+              <a:rPr lang="en-GB" dirty="0">
+                <a:latin typeface="Inter" charset="0"/>
+                <a:ea typeface="Inter" charset="0"/>
+              </a:rPr>
+              <a:t>Literature Review</a:t>
+            </a:r>
+          </a:p>
+          <a:p>
+            <a:pPr marL="514350" indent="-514350">
+              <a:buFont typeface="+mj-lt"/>
+              <a:buAutoNum type="arabicPeriod"/>
+            </a:pPr>
+            <a:r>
+              <a:rPr lang="en-US" kern="0" spc="-89" dirty="0">
+                <a:solidFill>
+                  <a:schemeClr val="tx1">
+                    <a:lumMod val="85000"/>
+                    <a:lumOff val="15000"/>
+                  </a:schemeClr>
+                </a:solidFill>
+                <a:latin typeface="Inter" charset="0"/>
+                <a:ea typeface="Inter" charset="0"/>
+                <a:cs typeface="Source Serif Pro" pitchFamily="34" charset="-120"/>
+              </a:rPr>
+              <a:t>Conclusion</a:t>
+            </a:r>
+          </a:p>
+          <a:p>
+            <a:pPr marL="514350" indent="-514350">
+              <a:buFont typeface="+mj-lt"/>
+              <a:buAutoNum type="arabicPeriod"/>
+            </a:pPr>
+            <a:r>
+              <a:rPr lang="en-US" kern="0" spc="-89" dirty="0">
+                <a:solidFill>
+                  <a:schemeClr val="tx1">
+                    <a:lumMod val="85000"/>
+                    <a:lumOff val="15000"/>
+                  </a:schemeClr>
+                </a:solidFill>
+                <a:latin typeface="Inter" charset="0"/>
+                <a:ea typeface="Inter" charset="0"/>
+                <a:cs typeface="Source Serif Pro" pitchFamily="34" charset="-120"/>
+              </a:rPr>
+              <a:t>References</a:t>
+            </a:r>
+            <a:endParaRPr lang="en-IN" dirty="0">
+              <a:solidFill>
+                <a:schemeClr val="tx1">
+                  <a:lumMod val="85000"/>
+                  <a:lumOff val="15000"/>
+                </a:schemeClr>
+              </a:solidFill>
+            </a:endParaRPr>
+          </a:p>
+        </p:txBody>
+      </p:sp>
+      <p:sp>
+        <p:nvSpPr>
+          <p:cNvPr id="4" name="Footer Placeholder 3">
+            <a:extLst>
+              <a:ext uri="{FF2B5EF4-FFF2-40B4-BE49-F238E27FC236}">
+                <a16:creationId xmlns="" xmlns:a16="http://schemas.microsoft.com/office/drawing/2014/main" id="{55CBE9B0-E6AB-4067-839E-CF9F0F6DF990}"/>
+              </a:ext>
+            </a:extLst>
+          </p:cNvPr>
+          <p:cNvSpPr>
+            <a:spLocks noGrp="1"/>
+          </p:cNvSpPr>
+          <p:nvPr>
+            <p:ph type="ftr" sz="quarter" idx="11"/>
+          </p:nvPr>
+        </p:nvSpPr>
+        <p:spPr/>
+        <p:txBody>
+          <a:bodyPr/>
+          <a:lstStyle/>
+          <a:p>
+            <a:r>
+              <a:rPr lang="en-US"/>
+              <a:t>Department of Computer Engineering</a:t>
+            </a:r>
+          </a:p>
+        </p:txBody>
+      </p:sp>
+      <p:sp>
+        <p:nvSpPr>
+          <p:cNvPr id="5" name="Slide Number Placeholder 4">
+            <a:extLst>
+              <a:ext uri="{FF2B5EF4-FFF2-40B4-BE49-F238E27FC236}">
+                <a16:creationId xmlns="" xmlns:a16="http://schemas.microsoft.com/office/drawing/2014/main" id="{2AECD6E5-5538-40B8-9CD8-75CBD5C846F1}"/>
+              </a:ext>
+            </a:extLst>
+          </p:cNvPr>
+          <p:cNvSpPr>
+            <a:spLocks noGrp="1"/>
+          </p:cNvSpPr>
+          <p:nvPr>
+            <p:ph type="sldNum" sz="quarter" idx="12"/>
+          </p:nvPr>
+        </p:nvSpPr>
+        <p:spPr/>
+        <p:txBody>
+          <a:bodyPr/>
+          <a:lstStyle/>
+          <a:p>
+            <a:fld id="{C1FF6DA9-008F-8B48-92A6-B652298478BF}" type="slidenum">
+              <a:rPr lang="en-US" smtClean="0"/>
+              <a:t>2</a:t>
+            </a:fld>
+            <a:endParaRPr lang="en-US"/>
+          </a:p>
+        </p:txBody>
+      </p:sp>
+    </p:spTree>
+    <p:extLst>
+      <p:ext uri="{BB962C8B-B14F-4D97-AF65-F5344CB8AC3E}">
+        <p14:creationId xmlns:p14="http://schemas.microsoft.com/office/powerpoint/2010/main" val="3991666224"/>
+      </p:ext>
+    </p:extLst>
+  </p:cSld>
+  <p:clrMapOvr>
+    <a:masterClrMapping/>
+  </p:clrMapOvr>
+  <p:timing>
+    <p:tnLst>
+      <p:par>
+        <p:cTn id="1" dur="indefinite" restart="never" nodeType="tmRoot"/>
+      </p:par>
+    </p:tnLst>
+  </p:timing>
+</p:sld>
+</file>
+
+<file path=ppt/slides/slide3.xml><?xml version="1.0" encoding="utf-8"?>
+<p:sld xmlns:a="http://schemas.openxmlformats.org/drawingml/2006/main" xmlns:r="http://schemas.openxmlformats.org/officeDocument/2006/relationships" xmlns:p="http://schemas.openxmlformats.org/presentationml/2006/main">
+  <p:cSld>
+    <p:spTree>
+      <p:nvGrpSpPr>
+        <p:cNvPr id="1" name=""/>
+        <p:cNvGrpSpPr/>
+        <p:nvPr/>
+      </p:nvGrpSpPr>
+      <p:grpSpPr>
+        <a:xfrm>
+          <a:off x="0" y="0"/>
+          <a:ext cx="0" cy="0"/>
+          <a:chOff x="0" y="0"/>
+          <a:chExt cx="0" cy="0"/>
+        </a:xfrm>
+      </p:grpSpPr>
+      <p:sp>
+        <p:nvSpPr>
+          <p:cNvPr id="2" name="Title 1"/>
+          <p:cNvSpPr>
+            <a:spLocks noGrp="1"/>
+          </p:cNvSpPr>
+          <p:nvPr>
+            <p:ph type="title"/>
+          </p:nvPr>
+        </p:nvSpPr>
+        <p:spPr/>
+        <p:txBody>
+          <a:bodyPr/>
+          <a:lstStyle/>
+          <a:p>
+            <a:r>
+              <a:t>Introduction</a:t>
+            </a:r>
+          </a:p>
+        </p:txBody>
+      </p:sp>
+      <p:sp>
+        <p:nvSpPr>
+          <p:cNvPr id="3" name="Content Placeholder 2"/>
+          <p:cNvSpPr>
+            <a:spLocks noGrp="1"/>
+          </p:cNvSpPr>
+          <p:nvPr>
+            <p:ph idx="1"/>
+          </p:nvPr>
+        </p:nvSpPr>
+        <p:spPr/>
+        <p:txBody>
+          <a:bodyPr/>
+          <a:lstStyle/>
+          <a:p>
+            <a:pPr algn="just">
+              <a:buSzPct val="121000"/>
+              <a:buFont typeface="Arial" panose="020B0604020202020204" pitchFamily="34" charset="0"/>
+              <a:buChar char="•"/>
+            </a:pPr>
+            <a:r>
+              <a:rPr lang="en-US" b="1" dirty="0" smtClean="0"/>
+              <a:t>Background </a:t>
+            </a:r>
+            <a:r>
+              <a:rPr lang="en-US" b="1" dirty="0"/>
+              <a:t>of the topic</a:t>
+            </a:r>
+            <a:r>
+              <a:rPr lang="en-US" dirty="0"/>
+              <a:t>: </a:t>
+            </a:r>
+            <a:r>
+              <a:rPr lang="en-US" dirty="0"/>
+              <a:t>AI and ML are driving automation in space missions and satellite </a:t>
+            </a:r>
+            <a:r>
+              <a:rPr lang="en-US" dirty="0" smtClean="0"/>
+              <a:t>systems. </a:t>
+            </a:r>
+          </a:p>
+          <a:p>
+            <a:pPr algn="just">
+              <a:buSzPct val="121000"/>
+              <a:buFont typeface="Arial" panose="020B0604020202020204" pitchFamily="34" charset="0"/>
+              <a:buChar char="•"/>
+            </a:pPr>
+            <a:r>
+              <a:rPr lang="en-US" b="1" dirty="0" smtClean="0"/>
+              <a:t>Why </a:t>
+            </a:r>
+            <a:r>
+              <a:rPr lang="en-US" b="1" dirty="0"/>
+              <a:t>this seminar is chosen?</a:t>
+            </a:r>
+            <a:r>
+              <a:rPr lang="en-US" dirty="0"/>
+              <a:t>: </a:t>
+            </a:r>
+            <a:r>
+              <a:rPr lang="en-US" dirty="0" smtClean="0"/>
+              <a:t>The nature of the space and satellite industry is a quintessential use-case for AI, with applications in virtually all space activities.</a:t>
+            </a:r>
+            <a:endParaRPr lang="en-US" dirty="0"/>
+          </a:p>
+          <a:p>
+            <a:pPr algn="just">
+              <a:buSzPct val="121000"/>
+              <a:buFont typeface="Arial" panose="020B0604020202020204" pitchFamily="34" charset="0"/>
+              <a:buChar char="•"/>
+            </a:pPr>
+            <a:r>
+              <a:rPr lang="en-US" b="1" dirty="0"/>
+              <a:t>Relevance to computer engineering / industry</a:t>
+            </a:r>
+            <a:r>
+              <a:rPr lang="en-US" dirty="0"/>
+              <a:t>: </a:t>
+            </a:r>
+            <a:r>
+              <a:rPr lang="en-US" dirty="0"/>
+              <a:t>Links to computer engineering via </a:t>
+            </a:r>
+            <a:r>
+              <a:rPr lang="en-US" b="1" dirty="0"/>
+              <a:t>robotics</a:t>
+            </a:r>
+            <a:r>
+              <a:rPr lang="en-US" dirty="0"/>
+              <a:t>, </a:t>
+            </a:r>
+            <a:r>
+              <a:rPr lang="en-US" b="1" dirty="0"/>
+              <a:t>big data</a:t>
+            </a:r>
+            <a:r>
+              <a:rPr lang="en-US" dirty="0"/>
+              <a:t>, and </a:t>
+            </a:r>
+            <a:r>
+              <a:rPr lang="en-US" b="1" dirty="0"/>
+              <a:t>intelligent systems</a:t>
+            </a:r>
+            <a:r>
+              <a:rPr lang="en-US" dirty="0"/>
+              <a:t>.</a:t>
+            </a:r>
+            <a:endParaRPr lang="en-US" dirty="0"/>
+          </a:p>
+        </p:txBody>
+      </p:sp>
+      <p:sp>
+        <p:nvSpPr>
+          <p:cNvPr id="4" name="Footer Placeholder 3">
+            <a:extLst>
+              <a:ext uri="{FF2B5EF4-FFF2-40B4-BE49-F238E27FC236}">
+                <a16:creationId xmlns="" xmlns:a16="http://schemas.microsoft.com/office/drawing/2014/main" id="{41D0C085-C70E-4641-8058-B1705398892E}"/>
+              </a:ext>
+            </a:extLst>
+          </p:cNvPr>
+          <p:cNvSpPr>
+            <a:spLocks noGrp="1"/>
+          </p:cNvSpPr>
+          <p:nvPr>
+            <p:ph type="ftr" sz="quarter" idx="11"/>
+          </p:nvPr>
+        </p:nvSpPr>
+        <p:spPr/>
+        <p:txBody>
+          <a:bodyPr/>
+          <a:lstStyle/>
+          <a:p>
+            <a:r>
+              <a:rPr lang="en-US"/>
+              <a:t>Department of Computer Engineering</a:t>
+            </a:r>
+          </a:p>
+        </p:txBody>
+      </p:sp>
+      <p:sp>
+        <p:nvSpPr>
+          <p:cNvPr id="5" name="Slide Number Placeholder 4">
+            <a:extLst>
+              <a:ext uri="{FF2B5EF4-FFF2-40B4-BE49-F238E27FC236}">
+                <a16:creationId xmlns="" xmlns:a16="http://schemas.microsoft.com/office/drawing/2014/main" id="{C440A4A9-8CC3-4718-8CD5-255A125AF33B}"/>
+              </a:ext>
+            </a:extLst>
+          </p:cNvPr>
+          <p:cNvSpPr>
+            <a:spLocks noGrp="1"/>
+          </p:cNvSpPr>
+          <p:nvPr>
+            <p:ph type="sldNum" sz="quarter" idx="12"/>
+          </p:nvPr>
+        </p:nvSpPr>
+        <p:spPr/>
+        <p:txBody>
+          <a:bodyPr/>
+          <a:lstStyle/>
+          <a:p>
+            <a:fld id="{C1FF6DA9-008F-8B48-92A6-B652298478BF}" type="slidenum">
+              <a:rPr lang="en-US" smtClean="0"/>
+              <a:t>3</a:t>
+            </a:fld>
+            <a:endParaRPr lang="en-US"/>
+          </a:p>
+        </p:txBody>
+      </p:sp>
+    </p:spTree>
+  </p:cSld>
+  <p:clrMapOvr>
+    <a:masterClrMapping/>
+  </p:clrMapOvr>
+  <p:timing>
+    <p:tnLst>
+      <p:par>
+        <p:cTn id="1" dur="indefinite" restart="never" nodeType="tmRoot"/>
+      </p:par>
+    </p:tnLst>
+  </p:timing>
+</p:sld>
+</file>
+
+<file path=ppt/slides/slide4.xml><?xml version="1.0" encoding="utf-8"?>
+<p:sld xmlns:a="http://schemas.openxmlformats.org/drawingml/2006/main" xmlns:r="http://schemas.openxmlformats.org/officeDocument/2006/relationships" xmlns:p="http://schemas.openxmlformats.org/presentationml/2006/main">
+  <p:cSld>
+    <p:spTree>
+      <p:nvGrpSpPr>
+        <p:cNvPr id="1" name=""/>
+        <p:cNvGrpSpPr/>
+        <p:nvPr/>
+      </p:nvGrpSpPr>
+      <p:grpSpPr>
+        <a:xfrm>
+          <a:off x="0" y="0"/>
+          <a:ext cx="0" cy="0"/>
+          <a:chOff x="0" y="0"/>
+          <a:chExt cx="0" cy="0"/>
+        </a:xfrm>
+      </p:grpSpPr>
+      <p:sp>
+        <p:nvSpPr>
+          <p:cNvPr id="2" name="Title 1"/>
+          <p:cNvSpPr>
+            <a:spLocks noGrp="1"/>
+          </p:cNvSpPr>
+          <p:nvPr>
+            <p:ph type="title"/>
+          </p:nvPr>
+        </p:nvSpPr>
+        <p:spPr/>
+        <p:txBody>
+          <a:bodyPr/>
+          <a:lstStyle/>
+          <a:p>
+            <a:r>
+              <a:rPr lang="en-US" dirty="0" smtClean="0"/>
+              <a:t>Space</a:t>
+            </a:r>
+            <a:r>
+              <a:rPr lang="en-US" dirty="0" smtClean="0"/>
+              <a:t> Rover’s</a:t>
+            </a:r>
+            <a:endParaRPr dirty="0"/>
+          </a:p>
+        </p:txBody>
+      </p:sp>
+      <p:sp>
+        <p:nvSpPr>
+          <p:cNvPr id="4" name="Footer Placeholder 3">
+            <a:extLst>
+              <a:ext uri="{FF2B5EF4-FFF2-40B4-BE49-F238E27FC236}">
+                <a16:creationId xmlns="" xmlns:a16="http://schemas.microsoft.com/office/drawing/2014/main" id="{41D0C085-C70E-4641-8058-B1705398892E}"/>
+              </a:ext>
+            </a:extLst>
+          </p:cNvPr>
+          <p:cNvSpPr>
+            <a:spLocks noGrp="1"/>
+          </p:cNvSpPr>
+          <p:nvPr>
+            <p:ph type="ftr" sz="quarter" idx="11"/>
+          </p:nvPr>
+        </p:nvSpPr>
+        <p:spPr/>
+        <p:txBody>
+          <a:bodyPr/>
+          <a:lstStyle/>
+          <a:p>
+            <a:r>
+              <a:rPr lang="en-US"/>
+              <a:t>Department of Computer Engineering</a:t>
+            </a:r>
+          </a:p>
+        </p:txBody>
+      </p:sp>
+      <p:sp>
+        <p:nvSpPr>
+          <p:cNvPr id="5" name="Slide Number Placeholder 4">
+            <a:extLst>
+              <a:ext uri="{FF2B5EF4-FFF2-40B4-BE49-F238E27FC236}">
+                <a16:creationId xmlns="" xmlns:a16="http://schemas.microsoft.com/office/drawing/2014/main" id="{C440A4A9-8CC3-4718-8CD5-255A125AF33B}"/>
+              </a:ext>
+            </a:extLst>
+          </p:cNvPr>
+          <p:cNvSpPr>
+            <a:spLocks noGrp="1"/>
+          </p:cNvSpPr>
+          <p:nvPr>
+            <p:ph type="sldNum" sz="quarter" idx="12"/>
+          </p:nvPr>
+        </p:nvSpPr>
+        <p:spPr/>
+        <p:txBody>
+          <a:bodyPr/>
+          <a:lstStyle/>
+          <a:p>
+            <a:fld id="{C1FF6DA9-008F-8B48-92A6-B652298478BF}" type="slidenum">
+              <a:rPr lang="en-US" smtClean="0"/>
+              <a:t>4</a:t>
+            </a:fld>
+            <a:endParaRPr lang="en-US"/>
+          </a:p>
+        </p:txBody>
+      </p:sp>
+      <p:sp>
+        <p:nvSpPr>
+          <p:cNvPr id="6" name="TextBox 5"/>
+          <p:cNvSpPr txBox="1"/>
+          <p:nvPr/>
+        </p:nvSpPr>
+        <p:spPr>
+          <a:xfrm>
+            <a:off x="612775" y="5455743"/>
+            <a:ext cx="8018839" cy="646331"/>
+          </a:xfrm>
+          <a:prstGeom prst="rect">
+            <a:avLst/>
+          </a:prstGeom>
+          <a:noFill/>
+        </p:spPr>
+        <p:txBody>
+          <a:bodyPr wrap="square" rtlCol="0">
+            <a:spAutoFit/>
+          </a:bodyPr>
+          <a:lstStyle/>
+          <a:p>
+            <a:pPr marL="285750" indent="-285750" algn="just">
+              <a:buClr>
+                <a:schemeClr val="accent2"/>
+              </a:buClr>
+              <a:buFont typeface="Arial" panose="020B0604020202020204" pitchFamily="34" charset="0"/>
+              <a:buChar char="•"/>
+            </a:pPr>
+            <a:r>
+              <a:rPr lang="en-US" b="1" dirty="0" smtClean="0"/>
+              <a:t>Scientific </a:t>
+            </a:r>
+            <a:r>
+              <a:rPr lang="en-US" b="1" dirty="0"/>
+              <a:t>Application</a:t>
+            </a:r>
+            <a:r>
+              <a:rPr lang="en-US" dirty="0"/>
+              <a:t>: </a:t>
+            </a:r>
+            <a:r>
+              <a:rPr lang="en-US" dirty="0"/>
+              <a:t>AI analyzes geology, selects rock samples, and prioritizes data for real-time big data analysis.</a:t>
+            </a:r>
+            <a:endParaRPr lang="en-US" dirty="0"/>
+          </a:p>
+        </p:txBody>
+      </p:sp>
+      <p:sp>
+        <p:nvSpPr>
+          <p:cNvPr id="7" name="AutoShape 2" descr="Video: A look at Mars rover Perseverance vs. Curiosity"/>
+          <p:cNvSpPr>
+            <a:spLocks noChangeAspect="1" noChangeArrowheads="1"/>
+          </p:cNvSpPr>
+          <p:nvPr/>
+        </p:nvSpPr>
+        <p:spPr bwMode="auto">
+          <a:xfrm>
+            <a:off x="155575" y="-144463"/>
+            <a:ext cx="304800" cy="304801"/>
+          </a:xfrm>
+          <a:prstGeom prst="rect">
+            <a:avLst/>
+          </a:prstGeom>
+          <a:noFill/>
+          <a:extLst>
+            <a:ext uri="{909E8E84-426E-40DD-AFC4-6F175D3DCCD1}">
+              <a14:hiddenFill xmlns:a14="http://schemas.microsoft.com/office/drawing/2010/main">
+                <a:solidFill>
+                  <a:srgbClr val="FFFFFF"/>
+                </a:solidFill>
+              </a14:hiddenFill>
+            </a:ext>
+          </a:extLst>
+        </p:spPr>
+        <p:txBody>
+          <a:bodyPr vert="horz" wrap="square" lIns="91440" tIns="45720" rIns="91440" bIns="45720" numCol="1" anchor="t" anchorCtr="0" compatLnSpc="1">
+            <a:prstTxWarp prst="textNoShape">
+              <a:avLst/>
+            </a:prstTxWarp>
+          </a:bodyPr>
+          <a:lstStyle/>
+          <a:p>
+            <a:endParaRPr lang="en-US"/>
+          </a:p>
+        </p:txBody>
+      </p:sp>
+      <p:sp>
+        <p:nvSpPr>
+          <p:cNvPr id="8" name="AutoShape 4" descr="Video: A look at Mars rover Perseverance vs. Curiosity"/>
+          <p:cNvSpPr>
+            <a:spLocks noChangeAspect="1" noChangeArrowheads="1"/>
+          </p:cNvSpPr>
+          <p:nvPr/>
+        </p:nvSpPr>
+        <p:spPr bwMode="auto">
+          <a:xfrm>
+            <a:off x="307975" y="7937"/>
+            <a:ext cx="304800" cy="304801"/>
+          </a:xfrm>
+          <a:prstGeom prst="rect">
+            <a:avLst/>
+          </a:prstGeom>
+          <a:noFill/>
+          <a:extLst>
+            <a:ext uri="{909E8E84-426E-40DD-AFC4-6F175D3DCCD1}">
+              <a14:hiddenFill xmlns:a14="http://schemas.microsoft.com/office/drawing/2010/main">
+                <a:solidFill>
+                  <a:srgbClr val="FFFFFF"/>
+                </a:solidFill>
+              </a14:hiddenFill>
+            </a:ext>
+          </a:extLst>
+        </p:spPr>
+        <p:txBody>
+          <a:bodyPr vert="horz" wrap="square" lIns="91440" tIns="45720" rIns="91440" bIns="45720" numCol="1" anchor="t" anchorCtr="0" compatLnSpc="1">
+            <a:prstTxWarp prst="textNoShape">
+              <a:avLst/>
+            </a:prstTxWarp>
+          </a:bodyPr>
+          <a:lstStyle/>
+          <a:p>
+            <a:endParaRPr lang="en-US"/>
+          </a:p>
+        </p:txBody>
+      </p:sp>
+      <p:sp>
+        <p:nvSpPr>
+          <p:cNvPr id="9" name="AutoShape 6" descr="Video: A look at Mars rover Perseverance vs. Curiosity"/>
+          <p:cNvSpPr>
+            <a:spLocks noChangeAspect="1" noChangeArrowheads="1"/>
+          </p:cNvSpPr>
+          <p:nvPr/>
+        </p:nvSpPr>
+        <p:spPr bwMode="auto">
+          <a:xfrm>
+            <a:off x="460375" y="160337"/>
+            <a:ext cx="304800" cy="304801"/>
+          </a:xfrm>
+          <a:prstGeom prst="rect">
+            <a:avLst/>
+          </a:prstGeom>
+          <a:noFill/>
+          <a:extLst>
+            <a:ext uri="{909E8E84-426E-40DD-AFC4-6F175D3DCCD1}">
+              <a14:hiddenFill xmlns:a14="http://schemas.microsoft.com/office/drawing/2010/main">
+                <a:solidFill>
+                  <a:srgbClr val="FFFFFF"/>
+                </a:solidFill>
+              </a14:hiddenFill>
+            </a:ext>
+          </a:extLst>
+        </p:spPr>
+        <p:txBody>
+          <a:bodyPr vert="horz" wrap="square" lIns="91440" tIns="45720" rIns="91440" bIns="45720" numCol="1" anchor="t" anchorCtr="0" compatLnSpc="1">
+            <a:prstTxWarp prst="textNoShape">
+              <a:avLst/>
+            </a:prstTxWarp>
+          </a:bodyPr>
+          <a:lstStyle/>
+          <a:p>
+            <a:endParaRPr lang="en-US"/>
+          </a:p>
+        </p:txBody>
+      </p:sp>
+      <p:pic>
+        <p:nvPicPr>
+          <p:cNvPr id="3080" name="Picture 8" descr="Curiosity Marks 3rd Anniversary on Mars With Amazing Science Discoveries -  AmericaSpace"/>
+          <p:cNvPicPr>
+            <a:picLocks noChangeAspect="1" noChangeArrowheads="1"/>
+          </p:cNvPicPr>
+          <p:nvPr/>
+        </p:nvPicPr>
+        <p:blipFill>
+          <a:blip r:embed="rId2">
+            <a:extLst>
+              <a:ext uri="{28A0092B-C50C-407E-A947-70E740481C1C}">
+                <a14:useLocalDpi xmlns:a14="http://schemas.microsoft.com/office/drawing/2010/main" val="0"/>
+              </a:ext>
+            </a:extLst>
+          </a:blip>
+          <a:srcRect/>
+          <a:stretch>
+            <a:fillRect/>
+          </a:stretch>
+        </p:blipFill>
+        <p:spPr bwMode="auto">
+          <a:xfrm>
+            <a:off x="4642997" y="2136679"/>
+            <a:ext cx="3477490" cy="1954715"/>
+          </a:xfrm>
+          <a:prstGeom prst="rect">
+            <a:avLst/>
+          </a:prstGeom>
+          <a:noFill/>
+          <a:extLst>
+            <a:ext uri="{909E8E84-426E-40DD-AFC4-6F175D3DCCD1}">
+              <a14:hiddenFill xmlns:a14="http://schemas.microsoft.com/office/drawing/2010/main">
+                <a:solidFill>
+                  <a:srgbClr val="FFFFFF"/>
+                </a:solidFill>
+              </a14:hiddenFill>
+            </a:ext>
+          </a:extLst>
+        </p:spPr>
+      </p:pic>
+      <p:pic>
+        <p:nvPicPr>
+          <p:cNvPr id="11" name="Picture 4" descr="Chandrayaan 3 Moon landing, ISRO Pragyan rover, Vikram lander | Autocar  India"/>
+          <p:cNvPicPr>
+            <a:picLocks noChangeAspect="1" noChangeArrowheads="1"/>
+          </p:cNvPicPr>
+          <p:nvPr/>
+        </p:nvPicPr>
+        <p:blipFill>
+          <a:blip r:embed="rId3">
+            <a:extLst>
+              <a:ext uri="{28A0092B-C50C-407E-A947-70E740481C1C}">
+                <a14:useLocalDpi xmlns:a14="http://schemas.microsoft.com/office/drawing/2010/main" val="0"/>
+              </a:ext>
+            </a:extLst>
+          </a:blip>
+          <a:srcRect/>
+          <a:stretch>
+            <a:fillRect/>
+          </a:stretch>
+        </p:blipFill>
+        <p:spPr bwMode="auto">
+          <a:xfrm>
+            <a:off x="1289382" y="2136679"/>
+            <a:ext cx="2950513" cy="1954715"/>
+          </a:xfrm>
+          <a:prstGeom prst="rect">
+            <a:avLst/>
+          </a:prstGeom>
+          <a:noFill/>
+          <a:extLst>
+            <a:ext uri="{909E8E84-426E-40DD-AFC4-6F175D3DCCD1}">
+              <a14:hiddenFill xmlns:a14="http://schemas.microsoft.com/office/drawing/2010/main">
+                <a:solidFill>
+                  <a:srgbClr val="FFFFFF"/>
+                </a:solidFill>
+              </a14:hiddenFill>
+            </a:ext>
+          </a:extLst>
+        </p:spPr>
+      </p:pic>
+      <p:sp>
+        <p:nvSpPr>
+          <p:cNvPr id="10" name="TextBox 9"/>
+          <p:cNvSpPr txBox="1"/>
+          <p:nvPr/>
+        </p:nvSpPr>
+        <p:spPr>
+          <a:xfrm>
+            <a:off x="4781207" y="4146882"/>
+            <a:ext cx="3201069" cy="369332"/>
+          </a:xfrm>
+          <a:prstGeom prst="rect">
+            <a:avLst/>
+          </a:prstGeom>
+          <a:noFill/>
+        </p:spPr>
+        <p:txBody>
+          <a:bodyPr wrap="none" rtlCol="0">
+            <a:spAutoFit/>
+          </a:bodyPr>
+          <a:lstStyle/>
+          <a:p>
+            <a:r>
+              <a:rPr lang="en-US" b="1" dirty="0" smtClean="0"/>
+              <a:t>Fg.2 Curiosity</a:t>
+            </a:r>
+            <a:r>
+              <a:rPr lang="en-US" dirty="0" smtClean="0"/>
+              <a:t> </a:t>
+            </a:r>
+            <a:r>
+              <a:rPr lang="en-US" dirty="0"/>
+              <a:t>and </a:t>
+            </a:r>
+            <a:r>
+              <a:rPr lang="en-US" b="1" dirty="0"/>
+              <a:t>Perseverance</a:t>
+            </a:r>
+            <a:endParaRPr lang="en-US" dirty="0"/>
+          </a:p>
+        </p:txBody>
+      </p:sp>
+      <p:sp>
+        <p:nvSpPr>
+          <p:cNvPr id="12" name="TextBox 11"/>
+          <p:cNvSpPr txBox="1"/>
+          <p:nvPr/>
+        </p:nvSpPr>
+        <p:spPr>
+          <a:xfrm>
+            <a:off x="1763884" y="4146882"/>
+            <a:ext cx="2001510" cy="369332"/>
+          </a:xfrm>
+          <a:prstGeom prst="rect">
+            <a:avLst/>
+          </a:prstGeom>
+          <a:noFill/>
+        </p:spPr>
+        <p:txBody>
+          <a:bodyPr wrap="none" rtlCol="0">
+            <a:spAutoFit/>
+          </a:bodyPr>
+          <a:lstStyle/>
+          <a:p>
+            <a:r>
+              <a:rPr lang="en-US" b="1" dirty="0" smtClean="0"/>
+              <a:t>Fg.1 </a:t>
+            </a:r>
+            <a:r>
+              <a:rPr lang="en-US" b="1" dirty="0" err="1" smtClean="0"/>
+              <a:t>Pragyan</a:t>
+            </a:r>
+            <a:r>
+              <a:rPr lang="en-US" dirty="0" smtClean="0"/>
+              <a:t> </a:t>
+            </a:r>
+            <a:r>
+              <a:rPr lang="en-US" b="1" dirty="0"/>
+              <a:t>Rover</a:t>
+            </a:r>
+            <a:endParaRPr lang="en-US" dirty="0"/>
+          </a:p>
+        </p:txBody>
+      </p:sp>
+      <p:sp>
+        <p:nvSpPr>
+          <p:cNvPr id="14" name="TextBox 13"/>
+          <p:cNvSpPr txBox="1"/>
+          <p:nvPr/>
+        </p:nvSpPr>
+        <p:spPr>
+          <a:xfrm>
+            <a:off x="641810" y="4814595"/>
+            <a:ext cx="8018839" cy="923330"/>
+          </a:xfrm>
+          <a:prstGeom prst="rect">
+            <a:avLst/>
+          </a:prstGeom>
+          <a:noFill/>
+        </p:spPr>
+        <p:txBody>
+          <a:bodyPr wrap="square" rtlCol="0">
+            <a:spAutoFit/>
+          </a:bodyPr>
+          <a:lstStyle/>
+          <a:p>
+            <a:pPr marL="285750" indent="-285750" algn="just">
+              <a:buClr>
+                <a:schemeClr val="accent2"/>
+              </a:buClr>
+              <a:buFont typeface="Arial" panose="020B0604020202020204" pitchFamily="34" charset="0"/>
+              <a:buChar char="•"/>
+            </a:pPr>
+            <a:r>
+              <a:rPr lang="en-US" b="1" dirty="0"/>
+              <a:t>AI Functions</a:t>
+            </a:r>
+            <a:r>
+              <a:rPr lang="en-US" dirty="0"/>
+              <a:t>: AI enables autonomous navigation, helping rovers plan routes and handle tough terrain without human input.</a:t>
+            </a:r>
+          </a:p>
+          <a:p>
+            <a:endParaRPr lang="en-US" dirty="0"/>
+          </a:p>
+        </p:txBody>
+      </p:sp>
+    </p:spTree>
+    <p:extLst>
+      <p:ext uri="{BB962C8B-B14F-4D97-AF65-F5344CB8AC3E}">
+        <p14:creationId xmlns:p14="http://schemas.microsoft.com/office/powerpoint/2010/main" val="3329551140"/>
+      </p:ext>
+    </p:extLst>
+  </p:cSld>
+  <p:clrMapOvr>
+    <a:masterClrMapping/>
+  </p:clrMapOvr>
+  <p:timing>
+    <p:tnLst>
+      <p:par>
+        <p:cTn id="1" dur="indefinite" restart="never" nodeType="tmRoot"/>
+      </p:par>
+    </p:tnLst>
+  </p:timing>
+</p:sld>
+</file>
+
+<file path=ppt/slides/slide5.xml><?xml version="1.0" encoding="utf-8"?>
+<p:sld xmlns:a="http://schemas.openxmlformats.org/drawingml/2006/main" xmlns:r="http://schemas.openxmlformats.org/officeDocument/2006/relationships" xmlns:p="http://schemas.openxmlformats.org/presentationml/2006/main">
+  <p:cSld>
+    <p:spTree>
+      <p:nvGrpSpPr>
+        <p:cNvPr id="1" name=""/>
+        <p:cNvGrpSpPr/>
+        <p:nvPr/>
+      </p:nvGrpSpPr>
+      <p:grpSpPr>
+        <a:xfrm>
+          <a:off x="0" y="0"/>
+          <a:ext cx="0" cy="0"/>
+          <a:chOff x="0" y="0"/>
+          <a:chExt cx="0" cy="0"/>
+        </a:xfrm>
+      </p:grpSpPr>
+      <p:sp>
+        <p:nvSpPr>
+          <p:cNvPr id="2" name="Title 1">
+            <a:extLst>
+              <a:ext uri="{FF2B5EF4-FFF2-40B4-BE49-F238E27FC236}">
+                <a16:creationId xmlns="" xmlns:a16="http://schemas.microsoft.com/office/drawing/2014/main" id="{F5950B7F-DF0D-49BA-8760-764F88F5082A}"/>
+              </a:ext>
+            </a:extLst>
+          </p:cNvPr>
+          <p:cNvSpPr>
+            <a:spLocks noGrp="1"/>
+          </p:cNvSpPr>
+          <p:nvPr>
+            <p:ph type="title"/>
+          </p:nvPr>
+        </p:nvSpPr>
+        <p:spPr>
+          <a:xfrm>
+            <a:off x="822960" y="286605"/>
+            <a:ext cx="7543800" cy="702302"/>
+          </a:xfrm>
+        </p:spPr>
+        <p:txBody>
+          <a:bodyPr>
+            <a:normAutofit fontScale="90000"/>
+          </a:bodyPr>
+          <a:lstStyle/>
+          <a:p>
+            <a:r>
+              <a:rPr lang="en-IN" dirty="0"/>
+              <a:t>Motivation</a:t>
+            </a:r>
+          </a:p>
+        </p:txBody>
+      </p:sp>
+      <p:sp>
+        <p:nvSpPr>
+          <p:cNvPr id="3" name="Content Placeholder 2">
+            <a:extLst>
+              <a:ext uri="{FF2B5EF4-FFF2-40B4-BE49-F238E27FC236}">
+                <a16:creationId xmlns="" xmlns:a16="http://schemas.microsoft.com/office/drawing/2014/main" id="{730D9C7B-D775-4A51-AB23-4DE6B4E75396}"/>
+              </a:ext>
+            </a:extLst>
+          </p:cNvPr>
+          <p:cNvSpPr>
+            <a:spLocks noGrp="1"/>
+          </p:cNvSpPr>
+          <p:nvPr>
+            <p:ph idx="1"/>
+          </p:nvPr>
+        </p:nvSpPr>
+        <p:spPr/>
+        <p:txBody>
+          <a:bodyPr>
+            <a:normAutofit fontScale="92500" lnSpcReduction="20000"/>
+          </a:bodyPr>
+          <a:lstStyle/>
+          <a:p>
+            <a:pPr algn="just">
+              <a:buSzPct val="121000"/>
+              <a:buFont typeface="Arial" panose="020B0604020202020204" pitchFamily="34" charset="0"/>
+              <a:buChar char="•"/>
+            </a:pPr>
+            <a:r>
+              <a:rPr lang="en-US" b="1" dirty="0"/>
+              <a:t>Growing complexity</a:t>
+            </a:r>
+            <a:r>
+              <a:rPr lang="en-US" dirty="0"/>
+              <a:t> of space missions → traditional ground-based control is insufficient.</a:t>
+            </a:r>
+          </a:p>
+          <a:p>
+            <a:pPr algn="just">
+              <a:buSzPct val="121000"/>
+              <a:buFont typeface="Arial" panose="020B0604020202020204" pitchFamily="34" charset="0"/>
+              <a:buChar char="•"/>
+            </a:pPr>
+            <a:r>
+              <a:rPr lang="en-US" b="1" dirty="0"/>
+              <a:t>Communication delays</a:t>
+            </a:r>
+            <a:r>
+              <a:rPr lang="en-US" dirty="0"/>
+              <a:t> with deep space (e.g., Mars-Earth: up to 24 minutes one way).</a:t>
+            </a:r>
+          </a:p>
+          <a:p>
+            <a:pPr algn="just">
+              <a:buSzPct val="121000"/>
+              <a:buFont typeface="Arial" panose="020B0604020202020204" pitchFamily="34" charset="0"/>
+              <a:buChar char="•"/>
+            </a:pPr>
+            <a:r>
+              <a:rPr lang="en-US" b="1" dirty="0"/>
+              <a:t>Massive data</a:t>
+            </a:r>
+            <a:r>
+              <a:rPr lang="en-US" dirty="0"/>
+              <a:t> from satellites, telescopes, and sensors require intelligent processing.</a:t>
+            </a:r>
+          </a:p>
+          <a:p>
+            <a:pPr algn="just">
+              <a:buSzPct val="121000"/>
+              <a:buFont typeface="Arial" panose="020B0604020202020204" pitchFamily="34" charset="0"/>
+              <a:buChar char="•"/>
+            </a:pPr>
+            <a:r>
+              <a:rPr lang="en-US" b="1" dirty="0"/>
+              <a:t>Emergence of New Space Economy</a:t>
+            </a:r>
+            <a:r>
+              <a:rPr lang="en-US" dirty="0"/>
+              <a:t>: privatization, small satellites, mega-constellations.</a:t>
+            </a:r>
+          </a:p>
+          <a:p>
+            <a:pPr algn="just">
+              <a:buSzPct val="121000"/>
+              <a:buFont typeface="Arial" panose="020B0604020202020204" pitchFamily="34" charset="0"/>
+              <a:buChar char="•"/>
+            </a:pPr>
+            <a:r>
+              <a:rPr lang="en-US" b="1" dirty="0"/>
+              <a:t>AI promises</a:t>
+            </a:r>
+            <a:r>
+              <a:rPr lang="en-US" dirty="0"/>
+              <a:t>:</a:t>
+            </a:r>
+          </a:p>
+          <a:p>
+            <a:pPr marL="749808" lvl="1" indent="-457200" algn="just">
+              <a:buFont typeface="+mj-lt"/>
+              <a:buAutoNum type="arabicPeriod"/>
+            </a:pPr>
+            <a:r>
+              <a:rPr lang="en-US" dirty="0"/>
+              <a:t>Cost reduction.</a:t>
+            </a:r>
+          </a:p>
+          <a:p>
+            <a:pPr marL="749808" lvl="1" indent="-457200" algn="just">
+              <a:buFont typeface="+mj-lt"/>
+              <a:buAutoNum type="arabicPeriod"/>
+            </a:pPr>
+            <a:r>
+              <a:rPr lang="en-US" dirty="0"/>
+              <a:t>Safer autonomous operations.</a:t>
+            </a:r>
+          </a:p>
+          <a:p>
+            <a:pPr marL="749808" lvl="1" indent="-457200" algn="just">
+              <a:buFont typeface="+mj-lt"/>
+              <a:buAutoNum type="arabicPeriod"/>
+            </a:pPr>
+            <a:r>
+              <a:rPr lang="en-US" dirty="0"/>
+              <a:t>Faster scientific discoveries.</a:t>
+            </a:r>
+          </a:p>
+          <a:p>
+            <a:pPr marL="749808" lvl="1" indent="-457200" algn="just">
+              <a:buFont typeface="+mj-lt"/>
+              <a:buAutoNum type="arabicPeriod"/>
+            </a:pPr>
+            <a:r>
+              <a:rPr lang="en-US" dirty="0"/>
+              <a:t>Strengthening space-based services for Earth (climate monitoring, smart cities, disaster management).</a:t>
+            </a:r>
+          </a:p>
+        </p:txBody>
+      </p:sp>
+      <p:sp>
+        <p:nvSpPr>
+          <p:cNvPr id="4" name="Footer Placeholder 3">
+            <a:extLst>
+              <a:ext uri="{FF2B5EF4-FFF2-40B4-BE49-F238E27FC236}">
+                <a16:creationId xmlns="" xmlns:a16="http://schemas.microsoft.com/office/drawing/2014/main" id="{FFC7056C-06A4-40A9-A864-0BA0471C00A9}"/>
+              </a:ext>
+            </a:extLst>
+          </p:cNvPr>
+          <p:cNvSpPr>
+            <a:spLocks noGrp="1"/>
+          </p:cNvSpPr>
+          <p:nvPr>
+            <p:ph type="ftr" sz="quarter" idx="11"/>
+          </p:nvPr>
+        </p:nvSpPr>
+        <p:spPr/>
+        <p:txBody>
+          <a:bodyPr/>
+          <a:lstStyle/>
+          <a:p>
+            <a:r>
+              <a:rPr lang="en-US"/>
+              <a:t>Department of Computer Engineering</a:t>
+            </a:r>
+          </a:p>
+        </p:txBody>
+      </p:sp>
+      <p:sp>
+        <p:nvSpPr>
+          <p:cNvPr id="5" name="Slide Number Placeholder 4">
+            <a:extLst>
+              <a:ext uri="{FF2B5EF4-FFF2-40B4-BE49-F238E27FC236}">
+                <a16:creationId xmlns="" xmlns:a16="http://schemas.microsoft.com/office/drawing/2014/main" id="{6E6F169A-EC18-4592-BFB6-F16C62F99296}"/>
+              </a:ext>
+            </a:extLst>
+          </p:cNvPr>
+          <p:cNvSpPr>
+            <a:spLocks noGrp="1"/>
+          </p:cNvSpPr>
+          <p:nvPr>
+            <p:ph type="sldNum" sz="quarter" idx="12"/>
+          </p:nvPr>
+        </p:nvSpPr>
+        <p:spPr/>
+        <p:txBody>
+          <a:bodyPr/>
+          <a:lstStyle/>
+          <a:p>
+            <a:fld id="{C1FF6DA9-008F-8B48-92A6-B652298478BF}" type="slidenum">
+              <a:rPr lang="en-US" smtClean="0"/>
+              <a:t>5</a:t>
+            </a:fld>
+            <a:endParaRPr lang="en-US"/>
+          </a:p>
+        </p:txBody>
+      </p:sp>
+    </p:spTree>
+    <p:extLst>
+      <p:ext uri="{BB962C8B-B14F-4D97-AF65-F5344CB8AC3E}">
+        <p14:creationId xmlns:p14="http://schemas.microsoft.com/office/powerpoint/2010/main" val="2408718184"/>
+      </p:ext>
+    </p:extLst>
+  </p:cSld>
+  <p:clrMapOvr>
+    <a:masterClrMapping/>
+  </p:clrMapOvr>
+  <p:timing>
+    <p:tnLst>
+      <p:par>
+        <p:cTn id="1" dur="indefinite" restart="never" nodeType="tmRoot"/>
+      </p:par>
+    </p:tnLst>
+  </p:timing>
+</p:sld>
+</file>
+
+<file path=ppt/slides/slide6.xml><?xml version="1.0" encoding="utf-8"?>
+<p:sld xmlns:a="http://schemas.openxmlformats.org/drawingml/2006/main" xmlns:r="http://schemas.openxmlformats.org/officeDocument/2006/relationships" xmlns:p="http://schemas.openxmlformats.org/presentationml/2006/main">
+  <p:cSld>
+    <p:spTree>
+      <p:nvGrpSpPr>
+        <p:cNvPr id="1" name=""/>
+        <p:cNvGrpSpPr/>
+        <p:nvPr/>
+      </p:nvGrpSpPr>
+      <p:grpSpPr>
+        <a:xfrm>
+          <a:off x="0" y="0"/>
+          <a:ext cx="0" cy="0"/>
+          <a:chOff x="0" y="0"/>
+          <a:chExt cx="0" cy="0"/>
+        </a:xfrm>
+      </p:grpSpPr>
+      <p:sp>
+        <p:nvSpPr>
+          <p:cNvPr id="2" name="Title 1"/>
+          <p:cNvSpPr>
+            <a:spLocks noGrp="1"/>
+          </p:cNvSpPr>
+          <p:nvPr>
+            <p:ph type="title"/>
+          </p:nvPr>
+        </p:nvSpPr>
+        <p:spPr/>
+        <p:txBody>
+          <a:bodyPr/>
+          <a:lstStyle/>
+          <a:p>
+            <a:r>
+              <a:t>Problem Statement</a:t>
+            </a:r>
+          </a:p>
+        </p:txBody>
+      </p:sp>
+      <p:sp>
+        <p:nvSpPr>
+          <p:cNvPr id="3" name="Content Placeholder 2"/>
+          <p:cNvSpPr>
+            <a:spLocks noGrp="1"/>
+          </p:cNvSpPr>
+          <p:nvPr>
+            <p:ph idx="1"/>
+          </p:nvPr>
+        </p:nvSpPr>
+        <p:spPr/>
+        <p:txBody>
+          <a:bodyPr>
+            <a:normAutofit/>
+          </a:bodyPr>
+          <a:lstStyle/>
+          <a:p>
+            <a:pPr marL="0" indent="0" algn="just">
+              <a:buSzPct val="121000"/>
+              <a:buNone/>
+            </a:pPr>
+            <a:r>
+              <a:rPr lang="en-US" dirty="0"/>
+              <a:t>Human-led decision-making in space operations is </a:t>
+            </a:r>
+            <a:r>
+              <a:rPr lang="en-US" b="1" dirty="0"/>
+              <a:t>often slow, error-prone, and </a:t>
+            </a:r>
+            <a:r>
+              <a:rPr lang="en-US" b="1" dirty="0" smtClean="0"/>
+              <a:t>resource-intensive</a:t>
+            </a:r>
+            <a:r>
+              <a:rPr lang="en-US" dirty="0" smtClean="0"/>
+              <a:t>.</a:t>
+            </a:r>
+          </a:p>
+          <a:p>
+            <a:pPr marL="0" indent="0" algn="just">
+              <a:buSzPct val="121000"/>
+              <a:buNone/>
+            </a:pPr>
+            <a:r>
+              <a:rPr lang="en-US" dirty="0" smtClean="0"/>
+              <a:t>Key </a:t>
+            </a:r>
+            <a:r>
+              <a:rPr lang="en-US" dirty="0"/>
+              <a:t>challenges include </a:t>
+            </a:r>
+            <a:r>
+              <a:rPr lang="en-US" b="1" dirty="0"/>
+              <a:t>real-time anomaly detection </a:t>
+            </a:r>
+            <a:r>
+              <a:rPr lang="en-US" dirty="0"/>
+              <a:t>in spacecraft systems, </a:t>
+            </a:r>
+            <a:r>
+              <a:rPr lang="en-US" b="1" dirty="0"/>
+              <a:t>autonomous navigation </a:t>
+            </a:r>
+            <a:r>
+              <a:rPr lang="en-US" dirty="0"/>
+              <a:t>in harsh </a:t>
+            </a:r>
+            <a:r>
+              <a:rPr lang="en-US" b="1" dirty="0"/>
+              <a:t>planetary terrains</a:t>
+            </a:r>
+            <a:r>
+              <a:rPr lang="en-US" dirty="0"/>
+              <a:t>, and </a:t>
+            </a:r>
+            <a:r>
+              <a:rPr lang="en-US" b="1" dirty="0"/>
+              <a:t>collision avoidance </a:t>
+            </a:r>
+            <a:r>
+              <a:rPr lang="en-US" dirty="0"/>
+              <a:t>with space debris or </a:t>
+            </a:r>
+            <a:r>
+              <a:rPr lang="en-US" b="1" dirty="0"/>
+              <a:t>natural threats </a:t>
+            </a:r>
+            <a:r>
+              <a:rPr lang="en-US" dirty="0"/>
+              <a:t>like asteroids and </a:t>
+            </a:r>
+            <a:r>
+              <a:rPr lang="en-US" dirty="0" smtClean="0"/>
+              <a:t>dust.</a:t>
+            </a:r>
+          </a:p>
+          <a:p>
+            <a:pPr marL="0" indent="0" algn="just">
+              <a:buSzPct val="121000"/>
+              <a:buNone/>
+            </a:pPr>
+            <a:r>
+              <a:rPr lang="en-US" dirty="0" smtClean="0"/>
+              <a:t>Space </a:t>
+            </a:r>
+            <a:r>
+              <a:rPr lang="en-US" dirty="0"/>
+              <a:t>missions also face </a:t>
+            </a:r>
+            <a:r>
+              <a:rPr lang="en-US" b="1" dirty="0"/>
+              <a:t>data overload </a:t>
+            </a:r>
+            <a:r>
+              <a:rPr lang="en-US" dirty="0"/>
+              <a:t>from high-resolution satellites and </a:t>
+            </a:r>
+            <a:r>
+              <a:rPr lang="en-US" dirty="0" err="1"/>
+              <a:t>IoT</a:t>
+            </a:r>
+            <a:r>
+              <a:rPr lang="en-US" dirty="0"/>
+              <a:t> devices, alongside legal and ethical issues such as </a:t>
+            </a:r>
+            <a:r>
+              <a:rPr lang="en-US" b="1" dirty="0"/>
+              <a:t>privacy concerns</a:t>
+            </a:r>
+            <a:r>
+              <a:rPr lang="en-US" dirty="0"/>
+              <a:t> in Earth observation and liability for AI-driven satellites. These challenges highlight the core problem: the urgent need for </a:t>
+            </a:r>
+            <a:r>
+              <a:rPr lang="en-US" b="1" dirty="0"/>
+              <a:t>trustworthy AI systems</a:t>
+            </a:r>
+            <a:r>
+              <a:rPr lang="en-US" dirty="0"/>
+              <a:t> that can operate autonomously and reliably in outer space.</a:t>
+            </a:r>
+            <a:endParaRPr lang="en-US" dirty="0"/>
+          </a:p>
+        </p:txBody>
+      </p:sp>
+      <p:sp>
+        <p:nvSpPr>
+          <p:cNvPr id="4" name="Footer Placeholder 3">
+            <a:extLst>
+              <a:ext uri="{FF2B5EF4-FFF2-40B4-BE49-F238E27FC236}">
+                <a16:creationId xmlns="" xmlns:a16="http://schemas.microsoft.com/office/drawing/2014/main" id="{35A508A9-CEB7-469E-AA8B-05D9E0B4F901}"/>
+              </a:ext>
+            </a:extLst>
+          </p:cNvPr>
+          <p:cNvSpPr>
+            <a:spLocks noGrp="1"/>
+          </p:cNvSpPr>
+          <p:nvPr>
+            <p:ph type="ftr" sz="quarter" idx="11"/>
+          </p:nvPr>
+        </p:nvSpPr>
+        <p:spPr/>
+        <p:txBody>
+          <a:bodyPr/>
+          <a:lstStyle/>
+          <a:p>
+            <a:r>
+              <a:rPr lang="en-US"/>
+              <a:t>Department of Computer Engineering</a:t>
+            </a:r>
+          </a:p>
+        </p:txBody>
+      </p:sp>
+      <p:sp>
+        <p:nvSpPr>
+          <p:cNvPr id="5" name="Slide Number Placeholder 4">
+            <a:extLst>
+              <a:ext uri="{FF2B5EF4-FFF2-40B4-BE49-F238E27FC236}">
+                <a16:creationId xmlns="" xmlns:a16="http://schemas.microsoft.com/office/drawing/2014/main" id="{70378883-98A1-4B98-819E-E557DE42CADE}"/>
+              </a:ext>
+            </a:extLst>
+          </p:cNvPr>
+          <p:cNvSpPr>
+            <a:spLocks noGrp="1"/>
+          </p:cNvSpPr>
+          <p:nvPr>
+            <p:ph type="sldNum" sz="quarter" idx="12"/>
+          </p:nvPr>
+        </p:nvSpPr>
+        <p:spPr/>
+        <p:txBody>
+          <a:bodyPr/>
+          <a:lstStyle/>
+          <a:p>
+            <a:fld id="{C1FF6DA9-008F-8B48-92A6-B652298478BF}" type="slidenum">
+              <a:rPr lang="en-US" smtClean="0"/>
+              <a:t>6</a:t>
+            </a:fld>
+            <a:endParaRPr lang="en-US"/>
+          </a:p>
+        </p:txBody>
+      </p:sp>
+    </p:spTree>
+  </p:cSld>
+  <p:clrMapOvr>
+    <a:masterClrMapping/>
+  </p:clrMapOvr>
+  <p:timing>
+    <p:tnLst>
+      <p:par>
+        <p:cTn id="1" dur="indefinite" restart="never" nodeType="tmRoot"/>
+      </p:par>
+    </p:tnLst>
+  </p:timing>
+</p:sld>
+</file>
+
+<file path=ppt/slides/slide7.xml><?xml version="1.0" encoding="utf-8"?>
+<p:sld xmlns:a="http://schemas.openxmlformats.org/drawingml/2006/main" xmlns:r="http://schemas.openxmlformats.org/officeDocument/2006/relationships" xmlns:p="http://schemas.openxmlformats.org/presentationml/2006/main">
+  <p:cSld>
+    <p:spTree>
+      <p:nvGrpSpPr>
+        <p:cNvPr id="1" name=""/>
+        <p:cNvGrpSpPr/>
+        <p:nvPr/>
+      </p:nvGrpSpPr>
+      <p:grpSpPr>
+        <a:xfrm>
+          <a:off x="0" y="0"/>
+          <a:ext cx="0" cy="0"/>
+          <a:chOff x="0" y="0"/>
+          <a:chExt cx="0" cy="0"/>
+        </a:xfrm>
+      </p:grpSpPr>
+      <p:sp>
+        <p:nvSpPr>
+          <p:cNvPr id="2" name="Title 1"/>
+          <p:cNvSpPr>
+            <a:spLocks noGrp="1"/>
+          </p:cNvSpPr>
+          <p:nvPr>
+            <p:ph type="title"/>
+          </p:nvPr>
+        </p:nvSpPr>
+        <p:spPr/>
+        <p:txBody>
+          <a:bodyPr/>
+          <a:lstStyle/>
+          <a:p>
+            <a:r>
+              <a:rPr dirty="0"/>
+              <a:t>Objectives</a:t>
+            </a:r>
+          </a:p>
+        </p:txBody>
+      </p:sp>
+      <p:sp>
+        <p:nvSpPr>
+          <p:cNvPr id="3" name="Content Placeholder 2"/>
+          <p:cNvSpPr>
+            <a:spLocks noGrp="1"/>
+          </p:cNvSpPr>
+          <p:nvPr>
+            <p:ph idx="1"/>
+          </p:nvPr>
+        </p:nvSpPr>
+        <p:spPr/>
+        <p:txBody>
+          <a:bodyPr/>
+          <a:lstStyle/>
+          <a:p>
+            <a:pPr algn="just">
+              <a:buFont typeface="Arial" panose="020B0604020202020204" pitchFamily="34" charset="0"/>
+              <a:buChar char="•"/>
+            </a:pPr>
+            <a:r>
+              <a:rPr lang="en-US" dirty="0"/>
+              <a:t>To develop AI systems for autonomous navigation and spacecraft control.</a:t>
+            </a:r>
+          </a:p>
+          <a:p>
+            <a:pPr algn="just">
+              <a:buFont typeface="Arial" panose="020B0604020202020204" pitchFamily="34" charset="0"/>
+              <a:buChar char="•"/>
+            </a:pPr>
+            <a:r>
+              <a:rPr lang="en-US" dirty="0"/>
+              <a:t>To apply AI for real-time satellite data analysis in weather, Earth monitoring, and astronomy.</a:t>
+            </a:r>
+          </a:p>
+          <a:p>
+            <a:pPr algn="just">
+              <a:buFont typeface="Arial" panose="020B0604020202020204" pitchFamily="34" charset="0"/>
+              <a:buChar char="•"/>
+            </a:pPr>
+            <a:r>
+              <a:rPr lang="en-US" dirty="0"/>
+              <a:t>To use AI for health monitoring of astronauts during long missions.</a:t>
+            </a:r>
+          </a:p>
+          <a:p>
+            <a:pPr algn="just">
+              <a:buFont typeface="Arial" panose="020B0604020202020204" pitchFamily="34" charset="0"/>
+              <a:buChar char="•"/>
+            </a:pPr>
+            <a:r>
+              <a:rPr lang="en-US" dirty="0"/>
+              <a:t>To implement AI for predictive maintenance of spacecraft systems.</a:t>
+            </a:r>
+          </a:p>
+          <a:p>
+            <a:pPr algn="just">
+              <a:buFont typeface="Arial" panose="020B0604020202020204" pitchFamily="34" charset="0"/>
+              <a:buChar char="•"/>
+            </a:pPr>
+            <a:r>
+              <a:rPr lang="en-US" dirty="0"/>
+              <a:t>To integrate AI into space mission pipelines to improve efficiency and safety.</a:t>
+            </a:r>
+          </a:p>
+        </p:txBody>
+      </p:sp>
+      <p:sp>
+        <p:nvSpPr>
+          <p:cNvPr id="4" name="Footer Placeholder 3">
+            <a:extLst>
+              <a:ext uri="{FF2B5EF4-FFF2-40B4-BE49-F238E27FC236}">
+                <a16:creationId xmlns="" xmlns:a16="http://schemas.microsoft.com/office/drawing/2014/main" id="{0067439F-E61C-4CE5-8399-F0783D936F57}"/>
+              </a:ext>
+            </a:extLst>
+          </p:cNvPr>
+          <p:cNvSpPr>
+            <a:spLocks noGrp="1"/>
+          </p:cNvSpPr>
+          <p:nvPr>
+            <p:ph type="ftr" sz="quarter" idx="11"/>
+          </p:nvPr>
+        </p:nvSpPr>
+        <p:spPr/>
+        <p:txBody>
+          <a:bodyPr/>
+          <a:lstStyle/>
+          <a:p>
+            <a:r>
+              <a:rPr lang="en-US"/>
+              <a:t>Department of Computer Engineering</a:t>
+            </a:r>
+          </a:p>
+        </p:txBody>
+      </p:sp>
+      <p:sp>
+        <p:nvSpPr>
+          <p:cNvPr id="5" name="Slide Number Placeholder 4">
+            <a:extLst>
+              <a:ext uri="{FF2B5EF4-FFF2-40B4-BE49-F238E27FC236}">
+                <a16:creationId xmlns="" xmlns:a16="http://schemas.microsoft.com/office/drawing/2014/main" id="{4BE0C96B-F9EE-42A1-A197-ABE1611E8818}"/>
+              </a:ext>
+            </a:extLst>
+          </p:cNvPr>
+          <p:cNvSpPr>
+            <a:spLocks noGrp="1"/>
+          </p:cNvSpPr>
+          <p:nvPr>
+            <p:ph type="sldNum" sz="quarter" idx="12"/>
+          </p:nvPr>
+        </p:nvSpPr>
+        <p:spPr/>
+        <p:txBody>
+          <a:bodyPr/>
+          <a:lstStyle/>
+          <a:p>
+            <a:fld id="{C1FF6DA9-008F-8B48-92A6-B652298478BF}" type="slidenum">
+              <a:rPr lang="en-US" smtClean="0"/>
+              <a:t>7</a:t>
+            </a:fld>
+            <a:endParaRPr lang="en-US"/>
+          </a:p>
+        </p:txBody>
+      </p:sp>
+    </p:spTree>
+  </p:cSld>
+  <p:clrMapOvr>
+    <a:masterClrMapping/>
+  </p:clrMapOvr>
+  <p:timing>
+    <p:tnLst>
+      <p:par>
+        <p:cTn id="1" dur="indefinite" restart="never" nodeType="tmRoot"/>
+      </p:par>
+    </p:tnLst>
+  </p:timing>
+</p:sld>
+</file>
+
+<file path=ppt/slides/slide8.xml><?xml version="1.0" encoding="utf-8"?>
+<p:sld xmlns:a="http://schemas.openxmlformats.org/drawingml/2006/main" xmlns:r="http://schemas.openxmlformats.org/officeDocument/2006/relationships" xmlns:p="http://schemas.openxmlformats.org/presentationml/2006/main">
+  <p:cSld>
+    <p:spTree>
+      <p:nvGrpSpPr>
+        <p:cNvPr id="1" name=""/>
+        <p:cNvGrpSpPr/>
+        <p:nvPr/>
+      </p:nvGrpSpPr>
+      <p:grpSpPr>
+        <a:xfrm>
+          <a:off x="0" y="0"/>
+          <a:ext cx="0" cy="0"/>
+          <a:chOff x="0" y="0"/>
+          <a:chExt cx="0" cy="0"/>
+        </a:xfrm>
+      </p:grpSpPr>
+      <p:sp>
+        <p:nvSpPr>
+          <p:cNvPr id="2" name="Title 1"/>
+          <p:cNvSpPr>
+            <a:spLocks noGrp="1"/>
+          </p:cNvSpPr>
+          <p:nvPr>
+            <p:ph type="title"/>
+          </p:nvPr>
+        </p:nvSpPr>
+        <p:spPr>
+          <a:xfrm>
+            <a:off x="822960" y="1020920"/>
+            <a:ext cx="8071658" cy="702302"/>
+          </a:xfrm>
+        </p:spPr>
+        <p:txBody>
+          <a:bodyPr>
+            <a:normAutofit fontScale="90000"/>
+          </a:bodyPr>
+          <a:lstStyle/>
+          <a:p>
+            <a:r>
+              <a:rPr dirty="0"/>
+              <a:t>Literature </a:t>
+            </a:r>
+            <a:r>
+              <a:rPr dirty="0" smtClean="0"/>
+              <a:t>Review</a:t>
+            </a:r>
+            <a:r>
+              <a:rPr lang="en-US" dirty="0" smtClean="0"/>
+              <a:t/>
+            </a:r>
+            <a:br>
+              <a:rPr lang="en-US" dirty="0" smtClean="0"/>
+            </a:br>
+            <a:r>
+              <a:rPr lang="en-US" dirty="0" smtClean="0"/>
+              <a:t>_____________________________</a:t>
+            </a:r>
+            <a:endParaRPr dirty="0"/>
+          </a:p>
+        </p:txBody>
+      </p:sp>
+      <p:graphicFrame>
+        <p:nvGraphicFramePr>
+          <p:cNvPr id="6" name="Content Placeholder 5"/>
+          <p:cNvGraphicFramePr>
+            <a:graphicFrameLocks noGrp="1"/>
+          </p:cNvGraphicFramePr>
+          <p:nvPr>
+            <p:ph idx="1"/>
+            <p:extLst>
+              <p:ext uri="{D42A27DB-BD31-4B8C-83A1-F6EECF244321}">
+                <p14:modId xmlns:p14="http://schemas.microsoft.com/office/powerpoint/2010/main" val="670855593"/>
+              </p:ext>
+            </p:extLst>
+          </p:nvPr>
+        </p:nvGraphicFramePr>
+        <p:xfrm>
+          <a:off x="822959" y="1730953"/>
+          <a:ext cx="7794567" cy="4206240"/>
+        </p:xfrm>
+        <a:graphic>
+          <a:graphicData uri="http://schemas.openxmlformats.org/drawingml/2006/table">
+            <a:tbl>
+              <a:tblPr firstRow="1" bandRow="1">
+                <a:tableStyleId>{5C22544A-7EE6-4342-B048-85BDC9FD1C3A}</a:tableStyleId>
+              </a:tblPr>
+              <a:tblGrid>
+                <a:gridCol w="2598189"/>
+                <a:gridCol w="2598189"/>
+                <a:gridCol w="2598189"/>
+              </a:tblGrid>
+              <a:tr h="512889">
+                <a:tc>
+                  <a:txBody>
+                    <a:bodyPr/>
+                    <a:lstStyle/>
+                    <a:p>
+                      <a:r>
+                        <a:rPr lang="en-US" b="1" dirty="0"/>
+                        <a:t>Author/Year</a:t>
+                      </a:r>
+                      <a:endParaRPr lang="en-US" dirty="0"/>
+                    </a:p>
+                  </a:txBody>
+                  <a:tcPr anchor="ctr"/>
+                </a:tc>
+                <a:tc>
+                  <a:txBody>
+                    <a:bodyPr/>
+                    <a:lstStyle/>
+                    <a:p>
+                      <a:r>
+                        <a:rPr lang="en-US" dirty="0" smtClean="0"/>
+                        <a:t>Approach / Technology</a:t>
+                      </a:r>
+                      <a:endParaRPr lang="en-US" dirty="0"/>
+                    </a:p>
+                  </a:txBody>
+                  <a:tcPr/>
+                </a:tc>
+                <a:tc>
+                  <a:txBody>
+                    <a:bodyPr/>
+                    <a:lstStyle/>
+                    <a:p>
+                      <a:r>
+                        <a:rPr lang="en-US" dirty="0" smtClean="0"/>
+                        <a:t>Limitations of Current Systems</a:t>
+                      </a:r>
+                      <a:endParaRPr lang="en-US" dirty="0"/>
+                    </a:p>
+                  </a:txBody>
+                  <a:tcPr/>
+                </a:tc>
+              </a:tr>
+              <a:tr h="1188720">
+                <a:tc>
+                  <a:txBody>
+                    <a:bodyPr/>
+                    <a:lstStyle/>
+                    <a:p>
+                      <a:r>
+                        <a:rPr lang="en-US" dirty="0" smtClean="0"/>
+                        <a:t>Downer, B. (2018)</a:t>
+                      </a:r>
+                      <a:endParaRPr lang="en-US" dirty="0"/>
+                    </a:p>
+                  </a:txBody>
+                  <a:tcPr/>
+                </a:tc>
+                <a:tc>
+                  <a:txBody>
+                    <a:bodyPr/>
+                    <a:lstStyle/>
+                    <a:p>
+                      <a:pPr algn="just"/>
+                      <a:r>
+                        <a:rPr lang="fr-FR" dirty="0" smtClean="0"/>
+                        <a:t>AI in Mars </a:t>
+                      </a:r>
+                      <a:r>
+                        <a:rPr lang="fr-FR" dirty="0" err="1" smtClean="0"/>
+                        <a:t>Rovers</a:t>
+                      </a:r>
+                      <a:r>
+                        <a:rPr lang="fr-FR" dirty="0" smtClean="0"/>
+                        <a:t> for </a:t>
+                      </a:r>
+                      <a:r>
+                        <a:rPr lang="fr-FR" dirty="0" err="1" smtClean="0"/>
+                        <a:t>autonomous</a:t>
+                      </a:r>
+                      <a:r>
+                        <a:rPr lang="fr-FR" dirty="0" smtClean="0"/>
+                        <a:t> navigation &amp; obstacle </a:t>
+                      </a:r>
+                      <a:r>
+                        <a:rPr lang="fr-FR" dirty="0" err="1" smtClean="0"/>
+                        <a:t>avoidance</a:t>
+                      </a:r>
+                      <a:r>
+                        <a:rPr lang="fr-FR" dirty="0" smtClean="0"/>
+                        <a:t>.</a:t>
+                      </a:r>
+                      <a:endParaRPr lang="en-US" dirty="0"/>
+                    </a:p>
+                  </a:txBody>
+                  <a:tcPr/>
+                </a:tc>
+                <a:tc>
+                  <a:txBody>
+                    <a:bodyPr/>
+                    <a:lstStyle/>
+                    <a:p>
+                      <a:pPr algn="just"/>
+                      <a:r>
+                        <a:rPr lang="en-US" dirty="0" smtClean="0"/>
+                        <a:t>Still dependent on Earth-based</a:t>
+                      </a:r>
+                      <a:r>
+                        <a:rPr lang="en-US" baseline="0" dirty="0" smtClean="0"/>
+                        <a:t> </a:t>
+                      </a:r>
+                      <a:r>
+                        <a:rPr lang="en-US" dirty="0" smtClean="0"/>
+                        <a:t>control for complex decisions; not fully autonomous.</a:t>
+                      </a:r>
+                      <a:endParaRPr lang="en-US" dirty="0"/>
+                    </a:p>
+                  </a:txBody>
+                  <a:tcPr/>
+                </a:tc>
+              </a:tr>
+              <a:tr h="1188720">
+                <a:tc>
+                  <a:txBody>
+                    <a:bodyPr/>
+                    <a:lstStyle/>
+                    <a:p>
+                      <a:r>
+                        <a:rPr lang="en-US" dirty="0" smtClean="0"/>
+                        <a:t>ESA (2019)</a:t>
+                      </a:r>
+                      <a:endParaRPr lang="en-US" dirty="0"/>
+                    </a:p>
+                  </a:txBody>
+                  <a:tcPr/>
+                </a:tc>
+                <a:tc>
+                  <a:txBody>
+                    <a:bodyPr/>
+                    <a:lstStyle/>
+                    <a:p>
+                      <a:pPr algn="just"/>
+                      <a:r>
+                        <a:rPr lang="en-US" dirty="0" smtClean="0"/>
+                        <a:t>Space 4.0 → AI integrated with </a:t>
+                      </a:r>
+                      <a:r>
+                        <a:rPr lang="en-US" dirty="0" err="1" smtClean="0"/>
+                        <a:t>IoT</a:t>
+                      </a:r>
+                      <a:r>
+                        <a:rPr lang="en-US" dirty="0" smtClean="0"/>
+                        <a:t> &amp; Big Data for satellite data processing.</a:t>
+                      </a:r>
+                      <a:endParaRPr lang="en-US" dirty="0"/>
+                    </a:p>
+                  </a:txBody>
+                  <a:tcPr/>
+                </a:tc>
+                <a:tc>
+                  <a:txBody>
+                    <a:bodyPr/>
+                    <a:lstStyle/>
+                    <a:p>
+                      <a:pPr algn="just"/>
+                      <a:r>
+                        <a:rPr lang="en-US" dirty="0" smtClean="0"/>
+                        <a:t>Limited on-board processing power; relies heavily on ground stations.</a:t>
+                      </a:r>
+                      <a:endParaRPr lang="en-US" dirty="0"/>
+                    </a:p>
+                  </a:txBody>
+                  <a:tcPr/>
+                </a:tc>
+              </a:tr>
+              <a:tr h="1188720">
+                <a:tc>
+                  <a:txBody>
+                    <a:bodyPr/>
+                    <a:lstStyle/>
+                    <a:p>
+                      <a:r>
+                        <a:rPr lang="en-US" dirty="0" smtClean="0"/>
+                        <a:t>Long, G.A. (2018)</a:t>
+                      </a:r>
+                      <a:endParaRPr lang="en-US" dirty="0"/>
+                    </a:p>
+                  </a:txBody>
+                  <a:tcPr/>
+                </a:tc>
+                <a:tc>
+                  <a:txBody>
+                    <a:bodyPr/>
+                    <a:lstStyle/>
+                    <a:p>
+                      <a:pPr algn="just"/>
+                      <a:r>
+                        <a:rPr lang="en-US" dirty="0" smtClean="0"/>
+                        <a:t>Legal studies on AI-controlled spacecraft and autonomy in space law.</a:t>
+                      </a:r>
+                      <a:endParaRPr lang="en-US" dirty="0"/>
+                    </a:p>
+                  </a:txBody>
+                  <a:tcPr/>
+                </a:tc>
+                <a:tc>
+                  <a:txBody>
+                    <a:bodyPr/>
+                    <a:lstStyle/>
+                    <a:p>
+                      <a:pPr algn="just"/>
+                      <a:r>
+                        <a:rPr lang="en-US" dirty="0" smtClean="0"/>
+                        <a:t>No global legal framework; accountability in AI failures unresolved.</a:t>
+                      </a:r>
+                      <a:endParaRPr lang="en-US" dirty="0"/>
+                    </a:p>
+                  </a:txBody>
+                  <a:tcPr/>
+                </a:tc>
+              </a:tr>
+            </a:tbl>
+          </a:graphicData>
+        </a:graphic>
+      </p:graphicFrame>
+      <p:sp>
+        <p:nvSpPr>
+          <p:cNvPr id="4" name="Footer Placeholder 3">
+            <a:extLst>
+              <a:ext uri="{FF2B5EF4-FFF2-40B4-BE49-F238E27FC236}">
+                <a16:creationId xmlns="" xmlns:a16="http://schemas.microsoft.com/office/drawing/2014/main" id="{3C73188A-E3D9-422E-B490-A9C179B7DB5C}"/>
+              </a:ext>
+            </a:extLst>
+          </p:cNvPr>
+          <p:cNvSpPr>
+            <a:spLocks noGrp="1"/>
+          </p:cNvSpPr>
+          <p:nvPr>
+            <p:ph type="ftr" sz="quarter" idx="11"/>
+          </p:nvPr>
+        </p:nvSpPr>
+        <p:spPr/>
+        <p:txBody>
+          <a:bodyPr/>
+          <a:lstStyle/>
+          <a:p>
+            <a:r>
+              <a:rPr lang="en-US"/>
+              <a:t>Department of Computer Engineering</a:t>
+            </a:r>
+          </a:p>
+        </p:txBody>
+      </p:sp>
+      <p:sp>
+        <p:nvSpPr>
+          <p:cNvPr id="5" name="Slide Number Placeholder 4">
+            <a:extLst>
+              <a:ext uri="{FF2B5EF4-FFF2-40B4-BE49-F238E27FC236}">
+                <a16:creationId xmlns="" xmlns:a16="http://schemas.microsoft.com/office/drawing/2014/main" id="{65E5C1B2-D8B5-4C89-BD26-2B9B66B646D2}"/>
+              </a:ext>
+            </a:extLst>
+          </p:cNvPr>
+          <p:cNvSpPr>
+            <a:spLocks noGrp="1"/>
+          </p:cNvSpPr>
+          <p:nvPr>
+            <p:ph type="sldNum" sz="quarter" idx="12"/>
+          </p:nvPr>
+        </p:nvSpPr>
+        <p:spPr/>
+        <p:txBody>
+          <a:bodyPr/>
+          <a:lstStyle/>
+          <a:p>
+            <a:fld id="{C1FF6DA9-008F-8B48-92A6-B652298478BF}" type="slidenum">
+              <a:rPr lang="en-US" smtClean="0"/>
+              <a:t>8</a:t>
+            </a:fld>
+            <a:endParaRPr lang="en-US"/>
+          </a:p>
+        </p:txBody>
+      </p:sp>
+    </p:spTree>
+  </p:cSld>
+  <p:clrMapOvr>
+    <a:masterClrMapping/>
+  </p:clrMapOvr>
+  <p:timing>
+    <p:tnLst>
+      <p:par>
+        <p:cTn id="1" dur="indefinite" restart="never" nodeType="tmRoot"/>
+      </p:par>
+    </p:tnLst>
+  </p:timing>
+</p:sld>
+</file>
+
+<file path=ppt/slides/slide9.xml><?xml version="1.0" encoding="utf-8"?>
 <p:sld xmlns:a="http://schemas.openxmlformats.org/drawingml/2006/main" xmlns:r="http://schemas.openxmlformats.org/officeDocument/2006/relationships" xmlns:p="http://schemas.openxmlformats.org/presentationml/2006/main">
   <p:cSld>
     <p:spTree>
@@ -5143,7 +7907,7 @@
           <p:cNvPr id="4" name="Footer Placeholder 3">
             <a:extLst>
               <a:ext uri="{FF2B5EF4-FFF2-40B4-BE49-F238E27FC236}">
-                <a16:creationId xmlns:a16="http://schemas.microsoft.com/office/drawing/2014/main" xmlns="" id="{3C73188A-E3D9-422E-B490-A9C179B7DB5C}"/>
+                <a16:creationId xmlns="" xmlns:a16="http://schemas.microsoft.com/office/drawing/2014/main" id="{3C73188A-E3D9-422E-B490-A9C179B7DB5C}"/>
               </a:ext>
             </a:extLst>
           </p:cNvPr>
@@ -5171,7 +7935,7 @@
           <p:cNvPr id="5" name="Slide Number Placeholder 4">
             <a:extLst>
               <a:ext uri="{FF2B5EF4-FFF2-40B4-BE49-F238E27FC236}">
-                <a16:creationId xmlns:a16="http://schemas.microsoft.com/office/drawing/2014/main" xmlns="" id="{65E5C1B2-D8B5-4C89-BD26-2B9B66B646D2}"/>
+                <a16:creationId xmlns="" xmlns:a16="http://schemas.microsoft.com/office/drawing/2014/main" id="{65E5C1B2-D8B5-4C89-BD26-2B9B66B646D2}"/>
               </a:ext>
             </a:extLst>
           </p:cNvPr>
@@ -5189,7 +7953,7 @@
           <a:p>
             <a:fld id="{C1FF6DA9-008F-8B48-92A6-B652298478BF}" type="slidenum">
               <a:rPr lang="en-US" smtClean="0"/>
-              <a:t>10</a:t>
+              <a:t>9</a:t>
             </a:fld>
             <a:endParaRPr lang="en-US"/>
           </a:p>
@@ -5201,2964 +7965,6 @@
         <p14:creationId xmlns:p14="http://schemas.microsoft.com/office/powerpoint/2010/main" val="2244328625"/>
       </p:ext>
     </p:extLst>
-  </p:cSld>
-  <p:clrMapOvr>
-    <a:masterClrMapping/>
-  </p:clrMapOvr>
-  <p:timing>
-    <p:tnLst>
-      <p:par>
-        <p:cTn id="1" dur="indefinite" restart="never" nodeType="tmRoot"/>
-      </p:par>
-    </p:tnLst>
-  </p:timing>
-</p:sld>
-</file>
-
-<file path=ppt/slides/slide11.xml><?xml version="1.0" encoding="utf-8"?>
-<p:sld xmlns:a="http://schemas.openxmlformats.org/drawingml/2006/main" xmlns:r="http://schemas.openxmlformats.org/officeDocument/2006/relationships" xmlns:p="http://schemas.openxmlformats.org/presentationml/2006/main">
-  <p:cSld>
-    <p:spTree>
-      <p:nvGrpSpPr>
-        <p:cNvPr id="1" name=""/>
-        <p:cNvGrpSpPr/>
-        <p:nvPr/>
-      </p:nvGrpSpPr>
-      <p:grpSpPr>
-        <a:xfrm>
-          <a:off x="0" y="0"/>
-          <a:ext cx="0" cy="0"/>
-          <a:chOff x="0" y="0"/>
-          <a:chExt cx="0" cy="0"/>
-        </a:xfrm>
-      </p:grpSpPr>
-      <p:sp>
-        <p:nvSpPr>
-          <p:cNvPr id="2" name="Title 1"/>
-          <p:cNvSpPr>
-            <a:spLocks noGrp="1"/>
-          </p:cNvSpPr>
-          <p:nvPr>
-            <p:ph type="title"/>
-          </p:nvPr>
-        </p:nvSpPr>
-        <p:spPr/>
-        <p:txBody>
-          <a:bodyPr/>
-          <a:lstStyle/>
-          <a:p>
-            <a:r>
-              <a:t>Conclusion</a:t>
-            </a:r>
-          </a:p>
-        </p:txBody>
-      </p:sp>
-      <p:sp>
-        <p:nvSpPr>
-          <p:cNvPr id="3" name="Content Placeholder 2"/>
-          <p:cNvSpPr>
-            <a:spLocks noGrp="1"/>
-          </p:cNvSpPr>
-          <p:nvPr>
-            <p:ph idx="1"/>
-          </p:nvPr>
-        </p:nvSpPr>
-        <p:spPr/>
-        <p:txBody>
-          <a:bodyPr>
-            <a:normAutofit fontScale="92500" lnSpcReduction="10000"/>
-          </a:bodyPr>
-          <a:lstStyle/>
-          <a:p>
-            <a:pPr algn="just">
-              <a:buSzPct val="121000"/>
-              <a:buFont typeface="Arial" panose="020B0604020202020204" pitchFamily="34" charset="0"/>
-              <a:buChar char="•"/>
-            </a:pPr>
-            <a:r>
-              <a:rPr lang="en-US" b="1" dirty="0" smtClean="0"/>
-              <a:t>AI </a:t>
-            </a:r>
-            <a:r>
-              <a:rPr lang="en-US" b="1" dirty="0"/>
-              <a:t>has become a crucial technology for space exploration.</a:t>
-            </a:r>
-          </a:p>
-          <a:p>
-            <a:pPr algn="just">
-              <a:buSzPct val="121000"/>
-              <a:buFont typeface="Arial" panose="020B0604020202020204" pitchFamily="34" charset="0"/>
-              <a:buChar char="•"/>
-            </a:pPr>
-            <a:r>
-              <a:rPr lang="en-US" b="1" dirty="0"/>
-              <a:t>Major Benefits</a:t>
-            </a:r>
-            <a:r>
-              <a:rPr lang="en-US" dirty="0"/>
-              <a:t>:</a:t>
-            </a:r>
-          </a:p>
-          <a:p>
-            <a:pPr marL="544068" lvl="1" indent="-342900" algn="just">
-              <a:buSzPct val="100000"/>
-              <a:buFont typeface="+mj-lt"/>
-              <a:buAutoNum type="arabicPeriod"/>
-            </a:pPr>
-            <a:r>
-              <a:rPr lang="en-US" dirty="0"/>
-              <a:t>Manages large amounts of data well.</a:t>
-            </a:r>
-          </a:p>
-          <a:p>
-            <a:pPr marL="544068" lvl="1" indent="-342900" algn="just">
-              <a:buSzPct val="100000"/>
-              <a:buFont typeface="+mj-lt"/>
-              <a:buAutoNum type="arabicPeriod"/>
-            </a:pPr>
-            <a:r>
-              <a:rPr lang="en-US" dirty="0"/>
-              <a:t>Helps spacecraft navigate on their own in new places.</a:t>
-            </a:r>
-          </a:p>
-          <a:p>
-            <a:pPr marL="544068" lvl="1" indent="-342900" algn="just">
-              <a:buSzPct val="100000"/>
-              <a:buFont typeface="+mj-lt"/>
-              <a:buAutoNum type="arabicPeriod"/>
-            </a:pPr>
-            <a:r>
-              <a:rPr lang="en-US" dirty="0"/>
-              <a:t>Predicts when equipment might fail and finds problems early.</a:t>
-            </a:r>
-          </a:p>
-          <a:p>
-            <a:pPr marL="544068" lvl="1" indent="-342900" algn="just">
-              <a:buSzPct val="100000"/>
-              <a:buFont typeface="+mj-lt"/>
-              <a:buAutoNum type="arabicPeriod"/>
-            </a:pPr>
-            <a:r>
-              <a:rPr lang="en-US" dirty="0"/>
-              <a:t>Helps keep astronauts healthy and safe.</a:t>
-            </a:r>
-          </a:p>
-          <a:p>
-            <a:pPr algn="just">
-              <a:buSzPct val="121000"/>
-              <a:buFont typeface="Arial" panose="020B0604020202020204" pitchFamily="34" charset="0"/>
-              <a:buChar char="•"/>
-            </a:pPr>
-            <a:r>
-              <a:rPr lang="en-US" b="1" dirty="0"/>
-              <a:t>Future Directions</a:t>
-            </a:r>
-            <a:r>
-              <a:rPr lang="en-US" dirty="0"/>
-              <a:t>:</a:t>
-            </a:r>
-          </a:p>
-          <a:p>
-            <a:pPr marL="544068" lvl="1" indent="-342900" algn="just">
-              <a:buSzPct val="100000"/>
-              <a:buFont typeface="+mj-lt"/>
-              <a:buAutoNum type="arabicPeriod"/>
-            </a:pPr>
-            <a:r>
-              <a:rPr lang="en-US" dirty="0"/>
-              <a:t>Spacecraft that can fix themselves with AI.</a:t>
-            </a:r>
-          </a:p>
-          <a:p>
-            <a:pPr marL="544068" lvl="1" indent="-342900" algn="just">
-              <a:buSzPct val="100000"/>
-              <a:buFont typeface="+mj-lt"/>
-              <a:buAutoNum type="arabicPeriod"/>
-            </a:pPr>
-            <a:r>
-              <a:rPr lang="en-US" dirty="0"/>
-              <a:t>AI to help with building colonies on the Moon, Mars, and beyond.</a:t>
-            </a:r>
-          </a:p>
-          <a:p>
-            <a:pPr marL="544068" lvl="1" indent="-342900" algn="just">
-              <a:buSzPct val="100000"/>
-              <a:buFont typeface="+mj-lt"/>
-              <a:buAutoNum type="arabicPeriod"/>
-            </a:pPr>
-            <a:r>
-              <a:rPr lang="en-US" dirty="0"/>
-              <a:t>Using large groups of small AI satellites to monitor the entire planet.</a:t>
-            </a:r>
-          </a:p>
-          <a:p>
-            <a:pPr marL="544068" lvl="1" indent="-342900" algn="just">
-              <a:buSzPct val="100000"/>
-              <a:buFont typeface="+mj-lt"/>
-              <a:buAutoNum type="arabicPeriod"/>
-            </a:pPr>
-            <a:r>
-              <a:rPr lang="en-US" dirty="0"/>
-              <a:t>AI to help protect against asteroids and with mining operations.</a:t>
-            </a:r>
-          </a:p>
-          <a:p>
-            <a:pPr algn="just">
-              <a:buSzPct val="121000"/>
-              <a:buFont typeface="Arial" panose="020B0604020202020204" pitchFamily="34" charset="0"/>
-              <a:buChar char="•"/>
-            </a:pPr>
-            <a:r>
-              <a:rPr lang="en-US" b="1" dirty="0" smtClean="0"/>
-              <a:t>AI </a:t>
-            </a:r>
-            <a:r>
-              <a:rPr lang="en-US" b="1" dirty="0"/>
-              <a:t>will be a partner for humanity as we journey into space.</a:t>
-            </a:r>
-          </a:p>
-        </p:txBody>
-      </p:sp>
-      <p:sp>
-        <p:nvSpPr>
-          <p:cNvPr id="4" name="Footer Placeholder 3">
-            <a:extLst>
-              <a:ext uri="{FF2B5EF4-FFF2-40B4-BE49-F238E27FC236}">
-                <a16:creationId xmlns:a16="http://schemas.microsoft.com/office/drawing/2014/main" xmlns="" id="{253B3AED-7F96-4884-885F-01F51DF49B50}"/>
-              </a:ext>
-            </a:extLst>
-          </p:cNvPr>
-          <p:cNvSpPr>
-            <a:spLocks noGrp="1"/>
-          </p:cNvSpPr>
-          <p:nvPr>
-            <p:ph type="ftr" sz="quarter" idx="11"/>
-          </p:nvPr>
-        </p:nvSpPr>
-        <p:spPr/>
-        <p:txBody>
-          <a:bodyPr/>
-          <a:lstStyle/>
-          <a:p>
-            <a:r>
-              <a:rPr lang="en-US"/>
-              <a:t>Department of Computer Engineering</a:t>
-            </a:r>
-          </a:p>
-        </p:txBody>
-      </p:sp>
-      <p:sp>
-        <p:nvSpPr>
-          <p:cNvPr id="5" name="Slide Number Placeholder 4">
-            <a:extLst>
-              <a:ext uri="{FF2B5EF4-FFF2-40B4-BE49-F238E27FC236}">
-                <a16:creationId xmlns:a16="http://schemas.microsoft.com/office/drawing/2014/main" xmlns="" id="{18DE5E2B-6559-45E9-89FC-D11DF8F6FF82}"/>
-              </a:ext>
-            </a:extLst>
-          </p:cNvPr>
-          <p:cNvSpPr>
-            <a:spLocks noGrp="1"/>
-          </p:cNvSpPr>
-          <p:nvPr>
-            <p:ph type="sldNum" sz="quarter" idx="12"/>
-          </p:nvPr>
-        </p:nvSpPr>
-        <p:spPr/>
-        <p:txBody>
-          <a:bodyPr/>
-          <a:lstStyle/>
-          <a:p>
-            <a:fld id="{C1FF6DA9-008F-8B48-92A6-B652298478BF}" type="slidenum">
-              <a:rPr lang="en-US" smtClean="0"/>
-              <a:t>11</a:t>
-            </a:fld>
-            <a:endParaRPr lang="en-US"/>
-          </a:p>
-        </p:txBody>
-      </p:sp>
-    </p:spTree>
-  </p:cSld>
-  <p:clrMapOvr>
-    <a:masterClrMapping/>
-  </p:clrMapOvr>
-  <p:timing>
-    <p:tnLst>
-      <p:par>
-        <p:cTn id="1" dur="indefinite" restart="never" nodeType="tmRoot"/>
-      </p:par>
-    </p:tnLst>
-  </p:timing>
-</p:sld>
-</file>
-
-<file path=ppt/slides/slide12.xml><?xml version="1.0" encoding="utf-8"?>
-<p:sld xmlns:a="http://schemas.openxmlformats.org/drawingml/2006/main" xmlns:r="http://schemas.openxmlformats.org/officeDocument/2006/relationships" xmlns:p="http://schemas.openxmlformats.org/presentationml/2006/main">
-  <p:cSld>
-    <p:spTree>
-      <p:nvGrpSpPr>
-        <p:cNvPr id="1" name=""/>
-        <p:cNvGrpSpPr/>
-        <p:nvPr/>
-      </p:nvGrpSpPr>
-      <p:grpSpPr>
-        <a:xfrm>
-          <a:off x="0" y="0"/>
-          <a:ext cx="0" cy="0"/>
-          <a:chOff x="0" y="0"/>
-          <a:chExt cx="0" cy="0"/>
-        </a:xfrm>
-      </p:grpSpPr>
-      <p:sp>
-        <p:nvSpPr>
-          <p:cNvPr id="2" name="Title 1"/>
-          <p:cNvSpPr>
-            <a:spLocks noGrp="1"/>
-          </p:cNvSpPr>
-          <p:nvPr>
-            <p:ph type="title"/>
-          </p:nvPr>
-        </p:nvSpPr>
-        <p:spPr/>
-        <p:txBody>
-          <a:bodyPr/>
-          <a:lstStyle/>
-          <a:p>
-            <a:r>
-              <a:t>References</a:t>
-            </a:r>
-          </a:p>
-        </p:txBody>
-      </p:sp>
-      <p:sp>
-        <p:nvSpPr>
-          <p:cNvPr id="3" name="Content Placeholder 2"/>
-          <p:cNvSpPr>
-            <a:spLocks noGrp="1"/>
-          </p:cNvSpPr>
-          <p:nvPr>
-            <p:ph idx="1"/>
-          </p:nvPr>
-        </p:nvSpPr>
-        <p:spPr/>
-        <p:txBody>
-          <a:bodyPr>
-            <a:normAutofit lnSpcReduction="10000"/>
-          </a:bodyPr>
-          <a:lstStyle/>
-          <a:p>
-            <a:pPr algn="just">
-              <a:buSzPct val="121000"/>
-              <a:buFont typeface="Arial" panose="020B0604020202020204" pitchFamily="34" charset="0"/>
-              <a:buChar char="•"/>
-            </a:pPr>
-            <a:r>
-              <a:rPr lang="en-US" b="1" dirty="0"/>
-              <a:t>Books</a:t>
-            </a:r>
-            <a:endParaRPr lang="en-US" dirty="0"/>
-          </a:p>
-          <a:p>
-            <a:pPr lvl="1" algn="just">
-              <a:buSzPct val="100000"/>
-              <a:buFont typeface="Courier New" panose="02070309020205020404" pitchFamily="49" charset="0"/>
-              <a:buChar char="o"/>
-            </a:pPr>
-            <a:r>
-              <a:rPr lang="en-US" dirty="0"/>
-              <a:t>George Anthony Gal et al., </a:t>
-            </a:r>
-            <a:r>
-              <a:rPr lang="en-US" i="1" dirty="0"/>
-              <a:t>Artificial Intelligence in Space</a:t>
-            </a:r>
-            <a:r>
-              <a:rPr lang="en-US" dirty="0"/>
-              <a:t>, 2025.</a:t>
-            </a:r>
-          </a:p>
-          <a:p>
-            <a:pPr algn="just">
-              <a:buSzPct val="121000"/>
-              <a:buFont typeface="Arial" panose="020B0604020202020204" pitchFamily="34" charset="0"/>
-              <a:buChar char="•"/>
-            </a:pPr>
-            <a:r>
-              <a:rPr lang="en-US" b="1" dirty="0"/>
-              <a:t>Research Papers / Journal Articles</a:t>
-            </a:r>
-            <a:endParaRPr lang="en-US" dirty="0"/>
-          </a:p>
-          <a:p>
-            <a:pPr marL="544068" lvl="1" indent="-342900" algn="just">
-              <a:buSzPct val="100000"/>
-              <a:buFont typeface="+mj-lt"/>
-              <a:buAutoNum type="arabicPeriod"/>
-            </a:pPr>
-            <a:r>
-              <a:rPr lang="en-US" dirty="0"/>
-              <a:t>Downer, B. (2018). </a:t>
-            </a:r>
-            <a:r>
-              <a:rPr lang="en-US" i="1" dirty="0"/>
-              <a:t>The Role of AI in Space Exploration</a:t>
-            </a:r>
-            <a:r>
-              <a:rPr lang="en-US" dirty="0"/>
-              <a:t>.</a:t>
-            </a:r>
-          </a:p>
-          <a:p>
-            <a:pPr marL="544068" lvl="1" indent="-342900" algn="just">
-              <a:buSzPct val="100000"/>
-              <a:buFont typeface="+mj-lt"/>
-              <a:buAutoNum type="arabicPeriod"/>
-            </a:pPr>
-            <a:r>
-              <a:rPr lang="en-US" dirty="0" err="1"/>
-              <a:t>Soille</a:t>
-            </a:r>
-            <a:r>
-              <a:rPr lang="en-US" dirty="0"/>
-              <a:t>, P</a:t>
-            </a:r>
-            <a:r>
-              <a:rPr lang="en-US" dirty="0" smtClean="0"/>
-              <a:t>. </a:t>
-            </a:r>
-            <a:r>
-              <a:rPr lang="en-US" dirty="0"/>
-              <a:t>(2019). </a:t>
-            </a:r>
-            <a:r>
-              <a:rPr lang="en-US" i="1" dirty="0"/>
-              <a:t>Big Data from Space (BiDS’2019)</a:t>
-            </a:r>
-            <a:r>
-              <a:rPr lang="en-US" dirty="0"/>
-              <a:t>.</a:t>
-            </a:r>
-          </a:p>
-          <a:p>
-            <a:pPr marL="544068" lvl="1" indent="-342900" algn="just">
-              <a:buSzPct val="100000"/>
-              <a:buFont typeface="+mj-lt"/>
-              <a:buAutoNum type="arabicPeriod"/>
-            </a:pPr>
-            <a:r>
-              <a:rPr lang="en-US" dirty="0"/>
-              <a:t>DeepMind (2021). </a:t>
-            </a:r>
-            <a:r>
-              <a:rPr lang="en-US" i="1" dirty="0"/>
-              <a:t>AI in Astronomy Research</a:t>
-            </a:r>
-            <a:r>
-              <a:rPr lang="en-US" dirty="0"/>
-              <a:t>.</a:t>
-            </a:r>
-          </a:p>
-          <a:p>
-            <a:pPr marL="544068" lvl="1" indent="-342900" algn="just">
-              <a:buSzPct val="100000"/>
-              <a:buFont typeface="+mj-lt"/>
-              <a:buAutoNum type="arabicPeriod"/>
-            </a:pPr>
-            <a:r>
-              <a:rPr lang="en-US" dirty="0"/>
-              <a:t>JAXA (2022). </a:t>
-            </a:r>
-            <a:r>
-              <a:rPr lang="en-US" i="1" dirty="0"/>
-              <a:t>Astronaut Health and Safety AI Applications</a:t>
-            </a:r>
-            <a:r>
-              <a:rPr lang="en-US" dirty="0"/>
-              <a:t>.</a:t>
-            </a:r>
-          </a:p>
-          <a:p>
-            <a:pPr algn="just">
-              <a:buSzPct val="121000"/>
-              <a:buFont typeface="Arial" panose="020B0604020202020204" pitchFamily="34" charset="0"/>
-              <a:buChar char="•"/>
-            </a:pPr>
-            <a:r>
-              <a:rPr lang="en-US" b="1" dirty="0"/>
-              <a:t>Websites / Online Reports</a:t>
-            </a:r>
-            <a:endParaRPr lang="en-US" dirty="0"/>
-          </a:p>
-          <a:p>
-            <a:pPr lvl="1" algn="just">
-              <a:buSzPct val="100000"/>
-              <a:buFont typeface="Courier New" panose="02070309020205020404" pitchFamily="49" charset="0"/>
-              <a:buChar char="o"/>
-            </a:pPr>
-            <a:r>
-              <a:rPr lang="en-US" dirty="0"/>
-              <a:t>European Space Agency (2019). </a:t>
-            </a:r>
-            <a:r>
-              <a:rPr lang="en-US" i="1" dirty="0"/>
-              <a:t>What is Space 4.0</a:t>
-            </a:r>
-            <a:r>
-              <a:rPr lang="en-US" i="1" dirty="0" smtClean="0"/>
-              <a:t>?</a:t>
-            </a:r>
-            <a:r>
-              <a:rPr lang="en-US" dirty="0" smtClean="0"/>
-              <a:t> </a:t>
-            </a:r>
-            <a:r>
-              <a:rPr lang="en-US" dirty="0"/>
-              <a:t>Available at: </a:t>
-            </a:r>
-            <a:r>
-              <a:rPr lang="en-US" dirty="0">
-                <a:hlinkClick r:id="rId2"/>
-              </a:rPr>
-              <a:t>https://</a:t>
-            </a:r>
-            <a:r>
-              <a:rPr lang="en-US" dirty="0" smtClean="0">
-                <a:hlinkClick r:id="rId2"/>
-              </a:rPr>
-              <a:t>www.esa.int/Enabling_Support/Preparing_for_the_Future/Discovery_and_Preparation/Artificial_intelligence_in_space</a:t>
-            </a:r>
-            <a:endParaRPr lang="en-US" dirty="0" smtClean="0"/>
-          </a:p>
-          <a:p>
-            <a:pPr lvl="1" algn="just">
-              <a:buSzPct val="100000"/>
-              <a:buFont typeface="Courier New" panose="02070309020205020404" pitchFamily="49" charset="0"/>
-              <a:buChar char="o"/>
-            </a:pPr>
-            <a:r>
-              <a:rPr lang="en-US" dirty="0" smtClean="0"/>
-              <a:t>NASA </a:t>
-            </a:r>
-            <a:r>
-              <a:rPr lang="en-US" dirty="0"/>
-              <a:t>(2020). </a:t>
-            </a:r>
-            <a:r>
-              <a:rPr lang="en-US" i="1" dirty="0"/>
-              <a:t>AI Applications in Space Exploration</a:t>
-            </a:r>
-            <a:r>
-              <a:rPr lang="en-US" dirty="0" smtClean="0"/>
-              <a:t>. </a:t>
-            </a:r>
-            <a:r>
-              <a:rPr lang="en-US" dirty="0"/>
-              <a:t>Available at: </a:t>
-            </a:r>
-            <a:r>
-              <a:rPr lang="en-US" dirty="0">
-                <a:hlinkClick r:id="rId3"/>
-              </a:rPr>
-              <a:t>https://</a:t>
-            </a:r>
-            <a:r>
-              <a:rPr lang="en-US" dirty="0" smtClean="0">
-                <a:hlinkClick r:id="rId3"/>
-              </a:rPr>
-              <a:t>www.nasa.gov/artificial-intelligence</a:t>
-            </a:r>
-            <a:endParaRPr lang="en-US" dirty="0"/>
-          </a:p>
-        </p:txBody>
-      </p:sp>
-      <p:sp>
-        <p:nvSpPr>
-          <p:cNvPr id="4" name="Footer Placeholder 3">
-            <a:extLst>
-              <a:ext uri="{FF2B5EF4-FFF2-40B4-BE49-F238E27FC236}">
-                <a16:creationId xmlns:a16="http://schemas.microsoft.com/office/drawing/2014/main" xmlns="" id="{A846E28C-DA76-492B-87F4-6EB0290B0671}"/>
-              </a:ext>
-            </a:extLst>
-          </p:cNvPr>
-          <p:cNvSpPr>
-            <a:spLocks noGrp="1"/>
-          </p:cNvSpPr>
-          <p:nvPr>
-            <p:ph type="ftr" sz="quarter" idx="11"/>
-          </p:nvPr>
-        </p:nvSpPr>
-        <p:spPr/>
-        <p:txBody>
-          <a:bodyPr/>
-          <a:lstStyle/>
-          <a:p>
-            <a:r>
-              <a:rPr lang="en-US"/>
-              <a:t>Department of Computer Engineering</a:t>
-            </a:r>
-          </a:p>
-        </p:txBody>
-      </p:sp>
-      <p:sp>
-        <p:nvSpPr>
-          <p:cNvPr id="5" name="Slide Number Placeholder 4">
-            <a:extLst>
-              <a:ext uri="{FF2B5EF4-FFF2-40B4-BE49-F238E27FC236}">
-                <a16:creationId xmlns:a16="http://schemas.microsoft.com/office/drawing/2014/main" xmlns="" id="{668ECB82-C8E0-4B8B-9809-20453A603447}"/>
-              </a:ext>
-            </a:extLst>
-          </p:cNvPr>
-          <p:cNvSpPr>
-            <a:spLocks noGrp="1"/>
-          </p:cNvSpPr>
-          <p:nvPr>
-            <p:ph type="sldNum" sz="quarter" idx="12"/>
-          </p:nvPr>
-        </p:nvSpPr>
-        <p:spPr/>
-        <p:txBody>
-          <a:bodyPr/>
-          <a:lstStyle/>
-          <a:p>
-            <a:fld id="{C1FF6DA9-008F-8B48-92A6-B652298478BF}" type="slidenum">
-              <a:rPr lang="en-US" smtClean="0"/>
-              <a:t>12</a:t>
-            </a:fld>
-            <a:endParaRPr lang="en-US"/>
-          </a:p>
-        </p:txBody>
-      </p:sp>
-    </p:spTree>
-  </p:cSld>
-  <p:clrMapOvr>
-    <a:masterClrMapping/>
-  </p:clrMapOvr>
-  <mc:AlternateContent xmlns:mc="http://schemas.openxmlformats.org/markup-compatibility/2006">
-    <mc:Choice xmlns:p14="http://schemas.microsoft.com/office/powerpoint/2010/main" Requires="p14">
-      <p:transition p14:dur="0"/>
-    </mc:Choice>
-    <mc:Fallback>
-      <p:transition/>
-    </mc:Fallback>
-  </mc:AlternateContent>
-  <p:timing>
-    <p:tnLst>
-      <p:par>
-        <p:cTn id="1" dur="indefinite" restart="never" nodeType="tmRoot"/>
-      </p:par>
-    </p:tnLst>
-  </p:timing>
-</p:sld>
-</file>
-
-<file path=ppt/slides/slide2.xml><?xml version="1.0" encoding="utf-8"?>
-<p:sld xmlns:a="http://schemas.openxmlformats.org/drawingml/2006/main" xmlns:r="http://schemas.openxmlformats.org/officeDocument/2006/relationships" xmlns:p="http://schemas.openxmlformats.org/presentationml/2006/main">
-  <p:cSld>
-    <p:spTree>
-      <p:nvGrpSpPr>
-        <p:cNvPr id="1" name=""/>
-        <p:cNvGrpSpPr/>
-        <p:nvPr/>
-      </p:nvGrpSpPr>
-      <p:grpSpPr>
-        <a:xfrm>
-          <a:off x="0" y="0"/>
-          <a:ext cx="0" cy="0"/>
-          <a:chOff x="0" y="0"/>
-          <a:chExt cx="0" cy="0"/>
-        </a:xfrm>
-      </p:grpSpPr>
-      <p:sp>
-        <p:nvSpPr>
-          <p:cNvPr id="2" name="Title 1">
-            <a:extLst>
-              <a:ext uri="{FF2B5EF4-FFF2-40B4-BE49-F238E27FC236}">
-                <a16:creationId xmlns:a16="http://schemas.microsoft.com/office/drawing/2014/main" xmlns="" id="{23EC7F7E-2A77-430B-AFE6-DE135E673518}"/>
-              </a:ext>
-            </a:extLst>
-          </p:cNvPr>
-          <p:cNvSpPr>
-            <a:spLocks noGrp="1"/>
-          </p:cNvSpPr>
-          <p:nvPr>
-            <p:ph type="title"/>
-          </p:nvPr>
-        </p:nvSpPr>
-        <p:spPr/>
-        <p:txBody>
-          <a:bodyPr/>
-          <a:lstStyle/>
-          <a:p>
-            <a:r>
-              <a:rPr lang="en-IN" dirty="0"/>
-              <a:t>Content</a:t>
-            </a:r>
-          </a:p>
-        </p:txBody>
-      </p:sp>
-      <p:sp>
-        <p:nvSpPr>
-          <p:cNvPr id="3" name="Content Placeholder 2">
-            <a:extLst>
-              <a:ext uri="{FF2B5EF4-FFF2-40B4-BE49-F238E27FC236}">
-                <a16:creationId xmlns:a16="http://schemas.microsoft.com/office/drawing/2014/main" xmlns="" id="{A41DB071-F4FD-4842-AD86-70E75FCD029A}"/>
-              </a:ext>
-            </a:extLst>
-          </p:cNvPr>
-          <p:cNvSpPr>
-            <a:spLocks noGrp="1"/>
-          </p:cNvSpPr>
-          <p:nvPr>
-            <p:ph idx="1"/>
-          </p:nvPr>
-        </p:nvSpPr>
-        <p:spPr/>
-        <p:txBody>
-          <a:bodyPr/>
-          <a:lstStyle/>
-          <a:p>
-            <a:pPr marL="514350" indent="-514350">
-              <a:buFont typeface="+mj-lt"/>
-              <a:buAutoNum type="arabicPeriod"/>
-            </a:pPr>
-            <a:r>
-              <a:rPr lang="en-GB" dirty="0">
-                <a:latin typeface="Inter" charset="0"/>
-                <a:ea typeface="Inter" charset="0"/>
-              </a:rPr>
-              <a:t>Introduction of topic</a:t>
-            </a:r>
-          </a:p>
-          <a:p>
-            <a:pPr marL="514350" indent="-514350">
-              <a:buFont typeface="+mj-lt"/>
-              <a:buAutoNum type="arabicPeriod"/>
-            </a:pPr>
-            <a:r>
-              <a:rPr lang="en-GB" dirty="0">
-                <a:latin typeface="Inter" charset="0"/>
-                <a:ea typeface="Inter" charset="0"/>
-              </a:rPr>
-              <a:t>Motivation</a:t>
-            </a:r>
-          </a:p>
-          <a:p>
-            <a:pPr marL="514350" indent="-514350">
-              <a:buFont typeface="+mj-lt"/>
-              <a:buAutoNum type="arabicPeriod"/>
-            </a:pPr>
-            <a:r>
-              <a:rPr lang="en-GB" dirty="0">
-                <a:latin typeface="Inter" charset="0"/>
-                <a:ea typeface="Inter" charset="0"/>
-              </a:rPr>
-              <a:t>Problem Statement</a:t>
-            </a:r>
-          </a:p>
-          <a:p>
-            <a:pPr marL="514350" indent="-514350">
-              <a:buFont typeface="+mj-lt"/>
-              <a:buAutoNum type="arabicPeriod"/>
-            </a:pPr>
-            <a:r>
-              <a:rPr lang="en-GB" dirty="0">
-                <a:latin typeface="Inter" charset="0"/>
-                <a:ea typeface="Inter" charset="0"/>
-              </a:rPr>
-              <a:t>Literature Review</a:t>
-            </a:r>
-          </a:p>
-          <a:p>
-            <a:pPr marL="514350" indent="-514350">
-              <a:buFont typeface="+mj-lt"/>
-              <a:buAutoNum type="arabicPeriod"/>
-            </a:pPr>
-            <a:r>
-              <a:rPr lang="en-US" kern="0" spc="-89" dirty="0">
-                <a:solidFill>
-                  <a:schemeClr val="tx1">
-                    <a:lumMod val="85000"/>
-                    <a:lumOff val="15000"/>
-                  </a:schemeClr>
-                </a:solidFill>
-                <a:latin typeface="Inter" charset="0"/>
-                <a:ea typeface="Inter" charset="0"/>
-                <a:cs typeface="Source Serif Pro" pitchFamily="34" charset="-120"/>
-              </a:rPr>
-              <a:t>Conclusion</a:t>
-            </a:r>
-          </a:p>
-          <a:p>
-            <a:pPr marL="514350" indent="-514350">
-              <a:buFont typeface="+mj-lt"/>
-              <a:buAutoNum type="arabicPeriod"/>
-            </a:pPr>
-            <a:r>
-              <a:rPr lang="en-US" kern="0" spc="-89" dirty="0">
-                <a:solidFill>
-                  <a:schemeClr val="tx1">
-                    <a:lumMod val="85000"/>
-                    <a:lumOff val="15000"/>
-                  </a:schemeClr>
-                </a:solidFill>
-                <a:latin typeface="Inter" charset="0"/>
-                <a:ea typeface="Inter" charset="0"/>
-                <a:cs typeface="Source Serif Pro" pitchFamily="34" charset="-120"/>
-              </a:rPr>
-              <a:t>References</a:t>
-            </a:r>
-            <a:endParaRPr lang="en-IN" dirty="0">
-              <a:solidFill>
-                <a:schemeClr val="tx1">
-                  <a:lumMod val="85000"/>
-                  <a:lumOff val="15000"/>
-                </a:schemeClr>
-              </a:solidFill>
-            </a:endParaRPr>
-          </a:p>
-        </p:txBody>
-      </p:sp>
-      <p:sp>
-        <p:nvSpPr>
-          <p:cNvPr id="4" name="Footer Placeholder 3">
-            <a:extLst>
-              <a:ext uri="{FF2B5EF4-FFF2-40B4-BE49-F238E27FC236}">
-                <a16:creationId xmlns:a16="http://schemas.microsoft.com/office/drawing/2014/main" xmlns="" id="{55CBE9B0-E6AB-4067-839E-CF9F0F6DF990}"/>
-              </a:ext>
-            </a:extLst>
-          </p:cNvPr>
-          <p:cNvSpPr>
-            <a:spLocks noGrp="1"/>
-          </p:cNvSpPr>
-          <p:nvPr>
-            <p:ph type="ftr" sz="quarter" idx="11"/>
-          </p:nvPr>
-        </p:nvSpPr>
-        <p:spPr/>
-        <p:txBody>
-          <a:bodyPr/>
-          <a:lstStyle/>
-          <a:p>
-            <a:r>
-              <a:rPr lang="en-US"/>
-              <a:t>Department of Computer Engineering</a:t>
-            </a:r>
-          </a:p>
-        </p:txBody>
-      </p:sp>
-      <p:sp>
-        <p:nvSpPr>
-          <p:cNvPr id="5" name="Slide Number Placeholder 4">
-            <a:extLst>
-              <a:ext uri="{FF2B5EF4-FFF2-40B4-BE49-F238E27FC236}">
-                <a16:creationId xmlns:a16="http://schemas.microsoft.com/office/drawing/2014/main" xmlns="" id="{2AECD6E5-5538-40B8-9CD8-75CBD5C846F1}"/>
-              </a:ext>
-            </a:extLst>
-          </p:cNvPr>
-          <p:cNvSpPr>
-            <a:spLocks noGrp="1"/>
-          </p:cNvSpPr>
-          <p:nvPr>
-            <p:ph type="sldNum" sz="quarter" idx="12"/>
-          </p:nvPr>
-        </p:nvSpPr>
-        <p:spPr/>
-        <p:txBody>
-          <a:bodyPr/>
-          <a:lstStyle/>
-          <a:p>
-            <a:fld id="{C1FF6DA9-008F-8B48-92A6-B652298478BF}" type="slidenum">
-              <a:rPr lang="en-US" smtClean="0"/>
-              <a:t>2</a:t>
-            </a:fld>
-            <a:endParaRPr lang="en-US"/>
-          </a:p>
-        </p:txBody>
-      </p:sp>
-    </p:spTree>
-    <p:extLst>
-      <p:ext uri="{BB962C8B-B14F-4D97-AF65-F5344CB8AC3E}">
-        <p14:creationId xmlns:p14="http://schemas.microsoft.com/office/powerpoint/2010/main" val="3991666224"/>
-      </p:ext>
-    </p:extLst>
-  </p:cSld>
-  <p:clrMapOvr>
-    <a:masterClrMapping/>
-  </p:clrMapOvr>
-  <p:timing>
-    <p:tnLst>
-      <p:par>
-        <p:cTn id="1" dur="indefinite" restart="never" nodeType="tmRoot"/>
-      </p:par>
-    </p:tnLst>
-  </p:timing>
-</p:sld>
-</file>
-
-<file path=ppt/slides/slide3.xml><?xml version="1.0" encoding="utf-8"?>
-<p:sld xmlns:a="http://schemas.openxmlformats.org/drawingml/2006/main" xmlns:r="http://schemas.openxmlformats.org/officeDocument/2006/relationships" xmlns:p="http://schemas.openxmlformats.org/presentationml/2006/main">
-  <p:cSld>
-    <p:spTree>
-      <p:nvGrpSpPr>
-        <p:cNvPr id="1" name=""/>
-        <p:cNvGrpSpPr/>
-        <p:nvPr/>
-      </p:nvGrpSpPr>
-      <p:grpSpPr>
-        <a:xfrm>
-          <a:off x="0" y="0"/>
-          <a:ext cx="0" cy="0"/>
-          <a:chOff x="0" y="0"/>
-          <a:chExt cx="0" cy="0"/>
-        </a:xfrm>
-      </p:grpSpPr>
-      <p:sp>
-        <p:nvSpPr>
-          <p:cNvPr id="2" name="Title 1"/>
-          <p:cNvSpPr>
-            <a:spLocks noGrp="1"/>
-          </p:cNvSpPr>
-          <p:nvPr>
-            <p:ph type="title"/>
-          </p:nvPr>
-        </p:nvSpPr>
-        <p:spPr/>
-        <p:txBody>
-          <a:bodyPr/>
-          <a:lstStyle/>
-          <a:p>
-            <a:r>
-              <a:t>Introduction</a:t>
-            </a:r>
-          </a:p>
-        </p:txBody>
-      </p:sp>
-      <p:sp>
-        <p:nvSpPr>
-          <p:cNvPr id="3" name="Content Placeholder 2"/>
-          <p:cNvSpPr>
-            <a:spLocks noGrp="1"/>
-          </p:cNvSpPr>
-          <p:nvPr>
-            <p:ph idx="1"/>
-          </p:nvPr>
-        </p:nvSpPr>
-        <p:spPr/>
-        <p:txBody>
-          <a:bodyPr/>
-          <a:lstStyle/>
-          <a:p>
-            <a:pPr algn="just">
-              <a:buSzPct val="121000"/>
-              <a:buFont typeface="Arial" panose="020B0604020202020204" pitchFamily="34" charset="0"/>
-              <a:buChar char="•"/>
-            </a:pPr>
-            <a:r>
-              <a:rPr lang="en-US" b="1" dirty="0" smtClean="0"/>
-              <a:t>Background </a:t>
-            </a:r>
-            <a:r>
-              <a:rPr lang="en-US" b="1" dirty="0"/>
-              <a:t>of the topic</a:t>
-            </a:r>
-            <a:r>
-              <a:rPr lang="en-US" dirty="0"/>
-              <a:t>: The governance of space activities is progressively transforming with the integration of AI and machine learning (ML). This seminar will examine the fundamental legal challenges associated with using AI in the space domain.</a:t>
-            </a:r>
-          </a:p>
-          <a:p>
-            <a:pPr algn="just">
-              <a:buSzPct val="121000"/>
-              <a:buFont typeface="Arial" panose="020B0604020202020204" pitchFamily="34" charset="0"/>
-              <a:buChar char="•"/>
-            </a:pPr>
-            <a:r>
-              <a:rPr lang="en-US" b="1" dirty="0"/>
-              <a:t>Why this seminar is chosen?</a:t>
-            </a:r>
-            <a:r>
-              <a:rPr lang="en-US" dirty="0"/>
-              <a:t>: The nature of the space and satellite industry is a quintessential use-case for AI, with applications in virtually all space activities.</a:t>
-            </a:r>
-          </a:p>
-          <a:p>
-            <a:pPr algn="just">
-              <a:buSzPct val="121000"/>
-              <a:buFont typeface="Arial" panose="020B0604020202020204" pitchFamily="34" charset="0"/>
-              <a:buChar char="•"/>
-            </a:pPr>
-            <a:r>
-              <a:rPr lang="en-US" b="1" dirty="0"/>
-              <a:t>Relevance to computer engineering / industry</a:t>
-            </a:r>
-            <a:r>
-              <a:rPr lang="en-US" dirty="0"/>
-              <a:t>: AI applications include autonomous robots like spacecraft and satellite constellations, and the analysis of big data for tasks such as debris monitoring and predictive analytics.</a:t>
-            </a:r>
-          </a:p>
-        </p:txBody>
-      </p:sp>
-      <p:sp>
-        <p:nvSpPr>
-          <p:cNvPr id="4" name="Footer Placeholder 3">
-            <a:extLst>
-              <a:ext uri="{FF2B5EF4-FFF2-40B4-BE49-F238E27FC236}">
-                <a16:creationId xmlns:a16="http://schemas.microsoft.com/office/drawing/2014/main" xmlns="" id="{41D0C085-C70E-4641-8058-B1705398892E}"/>
-              </a:ext>
-            </a:extLst>
-          </p:cNvPr>
-          <p:cNvSpPr>
-            <a:spLocks noGrp="1"/>
-          </p:cNvSpPr>
-          <p:nvPr>
-            <p:ph type="ftr" sz="quarter" idx="11"/>
-          </p:nvPr>
-        </p:nvSpPr>
-        <p:spPr/>
-        <p:txBody>
-          <a:bodyPr/>
-          <a:lstStyle/>
-          <a:p>
-            <a:r>
-              <a:rPr lang="en-US"/>
-              <a:t>Department of Computer Engineering</a:t>
-            </a:r>
-          </a:p>
-        </p:txBody>
-      </p:sp>
-      <p:sp>
-        <p:nvSpPr>
-          <p:cNvPr id="5" name="Slide Number Placeholder 4">
-            <a:extLst>
-              <a:ext uri="{FF2B5EF4-FFF2-40B4-BE49-F238E27FC236}">
-                <a16:creationId xmlns:a16="http://schemas.microsoft.com/office/drawing/2014/main" xmlns="" id="{C440A4A9-8CC3-4718-8CD5-255A125AF33B}"/>
-              </a:ext>
-            </a:extLst>
-          </p:cNvPr>
-          <p:cNvSpPr>
-            <a:spLocks noGrp="1"/>
-          </p:cNvSpPr>
-          <p:nvPr>
-            <p:ph type="sldNum" sz="quarter" idx="12"/>
-          </p:nvPr>
-        </p:nvSpPr>
-        <p:spPr/>
-        <p:txBody>
-          <a:bodyPr/>
-          <a:lstStyle/>
-          <a:p>
-            <a:fld id="{C1FF6DA9-008F-8B48-92A6-B652298478BF}" type="slidenum">
-              <a:rPr lang="en-US" smtClean="0"/>
-              <a:t>3</a:t>
-            </a:fld>
-            <a:endParaRPr lang="en-US"/>
-          </a:p>
-        </p:txBody>
-      </p:sp>
-    </p:spTree>
-  </p:cSld>
-  <p:clrMapOvr>
-    <a:masterClrMapping/>
-  </p:clrMapOvr>
-  <p:timing>
-    <p:tnLst>
-      <p:par>
-        <p:cTn id="1" dur="indefinite" restart="never" nodeType="tmRoot"/>
-      </p:par>
-    </p:tnLst>
-  </p:timing>
-</p:sld>
-</file>
-
-<file path=ppt/slides/slide4.xml><?xml version="1.0" encoding="utf-8"?>
-<p:sld xmlns:a="http://schemas.openxmlformats.org/drawingml/2006/main" xmlns:r="http://schemas.openxmlformats.org/officeDocument/2006/relationships" xmlns:p="http://schemas.openxmlformats.org/presentationml/2006/main">
-  <p:cSld>
-    <p:spTree>
-      <p:nvGrpSpPr>
-        <p:cNvPr id="1" name=""/>
-        <p:cNvGrpSpPr/>
-        <p:nvPr/>
-      </p:nvGrpSpPr>
-      <p:grpSpPr>
-        <a:xfrm>
-          <a:off x="0" y="0"/>
-          <a:ext cx="0" cy="0"/>
-          <a:chOff x="0" y="0"/>
-          <a:chExt cx="0" cy="0"/>
-        </a:xfrm>
-      </p:grpSpPr>
-      <p:sp>
-        <p:nvSpPr>
-          <p:cNvPr id="2" name="Title 1"/>
-          <p:cNvSpPr>
-            <a:spLocks noGrp="1"/>
-          </p:cNvSpPr>
-          <p:nvPr>
-            <p:ph type="title"/>
-          </p:nvPr>
-        </p:nvSpPr>
-        <p:spPr/>
-        <p:txBody>
-          <a:bodyPr/>
-          <a:lstStyle/>
-          <a:p>
-            <a:r>
-              <a:rPr lang="en-US" dirty="0"/>
-              <a:t>NASA's Mars Rover</a:t>
-            </a:r>
-            <a:endParaRPr dirty="0"/>
-          </a:p>
-        </p:txBody>
-      </p:sp>
-      <p:sp>
-        <p:nvSpPr>
-          <p:cNvPr id="3" name="Content Placeholder 2"/>
-          <p:cNvSpPr>
-            <a:spLocks noGrp="1"/>
-          </p:cNvSpPr>
-          <p:nvPr>
-            <p:ph idx="1"/>
-          </p:nvPr>
-        </p:nvSpPr>
-        <p:spPr>
-          <a:xfrm>
-            <a:off x="822960" y="1845734"/>
-            <a:ext cx="4164676" cy="2629284"/>
-          </a:xfrm>
-        </p:spPr>
-        <p:txBody>
-          <a:bodyPr>
-            <a:normAutofit/>
-          </a:bodyPr>
-          <a:lstStyle/>
-          <a:p>
-            <a:pPr algn="just">
-              <a:buFont typeface="Arial" panose="020B0604020202020204" pitchFamily="34" charset="0"/>
-              <a:buChar char="•"/>
-            </a:pPr>
-            <a:r>
-              <a:rPr lang="en-US" b="1" dirty="0" smtClean="0"/>
-              <a:t>Use </a:t>
-            </a:r>
-            <a:r>
-              <a:rPr lang="en-US" b="1" dirty="0"/>
-              <a:t>Case</a:t>
-            </a:r>
-            <a:r>
-              <a:rPr lang="en-US" dirty="0"/>
-              <a:t>: NASA's Mars rovers (like </a:t>
-            </a:r>
-            <a:r>
-              <a:rPr lang="en-US" b="1" dirty="0"/>
-              <a:t>Curiosity</a:t>
-            </a:r>
-            <a:r>
-              <a:rPr lang="en-US" dirty="0"/>
-              <a:t> and </a:t>
-            </a:r>
-            <a:r>
-              <a:rPr lang="en-US" b="1" dirty="0"/>
-              <a:t>Perseverance</a:t>
-            </a:r>
-            <a:r>
-              <a:rPr lang="en-US" dirty="0"/>
-              <a:t>) are prime examples of AI in space.</a:t>
-            </a:r>
-          </a:p>
-          <a:p>
-            <a:pPr algn="just">
-              <a:buFont typeface="Arial" panose="020B0604020202020204" pitchFamily="34" charset="0"/>
-              <a:buChar char="•"/>
-            </a:pPr>
-            <a:r>
-              <a:rPr lang="en-US" b="1" dirty="0" smtClean="0"/>
-              <a:t>AI </a:t>
-            </a:r>
-            <a:r>
-              <a:rPr lang="en-US" b="1" dirty="0"/>
-              <a:t>Functions</a:t>
-            </a:r>
-            <a:r>
-              <a:rPr lang="en-US" dirty="0"/>
-              <a:t>: They use AI for autonomous navigation, allowing them to traverse difficult terrain and plan their own routes without constant human intervention</a:t>
-            </a:r>
-            <a:r>
-              <a:rPr lang="en-US" dirty="0" smtClean="0"/>
-              <a:t>.</a:t>
-            </a:r>
-            <a:endParaRPr lang="en-US" dirty="0"/>
-          </a:p>
-        </p:txBody>
-      </p:sp>
-      <p:sp>
-        <p:nvSpPr>
-          <p:cNvPr id="4" name="Footer Placeholder 3">
-            <a:extLst>
-              <a:ext uri="{FF2B5EF4-FFF2-40B4-BE49-F238E27FC236}">
-                <a16:creationId xmlns:a16="http://schemas.microsoft.com/office/drawing/2014/main" xmlns="" id="{41D0C085-C70E-4641-8058-B1705398892E}"/>
-              </a:ext>
-            </a:extLst>
-          </p:cNvPr>
-          <p:cNvSpPr>
-            <a:spLocks noGrp="1"/>
-          </p:cNvSpPr>
-          <p:nvPr>
-            <p:ph type="ftr" sz="quarter" idx="11"/>
-          </p:nvPr>
-        </p:nvSpPr>
-        <p:spPr/>
-        <p:txBody>
-          <a:bodyPr/>
-          <a:lstStyle/>
-          <a:p>
-            <a:r>
-              <a:rPr lang="en-US"/>
-              <a:t>Department of Computer Engineering</a:t>
-            </a:r>
-          </a:p>
-        </p:txBody>
-      </p:sp>
-      <p:sp>
-        <p:nvSpPr>
-          <p:cNvPr id="5" name="Slide Number Placeholder 4">
-            <a:extLst>
-              <a:ext uri="{FF2B5EF4-FFF2-40B4-BE49-F238E27FC236}">
-                <a16:creationId xmlns:a16="http://schemas.microsoft.com/office/drawing/2014/main" xmlns="" id="{C440A4A9-8CC3-4718-8CD5-255A125AF33B}"/>
-              </a:ext>
-            </a:extLst>
-          </p:cNvPr>
-          <p:cNvSpPr>
-            <a:spLocks noGrp="1"/>
-          </p:cNvSpPr>
-          <p:nvPr>
-            <p:ph type="sldNum" sz="quarter" idx="12"/>
-          </p:nvPr>
-        </p:nvSpPr>
-        <p:spPr/>
-        <p:txBody>
-          <a:bodyPr/>
-          <a:lstStyle/>
-          <a:p>
-            <a:fld id="{C1FF6DA9-008F-8B48-92A6-B652298478BF}" type="slidenum">
-              <a:rPr lang="en-US" smtClean="0"/>
-              <a:t>4</a:t>
-            </a:fld>
-            <a:endParaRPr lang="en-US"/>
-          </a:p>
-        </p:txBody>
-      </p:sp>
-      <p:sp>
-        <p:nvSpPr>
-          <p:cNvPr id="6" name="TextBox 5"/>
-          <p:cNvSpPr txBox="1"/>
-          <p:nvPr/>
-        </p:nvSpPr>
-        <p:spPr>
-          <a:xfrm>
-            <a:off x="822960" y="4338228"/>
-            <a:ext cx="8071657" cy="1200329"/>
-          </a:xfrm>
-          <a:prstGeom prst="rect">
-            <a:avLst/>
-          </a:prstGeom>
-          <a:noFill/>
-        </p:spPr>
-        <p:txBody>
-          <a:bodyPr wrap="square" rtlCol="0">
-            <a:spAutoFit/>
-          </a:bodyPr>
-          <a:lstStyle/>
-          <a:p>
-            <a:pPr marL="285750" indent="-285750" algn="just">
-              <a:buClr>
-                <a:schemeClr val="accent2"/>
-              </a:buClr>
-              <a:buFont typeface="Arial" panose="020B0604020202020204" pitchFamily="34" charset="0"/>
-              <a:buChar char="•"/>
-            </a:pPr>
-            <a:r>
-              <a:rPr lang="en-US" b="1" dirty="0" smtClean="0"/>
-              <a:t>Scientific </a:t>
-            </a:r>
-            <a:r>
-              <a:rPr lang="en-US" b="1" dirty="0"/>
-              <a:t>Application</a:t>
-            </a:r>
-            <a:r>
-              <a:rPr lang="en-US" dirty="0"/>
-              <a:t>: AI helps the rover analyze geological features, identify </a:t>
-            </a:r>
-            <a:r>
-              <a:rPr lang="en-US" dirty="0" smtClean="0"/>
-              <a:t>          potential </a:t>
-            </a:r>
-            <a:r>
-              <a:rPr lang="en-US" dirty="0"/>
-              <a:t>rock samples, and decide which data to prioritize sending back to </a:t>
-            </a:r>
-            <a:r>
-              <a:rPr lang="en-US" dirty="0" smtClean="0"/>
-              <a:t>Earth</a:t>
-            </a:r>
-            <a:r>
-              <a:rPr lang="en-US" dirty="0"/>
-              <a:t>. </a:t>
-            </a:r>
-            <a:r>
-              <a:rPr lang="en-US" dirty="0" smtClean="0"/>
-              <a:t> This </a:t>
-            </a:r>
-            <a:r>
-              <a:rPr lang="en-US" dirty="0"/>
-              <a:t>is a crucial application of AI for analyzing big data in real-time.</a:t>
-            </a:r>
-          </a:p>
-          <a:p>
-            <a:pPr marL="285750" indent="-285750">
-              <a:buFont typeface="Arial" panose="020B0604020202020204" pitchFamily="34" charset="0"/>
-              <a:buChar char="•"/>
-            </a:pPr>
-            <a:endParaRPr lang="en-US" dirty="0"/>
-          </a:p>
-        </p:txBody>
-      </p:sp>
-      <p:sp>
-        <p:nvSpPr>
-          <p:cNvPr id="7" name="AutoShape 2" descr="Video: A look at Mars rover Perseverance vs. Curiosity"/>
-          <p:cNvSpPr>
-            <a:spLocks noChangeAspect="1" noChangeArrowheads="1"/>
-          </p:cNvSpPr>
-          <p:nvPr/>
-        </p:nvSpPr>
-        <p:spPr bwMode="auto">
-          <a:xfrm>
-            <a:off x="155575" y="-144463"/>
-            <a:ext cx="304800" cy="304801"/>
-          </a:xfrm>
-          <a:prstGeom prst="rect">
-            <a:avLst/>
-          </a:prstGeom>
-          <a:noFill/>
-          <a:extLst>
-            <a:ext uri="{909E8E84-426E-40DD-AFC4-6F175D3DCCD1}">
-              <a14:hiddenFill xmlns:a14="http://schemas.microsoft.com/office/drawing/2010/main">
-                <a:solidFill>
-                  <a:srgbClr val="FFFFFF"/>
-                </a:solidFill>
-              </a14:hiddenFill>
-            </a:ext>
-          </a:extLst>
-        </p:spPr>
-        <p:txBody>
-          <a:bodyPr vert="horz" wrap="square" lIns="91440" tIns="45720" rIns="91440" bIns="45720" numCol="1" anchor="t" anchorCtr="0" compatLnSpc="1">
-            <a:prstTxWarp prst="textNoShape">
-              <a:avLst/>
-            </a:prstTxWarp>
-          </a:bodyPr>
-          <a:lstStyle/>
-          <a:p>
-            <a:endParaRPr lang="en-US"/>
-          </a:p>
-        </p:txBody>
-      </p:sp>
-      <p:sp>
-        <p:nvSpPr>
-          <p:cNvPr id="8" name="AutoShape 4" descr="Video: A look at Mars rover Perseverance vs. Curiosity"/>
-          <p:cNvSpPr>
-            <a:spLocks noChangeAspect="1" noChangeArrowheads="1"/>
-          </p:cNvSpPr>
-          <p:nvPr/>
-        </p:nvSpPr>
-        <p:spPr bwMode="auto">
-          <a:xfrm>
-            <a:off x="307975" y="7937"/>
-            <a:ext cx="304800" cy="304801"/>
-          </a:xfrm>
-          <a:prstGeom prst="rect">
-            <a:avLst/>
-          </a:prstGeom>
-          <a:noFill/>
-          <a:extLst>
-            <a:ext uri="{909E8E84-426E-40DD-AFC4-6F175D3DCCD1}">
-              <a14:hiddenFill xmlns:a14="http://schemas.microsoft.com/office/drawing/2010/main">
-                <a:solidFill>
-                  <a:srgbClr val="FFFFFF"/>
-                </a:solidFill>
-              </a14:hiddenFill>
-            </a:ext>
-          </a:extLst>
-        </p:spPr>
-        <p:txBody>
-          <a:bodyPr vert="horz" wrap="square" lIns="91440" tIns="45720" rIns="91440" bIns="45720" numCol="1" anchor="t" anchorCtr="0" compatLnSpc="1">
-            <a:prstTxWarp prst="textNoShape">
-              <a:avLst/>
-            </a:prstTxWarp>
-          </a:bodyPr>
-          <a:lstStyle/>
-          <a:p>
-            <a:endParaRPr lang="en-US"/>
-          </a:p>
-        </p:txBody>
-      </p:sp>
-      <p:sp>
-        <p:nvSpPr>
-          <p:cNvPr id="9" name="AutoShape 6" descr="Video: A look at Mars rover Perseverance vs. Curiosity"/>
-          <p:cNvSpPr>
-            <a:spLocks noChangeAspect="1" noChangeArrowheads="1"/>
-          </p:cNvSpPr>
-          <p:nvPr/>
-        </p:nvSpPr>
-        <p:spPr bwMode="auto">
-          <a:xfrm>
-            <a:off x="460375" y="160337"/>
-            <a:ext cx="304800" cy="304801"/>
-          </a:xfrm>
-          <a:prstGeom prst="rect">
-            <a:avLst/>
-          </a:prstGeom>
-          <a:noFill/>
-          <a:extLst>
-            <a:ext uri="{909E8E84-426E-40DD-AFC4-6F175D3DCCD1}">
-              <a14:hiddenFill xmlns:a14="http://schemas.microsoft.com/office/drawing/2010/main">
-                <a:solidFill>
-                  <a:srgbClr val="FFFFFF"/>
-                </a:solidFill>
-              </a14:hiddenFill>
-            </a:ext>
-          </a:extLst>
-        </p:spPr>
-        <p:txBody>
-          <a:bodyPr vert="horz" wrap="square" lIns="91440" tIns="45720" rIns="91440" bIns="45720" numCol="1" anchor="t" anchorCtr="0" compatLnSpc="1">
-            <a:prstTxWarp prst="textNoShape">
-              <a:avLst/>
-            </a:prstTxWarp>
-          </a:bodyPr>
-          <a:lstStyle/>
-          <a:p>
-            <a:endParaRPr lang="en-US"/>
-          </a:p>
-        </p:txBody>
-      </p:sp>
-      <p:pic>
-        <p:nvPicPr>
-          <p:cNvPr id="3080" name="Picture 8" descr="Curiosity Marks 3rd Anniversary on Mars With Amazing Science Discoveries -  AmericaSpace"/>
-          <p:cNvPicPr>
-            <a:picLocks noChangeAspect="1" noChangeArrowheads="1"/>
-          </p:cNvPicPr>
-          <p:nvPr/>
-        </p:nvPicPr>
-        <p:blipFill>
-          <a:blip r:embed="rId2">
-            <a:extLst>
-              <a:ext uri="{28A0092B-C50C-407E-A947-70E740481C1C}">
-                <a14:useLocalDpi xmlns:a14="http://schemas.microsoft.com/office/drawing/2010/main" val="0"/>
-              </a:ext>
-            </a:extLst>
-          </a:blip>
-          <a:srcRect/>
-          <a:stretch>
-            <a:fillRect/>
-          </a:stretch>
-        </p:blipFill>
-        <p:spPr bwMode="auto">
-          <a:xfrm>
-            <a:off x="5223163" y="2136680"/>
-            <a:ext cx="3477490" cy="1954715"/>
-          </a:xfrm>
-          <a:prstGeom prst="rect">
-            <a:avLst/>
-          </a:prstGeom>
-          <a:noFill/>
-          <a:extLst>
-            <a:ext uri="{909E8E84-426E-40DD-AFC4-6F175D3DCCD1}">
-              <a14:hiddenFill xmlns:a14="http://schemas.microsoft.com/office/drawing/2010/main">
-                <a:solidFill>
-                  <a:srgbClr val="FFFFFF"/>
-                </a:solidFill>
-              </a14:hiddenFill>
-            </a:ext>
-          </a:extLst>
-        </p:spPr>
-      </p:pic>
-    </p:spTree>
-    <p:extLst>
-      <p:ext uri="{BB962C8B-B14F-4D97-AF65-F5344CB8AC3E}">
-        <p14:creationId xmlns:p14="http://schemas.microsoft.com/office/powerpoint/2010/main" val="3329551140"/>
-      </p:ext>
-    </p:extLst>
-  </p:cSld>
-  <p:clrMapOvr>
-    <a:masterClrMapping/>
-  </p:clrMapOvr>
-  <p:timing>
-    <p:tnLst>
-      <p:par>
-        <p:cTn id="1" dur="indefinite" restart="never" nodeType="tmRoot"/>
-      </p:par>
-    </p:tnLst>
-  </p:timing>
-</p:sld>
-</file>
-
-<file path=ppt/slides/slide5.xml><?xml version="1.0" encoding="utf-8"?>
-<p:sld xmlns:a="http://schemas.openxmlformats.org/drawingml/2006/main" xmlns:r="http://schemas.openxmlformats.org/officeDocument/2006/relationships" xmlns:p="http://schemas.openxmlformats.org/presentationml/2006/main">
-  <p:cSld>
-    <p:spTree>
-      <p:nvGrpSpPr>
-        <p:cNvPr id="1" name=""/>
-        <p:cNvGrpSpPr/>
-        <p:nvPr/>
-      </p:nvGrpSpPr>
-      <p:grpSpPr>
-        <a:xfrm>
-          <a:off x="0" y="0"/>
-          <a:ext cx="0" cy="0"/>
-          <a:chOff x="0" y="0"/>
-          <a:chExt cx="0" cy="0"/>
-        </a:xfrm>
-      </p:grpSpPr>
-      <p:sp>
-        <p:nvSpPr>
-          <p:cNvPr id="2" name="Title 1"/>
-          <p:cNvSpPr>
-            <a:spLocks noGrp="1"/>
-          </p:cNvSpPr>
-          <p:nvPr>
-            <p:ph type="title"/>
-          </p:nvPr>
-        </p:nvSpPr>
-        <p:spPr/>
-        <p:txBody>
-          <a:bodyPr/>
-          <a:lstStyle/>
-          <a:p>
-            <a:r>
-              <a:rPr lang="en-US" dirty="0" smtClean="0"/>
-              <a:t>ISRO Chandrayaan-3 </a:t>
-            </a:r>
-            <a:r>
-              <a:rPr lang="en-US" dirty="0"/>
-              <a:t>Rover</a:t>
-            </a:r>
-            <a:endParaRPr dirty="0"/>
-          </a:p>
-        </p:txBody>
-      </p:sp>
-      <p:sp>
-        <p:nvSpPr>
-          <p:cNvPr id="3" name="Content Placeholder 2"/>
-          <p:cNvSpPr>
-            <a:spLocks noGrp="1"/>
-          </p:cNvSpPr>
-          <p:nvPr>
-            <p:ph idx="1"/>
-          </p:nvPr>
-        </p:nvSpPr>
-        <p:spPr>
-          <a:xfrm>
-            <a:off x="4633085" y="1845734"/>
-            <a:ext cx="4164676" cy="2629284"/>
-          </a:xfrm>
-        </p:spPr>
-        <p:txBody>
-          <a:bodyPr>
-            <a:normAutofit lnSpcReduction="10000"/>
-          </a:bodyPr>
-          <a:lstStyle/>
-          <a:p>
-            <a:pPr algn="just">
-              <a:buFont typeface="Arial" panose="020B0604020202020204" pitchFamily="34" charset="0"/>
-              <a:buChar char="•"/>
-            </a:pPr>
-            <a:r>
-              <a:rPr lang="en-US" b="1" dirty="0" smtClean="0"/>
-              <a:t>Use </a:t>
-            </a:r>
-            <a:r>
-              <a:rPr lang="en-US" b="1" dirty="0"/>
-              <a:t>Case</a:t>
-            </a:r>
-            <a:r>
-              <a:rPr lang="en-US" dirty="0"/>
-              <a:t>: The </a:t>
-            </a:r>
-            <a:r>
-              <a:rPr lang="en-US" dirty="0" err="1"/>
-              <a:t>Chandrayaan</a:t>
-            </a:r>
-            <a:r>
-              <a:rPr lang="en-US" dirty="0"/>
-              <a:t> mission, particularly the </a:t>
-            </a:r>
-            <a:r>
-              <a:rPr lang="en-US" b="1" dirty="0" err="1"/>
-              <a:t>Pragyan</a:t>
-            </a:r>
-            <a:r>
-              <a:rPr lang="en-US" dirty="0"/>
-              <a:t> </a:t>
-            </a:r>
-            <a:r>
-              <a:rPr lang="en-US" b="1" dirty="0"/>
-              <a:t>R</a:t>
-            </a:r>
-            <a:r>
-              <a:rPr lang="en-US" b="1" dirty="0" smtClean="0"/>
-              <a:t>over</a:t>
-            </a:r>
-            <a:r>
-              <a:rPr lang="en-US" dirty="0"/>
-              <a:t>, demonstrates India's use of AI in lunar exploration</a:t>
-            </a:r>
-            <a:r>
-              <a:rPr lang="en-US" dirty="0" smtClean="0"/>
-              <a:t>.</a:t>
-            </a:r>
-          </a:p>
-          <a:p>
-            <a:pPr algn="just">
-              <a:buFont typeface="Arial" panose="020B0604020202020204" pitchFamily="34" charset="0"/>
-              <a:buChar char="•"/>
-            </a:pPr>
-            <a:r>
-              <a:rPr lang="en-US" b="1" dirty="0" smtClean="0"/>
-              <a:t>AI </a:t>
-            </a:r>
-            <a:r>
-              <a:rPr lang="en-US" b="1" dirty="0"/>
-              <a:t>Functions</a:t>
-            </a:r>
-            <a:r>
-              <a:rPr lang="en-US" dirty="0"/>
-              <a:t>: The rover's AI assists in navigation and obstacle detection on the lunar surface, ensuring its safety and path-finding capabilities in an unknown environment.</a:t>
-            </a:r>
-          </a:p>
-        </p:txBody>
-      </p:sp>
-      <p:sp>
-        <p:nvSpPr>
-          <p:cNvPr id="4" name="Footer Placeholder 3">
-            <a:extLst>
-              <a:ext uri="{FF2B5EF4-FFF2-40B4-BE49-F238E27FC236}">
-                <a16:creationId xmlns:a16="http://schemas.microsoft.com/office/drawing/2014/main" xmlns="" id="{41D0C085-C70E-4641-8058-B1705398892E}"/>
-              </a:ext>
-            </a:extLst>
-          </p:cNvPr>
-          <p:cNvSpPr>
-            <a:spLocks noGrp="1"/>
-          </p:cNvSpPr>
-          <p:nvPr>
-            <p:ph type="ftr" sz="quarter" idx="11"/>
-          </p:nvPr>
-        </p:nvSpPr>
-        <p:spPr/>
-        <p:txBody>
-          <a:bodyPr/>
-          <a:lstStyle/>
-          <a:p>
-            <a:r>
-              <a:rPr lang="en-US"/>
-              <a:t>Department of Computer Engineering</a:t>
-            </a:r>
-          </a:p>
-        </p:txBody>
-      </p:sp>
-      <p:sp>
-        <p:nvSpPr>
-          <p:cNvPr id="5" name="Slide Number Placeholder 4">
-            <a:extLst>
-              <a:ext uri="{FF2B5EF4-FFF2-40B4-BE49-F238E27FC236}">
-                <a16:creationId xmlns:a16="http://schemas.microsoft.com/office/drawing/2014/main" xmlns="" id="{C440A4A9-8CC3-4718-8CD5-255A125AF33B}"/>
-              </a:ext>
-            </a:extLst>
-          </p:cNvPr>
-          <p:cNvSpPr>
-            <a:spLocks noGrp="1"/>
-          </p:cNvSpPr>
-          <p:nvPr>
-            <p:ph type="sldNum" sz="quarter" idx="12"/>
-          </p:nvPr>
-        </p:nvSpPr>
-        <p:spPr/>
-        <p:txBody>
-          <a:bodyPr/>
-          <a:lstStyle/>
-          <a:p>
-            <a:fld id="{C1FF6DA9-008F-8B48-92A6-B652298478BF}" type="slidenum">
-              <a:rPr lang="en-US" smtClean="0"/>
-              <a:t>5</a:t>
-            </a:fld>
-            <a:endParaRPr lang="en-US"/>
-          </a:p>
-        </p:txBody>
-      </p:sp>
-      <p:sp>
-        <p:nvSpPr>
-          <p:cNvPr id="6" name="TextBox 5"/>
-          <p:cNvSpPr txBox="1"/>
-          <p:nvPr/>
-        </p:nvSpPr>
-        <p:spPr>
-          <a:xfrm>
-            <a:off x="822960" y="4338228"/>
-            <a:ext cx="8071657" cy="923330"/>
-          </a:xfrm>
-          <a:prstGeom prst="rect">
-            <a:avLst/>
-          </a:prstGeom>
-          <a:noFill/>
-        </p:spPr>
-        <p:txBody>
-          <a:bodyPr wrap="square" rtlCol="0">
-            <a:spAutoFit/>
-          </a:bodyPr>
-          <a:lstStyle/>
-          <a:p>
-            <a:pPr marL="285750" indent="-285750" algn="just">
-              <a:buClr>
-                <a:schemeClr val="accent2"/>
-              </a:buClr>
-              <a:buFont typeface="Arial" panose="020B0604020202020204" pitchFamily="34" charset="0"/>
-              <a:buChar char="•"/>
-            </a:pPr>
-            <a:r>
-              <a:rPr lang="en-US" b="1" dirty="0" smtClean="0"/>
-              <a:t>Scientific </a:t>
-            </a:r>
-            <a:r>
-              <a:rPr lang="en-US" b="1" dirty="0"/>
-              <a:t>Application</a:t>
-            </a:r>
-            <a:r>
-              <a:rPr lang="en-US" dirty="0"/>
-              <a:t>: AI helps the rover's instruments collect and transmit scientific data, such as images of the lunar surface, to the lander, which then sends the data to Earth.</a:t>
-            </a:r>
-          </a:p>
-        </p:txBody>
-      </p:sp>
-      <p:sp>
-        <p:nvSpPr>
-          <p:cNvPr id="7" name="AutoShape 2" descr="Chandrayaan 3: Five key facts about the Pragyan&amp;#160;moon&amp;#160;rover"/>
-          <p:cNvSpPr>
-            <a:spLocks noChangeAspect="1" noChangeArrowheads="1"/>
-          </p:cNvSpPr>
-          <p:nvPr/>
-        </p:nvSpPr>
-        <p:spPr bwMode="auto">
-          <a:xfrm>
-            <a:off x="155575" y="-144463"/>
-            <a:ext cx="304800" cy="304801"/>
-          </a:xfrm>
-          <a:prstGeom prst="rect">
-            <a:avLst/>
-          </a:prstGeom>
-          <a:noFill/>
-          <a:extLst>
-            <a:ext uri="{909E8E84-426E-40DD-AFC4-6F175D3DCCD1}">
-              <a14:hiddenFill xmlns:a14="http://schemas.microsoft.com/office/drawing/2010/main">
-                <a:solidFill>
-                  <a:srgbClr val="FFFFFF"/>
-                </a:solidFill>
-              </a14:hiddenFill>
-            </a:ext>
-          </a:extLst>
-        </p:spPr>
-        <p:txBody>
-          <a:bodyPr vert="horz" wrap="square" lIns="91440" tIns="45720" rIns="91440" bIns="45720" numCol="1" anchor="t" anchorCtr="0" compatLnSpc="1">
-            <a:prstTxWarp prst="textNoShape">
-              <a:avLst/>
-            </a:prstTxWarp>
-          </a:bodyPr>
-          <a:lstStyle/>
-          <a:p>
-            <a:endParaRPr lang="en-US"/>
-          </a:p>
-        </p:txBody>
-      </p:sp>
-      <p:pic>
-        <p:nvPicPr>
-          <p:cNvPr id="2052" name="Picture 4" descr="Chandrayaan 3 Moon landing, ISRO Pragyan rover, Vikram lander | Autocar  India"/>
-          <p:cNvPicPr>
-            <a:picLocks noChangeAspect="1" noChangeArrowheads="1"/>
-          </p:cNvPicPr>
-          <p:nvPr/>
-        </p:nvPicPr>
-        <p:blipFill>
-          <a:blip r:embed="rId2">
-            <a:extLst>
-              <a:ext uri="{28A0092B-C50C-407E-A947-70E740481C1C}">
-                <a14:useLocalDpi xmlns:a14="http://schemas.microsoft.com/office/drawing/2010/main" val="0"/>
-              </a:ext>
-            </a:extLst>
-          </a:blip>
-          <a:srcRect/>
-          <a:stretch>
-            <a:fillRect/>
-          </a:stretch>
-        </p:blipFill>
-        <p:spPr bwMode="auto">
-          <a:xfrm>
-            <a:off x="986848" y="1945462"/>
-            <a:ext cx="3280352" cy="2173234"/>
-          </a:xfrm>
-          <a:prstGeom prst="rect">
-            <a:avLst/>
-          </a:prstGeom>
-          <a:noFill/>
-          <a:extLst>
-            <a:ext uri="{909E8E84-426E-40DD-AFC4-6F175D3DCCD1}">
-              <a14:hiddenFill xmlns:a14="http://schemas.microsoft.com/office/drawing/2010/main">
-                <a:solidFill>
-                  <a:srgbClr val="FFFFFF"/>
-                </a:solidFill>
-              </a14:hiddenFill>
-            </a:ext>
-          </a:extLst>
-        </p:spPr>
-      </p:pic>
-    </p:spTree>
-    <p:extLst>
-      <p:ext uri="{BB962C8B-B14F-4D97-AF65-F5344CB8AC3E}">
-        <p14:creationId xmlns:p14="http://schemas.microsoft.com/office/powerpoint/2010/main" val="1711204235"/>
-      </p:ext>
-    </p:extLst>
-  </p:cSld>
-  <p:clrMapOvr>
-    <a:masterClrMapping/>
-  </p:clrMapOvr>
-  <p:timing>
-    <p:tnLst>
-      <p:par>
-        <p:cTn id="1" dur="indefinite" restart="never" nodeType="tmRoot"/>
-      </p:par>
-    </p:tnLst>
-  </p:timing>
-</p:sld>
-</file>
-
-<file path=ppt/slides/slide6.xml><?xml version="1.0" encoding="utf-8"?>
-<p:sld xmlns:a="http://schemas.openxmlformats.org/drawingml/2006/main" xmlns:r="http://schemas.openxmlformats.org/officeDocument/2006/relationships" xmlns:p="http://schemas.openxmlformats.org/presentationml/2006/main">
-  <p:cSld>
-    <p:spTree>
-      <p:nvGrpSpPr>
-        <p:cNvPr id="1" name=""/>
-        <p:cNvGrpSpPr/>
-        <p:nvPr/>
-      </p:nvGrpSpPr>
-      <p:grpSpPr>
-        <a:xfrm>
-          <a:off x="0" y="0"/>
-          <a:ext cx="0" cy="0"/>
-          <a:chOff x="0" y="0"/>
-          <a:chExt cx="0" cy="0"/>
-        </a:xfrm>
-      </p:grpSpPr>
-      <p:sp>
-        <p:nvSpPr>
-          <p:cNvPr id="2" name="Title 1">
-            <a:extLst>
-              <a:ext uri="{FF2B5EF4-FFF2-40B4-BE49-F238E27FC236}">
-                <a16:creationId xmlns:a16="http://schemas.microsoft.com/office/drawing/2014/main" xmlns="" id="{F5950B7F-DF0D-49BA-8760-764F88F5082A}"/>
-              </a:ext>
-            </a:extLst>
-          </p:cNvPr>
-          <p:cNvSpPr>
-            <a:spLocks noGrp="1"/>
-          </p:cNvSpPr>
-          <p:nvPr>
-            <p:ph type="title"/>
-          </p:nvPr>
-        </p:nvSpPr>
-        <p:spPr>
-          <a:xfrm>
-            <a:off x="822960" y="286605"/>
-            <a:ext cx="7543800" cy="702302"/>
-          </a:xfrm>
-        </p:spPr>
-        <p:txBody>
-          <a:bodyPr>
-            <a:normAutofit fontScale="90000"/>
-          </a:bodyPr>
-          <a:lstStyle/>
-          <a:p>
-            <a:r>
-              <a:rPr lang="en-IN" dirty="0"/>
-              <a:t>Motivation</a:t>
-            </a:r>
-          </a:p>
-        </p:txBody>
-      </p:sp>
-      <p:sp>
-        <p:nvSpPr>
-          <p:cNvPr id="3" name="Content Placeholder 2">
-            <a:extLst>
-              <a:ext uri="{FF2B5EF4-FFF2-40B4-BE49-F238E27FC236}">
-                <a16:creationId xmlns:a16="http://schemas.microsoft.com/office/drawing/2014/main" xmlns="" id="{730D9C7B-D775-4A51-AB23-4DE6B4E75396}"/>
-              </a:ext>
-            </a:extLst>
-          </p:cNvPr>
-          <p:cNvSpPr>
-            <a:spLocks noGrp="1"/>
-          </p:cNvSpPr>
-          <p:nvPr>
-            <p:ph idx="1"/>
-          </p:nvPr>
-        </p:nvSpPr>
-        <p:spPr/>
-        <p:txBody>
-          <a:bodyPr>
-            <a:normAutofit fontScale="92500" lnSpcReduction="20000"/>
-          </a:bodyPr>
-          <a:lstStyle/>
-          <a:p>
-            <a:pPr algn="just">
-              <a:buSzPct val="121000"/>
-              <a:buFont typeface="Arial" panose="020B0604020202020204" pitchFamily="34" charset="0"/>
-              <a:buChar char="•"/>
-            </a:pPr>
-            <a:r>
-              <a:rPr lang="en-US" b="1" dirty="0"/>
-              <a:t>Growing complexity</a:t>
-            </a:r>
-            <a:r>
-              <a:rPr lang="en-US" dirty="0"/>
-              <a:t> of space missions → traditional ground-based control is insufficient.</a:t>
-            </a:r>
-          </a:p>
-          <a:p>
-            <a:pPr algn="just">
-              <a:buSzPct val="121000"/>
-              <a:buFont typeface="Arial" panose="020B0604020202020204" pitchFamily="34" charset="0"/>
-              <a:buChar char="•"/>
-            </a:pPr>
-            <a:r>
-              <a:rPr lang="en-US" b="1" dirty="0"/>
-              <a:t>Communication delays</a:t>
-            </a:r>
-            <a:r>
-              <a:rPr lang="en-US" dirty="0"/>
-              <a:t> with deep space (e.g., Mars-Earth: up to 24 minutes one way).</a:t>
-            </a:r>
-          </a:p>
-          <a:p>
-            <a:pPr algn="just">
-              <a:buSzPct val="121000"/>
-              <a:buFont typeface="Arial" panose="020B0604020202020204" pitchFamily="34" charset="0"/>
-              <a:buChar char="•"/>
-            </a:pPr>
-            <a:r>
-              <a:rPr lang="en-US" b="1" dirty="0"/>
-              <a:t>Massive data</a:t>
-            </a:r>
-            <a:r>
-              <a:rPr lang="en-US" dirty="0"/>
-              <a:t> from satellites, telescopes, and sensors require intelligent processing.</a:t>
-            </a:r>
-          </a:p>
-          <a:p>
-            <a:pPr algn="just">
-              <a:buSzPct val="121000"/>
-              <a:buFont typeface="Arial" panose="020B0604020202020204" pitchFamily="34" charset="0"/>
-              <a:buChar char="•"/>
-            </a:pPr>
-            <a:r>
-              <a:rPr lang="en-US" b="1" dirty="0"/>
-              <a:t>Emergence of New Space Economy</a:t>
-            </a:r>
-            <a:r>
-              <a:rPr lang="en-US" dirty="0"/>
-              <a:t>: privatization, small satellites, mega-constellations.</a:t>
-            </a:r>
-          </a:p>
-          <a:p>
-            <a:pPr algn="just">
-              <a:buSzPct val="121000"/>
-              <a:buFont typeface="Arial" panose="020B0604020202020204" pitchFamily="34" charset="0"/>
-              <a:buChar char="•"/>
-            </a:pPr>
-            <a:r>
-              <a:rPr lang="en-US" b="1" dirty="0"/>
-              <a:t>AI promises</a:t>
-            </a:r>
-            <a:r>
-              <a:rPr lang="en-US" dirty="0"/>
-              <a:t>:</a:t>
-            </a:r>
-          </a:p>
-          <a:p>
-            <a:pPr marL="749808" lvl="1" indent="-457200" algn="just">
-              <a:buFont typeface="+mj-lt"/>
-              <a:buAutoNum type="arabicPeriod"/>
-            </a:pPr>
-            <a:r>
-              <a:rPr lang="en-US" dirty="0"/>
-              <a:t>Cost reduction.</a:t>
-            </a:r>
-          </a:p>
-          <a:p>
-            <a:pPr marL="749808" lvl="1" indent="-457200" algn="just">
-              <a:buFont typeface="+mj-lt"/>
-              <a:buAutoNum type="arabicPeriod"/>
-            </a:pPr>
-            <a:r>
-              <a:rPr lang="en-US" dirty="0"/>
-              <a:t>Safer autonomous operations.</a:t>
-            </a:r>
-          </a:p>
-          <a:p>
-            <a:pPr marL="749808" lvl="1" indent="-457200" algn="just">
-              <a:buFont typeface="+mj-lt"/>
-              <a:buAutoNum type="arabicPeriod"/>
-            </a:pPr>
-            <a:r>
-              <a:rPr lang="en-US" dirty="0"/>
-              <a:t>Faster scientific discoveries.</a:t>
-            </a:r>
-          </a:p>
-          <a:p>
-            <a:pPr marL="749808" lvl="1" indent="-457200" algn="just">
-              <a:buFont typeface="+mj-lt"/>
-              <a:buAutoNum type="arabicPeriod"/>
-            </a:pPr>
-            <a:r>
-              <a:rPr lang="en-US" dirty="0"/>
-              <a:t>Strengthening space-based services for Earth (climate monitoring, smart cities, disaster management).</a:t>
-            </a:r>
-          </a:p>
-        </p:txBody>
-      </p:sp>
-      <p:sp>
-        <p:nvSpPr>
-          <p:cNvPr id="4" name="Footer Placeholder 3">
-            <a:extLst>
-              <a:ext uri="{FF2B5EF4-FFF2-40B4-BE49-F238E27FC236}">
-                <a16:creationId xmlns:a16="http://schemas.microsoft.com/office/drawing/2014/main" xmlns="" id="{FFC7056C-06A4-40A9-A864-0BA0471C00A9}"/>
-              </a:ext>
-            </a:extLst>
-          </p:cNvPr>
-          <p:cNvSpPr>
-            <a:spLocks noGrp="1"/>
-          </p:cNvSpPr>
-          <p:nvPr>
-            <p:ph type="ftr" sz="quarter" idx="11"/>
-          </p:nvPr>
-        </p:nvSpPr>
-        <p:spPr/>
-        <p:txBody>
-          <a:bodyPr/>
-          <a:lstStyle/>
-          <a:p>
-            <a:r>
-              <a:rPr lang="en-US"/>
-              <a:t>Department of Computer Engineering</a:t>
-            </a:r>
-          </a:p>
-        </p:txBody>
-      </p:sp>
-      <p:sp>
-        <p:nvSpPr>
-          <p:cNvPr id="5" name="Slide Number Placeholder 4">
-            <a:extLst>
-              <a:ext uri="{FF2B5EF4-FFF2-40B4-BE49-F238E27FC236}">
-                <a16:creationId xmlns:a16="http://schemas.microsoft.com/office/drawing/2014/main" xmlns="" id="{6E6F169A-EC18-4592-BFB6-F16C62F99296}"/>
-              </a:ext>
-            </a:extLst>
-          </p:cNvPr>
-          <p:cNvSpPr>
-            <a:spLocks noGrp="1"/>
-          </p:cNvSpPr>
-          <p:nvPr>
-            <p:ph type="sldNum" sz="quarter" idx="12"/>
-          </p:nvPr>
-        </p:nvSpPr>
-        <p:spPr/>
-        <p:txBody>
-          <a:bodyPr/>
-          <a:lstStyle/>
-          <a:p>
-            <a:fld id="{C1FF6DA9-008F-8B48-92A6-B652298478BF}" type="slidenum">
-              <a:rPr lang="en-US" smtClean="0"/>
-              <a:t>6</a:t>
-            </a:fld>
-            <a:endParaRPr lang="en-US"/>
-          </a:p>
-        </p:txBody>
-      </p:sp>
-    </p:spTree>
-    <p:extLst>
-      <p:ext uri="{BB962C8B-B14F-4D97-AF65-F5344CB8AC3E}">
-        <p14:creationId xmlns:p14="http://schemas.microsoft.com/office/powerpoint/2010/main" val="2408718184"/>
-      </p:ext>
-    </p:extLst>
-  </p:cSld>
-  <p:clrMapOvr>
-    <a:masterClrMapping/>
-  </p:clrMapOvr>
-  <p:timing>
-    <p:tnLst>
-      <p:par>
-        <p:cTn id="1" dur="indefinite" restart="never" nodeType="tmRoot"/>
-      </p:par>
-    </p:tnLst>
-  </p:timing>
-</p:sld>
-</file>
-
-<file path=ppt/slides/slide7.xml><?xml version="1.0" encoding="utf-8"?>
-<p:sld xmlns:a="http://schemas.openxmlformats.org/drawingml/2006/main" xmlns:r="http://schemas.openxmlformats.org/officeDocument/2006/relationships" xmlns:p="http://schemas.openxmlformats.org/presentationml/2006/main">
-  <p:cSld>
-    <p:spTree>
-      <p:nvGrpSpPr>
-        <p:cNvPr id="1" name=""/>
-        <p:cNvGrpSpPr/>
-        <p:nvPr/>
-      </p:nvGrpSpPr>
-      <p:grpSpPr>
-        <a:xfrm>
-          <a:off x="0" y="0"/>
-          <a:ext cx="0" cy="0"/>
-          <a:chOff x="0" y="0"/>
-          <a:chExt cx="0" cy="0"/>
-        </a:xfrm>
-      </p:grpSpPr>
-      <p:sp>
-        <p:nvSpPr>
-          <p:cNvPr id="2" name="Title 1"/>
-          <p:cNvSpPr>
-            <a:spLocks noGrp="1"/>
-          </p:cNvSpPr>
-          <p:nvPr>
-            <p:ph type="title"/>
-          </p:nvPr>
-        </p:nvSpPr>
-        <p:spPr/>
-        <p:txBody>
-          <a:bodyPr/>
-          <a:lstStyle/>
-          <a:p>
-            <a:r>
-              <a:t>Problem Statement</a:t>
-            </a:r>
-          </a:p>
-        </p:txBody>
-      </p:sp>
-      <p:sp>
-        <p:nvSpPr>
-          <p:cNvPr id="3" name="Content Placeholder 2"/>
-          <p:cNvSpPr>
-            <a:spLocks noGrp="1"/>
-          </p:cNvSpPr>
-          <p:nvPr>
-            <p:ph idx="1"/>
-          </p:nvPr>
-        </p:nvSpPr>
-        <p:spPr/>
-        <p:txBody>
-          <a:bodyPr>
-            <a:normAutofit/>
-          </a:bodyPr>
-          <a:lstStyle/>
-          <a:p>
-            <a:pPr algn="just">
-              <a:buSzPct val="121000"/>
-              <a:buFont typeface="Arial" panose="020B0604020202020204" pitchFamily="34" charset="0"/>
-              <a:buChar char="•"/>
-            </a:pPr>
-            <a:r>
-              <a:rPr lang="en-US" dirty="0"/>
-              <a:t>Human-led decision making is </a:t>
-            </a:r>
-            <a:r>
-              <a:rPr lang="en-US" b="1" dirty="0"/>
-              <a:t>slow, error-prone, and resource-heavy</a:t>
-            </a:r>
-            <a:r>
-              <a:rPr lang="en-US" dirty="0"/>
-              <a:t> for space operations.</a:t>
-            </a:r>
-          </a:p>
-          <a:p>
-            <a:pPr algn="just">
-              <a:buSzPct val="121000"/>
-              <a:buFont typeface="Arial" panose="020B0604020202020204" pitchFamily="34" charset="0"/>
-              <a:buChar char="•"/>
-            </a:pPr>
-            <a:r>
-              <a:rPr lang="en-US" dirty="0"/>
-              <a:t>Challenges:</a:t>
-            </a:r>
-          </a:p>
-          <a:p>
-            <a:pPr marL="544068" lvl="1" indent="-342900" algn="just">
-              <a:buFont typeface="+mj-lt"/>
-              <a:buAutoNum type="arabicPeriod"/>
-            </a:pPr>
-            <a:r>
-              <a:rPr lang="en-US" b="1" dirty="0"/>
-              <a:t>Real-time anomaly detection</a:t>
-            </a:r>
-            <a:r>
-              <a:rPr lang="en-US" dirty="0"/>
-              <a:t> in spacecraft systems.</a:t>
-            </a:r>
-          </a:p>
-          <a:p>
-            <a:pPr marL="544068" lvl="1" indent="-342900" algn="just">
-              <a:buFont typeface="+mj-lt"/>
-              <a:buAutoNum type="arabicPeriod"/>
-            </a:pPr>
-            <a:r>
-              <a:rPr lang="en-US" b="1" dirty="0"/>
-              <a:t>Autonomous navigation</a:t>
-            </a:r>
-            <a:r>
-              <a:rPr lang="en-US" dirty="0"/>
-              <a:t> in harsh and unknown planetary terrains.</a:t>
-            </a:r>
-          </a:p>
-          <a:p>
-            <a:pPr marL="544068" lvl="1" indent="-342900" algn="just">
-              <a:buFont typeface="+mj-lt"/>
-              <a:buAutoNum type="arabicPeriod"/>
-            </a:pPr>
-            <a:r>
-              <a:rPr lang="en-US" b="1" dirty="0"/>
-              <a:t>Collision avoidance</a:t>
-            </a:r>
-            <a:r>
-              <a:rPr lang="en-US" dirty="0"/>
-              <a:t> with space debris and natural threats (asteroids, dust).</a:t>
-            </a:r>
-          </a:p>
-          <a:p>
-            <a:pPr marL="544068" lvl="1" indent="-342900" algn="just">
-              <a:buFont typeface="+mj-lt"/>
-              <a:buAutoNum type="arabicPeriod"/>
-            </a:pPr>
-            <a:r>
-              <a:rPr lang="en-US" b="1" dirty="0"/>
-              <a:t>Data overload</a:t>
-            </a:r>
-            <a:r>
-              <a:rPr lang="en-US" dirty="0"/>
-              <a:t> from high-resolution satellites and </a:t>
-            </a:r>
-            <a:r>
-              <a:rPr lang="en-US" dirty="0" err="1"/>
-              <a:t>IoT</a:t>
-            </a:r>
-            <a:r>
-              <a:rPr lang="en-US" dirty="0"/>
-              <a:t> in space.</a:t>
-            </a:r>
-          </a:p>
-          <a:p>
-            <a:pPr marL="544068" lvl="1" indent="-342900" algn="just">
-              <a:buFont typeface="+mj-lt"/>
-              <a:buAutoNum type="arabicPeriod"/>
-            </a:pPr>
-            <a:r>
-              <a:rPr lang="en-US" b="1" dirty="0"/>
-              <a:t>Legal and ethical challenges</a:t>
-            </a:r>
-            <a:r>
-              <a:rPr lang="en-US" dirty="0"/>
-              <a:t>: privacy issues in Earth Observation, liability for AI-driven satellites.</a:t>
-            </a:r>
-          </a:p>
-          <a:p>
-            <a:pPr algn="just">
-              <a:buSzPct val="121000"/>
-              <a:buFont typeface="Arial" panose="020B0604020202020204" pitchFamily="34" charset="0"/>
-              <a:buChar char="•"/>
-            </a:pPr>
-            <a:r>
-              <a:rPr lang="en-US" dirty="0"/>
-              <a:t>Core problem: Need for </a:t>
-            </a:r>
-            <a:r>
-              <a:rPr lang="en-US" b="1" dirty="0"/>
-              <a:t>trustworthy AI systems</a:t>
-            </a:r>
-            <a:r>
-              <a:rPr lang="en-US" dirty="0"/>
-              <a:t> that can operate </a:t>
-            </a:r>
-            <a:r>
-              <a:rPr lang="en-US" b="1" dirty="0"/>
-              <a:t>autonomously and reliably in outer space</a:t>
-            </a:r>
-            <a:r>
-              <a:rPr lang="en-US" dirty="0"/>
-              <a:t>.</a:t>
-            </a:r>
-          </a:p>
-        </p:txBody>
-      </p:sp>
-      <p:sp>
-        <p:nvSpPr>
-          <p:cNvPr id="4" name="Footer Placeholder 3">
-            <a:extLst>
-              <a:ext uri="{FF2B5EF4-FFF2-40B4-BE49-F238E27FC236}">
-                <a16:creationId xmlns:a16="http://schemas.microsoft.com/office/drawing/2014/main" xmlns="" id="{35A508A9-CEB7-469E-AA8B-05D9E0B4F901}"/>
-              </a:ext>
-            </a:extLst>
-          </p:cNvPr>
-          <p:cNvSpPr>
-            <a:spLocks noGrp="1"/>
-          </p:cNvSpPr>
-          <p:nvPr>
-            <p:ph type="ftr" sz="quarter" idx="11"/>
-          </p:nvPr>
-        </p:nvSpPr>
-        <p:spPr/>
-        <p:txBody>
-          <a:bodyPr/>
-          <a:lstStyle/>
-          <a:p>
-            <a:r>
-              <a:rPr lang="en-US"/>
-              <a:t>Department of Computer Engineering</a:t>
-            </a:r>
-          </a:p>
-        </p:txBody>
-      </p:sp>
-      <p:sp>
-        <p:nvSpPr>
-          <p:cNvPr id="5" name="Slide Number Placeholder 4">
-            <a:extLst>
-              <a:ext uri="{FF2B5EF4-FFF2-40B4-BE49-F238E27FC236}">
-                <a16:creationId xmlns:a16="http://schemas.microsoft.com/office/drawing/2014/main" xmlns="" id="{70378883-98A1-4B98-819E-E557DE42CADE}"/>
-              </a:ext>
-            </a:extLst>
-          </p:cNvPr>
-          <p:cNvSpPr>
-            <a:spLocks noGrp="1"/>
-          </p:cNvSpPr>
-          <p:nvPr>
-            <p:ph type="sldNum" sz="quarter" idx="12"/>
-          </p:nvPr>
-        </p:nvSpPr>
-        <p:spPr/>
-        <p:txBody>
-          <a:bodyPr/>
-          <a:lstStyle/>
-          <a:p>
-            <a:fld id="{C1FF6DA9-008F-8B48-92A6-B652298478BF}" type="slidenum">
-              <a:rPr lang="en-US" smtClean="0"/>
-              <a:t>7</a:t>
-            </a:fld>
-            <a:endParaRPr lang="en-US"/>
-          </a:p>
-        </p:txBody>
-      </p:sp>
-    </p:spTree>
-  </p:cSld>
-  <p:clrMapOvr>
-    <a:masterClrMapping/>
-  </p:clrMapOvr>
-  <p:timing>
-    <p:tnLst>
-      <p:par>
-        <p:cTn id="1" dur="indefinite" restart="never" nodeType="tmRoot"/>
-      </p:par>
-    </p:tnLst>
-  </p:timing>
-</p:sld>
-</file>
-
-<file path=ppt/slides/slide8.xml><?xml version="1.0" encoding="utf-8"?>
-<p:sld xmlns:a="http://schemas.openxmlformats.org/drawingml/2006/main" xmlns:r="http://schemas.openxmlformats.org/officeDocument/2006/relationships" xmlns:p="http://schemas.openxmlformats.org/presentationml/2006/main">
-  <p:cSld>
-    <p:spTree>
-      <p:nvGrpSpPr>
-        <p:cNvPr id="1" name=""/>
-        <p:cNvGrpSpPr/>
-        <p:nvPr/>
-      </p:nvGrpSpPr>
-      <p:grpSpPr>
-        <a:xfrm>
-          <a:off x="0" y="0"/>
-          <a:ext cx="0" cy="0"/>
-          <a:chOff x="0" y="0"/>
-          <a:chExt cx="0" cy="0"/>
-        </a:xfrm>
-      </p:grpSpPr>
-      <p:sp>
-        <p:nvSpPr>
-          <p:cNvPr id="2" name="Title 1"/>
-          <p:cNvSpPr>
-            <a:spLocks noGrp="1"/>
-          </p:cNvSpPr>
-          <p:nvPr>
-            <p:ph type="title"/>
-          </p:nvPr>
-        </p:nvSpPr>
-        <p:spPr/>
-        <p:txBody>
-          <a:bodyPr/>
-          <a:lstStyle/>
-          <a:p>
-            <a:r>
-              <a:rPr dirty="0"/>
-              <a:t>Objectives</a:t>
-            </a:r>
-          </a:p>
-        </p:txBody>
-      </p:sp>
-      <p:sp>
-        <p:nvSpPr>
-          <p:cNvPr id="3" name="Content Placeholder 2"/>
-          <p:cNvSpPr>
-            <a:spLocks noGrp="1"/>
-          </p:cNvSpPr>
-          <p:nvPr>
-            <p:ph idx="1"/>
-          </p:nvPr>
-        </p:nvSpPr>
-        <p:spPr/>
-        <p:txBody>
-          <a:bodyPr/>
-          <a:lstStyle/>
-          <a:p>
-            <a:pPr algn="just">
-              <a:buSzPct val="121000"/>
-              <a:buFont typeface="Arial" panose="020B0604020202020204" pitchFamily="34" charset="0"/>
-              <a:buChar char="•"/>
-            </a:pPr>
-            <a:r>
-              <a:rPr lang="en-US" dirty="0" smtClean="0"/>
-              <a:t> Develop </a:t>
-            </a:r>
-            <a:r>
-              <a:rPr lang="en-US" dirty="0"/>
-              <a:t>AI systems for:</a:t>
-            </a:r>
-          </a:p>
-          <a:p>
-            <a:pPr marL="544068" lvl="1" indent="-342900" algn="just">
-              <a:buSzPct val="100000"/>
-              <a:buFont typeface="+mj-lt"/>
-              <a:buAutoNum type="arabicPeriod"/>
-            </a:pPr>
-            <a:r>
-              <a:rPr lang="en-US" b="1" dirty="0"/>
-              <a:t>Autonomous navigation &amp; control</a:t>
-            </a:r>
-            <a:r>
-              <a:rPr lang="en-US" dirty="0"/>
-              <a:t> of spacecraft.</a:t>
-            </a:r>
-          </a:p>
-          <a:p>
-            <a:pPr marL="544068" lvl="1" indent="-342900" algn="just">
-              <a:buSzPct val="100000"/>
-              <a:buFont typeface="+mj-lt"/>
-              <a:buAutoNum type="arabicPeriod"/>
-            </a:pPr>
-            <a:r>
-              <a:rPr lang="en-US" b="1" dirty="0"/>
-              <a:t>Real-time satellite data analysis</a:t>
-            </a:r>
-            <a:r>
-              <a:rPr lang="en-US" dirty="0"/>
-              <a:t> for weather, Earth monitoring, and astronomy.</a:t>
-            </a:r>
-          </a:p>
-          <a:p>
-            <a:pPr marL="544068" lvl="1" indent="-342900" algn="just">
-              <a:buSzPct val="100000"/>
-              <a:buFont typeface="+mj-lt"/>
-              <a:buAutoNum type="arabicPeriod"/>
-            </a:pPr>
-            <a:r>
-              <a:rPr lang="en-US" b="1" dirty="0"/>
-              <a:t>Health monitoring of astronauts</a:t>
-            </a:r>
-            <a:r>
-              <a:rPr lang="en-US" dirty="0"/>
-              <a:t> during long missions.</a:t>
-            </a:r>
-          </a:p>
-          <a:p>
-            <a:pPr marL="544068" lvl="1" indent="-342900" algn="just">
-              <a:buSzPct val="100000"/>
-              <a:buFont typeface="+mj-lt"/>
-              <a:buAutoNum type="arabicPeriod"/>
-            </a:pPr>
-            <a:r>
-              <a:rPr lang="en-US" b="1" dirty="0"/>
-              <a:t>Predictive maintenance</a:t>
-            </a:r>
-            <a:r>
-              <a:rPr lang="en-US" dirty="0"/>
-              <a:t> of spacecraft systems.</a:t>
-            </a:r>
-          </a:p>
-          <a:p>
-            <a:pPr algn="just">
-              <a:buSzPct val="121000"/>
-              <a:buFont typeface="Arial" panose="020B0604020202020204" pitchFamily="34" charset="0"/>
-              <a:buChar char="•"/>
-            </a:pPr>
-            <a:r>
-              <a:rPr lang="en-US" dirty="0" smtClean="0"/>
-              <a:t> Integrate </a:t>
-            </a:r>
-            <a:r>
-              <a:rPr lang="en-US" dirty="0"/>
-              <a:t>AI with existing space mission pipelines to increase efficiency and safety.</a:t>
-            </a:r>
-          </a:p>
-        </p:txBody>
-      </p:sp>
-      <p:sp>
-        <p:nvSpPr>
-          <p:cNvPr id="4" name="Footer Placeholder 3">
-            <a:extLst>
-              <a:ext uri="{FF2B5EF4-FFF2-40B4-BE49-F238E27FC236}">
-                <a16:creationId xmlns:a16="http://schemas.microsoft.com/office/drawing/2014/main" xmlns="" id="{0067439F-E61C-4CE5-8399-F0783D936F57}"/>
-              </a:ext>
-            </a:extLst>
-          </p:cNvPr>
-          <p:cNvSpPr>
-            <a:spLocks noGrp="1"/>
-          </p:cNvSpPr>
-          <p:nvPr>
-            <p:ph type="ftr" sz="quarter" idx="11"/>
-          </p:nvPr>
-        </p:nvSpPr>
-        <p:spPr/>
-        <p:txBody>
-          <a:bodyPr/>
-          <a:lstStyle/>
-          <a:p>
-            <a:r>
-              <a:rPr lang="en-US"/>
-              <a:t>Department of Computer Engineering</a:t>
-            </a:r>
-          </a:p>
-        </p:txBody>
-      </p:sp>
-      <p:sp>
-        <p:nvSpPr>
-          <p:cNvPr id="5" name="Slide Number Placeholder 4">
-            <a:extLst>
-              <a:ext uri="{FF2B5EF4-FFF2-40B4-BE49-F238E27FC236}">
-                <a16:creationId xmlns:a16="http://schemas.microsoft.com/office/drawing/2014/main" xmlns="" id="{4BE0C96B-F9EE-42A1-A197-ABE1611E8818}"/>
-              </a:ext>
-            </a:extLst>
-          </p:cNvPr>
-          <p:cNvSpPr>
-            <a:spLocks noGrp="1"/>
-          </p:cNvSpPr>
-          <p:nvPr>
-            <p:ph type="sldNum" sz="quarter" idx="12"/>
-          </p:nvPr>
-        </p:nvSpPr>
-        <p:spPr/>
-        <p:txBody>
-          <a:bodyPr/>
-          <a:lstStyle/>
-          <a:p>
-            <a:fld id="{C1FF6DA9-008F-8B48-92A6-B652298478BF}" type="slidenum">
-              <a:rPr lang="en-US" smtClean="0"/>
-              <a:t>8</a:t>
-            </a:fld>
-            <a:endParaRPr lang="en-US"/>
-          </a:p>
-        </p:txBody>
-      </p:sp>
-    </p:spTree>
-  </p:cSld>
-  <p:clrMapOvr>
-    <a:masterClrMapping/>
-  </p:clrMapOvr>
-  <p:timing>
-    <p:tnLst>
-      <p:par>
-        <p:cTn id="1" dur="indefinite" restart="never" nodeType="tmRoot"/>
-      </p:par>
-    </p:tnLst>
-  </p:timing>
-</p:sld>
-</file>
-
-<file path=ppt/slides/slide9.xml><?xml version="1.0" encoding="utf-8"?>
-<p:sld xmlns:a="http://schemas.openxmlformats.org/drawingml/2006/main" xmlns:r="http://schemas.openxmlformats.org/officeDocument/2006/relationships" xmlns:p="http://schemas.openxmlformats.org/presentationml/2006/main">
-  <p:cSld>
-    <p:spTree>
-      <p:nvGrpSpPr>
-        <p:cNvPr id="1" name=""/>
-        <p:cNvGrpSpPr/>
-        <p:nvPr/>
-      </p:nvGrpSpPr>
-      <p:grpSpPr>
-        <a:xfrm>
-          <a:off x="0" y="0"/>
-          <a:ext cx="0" cy="0"/>
-          <a:chOff x="0" y="0"/>
-          <a:chExt cx="0" cy="0"/>
-        </a:xfrm>
-      </p:grpSpPr>
-      <p:sp>
-        <p:nvSpPr>
-          <p:cNvPr id="2" name="Title 1"/>
-          <p:cNvSpPr>
-            <a:spLocks noGrp="1"/>
-          </p:cNvSpPr>
-          <p:nvPr>
-            <p:ph type="title"/>
-          </p:nvPr>
-        </p:nvSpPr>
-        <p:spPr>
-          <a:xfrm>
-            <a:off x="822960" y="1020920"/>
-            <a:ext cx="8071658" cy="702302"/>
-          </a:xfrm>
-        </p:spPr>
-        <p:txBody>
-          <a:bodyPr>
-            <a:normAutofit fontScale="90000"/>
-          </a:bodyPr>
-          <a:lstStyle/>
-          <a:p>
-            <a:r>
-              <a:rPr dirty="0"/>
-              <a:t>Literature </a:t>
-            </a:r>
-            <a:r>
-              <a:rPr dirty="0" smtClean="0"/>
-              <a:t>Review</a:t>
-            </a:r>
-            <a:r>
-              <a:rPr lang="en-US" dirty="0" smtClean="0"/>
-              <a:t/>
-            </a:r>
-            <a:br>
-              <a:rPr lang="en-US" dirty="0" smtClean="0"/>
-            </a:br>
-            <a:r>
-              <a:rPr lang="en-US" dirty="0" smtClean="0"/>
-              <a:t>_____________________________</a:t>
-            </a:r>
-            <a:endParaRPr dirty="0"/>
-          </a:p>
-        </p:txBody>
-      </p:sp>
-      <p:graphicFrame>
-        <p:nvGraphicFramePr>
-          <p:cNvPr id="6" name="Content Placeholder 5"/>
-          <p:cNvGraphicFramePr>
-            <a:graphicFrameLocks noGrp="1"/>
-          </p:cNvGraphicFramePr>
-          <p:nvPr>
-            <p:ph idx="1"/>
-            <p:extLst>
-              <p:ext uri="{D42A27DB-BD31-4B8C-83A1-F6EECF244321}">
-                <p14:modId xmlns:p14="http://schemas.microsoft.com/office/powerpoint/2010/main" val="670855593"/>
-              </p:ext>
-            </p:extLst>
-          </p:nvPr>
-        </p:nvGraphicFramePr>
-        <p:xfrm>
-          <a:off x="822959" y="1730953"/>
-          <a:ext cx="7794567" cy="4206240"/>
-        </p:xfrm>
-        <a:graphic>
-          <a:graphicData uri="http://schemas.openxmlformats.org/drawingml/2006/table">
-            <a:tbl>
-              <a:tblPr firstRow="1" bandRow="1">
-                <a:tableStyleId>{5C22544A-7EE6-4342-B048-85BDC9FD1C3A}</a:tableStyleId>
-              </a:tblPr>
-              <a:tblGrid>
-                <a:gridCol w="2598189"/>
-                <a:gridCol w="2598189"/>
-                <a:gridCol w="2598189"/>
-              </a:tblGrid>
-              <a:tr h="512889">
-                <a:tc>
-                  <a:txBody>
-                    <a:bodyPr/>
-                    <a:lstStyle/>
-                    <a:p>
-                      <a:r>
-                        <a:rPr lang="en-US" b="1" dirty="0"/>
-                        <a:t>Author/Year</a:t>
-                      </a:r>
-                      <a:endParaRPr lang="en-US" dirty="0"/>
-                    </a:p>
-                  </a:txBody>
-                  <a:tcPr anchor="ctr"/>
-                </a:tc>
-                <a:tc>
-                  <a:txBody>
-                    <a:bodyPr/>
-                    <a:lstStyle/>
-                    <a:p>
-                      <a:r>
-                        <a:rPr lang="en-US" dirty="0" smtClean="0"/>
-                        <a:t>Approach / Technology</a:t>
-                      </a:r>
-                      <a:endParaRPr lang="en-US" dirty="0"/>
-                    </a:p>
-                  </a:txBody>
-                  <a:tcPr/>
-                </a:tc>
-                <a:tc>
-                  <a:txBody>
-                    <a:bodyPr/>
-                    <a:lstStyle/>
-                    <a:p>
-                      <a:r>
-                        <a:rPr lang="en-US" dirty="0" smtClean="0"/>
-                        <a:t>Limitations of Current Systems</a:t>
-                      </a:r>
-                      <a:endParaRPr lang="en-US" dirty="0"/>
-                    </a:p>
-                  </a:txBody>
-                  <a:tcPr/>
-                </a:tc>
-              </a:tr>
-              <a:tr h="1188720">
-                <a:tc>
-                  <a:txBody>
-                    <a:bodyPr/>
-                    <a:lstStyle/>
-                    <a:p>
-                      <a:r>
-                        <a:rPr lang="en-US" dirty="0" smtClean="0"/>
-                        <a:t>Downer, B. (2018)</a:t>
-                      </a:r>
-                      <a:endParaRPr lang="en-US" dirty="0"/>
-                    </a:p>
-                  </a:txBody>
-                  <a:tcPr/>
-                </a:tc>
-                <a:tc>
-                  <a:txBody>
-                    <a:bodyPr/>
-                    <a:lstStyle/>
-                    <a:p>
-                      <a:pPr algn="just"/>
-                      <a:r>
-                        <a:rPr lang="fr-FR" dirty="0" smtClean="0"/>
-                        <a:t>AI in Mars </a:t>
-                      </a:r>
-                      <a:r>
-                        <a:rPr lang="fr-FR" dirty="0" err="1" smtClean="0"/>
-                        <a:t>Rovers</a:t>
-                      </a:r>
-                      <a:r>
-                        <a:rPr lang="fr-FR" dirty="0" smtClean="0"/>
-                        <a:t> for </a:t>
-                      </a:r>
-                      <a:r>
-                        <a:rPr lang="fr-FR" dirty="0" err="1" smtClean="0"/>
-                        <a:t>autonomous</a:t>
-                      </a:r>
-                      <a:r>
-                        <a:rPr lang="fr-FR" dirty="0" smtClean="0"/>
-                        <a:t> navigation &amp; obstacle </a:t>
-                      </a:r>
-                      <a:r>
-                        <a:rPr lang="fr-FR" dirty="0" err="1" smtClean="0"/>
-                        <a:t>avoidance</a:t>
-                      </a:r>
-                      <a:r>
-                        <a:rPr lang="fr-FR" dirty="0" smtClean="0"/>
-                        <a:t>.</a:t>
-                      </a:r>
-                      <a:endParaRPr lang="en-US" dirty="0"/>
-                    </a:p>
-                  </a:txBody>
-                  <a:tcPr/>
-                </a:tc>
-                <a:tc>
-                  <a:txBody>
-                    <a:bodyPr/>
-                    <a:lstStyle/>
-                    <a:p>
-                      <a:pPr algn="just"/>
-                      <a:r>
-                        <a:rPr lang="en-US" dirty="0" smtClean="0"/>
-                        <a:t>Still dependent on Earth-based</a:t>
-                      </a:r>
-                      <a:r>
-                        <a:rPr lang="en-US" baseline="0" dirty="0" smtClean="0"/>
-                        <a:t> </a:t>
-                      </a:r>
-                      <a:r>
-                        <a:rPr lang="en-US" dirty="0" smtClean="0"/>
-                        <a:t>control for complex decisions; not fully autonomous.</a:t>
-                      </a:r>
-                      <a:endParaRPr lang="en-US" dirty="0"/>
-                    </a:p>
-                  </a:txBody>
-                  <a:tcPr/>
-                </a:tc>
-              </a:tr>
-              <a:tr h="1188720">
-                <a:tc>
-                  <a:txBody>
-                    <a:bodyPr/>
-                    <a:lstStyle/>
-                    <a:p>
-                      <a:r>
-                        <a:rPr lang="en-US" dirty="0" smtClean="0"/>
-                        <a:t>ESA (2019)</a:t>
-                      </a:r>
-                      <a:endParaRPr lang="en-US" dirty="0"/>
-                    </a:p>
-                  </a:txBody>
-                  <a:tcPr/>
-                </a:tc>
-                <a:tc>
-                  <a:txBody>
-                    <a:bodyPr/>
-                    <a:lstStyle/>
-                    <a:p>
-                      <a:pPr algn="just"/>
-                      <a:r>
-                        <a:rPr lang="en-US" dirty="0" smtClean="0"/>
-                        <a:t>Space 4.0 → AI integrated with </a:t>
-                      </a:r>
-                      <a:r>
-                        <a:rPr lang="en-US" dirty="0" err="1" smtClean="0"/>
-                        <a:t>IoT</a:t>
-                      </a:r>
-                      <a:r>
-                        <a:rPr lang="en-US" dirty="0" smtClean="0"/>
-                        <a:t> &amp; Big Data for satellite data processing.</a:t>
-                      </a:r>
-                      <a:endParaRPr lang="en-US" dirty="0"/>
-                    </a:p>
-                  </a:txBody>
-                  <a:tcPr/>
-                </a:tc>
-                <a:tc>
-                  <a:txBody>
-                    <a:bodyPr/>
-                    <a:lstStyle/>
-                    <a:p>
-                      <a:pPr algn="just"/>
-                      <a:r>
-                        <a:rPr lang="en-US" dirty="0" smtClean="0"/>
-                        <a:t>Limited on-board processing power; relies heavily on ground stations.</a:t>
-                      </a:r>
-                      <a:endParaRPr lang="en-US" dirty="0"/>
-                    </a:p>
-                  </a:txBody>
-                  <a:tcPr/>
-                </a:tc>
-              </a:tr>
-              <a:tr h="1188720">
-                <a:tc>
-                  <a:txBody>
-                    <a:bodyPr/>
-                    <a:lstStyle/>
-                    <a:p>
-                      <a:r>
-                        <a:rPr lang="en-US" dirty="0" smtClean="0"/>
-                        <a:t>Long, G.A. (2018)</a:t>
-                      </a:r>
-                      <a:endParaRPr lang="en-US" dirty="0"/>
-                    </a:p>
-                  </a:txBody>
-                  <a:tcPr/>
-                </a:tc>
-                <a:tc>
-                  <a:txBody>
-                    <a:bodyPr/>
-                    <a:lstStyle/>
-                    <a:p>
-                      <a:pPr algn="just"/>
-                      <a:r>
-                        <a:rPr lang="en-US" dirty="0" smtClean="0"/>
-                        <a:t>Legal studies on AI-controlled spacecraft and autonomy in space law.</a:t>
-                      </a:r>
-                      <a:endParaRPr lang="en-US" dirty="0"/>
-                    </a:p>
-                  </a:txBody>
-                  <a:tcPr/>
-                </a:tc>
-                <a:tc>
-                  <a:txBody>
-                    <a:bodyPr/>
-                    <a:lstStyle/>
-                    <a:p>
-                      <a:pPr algn="just"/>
-                      <a:r>
-                        <a:rPr lang="en-US" dirty="0" smtClean="0"/>
-                        <a:t>No global legal framework; accountability in AI failures unresolved.</a:t>
-                      </a:r>
-                      <a:endParaRPr lang="en-US" dirty="0"/>
-                    </a:p>
-                  </a:txBody>
-                  <a:tcPr/>
-                </a:tc>
-              </a:tr>
-            </a:tbl>
-          </a:graphicData>
-        </a:graphic>
-      </p:graphicFrame>
-      <p:sp>
-        <p:nvSpPr>
-          <p:cNvPr id="4" name="Footer Placeholder 3">
-            <a:extLst>
-              <a:ext uri="{FF2B5EF4-FFF2-40B4-BE49-F238E27FC236}">
-                <a16:creationId xmlns:a16="http://schemas.microsoft.com/office/drawing/2014/main" xmlns="" id="{3C73188A-E3D9-422E-B490-A9C179B7DB5C}"/>
-              </a:ext>
-            </a:extLst>
-          </p:cNvPr>
-          <p:cNvSpPr>
-            <a:spLocks noGrp="1"/>
-          </p:cNvSpPr>
-          <p:nvPr>
-            <p:ph type="ftr" sz="quarter" idx="11"/>
-          </p:nvPr>
-        </p:nvSpPr>
-        <p:spPr/>
-        <p:txBody>
-          <a:bodyPr/>
-          <a:lstStyle/>
-          <a:p>
-            <a:r>
-              <a:rPr lang="en-US"/>
-              <a:t>Department of Computer Engineering</a:t>
-            </a:r>
-          </a:p>
-        </p:txBody>
-      </p:sp>
-      <p:sp>
-        <p:nvSpPr>
-          <p:cNvPr id="5" name="Slide Number Placeholder 4">
-            <a:extLst>
-              <a:ext uri="{FF2B5EF4-FFF2-40B4-BE49-F238E27FC236}">
-                <a16:creationId xmlns:a16="http://schemas.microsoft.com/office/drawing/2014/main" xmlns="" id="{65E5C1B2-D8B5-4C89-BD26-2B9B66B646D2}"/>
-              </a:ext>
-            </a:extLst>
-          </p:cNvPr>
-          <p:cNvSpPr>
-            <a:spLocks noGrp="1"/>
-          </p:cNvSpPr>
-          <p:nvPr>
-            <p:ph type="sldNum" sz="quarter" idx="12"/>
-          </p:nvPr>
-        </p:nvSpPr>
-        <p:spPr/>
-        <p:txBody>
-          <a:bodyPr/>
-          <a:lstStyle/>
-          <a:p>
-            <a:fld id="{C1FF6DA9-008F-8B48-92A6-B652298478BF}" type="slidenum">
-              <a:rPr lang="en-US" smtClean="0"/>
-              <a:t>9</a:t>
-            </a:fld>
-            <a:endParaRPr lang="en-US"/>
-          </a:p>
-        </p:txBody>
-      </p:sp>
-    </p:spTree>
   </p:cSld>
   <p:clrMapOvr>
     <a:masterClrMapping/>
@@ -8450,7 +8256,7 @@
   <a:extraClrSchemeLst/>
   <a:extLst>
     <a:ext uri="{05A4C25C-085E-4340-85A3-A5531E510DB2}">
-      <thm15:themeFamily xmlns:thm15="http://schemas.microsoft.com/office/thememl/2012/main" xmlns="" name="Retrospect" id="{5F128B03-DCCA-4EEB-AB3B-CF2899314A46}" vid="{3F1AAB62-24C6-49D2-8E01-B56FAC9A3DCD}"/>
+      <thm15:themeFamily xmlns="" xmlns:thm15="http://schemas.microsoft.com/office/thememl/2012/main" name="Retrospect" id="{5F128B03-DCCA-4EEB-AB3B-CF2899314A46}" vid="{3F1AAB62-24C6-49D2-8E01-B56FAC9A3DCD}"/>
     </a:ext>
   </a:extLst>
 </a:theme>
@@ -8745,7 +8551,7 @@
   <a:extraClrSchemeLst/>
   <a:extLst>
     <a:ext uri="{05A4C25C-085E-4340-85A3-A5531E510DB2}">
-      <thm15:themeFamily xmlns:thm15="http://schemas.microsoft.com/office/thememl/2012/main" xmlns="" name="Office Theme" id="{62F939B6-93AF-4DB8-9C6B-D6C7DFDC589F}" vid="{4A3C46E8-61CC-4603-A589-7422A47A8E4A}"/>
+      <thm15:themeFamily xmlns="" xmlns:thm15="http://schemas.microsoft.com/office/thememl/2012/main" name="Office Theme" id="{62F939B6-93AF-4DB8-9C6B-D6C7DFDC589F}" vid="{4A3C46E8-61CC-4603-A589-7422A47A8E4A}"/>
     </a:ext>
   </a:extLst>
 </a:theme>
